--- a/Slides/01-Introduction.pptx
+++ b/Slides/01-Introduction.pptx
@@ -5,7 +5,7 @@
     <p:sldMasterId id="2147483648" r:id="rId1"/>
   </p:sldMasterIdLst>
   <p:notesMasterIdLst>
-    <p:notesMasterId r:id="rId59"/>
+    <p:notesMasterId r:id="rId60"/>
   </p:notesMasterIdLst>
   <p:sldIdLst>
     <p:sldId id="256" r:id="rId2"/>
@@ -31,40 +31,41 @@
     <p:sldId id="509" r:id="rId22"/>
     <p:sldId id="510" r:id="rId23"/>
     <p:sldId id="511" r:id="rId24"/>
-    <p:sldId id="362" r:id="rId25"/>
-    <p:sldId id="596" r:id="rId26"/>
-    <p:sldId id="600" r:id="rId27"/>
-    <p:sldId id="389" r:id="rId28"/>
-    <p:sldId id="487" r:id="rId29"/>
-    <p:sldId id="533" r:id="rId30"/>
-    <p:sldId id="534" r:id="rId31"/>
-    <p:sldId id="535" r:id="rId32"/>
-    <p:sldId id="488" r:id="rId33"/>
-    <p:sldId id="525" r:id="rId34"/>
-    <p:sldId id="436" r:id="rId35"/>
-    <p:sldId id="437" r:id="rId36"/>
-    <p:sldId id="508" r:id="rId37"/>
-    <p:sldId id="506" r:id="rId38"/>
-    <p:sldId id="597" r:id="rId39"/>
-    <p:sldId id="601" r:id="rId40"/>
-    <p:sldId id="491" r:id="rId41"/>
-    <p:sldId id="505" r:id="rId42"/>
-    <p:sldId id="579" r:id="rId43"/>
-    <p:sldId id="580" r:id="rId44"/>
-    <p:sldId id="581" r:id="rId45"/>
-    <p:sldId id="482" r:id="rId46"/>
-    <p:sldId id="481" r:id="rId47"/>
-    <p:sldId id="484" r:id="rId48"/>
-    <p:sldId id="590" r:id="rId49"/>
-    <p:sldId id="582" r:id="rId50"/>
-    <p:sldId id="583" r:id="rId51"/>
-    <p:sldId id="584" r:id="rId52"/>
-    <p:sldId id="585" r:id="rId53"/>
-    <p:sldId id="586" r:id="rId54"/>
-    <p:sldId id="587" r:id="rId55"/>
-    <p:sldId id="588" r:id="rId56"/>
-    <p:sldId id="589" r:id="rId57"/>
-    <p:sldId id="447" r:id="rId58"/>
+    <p:sldId id="603" r:id="rId25"/>
+    <p:sldId id="362" r:id="rId26"/>
+    <p:sldId id="596" r:id="rId27"/>
+    <p:sldId id="600" r:id="rId28"/>
+    <p:sldId id="389" r:id="rId29"/>
+    <p:sldId id="487" r:id="rId30"/>
+    <p:sldId id="533" r:id="rId31"/>
+    <p:sldId id="534" r:id="rId32"/>
+    <p:sldId id="535" r:id="rId33"/>
+    <p:sldId id="488" r:id="rId34"/>
+    <p:sldId id="525" r:id="rId35"/>
+    <p:sldId id="436" r:id="rId36"/>
+    <p:sldId id="437" r:id="rId37"/>
+    <p:sldId id="508" r:id="rId38"/>
+    <p:sldId id="506" r:id="rId39"/>
+    <p:sldId id="597" r:id="rId40"/>
+    <p:sldId id="601" r:id="rId41"/>
+    <p:sldId id="491" r:id="rId42"/>
+    <p:sldId id="505" r:id="rId43"/>
+    <p:sldId id="579" r:id="rId44"/>
+    <p:sldId id="580" r:id="rId45"/>
+    <p:sldId id="581" r:id="rId46"/>
+    <p:sldId id="482" r:id="rId47"/>
+    <p:sldId id="481" r:id="rId48"/>
+    <p:sldId id="484" r:id="rId49"/>
+    <p:sldId id="590" r:id="rId50"/>
+    <p:sldId id="582" r:id="rId51"/>
+    <p:sldId id="583" r:id="rId52"/>
+    <p:sldId id="584" r:id="rId53"/>
+    <p:sldId id="585" r:id="rId54"/>
+    <p:sldId id="586" r:id="rId55"/>
+    <p:sldId id="587" r:id="rId56"/>
+    <p:sldId id="588" r:id="rId57"/>
+    <p:sldId id="589" r:id="rId58"/>
+    <p:sldId id="447" r:id="rId59"/>
   </p:sldIdLst>
   <p:sldSz cx="9144000" cy="6858000" type="screen4x3"/>
   <p:notesSz cx="6858000" cy="9144000"/>
@@ -786,7 +787,7 @@
             <a:fld id="{CD1A04BD-99DE-7C45-9A80-2576E755D883}" type="slidenum">
               <a:rPr lang="en-US"/>
               <a:pPr/>
-              <a:t>25</a:t>
+              <a:t>26</a:t>
             </a:fld>
             <a:endParaRPr lang="en-US"/>
           </a:p>
@@ -915,7 +916,7 @@
               <a:pPr>
                 <a:defRPr/>
               </a:pPr>
-              <a:t>32</a:t>
+              <a:t>33</a:t>
             </a:fld>
             <a:endParaRPr lang="en-US"/>
           </a:p>
@@ -1002,7 +1003,7 @@
               <a:pPr>
                 <a:defRPr/>
               </a:pPr>
-              <a:t>33</a:t>
+              <a:t>34</a:t>
             </a:fld>
             <a:endParaRPr lang="en-US"/>
           </a:p>
@@ -1053,7 +1054,7 @@
             <a:fld id="{15E072FF-6807-9B49-B9FB-51B516EE93BF}" type="slidenum">
               <a:rPr lang="en-US"/>
               <a:pPr/>
-              <a:t>34</a:t>
+              <a:t>35</a:t>
             </a:fld>
             <a:endParaRPr lang="en-US"/>
           </a:p>
@@ -1141,7 +1142,7 @@
             <a:fld id="{A46A76B4-D230-8D46-A084-29312DAB0B7F}" type="slidenum">
               <a:rPr lang="en-US"/>
               <a:pPr/>
-              <a:t>35</a:t>
+              <a:t>36</a:t>
             </a:fld>
             <a:endParaRPr lang="en-US"/>
           </a:p>
@@ -1229,7 +1230,7 @@
             <a:fld id="{A46A76B4-D230-8D46-A084-29312DAB0B7F}" type="slidenum">
               <a:rPr lang="en-US"/>
               <a:pPr/>
-              <a:t>36</a:t>
+              <a:t>37</a:t>
             </a:fld>
             <a:endParaRPr lang="en-US"/>
           </a:p>
@@ -1317,7 +1318,7 @@
             <a:fld id="{A46A76B4-D230-8D46-A084-29312DAB0B7F}" type="slidenum">
               <a:rPr lang="en-US"/>
               <a:pPr/>
-              <a:t>37</a:t>
+              <a:t>38</a:t>
             </a:fld>
             <a:endParaRPr lang="en-US"/>
           </a:p>
@@ -1405,7 +1406,7 @@
             <a:fld id="{CD1A04BD-99DE-7C45-9A80-2576E755D883}" type="slidenum">
               <a:rPr lang="en-US"/>
               <a:pPr/>
-              <a:t>38</a:t>
+              <a:t>39</a:t>
             </a:fld>
             <a:endParaRPr lang="en-US"/>
           </a:p>
@@ -1532,7 +1533,7 @@
               <a:pPr>
                 <a:defRPr/>
               </a:pPr>
-              <a:t>43</a:t>
+              <a:t>44</a:t>
             </a:fld>
             <a:endParaRPr lang="en-US"/>
           </a:p>
@@ -2257,7 +2258,7 @@
             <a:fld id="{93D4AAFB-2255-F144-AF14-EAB3342E5421}" type="slidenum">
               <a:rPr lang="en-US"/>
               <a:pPr/>
-              <a:t>24</a:t>
+              <a:t>25</a:t>
             </a:fld>
             <a:endParaRPr lang="en-US"/>
           </a:p>
@@ -11003,6 +11004,234 @@
       </p:grpSpPr>
       <p:sp>
         <p:nvSpPr>
+          <p:cNvPr id="38914" name="Rectangle 3"/>
+          <p:cNvSpPr>
+            <a:spLocks noGrp="1" noChangeArrowheads="1"/>
+          </p:cNvSpPr>
+          <p:nvPr>
+            <p:ph idx="1"/>
+          </p:nvPr>
+        </p:nvSpPr>
+        <p:spPr>
+          <a:xfrm>
+            <a:off x="228600" y="990600"/>
+            <a:ext cx="8458200" cy="5105400"/>
+          </a:xfrm>
+        </p:spPr>
+        <p:txBody>
+          <a:bodyPr/>
+          <a:lstStyle/>
+          <a:p>
+            <a:pPr>
+              <a:spcAft>
+                <a:spcPts val="600"/>
+              </a:spcAft>
+            </a:pPr>
+            <a:r>
+              <a:rPr lang="en-US" sz="2400" strike="sngStrike" dirty="0">
+                <a:latin typeface="Calibri" charset="0"/>
+              </a:rPr>
+              <a:t>Web App Development and Programming Project</a:t>
+            </a:r>
+          </a:p>
+          <a:p>
+            <a:pPr lvl="1">
+              <a:spcAft>
+                <a:spcPts val="600"/>
+              </a:spcAft>
+            </a:pPr>
+            <a:r>
+              <a:rPr lang="en-US" sz="2000" dirty="0">
+                <a:latin typeface="Calibri" charset="0"/>
+              </a:rPr>
+              <a:t>An important topic, but insufficient time to cover it in sufficient depth</a:t>
+            </a:r>
+          </a:p>
+          <a:p>
+            <a:pPr marL="630238" lvl="2" indent="0">
+              <a:spcAft>
+                <a:spcPts val="600"/>
+              </a:spcAft>
+              <a:buNone/>
+            </a:pPr>
+            <a:r>
+              <a:rPr lang="en-US" sz="1800" dirty="0">
+                <a:latin typeface="Calibri" charset="0"/>
+              </a:rPr>
+              <a:t>		</a:t>
+            </a:r>
+          </a:p>
+          <a:p>
+            <a:pPr>
+              <a:spcAft>
+                <a:spcPts val="600"/>
+              </a:spcAft>
+            </a:pPr>
+            <a:r>
+              <a:rPr lang="en-US" sz="2400" dirty="0">
+                <a:latin typeface="Calibri" charset="0"/>
+              </a:rPr>
+              <a:t>Less Detailed Discussion of Indexing and Query Processing</a:t>
+            </a:r>
+            <a:endParaRPr lang="en-US" sz="2000" dirty="0">
+              <a:latin typeface="Calibri" charset="0"/>
+            </a:endParaRPr>
+          </a:p>
+          <a:p>
+            <a:pPr lvl="4">
+              <a:spcAft>
+                <a:spcPts val="600"/>
+              </a:spcAft>
+            </a:pPr>
+            <a:endParaRPr lang="en-US" sz="1700" dirty="0">
+              <a:latin typeface="Calibri" charset="0"/>
+            </a:endParaRPr>
+          </a:p>
+          <a:p>
+            <a:pPr>
+              <a:spcAft>
+                <a:spcPts val="600"/>
+              </a:spcAft>
+            </a:pPr>
+            <a:r>
+              <a:rPr lang="en-US" sz="2400" dirty="0">
+                <a:latin typeface="Calibri" charset="0"/>
+              </a:rPr>
+              <a:t>More in-depth NoSQL</a:t>
+            </a:r>
+          </a:p>
+          <a:p>
+            <a:pPr lvl="1">
+              <a:spcAft>
+                <a:spcPts val="600"/>
+              </a:spcAft>
+            </a:pPr>
+            <a:r>
+              <a:rPr lang="en-US" sz="1800" dirty="0">
+                <a:latin typeface="Calibri" charset="0"/>
+              </a:rPr>
+              <a:t>MongoDB (including a programming project)</a:t>
+            </a:r>
+          </a:p>
+          <a:p>
+            <a:pPr lvl="1">
+              <a:spcAft>
+                <a:spcPts val="600"/>
+              </a:spcAft>
+            </a:pPr>
+            <a:r>
+              <a:rPr lang="en-US" sz="1800" dirty="0">
+                <a:latin typeface="Calibri" charset="0"/>
+              </a:rPr>
+              <a:t>Deeper discussion of other NoSQL data models</a:t>
+            </a:r>
+          </a:p>
+          <a:p>
+            <a:pPr lvl="1">
+              <a:spcAft>
+                <a:spcPts val="600"/>
+              </a:spcAft>
+            </a:pPr>
+            <a:r>
+              <a:rPr lang="en-US" sz="1800" dirty="0">
+                <a:latin typeface="Calibri" charset="0"/>
+              </a:rPr>
+              <a:t>(MapReduce/Spark has been covered in the past)</a:t>
+            </a:r>
+          </a:p>
+          <a:p>
+            <a:pPr lvl="4">
+              <a:spcAft>
+                <a:spcPts val="600"/>
+              </a:spcAft>
+            </a:pPr>
+            <a:endParaRPr lang="en-US" sz="1500" dirty="0">
+              <a:latin typeface="Calibri" charset="0"/>
+            </a:endParaRPr>
+          </a:p>
+          <a:p>
+            <a:pPr>
+              <a:spcAft>
+                <a:spcPts val="600"/>
+              </a:spcAft>
+            </a:pPr>
+            <a:r>
+              <a:rPr lang="en-US" sz="2400" dirty="0">
+                <a:latin typeface="Calibri" charset="0"/>
+              </a:rPr>
+              <a:t>Replace implementation project for Transactions with a long-form assignment instead </a:t>
+            </a:r>
+          </a:p>
+          <a:p>
+            <a:pPr marL="392113" lvl="1" indent="0">
+              <a:spcAft>
+                <a:spcPts val="600"/>
+              </a:spcAft>
+              <a:buNone/>
+            </a:pPr>
+            <a:endParaRPr lang="en-US" sz="2000" dirty="0">
+              <a:latin typeface="Calibri" charset="0"/>
+            </a:endParaRPr>
+          </a:p>
+        </p:txBody>
+      </p:sp>
+      <p:sp>
+        <p:nvSpPr>
+          <p:cNvPr id="422914" name="Rectangle 2"/>
+          <p:cNvSpPr>
+            <a:spLocks noGrp="1" noChangeArrowheads="1"/>
+          </p:cNvSpPr>
+          <p:nvPr>
+            <p:ph type="title"/>
+          </p:nvPr>
+        </p:nvSpPr>
+        <p:spPr/>
+        <p:txBody>
+          <a:bodyPr/>
+          <a:lstStyle/>
+          <a:p>
+            <a:pPr>
+              <a:defRPr/>
+            </a:pPr>
+            <a:r>
+              <a:rPr lang="en-US" dirty="0"/>
+              <a:t>Main Changes from Fall 2020</a:t>
+            </a:r>
+          </a:p>
+        </p:txBody>
+      </p:sp>
+    </p:spTree>
+    <p:extLst>
+      <p:ext uri="{BB962C8B-B14F-4D97-AF65-F5344CB8AC3E}">
+        <p14:creationId xmlns:p14="http://schemas.microsoft.com/office/powerpoint/2010/main" val="3392387111"/>
+      </p:ext>
+    </p:extLst>
+  </p:cSld>
+  <p:clrMapOvr>
+    <a:masterClrMapping/>
+  </p:clrMapOvr>
+</p:sld>
+</file>
+
+<file path=ppt/slides/slide25.xml><?xml version="1.0" encoding="utf-8"?>
+<p:sld xmlns:a="http://schemas.openxmlformats.org/drawingml/2006/main" xmlns:r="http://schemas.openxmlformats.org/officeDocument/2006/relationships" xmlns:p="http://schemas.openxmlformats.org/presentationml/2006/main">
+  <p:cSld>
+    <p:spTree>
+      <p:nvGrpSpPr>
+        <p:cNvPr id="1" name=""/>
+        <p:cNvGrpSpPr/>
+        <p:nvPr/>
+      </p:nvGrpSpPr>
+      <p:grpSpPr>
+        <a:xfrm>
+          <a:off x="0" y="0"/>
+          <a:ext cx="0" cy="0"/>
+          <a:chOff x="0" y="0"/>
+          <a:chExt cx="0" cy="0"/>
+        </a:xfrm>
+      </p:grpSpPr>
+      <p:sp>
+        <p:nvSpPr>
           <p:cNvPr id="169987" name="Rectangle 3"/>
           <p:cNvSpPr>
             <a:spLocks noGrp="1" noChangeArrowheads="1"/>
@@ -11241,7 +11470,7 @@
 </p:sld>
 </file>
 
-<file path=ppt/slides/slide25.xml><?xml version="1.0" encoding="utf-8"?>
+<file path=ppt/slides/slide26.xml><?xml version="1.0" encoding="utf-8"?>
 <p:sld xmlns:a="http://schemas.openxmlformats.org/drawingml/2006/main" xmlns:r="http://schemas.openxmlformats.org/officeDocument/2006/relationships" xmlns:p="http://schemas.openxmlformats.org/presentationml/2006/main">
   <p:cSld>
     <p:spTree>
@@ -11640,158 +11869,6 @@
 </p:sld>
 </file>
 
-<file path=ppt/slides/slide26.xml><?xml version="1.0" encoding="utf-8"?>
-<p:sld xmlns:a="http://schemas.openxmlformats.org/drawingml/2006/main" xmlns:r="http://schemas.openxmlformats.org/officeDocument/2006/relationships" xmlns:p="http://schemas.openxmlformats.org/presentationml/2006/main">
-  <p:cSld>
-    <p:spTree>
-      <p:nvGrpSpPr>
-        <p:cNvPr id="1" name=""/>
-        <p:cNvGrpSpPr/>
-        <p:nvPr/>
-      </p:nvGrpSpPr>
-      <p:grpSpPr>
-        <a:xfrm>
-          <a:off x="0" y="0"/>
-          <a:ext cx="0" cy="0"/>
-          <a:chOff x="0" y="0"/>
-          <a:chExt cx="0" cy="0"/>
-        </a:xfrm>
-      </p:grpSpPr>
-      <p:sp>
-        <p:nvSpPr>
-          <p:cNvPr id="17410" name="Rectangle 3"/>
-          <p:cNvSpPr>
-            <a:spLocks noGrp="1" noChangeArrowheads="1"/>
-          </p:cNvSpPr>
-          <p:nvPr>
-            <p:ph idx="1"/>
-          </p:nvPr>
-        </p:nvSpPr>
-        <p:spPr>
-          <a:xfrm>
-            <a:off x="228600" y="1066800"/>
-            <a:ext cx="8763000" cy="5105400"/>
-          </a:xfrm>
-        </p:spPr>
-        <p:txBody>
-          <a:bodyPr/>
-          <a:lstStyle/>
-          <a:p>
-            <a:r>
-              <a:rPr lang="en-US" dirty="0"/>
-              <a:t>Book Chapters (6</a:t>
-            </a:r>
-            <a:r>
-              <a:rPr lang="en-US" baseline="30000" dirty="0"/>
-              <a:t>th</a:t>
-            </a:r>
-            <a:r>
-              <a:rPr lang="en-US" dirty="0"/>
-              <a:t> Edition)</a:t>
-            </a:r>
-          </a:p>
-          <a:p>
-            <a:pPr lvl="1"/>
-            <a:r>
-              <a:rPr lang="en-US" dirty="0">
-                <a:latin typeface="Calibri" charset="0"/>
-              </a:rPr>
-              <a:t>1.3</a:t>
-            </a:r>
-          </a:p>
-          <a:p>
-            <a:pPr lvl="1"/>
-            <a:endParaRPr lang="en-US" dirty="0">
-              <a:latin typeface="Calibri" charset="0"/>
-            </a:endParaRPr>
-          </a:p>
-          <a:p>
-            <a:r>
-              <a:rPr lang="en-US" dirty="0">
-                <a:latin typeface="Calibri" charset="0"/>
-              </a:rPr>
-              <a:t>Key Topics</a:t>
-            </a:r>
-          </a:p>
-          <a:p>
-            <a:pPr lvl="1">
-              <a:lnSpc>
-                <a:spcPct val="150000"/>
-              </a:lnSpc>
-            </a:pPr>
-            <a:r>
-              <a:rPr lang="en-US" dirty="0">
-                <a:latin typeface="Calibri" charset="0"/>
-              </a:rPr>
-              <a:t>Data Models and Why Capturing “Structure” is Important</a:t>
-            </a:r>
-          </a:p>
-          <a:p>
-            <a:pPr lvl="1">
-              <a:lnSpc>
-                <a:spcPct val="150000"/>
-              </a:lnSpc>
-            </a:pPr>
-            <a:r>
-              <a:rPr lang="en-US" dirty="0">
-                <a:latin typeface="Calibri" charset="0"/>
-              </a:rPr>
-              <a:t>Data Abstraction, and Views</a:t>
-            </a:r>
-          </a:p>
-          <a:p>
-            <a:pPr lvl="1">
-              <a:lnSpc>
-                <a:spcPct val="150000"/>
-              </a:lnSpc>
-            </a:pPr>
-            <a:r>
-              <a:rPr lang="en-US" dirty="0">
-                <a:latin typeface="Calibri" charset="0"/>
-              </a:rPr>
-              <a:t>Logical and Physical Data Independence</a:t>
-            </a:r>
-          </a:p>
-        </p:txBody>
-      </p:sp>
-      <p:sp>
-        <p:nvSpPr>
-          <p:cNvPr id="371714" name="Rectangle 2"/>
-          <p:cNvSpPr>
-            <a:spLocks noGrp="1" noChangeArrowheads="1"/>
-          </p:cNvSpPr>
-          <p:nvPr>
-            <p:ph type="title"/>
-          </p:nvPr>
-        </p:nvSpPr>
-        <p:spPr/>
-        <p:txBody>
-          <a:bodyPr/>
-          <a:lstStyle/>
-          <a:p>
-            <a:pPr>
-              <a:defRPr/>
-            </a:pPr>
-            <a:r>
-              <a:rPr lang="en-US" dirty="0"/>
-              <a:t>Motivation</a:t>
-            </a:r>
-          </a:p>
-        </p:txBody>
-      </p:sp>
-    </p:spTree>
-    <p:extLst>
-      <p:ext uri="{BB962C8B-B14F-4D97-AF65-F5344CB8AC3E}">
-        <p14:creationId xmlns:p14="http://schemas.microsoft.com/office/powerpoint/2010/main" val="767179250"/>
-      </p:ext>
-    </p:extLst>
-  </p:cSld>
-  <p:clrMapOvr>
-    <a:masterClrMapping/>
-  </p:clrMapOvr>
-</p:sld>
-</file>
-
 <file path=ppt/slides/slide27.xml><?xml version="1.0" encoding="utf-8"?>
 <p:sld xmlns:a="http://schemas.openxmlformats.org/drawingml/2006/main" xmlns:r="http://schemas.openxmlformats.org/officeDocument/2006/relationships" xmlns:p="http://schemas.openxmlformats.org/presentationml/2006/main">
   <p:cSld>
@@ -11811,7 +11888,7 @@
       </p:grpSpPr>
       <p:sp>
         <p:nvSpPr>
-          <p:cNvPr id="30722" name="Rectangle 3"/>
+          <p:cNvPr id="17410" name="Rectangle 3"/>
           <p:cNvSpPr>
             <a:spLocks noGrp="1" noChangeArrowheads="1"/>
           </p:cNvSpPr>
@@ -11821,8 +11898,8 @@
         </p:nvSpPr>
         <p:spPr>
           <a:xfrm>
-            <a:off x="76200" y="1066800"/>
-            <a:ext cx="8991600" cy="5105400"/>
+            <a:off x="228600" y="1066800"/>
+            <a:ext cx="8763000" cy="5105400"/>
           </a:xfrm>
         </p:spPr>
         <p:txBody>
@@ -11830,240 +11907,85 @@
           <a:lstStyle/>
           <a:p>
             <a:r>
-              <a:rPr lang="en-US" sz="2000" dirty="0">
-                <a:latin typeface="Calibri" charset="0"/>
-              </a:rPr>
-              <a:t>Provide a systematic way to solve data management issues</a:t>
-            </a:r>
-          </a:p>
-          <a:p>
-            <a:r>
-              <a:rPr lang="en-US" sz="2000" dirty="0">
-                <a:latin typeface="Calibri" charset="0"/>
-              </a:rPr>
-              <a:t>Aim is to allow easy management of high volumes of data</a:t>
+              <a:rPr lang="en-US" dirty="0"/>
+              <a:t>Book Chapters (6</a:t>
+            </a:r>
+            <a:r>
+              <a:rPr lang="en-US" baseline="30000" dirty="0"/>
+              <a:t>th</a:t>
+            </a:r>
+            <a:r>
+              <a:rPr lang="en-US" dirty="0"/>
+              <a:t> Edition)</a:t>
             </a:r>
           </a:p>
           <a:p>
             <a:pPr lvl="1"/>
             <a:r>
-              <a:rPr lang="en-US" sz="2000" dirty="0">
-                <a:latin typeface="Calibri" charset="0"/>
-              </a:rPr>
-              <a:t>Storing , Updating, Querying, Analyzing ….</a:t>
-            </a:r>
-          </a:p>
-          <a:p>
-            <a:endParaRPr lang="en-US" sz="2000" dirty="0">
+              <a:rPr lang="en-US" dirty="0">
+                <a:latin typeface="Calibri" charset="0"/>
+              </a:rPr>
+              <a:t>1.3</a:t>
+            </a:r>
+          </a:p>
+          <a:p>
+            <a:pPr lvl="1"/>
+            <a:endParaRPr lang="en-US" dirty="0">
               <a:latin typeface="Calibri" charset="0"/>
             </a:endParaRPr>
           </a:p>
           <a:p>
             <a:r>
-              <a:rPr lang="en-US" sz="2000" u="sng" dirty="0">
-                <a:latin typeface="Calibri" charset="0"/>
-              </a:rPr>
-              <a:t>What is a Database ?</a:t>
-            </a:r>
-          </a:p>
-          <a:p>
-            <a:pPr lvl="1"/>
-            <a:r>
-              <a:rPr lang="en-US" sz="2000" dirty="0">
-                <a:latin typeface="Calibri" charset="0"/>
-              </a:rPr>
-              <a:t>A large, integrated collection of (mostly </a:t>
-            </a:r>
-            <a:r>
-              <a:rPr lang="en-US" sz="2000" i="1" dirty="0">
-                <a:latin typeface="Calibri" charset="0"/>
-              </a:rPr>
-              <a:t>structured</a:t>
-            </a:r>
-            <a:r>
-              <a:rPr lang="en-US" sz="2000" dirty="0">
-                <a:latin typeface="Calibri" charset="0"/>
-              </a:rPr>
-              <a:t>) data</a:t>
-            </a:r>
-          </a:p>
-          <a:p>
-            <a:pPr lvl="1"/>
-            <a:r>
-              <a:rPr lang="en-US" sz="2000" dirty="0">
-                <a:latin typeface="Calibri" charset="0"/>
-              </a:rPr>
-              <a:t>Typically models and captures information about a real-world </a:t>
-            </a:r>
-            <a:r>
-              <a:rPr lang="en-US" sz="2000" b="1" i="1" dirty="0">
-                <a:solidFill>
-                  <a:srgbClr val="FF0000"/>
-                </a:solidFill>
-                <a:latin typeface="Calibri" charset="0"/>
-              </a:rPr>
-              <a:t>enterprise </a:t>
-            </a:r>
-          </a:p>
-          <a:p>
-            <a:pPr lvl="2"/>
-            <a:r>
-              <a:rPr lang="en-US" sz="2000" dirty="0">
-                <a:solidFill>
-                  <a:srgbClr val="FF0000"/>
-                </a:solidFill>
-                <a:latin typeface="Calibri" charset="0"/>
-              </a:rPr>
-              <a:t>Entities</a:t>
-            </a:r>
-            <a:r>
-              <a:rPr lang="en-US" sz="2000" dirty="0">
-                <a:latin typeface="Calibri" charset="0"/>
-              </a:rPr>
-              <a:t> </a:t>
-            </a:r>
-            <a:r>
-              <a:rPr lang="en-US" sz="2000" i="1" dirty="0">
-                <a:latin typeface="Calibri" charset="0"/>
-              </a:rPr>
-              <a:t>(e.g. courses, students)</a:t>
-            </a:r>
-          </a:p>
-          <a:p>
-            <a:pPr lvl="2">
-              <a:spcAft>
-                <a:spcPts val="600"/>
-              </a:spcAft>
+              <a:rPr lang="en-US" dirty="0">
+                <a:latin typeface="Calibri" charset="0"/>
+              </a:rPr>
+              <a:t>Key Topics</a:t>
+            </a:r>
+          </a:p>
+          <a:p>
+            <a:pPr lvl="1">
+              <a:lnSpc>
+                <a:spcPct val="150000"/>
+              </a:lnSpc>
             </a:pPr>
             <a:r>
-              <a:rPr lang="en-US" sz="2000" dirty="0">
-                <a:solidFill>
-                  <a:srgbClr val="FF0000"/>
-                </a:solidFill>
-                <a:latin typeface="Calibri" charset="0"/>
-              </a:rPr>
-              <a:t>Relationships</a:t>
-            </a:r>
-            <a:r>
-              <a:rPr lang="en-US" sz="2000" dirty="0">
-                <a:latin typeface="Calibri" charset="0"/>
-              </a:rPr>
-              <a:t> </a:t>
-            </a:r>
-            <a:r>
-              <a:rPr lang="en-US" sz="2000" i="1" dirty="0">
-                <a:latin typeface="Calibri" charset="0"/>
-              </a:rPr>
-              <a:t>(e.g. </a:t>
-            </a:r>
-            <a:r>
-              <a:rPr lang="en-US" sz="2000" b="1" i="1" dirty="0">
-                <a:latin typeface="Calibri" charset="0"/>
-              </a:rPr>
-              <a:t>John</a:t>
-            </a:r>
-            <a:r>
-              <a:rPr lang="en-US" sz="2000" i="1" dirty="0">
-                <a:latin typeface="Calibri" charset="0"/>
-              </a:rPr>
-              <a:t> is taking </a:t>
-            </a:r>
-            <a:r>
-              <a:rPr lang="en-US" sz="2000" b="1" i="1" dirty="0">
-                <a:latin typeface="Calibri" charset="0"/>
-              </a:rPr>
-              <a:t>CMSC 424</a:t>
-            </a:r>
-            <a:r>
-              <a:rPr lang="en-US" sz="2000" i="1" dirty="0">
-                <a:latin typeface="Calibri" charset="0"/>
-              </a:rPr>
-              <a:t>)</a:t>
-            </a:r>
-            <a:r>
-              <a:rPr lang="en-US" sz="1800" dirty="0">
-                <a:latin typeface="Calibri" charset="0"/>
-              </a:rPr>
-              <a:t>				</a:t>
-            </a:r>
-          </a:p>
-          <a:p>
-            <a:pPr lvl="2"/>
-            <a:r>
-              <a:rPr lang="en-US" sz="2000" dirty="0">
-                <a:latin typeface="Calibri" charset="0"/>
-              </a:rPr>
-              <a:t>Usually also contains:</a:t>
-            </a:r>
-          </a:p>
-          <a:p>
-            <a:pPr lvl="3"/>
-            <a:r>
-              <a:rPr lang="en-US" sz="2000" dirty="0">
-                <a:latin typeface="Calibri" charset="0"/>
-              </a:rPr>
-              <a:t>Knowledge of </a:t>
-            </a:r>
-            <a:r>
-              <a:rPr lang="en-US" sz="2000" dirty="0">
-                <a:solidFill>
-                  <a:srgbClr val="FF0000"/>
-                </a:solidFill>
-                <a:latin typeface="Calibri" charset="0"/>
-              </a:rPr>
-              <a:t>constraints</a:t>
-            </a:r>
-            <a:r>
-              <a:rPr lang="en-US" sz="2000" dirty="0">
-                <a:latin typeface="Calibri" charset="0"/>
-              </a:rPr>
-              <a:t> on the data </a:t>
-            </a:r>
-            <a:r>
-              <a:rPr lang="en-US" sz="2000" i="1" dirty="0">
-                <a:latin typeface="Calibri" charset="0"/>
-              </a:rPr>
-              <a:t>(e.g. course capacities)</a:t>
-            </a:r>
-          </a:p>
-          <a:p>
-            <a:pPr lvl="3"/>
-            <a:r>
-              <a:rPr lang="en-US" sz="2000" dirty="0">
-                <a:solidFill>
-                  <a:srgbClr val="FF0000"/>
-                </a:solidFill>
-                <a:latin typeface="Calibri" charset="0"/>
-              </a:rPr>
-              <a:t>Business logic</a:t>
-            </a:r>
-            <a:r>
-              <a:rPr lang="en-US" sz="2000" dirty="0">
-                <a:latin typeface="Calibri" charset="0"/>
-              </a:rPr>
-              <a:t> </a:t>
-            </a:r>
-            <a:r>
-              <a:rPr lang="en-US" sz="2000" i="1" dirty="0">
-                <a:latin typeface="Calibri" charset="0"/>
-              </a:rPr>
-              <a:t>(e.g. pre-requisite rules)</a:t>
-            </a:r>
-          </a:p>
-          <a:p>
-            <a:pPr lvl="3"/>
-            <a:r>
               <a:rPr lang="en-US" dirty="0">
                 <a:latin typeface="Calibri" charset="0"/>
               </a:rPr>
-              <a:t>Encoded as part of the data model (preferable) or through external programs</a:t>
+              <a:t>Data Models and Why Capturing “Structure” is Important</a:t>
+            </a:r>
+          </a:p>
+          <a:p>
+            <a:pPr lvl="1">
+              <a:lnSpc>
+                <a:spcPct val="150000"/>
+              </a:lnSpc>
+            </a:pPr>
+            <a:r>
+              <a:rPr lang="en-US" dirty="0">
+                <a:latin typeface="Calibri" charset="0"/>
+              </a:rPr>
+              <a:t>Data Abstraction, and Views</a:t>
+            </a:r>
+          </a:p>
+          <a:p>
+            <a:pPr lvl="1">
+              <a:lnSpc>
+                <a:spcPct val="150000"/>
+              </a:lnSpc>
+            </a:pPr>
+            <a:r>
+              <a:rPr lang="en-US" dirty="0">
+                <a:latin typeface="Calibri" charset="0"/>
+              </a:rPr>
+              <a:t>Logical and Physical Data Independence</a:t>
             </a:r>
           </a:p>
         </p:txBody>
       </p:sp>
       <p:sp>
         <p:nvSpPr>
-          <p:cNvPr id="397314" name="Rectangle 2"/>
+          <p:cNvPr id="371714" name="Rectangle 2"/>
           <p:cNvSpPr>
             <a:spLocks noGrp="1" noChangeArrowheads="1"/>
           </p:cNvSpPr>
@@ -12081,12 +12003,17 @@
             </a:pPr>
             <a:r>
               <a:rPr lang="en-US" dirty="0"/>
-              <a:t>Database Management Systems</a:t>
+              <a:t>Motivation</a:t>
             </a:r>
           </a:p>
         </p:txBody>
       </p:sp>
     </p:spTree>
+    <p:extLst>
+      <p:ext uri="{BB962C8B-B14F-4D97-AF65-F5344CB8AC3E}">
+        <p14:creationId xmlns:p14="http://schemas.microsoft.com/office/powerpoint/2010/main" val="767179250"/>
+      </p:ext>
+    </p:extLst>
   </p:cSld>
   <p:clrMapOvr>
     <a:masterClrMapping/>
@@ -12123,6 +12050,308 @@
         </p:nvSpPr>
         <p:spPr>
           <a:xfrm>
+            <a:off x="76200" y="1066800"/>
+            <a:ext cx="8991600" cy="5105400"/>
+          </a:xfrm>
+        </p:spPr>
+        <p:txBody>
+          <a:bodyPr/>
+          <a:lstStyle/>
+          <a:p>
+            <a:r>
+              <a:rPr lang="en-US" sz="2000" dirty="0">
+                <a:latin typeface="Calibri" charset="0"/>
+              </a:rPr>
+              <a:t>Provide a systematic way to solve data management issues</a:t>
+            </a:r>
+          </a:p>
+          <a:p>
+            <a:r>
+              <a:rPr lang="en-US" sz="2000" dirty="0">
+                <a:latin typeface="Calibri" charset="0"/>
+              </a:rPr>
+              <a:t>Aim is to allow easy management of high volumes of data</a:t>
+            </a:r>
+          </a:p>
+          <a:p>
+            <a:pPr lvl="1"/>
+            <a:r>
+              <a:rPr lang="en-US" sz="2000" dirty="0">
+                <a:latin typeface="Calibri" charset="0"/>
+              </a:rPr>
+              <a:t>Storing , Updating, Querying, Analyzing ….</a:t>
+            </a:r>
+          </a:p>
+          <a:p>
+            <a:endParaRPr lang="en-US" sz="2000" dirty="0">
+              <a:latin typeface="Calibri" charset="0"/>
+            </a:endParaRPr>
+          </a:p>
+          <a:p>
+            <a:r>
+              <a:rPr lang="en-US" sz="2000" u="sng" dirty="0">
+                <a:latin typeface="Calibri" charset="0"/>
+              </a:rPr>
+              <a:t>What is a Database ?</a:t>
+            </a:r>
+          </a:p>
+          <a:p>
+            <a:pPr lvl="1"/>
+            <a:r>
+              <a:rPr lang="en-US" sz="2000" dirty="0">
+                <a:latin typeface="Calibri" charset="0"/>
+              </a:rPr>
+              <a:t>A large, integrated collection of (mostly </a:t>
+            </a:r>
+            <a:r>
+              <a:rPr lang="en-US" sz="2000" i="1" dirty="0">
+                <a:latin typeface="Calibri" charset="0"/>
+              </a:rPr>
+              <a:t>structured</a:t>
+            </a:r>
+            <a:r>
+              <a:rPr lang="en-US" sz="2000" dirty="0">
+                <a:latin typeface="Calibri" charset="0"/>
+              </a:rPr>
+              <a:t>) data</a:t>
+            </a:r>
+          </a:p>
+          <a:p>
+            <a:pPr lvl="1"/>
+            <a:r>
+              <a:rPr lang="en-US" sz="2000" dirty="0">
+                <a:latin typeface="Calibri" charset="0"/>
+              </a:rPr>
+              <a:t>Typically models and captures information about a real-world </a:t>
+            </a:r>
+            <a:r>
+              <a:rPr lang="en-US" sz="2000" b="1" i="1" dirty="0">
+                <a:solidFill>
+                  <a:srgbClr val="FF0000"/>
+                </a:solidFill>
+                <a:latin typeface="Calibri" charset="0"/>
+              </a:rPr>
+              <a:t>enterprise </a:t>
+            </a:r>
+          </a:p>
+          <a:p>
+            <a:pPr lvl="2"/>
+            <a:r>
+              <a:rPr lang="en-US" sz="2000" dirty="0">
+                <a:solidFill>
+                  <a:srgbClr val="FF0000"/>
+                </a:solidFill>
+                <a:latin typeface="Calibri" charset="0"/>
+              </a:rPr>
+              <a:t>Entities</a:t>
+            </a:r>
+            <a:r>
+              <a:rPr lang="en-US" sz="2000" dirty="0">
+                <a:latin typeface="Calibri" charset="0"/>
+              </a:rPr>
+              <a:t> </a:t>
+            </a:r>
+            <a:r>
+              <a:rPr lang="en-US" sz="2000" i="1" dirty="0">
+                <a:latin typeface="Calibri" charset="0"/>
+              </a:rPr>
+              <a:t>(e.g. courses, students)</a:t>
+            </a:r>
+          </a:p>
+          <a:p>
+            <a:pPr lvl="2">
+              <a:spcAft>
+                <a:spcPts val="600"/>
+              </a:spcAft>
+            </a:pPr>
+            <a:r>
+              <a:rPr lang="en-US" sz="2000" dirty="0">
+                <a:solidFill>
+                  <a:srgbClr val="FF0000"/>
+                </a:solidFill>
+                <a:latin typeface="Calibri" charset="0"/>
+              </a:rPr>
+              <a:t>Relationships</a:t>
+            </a:r>
+            <a:r>
+              <a:rPr lang="en-US" sz="2000" dirty="0">
+                <a:latin typeface="Calibri" charset="0"/>
+              </a:rPr>
+              <a:t> </a:t>
+            </a:r>
+            <a:r>
+              <a:rPr lang="en-US" sz="2000" i="1" dirty="0">
+                <a:latin typeface="Calibri" charset="0"/>
+              </a:rPr>
+              <a:t>(e.g. </a:t>
+            </a:r>
+            <a:r>
+              <a:rPr lang="en-US" sz="2000" b="1" i="1" dirty="0">
+                <a:latin typeface="Calibri" charset="0"/>
+              </a:rPr>
+              <a:t>John</a:t>
+            </a:r>
+            <a:r>
+              <a:rPr lang="en-US" sz="2000" i="1" dirty="0">
+                <a:latin typeface="Calibri" charset="0"/>
+              </a:rPr>
+              <a:t> is taking </a:t>
+            </a:r>
+            <a:r>
+              <a:rPr lang="en-US" sz="2000" b="1" i="1" dirty="0">
+                <a:latin typeface="Calibri" charset="0"/>
+              </a:rPr>
+              <a:t>CMSC 424</a:t>
+            </a:r>
+            <a:r>
+              <a:rPr lang="en-US" sz="2000" i="1" dirty="0">
+                <a:latin typeface="Calibri" charset="0"/>
+              </a:rPr>
+              <a:t>)</a:t>
+            </a:r>
+            <a:r>
+              <a:rPr lang="en-US" sz="1800" dirty="0">
+                <a:latin typeface="Calibri" charset="0"/>
+              </a:rPr>
+              <a:t>				</a:t>
+            </a:r>
+          </a:p>
+          <a:p>
+            <a:pPr lvl="2"/>
+            <a:r>
+              <a:rPr lang="en-US" sz="2000" dirty="0">
+                <a:latin typeface="Calibri" charset="0"/>
+              </a:rPr>
+              <a:t>Usually also contains:</a:t>
+            </a:r>
+          </a:p>
+          <a:p>
+            <a:pPr lvl="3"/>
+            <a:r>
+              <a:rPr lang="en-US" sz="2000" dirty="0">
+                <a:latin typeface="Calibri" charset="0"/>
+              </a:rPr>
+              <a:t>Knowledge of </a:t>
+            </a:r>
+            <a:r>
+              <a:rPr lang="en-US" sz="2000" dirty="0">
+                <a:solidFill>
+                  <a:srgbClr val="FF0000"/>
+                </a:solidFill>
+                <a:latin typeface="Calibri" charset="0"/>
+              </a:rPr>
+              <a:t>constraints</a:t>
+            </a:r>
+            <a:r>
+              <a:rPr lang="en-US" sz="2000" dirty="0">
+                <a:latin typeface="Calibri" charset="0"/>
+              </a:rPr>
+              <a:t> on the data </a:t>
+            </a:r>
+            <a:r>
+              <a:rPr lang="en-US" sz="2000" i="1" dirty="0">
+                <a:latin typeface="Calibri" charset="0"/>
+              </a:rPr>
+              <a:t>(e.g. course capacities)</a:t>
+            </a:r>
+          </a:p>
+          <a:p>
+            <a:pPr lvl="3"/>
+            <a:r>
+              <a:rPr lang="en-US" sz="2000" dirty="0">
+                <a:solidFill>
+                  <a:srgbClr val="FF0000"/>
+                </a:solidFill>
+                <a:latin typeface="Calibri" charset="0"/>
+              </a:rPr>
+              <a:t>Business logic</a:t>
+            </a:r>
+            <a:r>
+              <a:rPr lang="en-US" sz="2000" dirty="0">
+                <a:latin typeface="Calibri" charset="0"/>
+              </a:rPr>
+              <a:t> </a:t>
+            </a:r>
+            <a:r>
+              <a:rPr lang="en-US" sz="2000" i="1" dirty="0">
+                <a:latin typeface="Calibri" charset="0"/>
+              </a:rPr>
+              <a:t>(e.g. pre-requisite rules)</a:t>
+            </a:r>
+          </a:p>
+          <a:p>
+            <a:pPr lvl="3"/>
+            <a:r>
+              <a:rPr lang="en-US" dirty="0">
+                <a:latin typeface="Calibri" charset="0"/>
+              </a:rPr>
+              <a:t>Encoded as part of the data model (preferable) or through external programs</a:t>
+            </a:r>
+          </a:p>
+        </p:txBody>
+      </p:sp>
+      <p:sp>
+        <p:nvSpPr>
+          <p:cNvPr id="397314" name="Rectangle 2"/>
+          <p:cNvSpPr>
+            <a:spLocks noGrp="1" noChangeArrowheads="1"/>
+          </p:cNvSpPr>
+          <p:nvPr>
+            <p:ph type="title"/>
+          </p:nvPr>
+        </p:nvSpPr>
+        <p:spPr/>
+        <p:txBody>
+          <a:bodyPr/>
+          <a:lstStyle/>
+          <a:p>
+            <a:pPr>
+              <a:defRPr/>
+            </a:pPr>
+            <a:r>
+              <a:rPr lang="en-US" dirty="0"/>
+              <a:t>Database Management Systems</a:t>
+            </a:r>
+          </a:p>
+        </p:txBody>
+      </p:sp>
+    </p:spTree>
+  </p:cSld>
+  <p:clrMapOvr>
+    <a:masterClrMapping/>
+  </p:clrMapOvr>
+</p:sld>
+</file>
+
+<file path=ppt/slides/slide29.xml><?xml version="1.0" encoding="utf-8"?>
+<p:sld xmlns:a="http://schemas.openxmlformats.org/drawingml/2006/main" xmlns:r="http://schemas.openxmlformats.org/officeDocument/2006/relationships" xmlns:p="http://schemas.openxmlformats.org/presentationml/2006/main">
+  <p:cSld>
+    <p:spTree>
+      <p:nvGrpSpPr>
+        <p:cNvPr id="1" name=""/>
+        <p:cNvGrpSpPr/>
+        <p:nvPr/>
+      </p:nvGrpSpPr>
+      <p:grpSpPr>
+        <a:xfrm>
+          <a:off x="0" y="0"/>
+          <a:ext cx="0" cy="0"/>
+          <a:chOff x="0" y="0"/>
+          <a:chExt cx="0" cy="0"/>
+        </a:xfrm>
+      </p:grpSpPr>
+      <p:sp>
+        <p:nvSpPr>
+          <p:cNvPr id="30722" name="Rectangle 3"/>
+          <p:cNvSpPr>
+            <a:spLocks noGrp="1" noChangeArrowheads="1"/>
+          </p:cNvSpPr>
+          <p:nvPr>
+            <p:ph idx="1"/>
+          </p:nvPr>
+        </p:nvSpPr>
+        <p:spPr>
+          <a:xfrm>
             <a:off x="228600" y="914400"/>
             <a:ext cx="8458200" cy="5257800"/>
           </a:xfrm>
@@ -12365,7 +12594,388 @@
 </p:sld>
 </file>
 
-<file path=ppt/slides/slide29.xml><?xml version="1.0" encoding="utf-8"?>
+<file path=ppt/slides/slide3.xml><?xml version="1.0" encoding="utf-8"?>
+<p:sld xmlns:a="http://schemas.openxmlformats.org/drawingml/2006/main" xmlns:r="http://schemas.openxmlformats.org/officeDocument/2006/relationships" xmlns:p="http://schemas.openxmlformats.org/presentationml/2006/main">
+  <p:cSld>
+    <p:spTree>
+      <p:nvGrpSpPr>
+        <p:cNvPr id="1" name=""/>
+        <p:cNvGrpSpPr/>
+        <p:nvPr/>
+      </p:nvGrpSpPr>
+      <p:grpSpPr>
+        <a:xfrm>
+          <a:off x="0" y="0"/>
+          <a:ext cx="0" cy="0"/>
+          <a:chOff x="0" y="0"/>
+          <a:chExt cx="0" cy="0"/>
+        </a:xfrm>
+      </p:grpSpPr>
+      <p:sp>
+        <p:nvSpPr>
+          <p:cNvPr id="41986" name="Rectangle 3"/>
+          <p:cNvSpPr>
+            <a:spLocks noGrp="1" noChangeArrowheads="1"/>
+          </p:cNvSpPr>
+          <p:nvPr>
+            <p:ph idx="1"/>
+          </p:nvPr>
+        </p:nvSpPr>
+        <p:spPr>
+          <a:xfrm>
+            <a:off x="228600" y="884238"/>
+            <a:ext cx="8458200" cy="5440362"/>
+          </a:xfrm>
+        </p:spPr>
+        <p:txBody>
+          <a:bodyPr/>
+          <a:lstStyle/>
+          <a:p>
+            <a:pPr eaLnBrk="1" hangingPunct="1">
+              <a:spcAft>
+                <a:spcPts val="600"/>
+              </a:spcAft>
+            </a:pPr>
+            <a:r>
+              <a:rPr lang="en-US" sz="2000" dirty="0">
+                <a:latin typeface="Calibri" charset="0"/>
+              </a:rPr>
+              <a:t>Course description</a:t>
+            </a:r>
+          </a:p>
+          <a:p>
+            <a:pPr lvl="1" eaLnBrk="1" hangingPunct="1">
+              <a:spcAft>
+                <a:spcPts val="600"/>
+              </a:spcAft>
+            </a:pPr>
+            <a:r>
+              <a:rPr lang="en-US" sz="1600" i="1" dirty="0"/>
+              <a:t>Students are introduced to database systems and motivates the database approach as a mechanism for modeling the real world. An in-depth coverage of the relational model, logical database design, query languages, and other database concepts including query optimization, concurrency control; transaction management, and log based crash recovery. Distributed and Web database architectures are also discussed.</a:t>
+            </a:r>
+          </a:p>
+          <a:p>
+            <a:pPr lvl="7">
+              <a:spcAft>
+                <a:spcPts val="600"/>
+              </a:spcAft>
+            </a:pPr>
+            <a:endParaRPr lang="en-US" sz="900" i="1" dirty="0">
+              <a:latin typeface="Calibri" charset="0"/>
+            </a:endParaRPr>
+          </a:p>
+          <a:p>
+            <a:pPr eaLnBrk="1" hangingPunct="1">
+              <a:spcAft>
+                <a:spcPts val="600"/>
+              </a:spcAft>
+            </a:pPr>
+            <a:r>
+              <a:rPr lang="en-US" sz="2000" dirty="0">
+                <a:latin typeface="Calibri" charset="0"/>
+              </a:rPr>
+              <a:t>I understand this semester will be challenging for everyone, and we will try to do what we can to make things easier</a:t>
+            </a:r>
+            <a:endParaRPr lang="en-US" sz="1800" dirty="0">
+              <a:solidFill>
+                <a:srgbClr val="FF0000"/>
+              </a:solidFill>
+              <a:latin typeface="Calibri" charset="0"/>
+            </a:endParaRPr>
+          </a:p>
+          <a:p>
+            <a:pPr lvl="1" eaLnBrk="1" hangingPunct="1">
+              <a:spcAft>
+                <a:spcPts val="0"/>
+              </a:spcAft>
+            </a:pPr>
+            <a:r>
+              <a:rPr lang="en-US" sz="1800" dirty="0">
+                <a:latin typeface="Calibri" charset="0"/>
+              </a:rPr>
+              <a:t>Typical in-person instruction, 2 classes a week etc.</a:t>
+            </a:r>
+          </a:p>
+          <a:p>
+            <a:pPr lvl="2" eaLnBrk="1" hangingPunct="1">
+              <a:spcAft>
+                <a:spcPts val="0"/>
+              </a:spcAft>
+            </a:pPr>
+            <a:r>
+              <a:rPr lang="en-US" sz="1600" dirty="0">
+                <a:latin typeface="Calibri" charset="0"/>
+              </a:rPr>
+              <a:t>Will record lectures but quality may not be as good</a:t>
+            </a:r>
+            <a:endParaRPr lang="en-US" sz="1800" dirty="0">
+              <a:latin typeface="Calibri" charset="0"/>
+            </a:endParaRPr>
+          </a:p>
+          <a:p>
+            <a:pPr lvl="1" eaLnBrk="1" hangingPunct="1">
+              <a:spcAft>
+                <a:spcPts val="0"/>
+              </a:spcAft>
+            </a:pPr>
+            <a:r>
+              <a:rPr lang="en-US" sz="1800" dirty="0">
+                <a:latin typeface="Calibri" charset="0"/>
+              </a:rPr>
+              <a:t>Will make available pre-recorded videos from Fall 2020</a:t>
+            </a:r>
+          </a:p>
+          <a:p>
+            <a:pPr lvl="2" eaLnBrk="1" hangingPunct="1">
+              <a:spcAft>
+                <a:spcPts val="0"/>
+              </a:spcAft>
+            </a:pPr>
+            <a:r>
+              <a:rPr lang="en-US" sz="1600" dirty="0">
+                <a:latin typeface="Calibri" charset="0"/>
+              </a:rPr>
+              <a:t>Expect about 90% overlap – will try to keep slides the same for most material</a:t>
+            </a:r>
+          </a:p>
+          <a:p>
+            <a:pPr lvl="1" eaLnBrk="1" hangingPunct="1">
+              <a:spcAft>
+                <a:spcPts val="0"/>
+              </a:spcAft>
+            </a:pPr>
+            <a:r>
+              <a:rPr lang="en-US" sz="1800" dirty="0">
+                <a:latin typeface="Calibri" charset="0"/>
+              </a:rPr>
+              <a:t>Use the discussion forums, office hours as much as possible – assignments are to be done individually, but you are allowed to discuss among yourselves</a:t>
+            </a:r>
+          </a:p>
+          <a:p>
+            <a:pPr lvl="1" eaLnBrk="1" hangingPunct="1">
+              <a:spcAft>
+                <a:spcPts val="0"/>
+              </a:spcAft>
+            </a:pPr>
+            <a:r>
+              <a:rPr lang="en-US" sz="1800" dirty="0">
+                <a:latin typeface="Calibri" charset="0"/>
+              </a:rPr>
+              <a:t>Fill out the survey covering your background, your expectations, and potential issues (</a:t>
+            </a:r>
+            <a:r>
+              <a:rPr lang="en-US" sz="1800" dirty="0">
+                <a:latin typeface="Calibri" charset="0"/>
+                <a:hlinkClick r:id="rId3"/>
+              </a:rPr>
+              <a:t>https://forms.gle/kgEtv8zBt7r12T4s9 --</a:t>
+            </a:r>
+            <a:r>
+              <a:rPr lang="en-US" sz="1800" dirty="0">
+                <a:latin typeface="Calibri" charset="0"/>
+              </a:rPr>
+              <a:t> will post on </a:t>
+            </a:r>
+            <a:r>
+              <a:rPr lang="en-US" sz="1800" dirty="0" err="1">
+                <a:latin typeface="Calibri" charset="0"/>
+              </a:rPr>
+              <a:t>CampusWire</a:t>
+            </a:r>
+            <a:r>
+              <a:rPr lang="en-US" sz="1800" dirty="0">
+                <a:latin typeface="Calibri" charset="0"/>
+              </a:rPr>
+              <a:t>)</a:t>
+            </a:r>
+          </a:p>
+          <a:p>
+            <a:pPr lvl="1" eaLnBrk="1" hangingPunct="1">
+              <a:spcAft>
+                <a:spcPts val="600"/>
+              </a:spcAft>
+            </a:pPr>
+            <a:endParaRPr lang="en-US" sz="1800" dirty="0">
+              <a:latin typeface="Calibri" charset="0"/>
+            </a:endParaRPr>
+          </a:p>
+          <a:p>
+            <a:pPr eaLnBrk="1" hangingPunct="1">
+              <a:spcAft>
+                <a:spcPts val="600"/>
+              </a:spcAft>
+            </a:pPr>
+            <a:endParaRPr lang="en-US" sz="2000" dirty="0">
+              <a:latin typeface="Calibri" charset="0"/>
+            </a:endParaRPr>
+          </a:p>
+        </p:txBody>
+      </p:sp>
+      <p:sp>
+        <p:nvSpPr>
+          <p:cNvPr id="448514" name="Rectangle 2"/>
+          <p:cNvSpPr>
+            <a:spLocks noGrp="1" noChangeArrowheads="1"/>
+          </p:cNvSpPr>
+          <p:nvPr>
+            <p:ph type="title"/>
+          </p:nvPr>
+        </p:nvSpPr>
+        <p:spPr/>
+        <p:txBody>
+          <a:bodyPr>
+            <a:normAutofit fontScale="90000"/>
+          </a:bodyPr>
+          <a:lstStyle/>
+          <a:p>
+            <a:pPr eaLnBrk="1" fontAlgn="auto" hangingPunct="1">
+              <a:spcAft>
+                <a:spcPts val="0"/>
+              </a:spcAft>
+              <a:defRPr/>
+            </a:pPr>
+            <a:r>
+              <a:rPr lang="en-US" dirty="0"/>
+              <a:t>Welcome to CMSC424: Database Design</a:t>
+            </a:r>
+            <a:endParaRPr lang="en-US" dirty="0">
+              <a:ea typeface="+mj-ea"/>
+              <a:cs typeface="+mj-cs"/>
+            </a:endParaRPr>
+          </a:p>
+        </p:txBody>
+      </p:sp>
+      <p:sp>
+        <p:nvSpPr>
+          <p:cNvPr id="2" name="TextBox 1">
+            <a:extLst>
+              <a:ext uri="{FF2B5EF4-FFF2-40B4-BE49-F238E27FC236}">
+                <a16:creationId xmlns:a16="http://schemas.microsoft.com/office/drawing/2014/main" id="{2E46AA62-6B81-BF42-907A-9FA9E938D5EA}"/>
+              </a:ext>
+            </a:extLst>
+          </p:cNvPr>
+          <p:cNvSpPr txBox="1"/>
+          <p:nvPr/>
+        </p:nvSpPr>
+        <p:spPr>
+          <a:xfrm>
+            <a:off x="4744065" y="6305490"/>
+            <a:ext cx="4399935" cy="400110"/>
+          </a:xfrm>
+          <a:prstGeom prst="rect">
+            <a:avLst/>
+          </a:prstGeom>
+          <a:noFill/>
+        </p:spPr>
+        <p:txBody>
+          <a:bodyPr wrap="square" rtlCol="0">
+            <a:spAutoFit/>
+          </a:bodyPr>
+          <a:lstStyle/>
+          <a:p>
+            <a:r>
+              <a:rPr lang="en-US" sz="2000" b="1" baseline="0" dirty="0">
+                <a:solidFill>
+                  <a:schemeClr val="accent2"/>
+                </a:solidFill>
+              </a:rPr>
+              <a:t>No Laptops without permission !</a:t>
+            </a:r>
+          </a:p>
+        </p:txBody>
+      </p:sp>
+    </p:spTree>
+    <p:extLst>
+      <p:ext uri="{BB962C8B-B14F-4D97-AF65-F5344CB8AC3E}">
+        <p14:creationId xmlns:p14="http://schemas.microsoft.com/office/powerpoint/2010/main" val="2505896487"/>
+      </p:ext>
+    </p:extLst>
+  </p:cSld>
+  <p:clrMapOvr>
+    <a:masterClrMapping/>
+  </p:clrMapOvr>
+  <p:timing>
+    <p:tnLst>
+      <p:par>
+        <p:cTn id="1" dur="indefinite" restart="never" nodeType="tmRoot">
+          <p:childTnLst>
+            <p:seq concurrent="1" nextAc="seek">
+              <p:cTn id="2" dur="indefinite" nodeType="mainSeq">
+                <p:childTnLst>
+                  <p:par>
+                    <p:cTn id="3" fill="hold">
+                      <p:stCondLst>
+                        <p:cond delay="indefinite"/>
+                      </p:stCondLst>
+                      <p:childTnLst>
+                        <p:par>
+                          <p:cTn id="4" fill="hold">
+                            <p:stCondLst>
+                              <p:cond delay="0"/>
+                            </p:stCondLst>
+                            <p:childTnLst>
+                              <p:par>
+                                <p:cTn id="5" presetID="1" presetClass="entr" presetSubtype="0" fill="hold" grpId="0" nodeType="clickEffect">
+                                  <p:stCondLst>
+                                    <p:cond delay="0"/>
+                                  </p:stCondLst>
+                                  <p:childTnLst>
+                                    <p:set>
+                                      <p:cBhvr>
+                                        <p:cTn id="6" dur="1" fill="hold">
+                                          <p:stCondLst>
+                                            <p:cond delay="0"/>
+                                          </p:stCondLst>
+                                        </p:cTn>
+                                        <p:tgtEl>
+                                          <p:spTgt spid="2"/>
+                                        </p:tgtEl>
+                                        <p:attrNameLst>
+                                          <p:attrName>style.visibility</p:attrName>
+                                        </p:attrNameLst>
+                                      </p:cBhvr>
+                                      <p:to>
+                                        <p:strVal val="visible"/>
+                                      </p:to>
+                                    </p:set>
+                                  </p:childTnLst>
+                                </p:cTn>
+                              </p:par>
+                            </p:childTnLst>
+                          </p:cTn>
+                        </p:par>
+                      </p:childTnLst>
+                    </p:cTn>
+                  </p:par>
+                </p:childTnLst>
+              </p:cTn>
+              <p:prevCondLst>
+                <p:cond evt="onPrev" delay="0">
+                  <p:tgtEl>
+                    <p:sldTgt/>
+                  </p:tgtEl>
+                </p:cond>
+              </p:prevCondLst>
+              <p:nextCondLst>
+                <p:cond evt="onNext" delay="0">
+                  <p:tgtEl>
+                    <p:sldTgt/>
+                  </p:tgtEl>
+                </p:cond>
+              </p:nextCondLst>
+            </p:seq>
+          </p:childTnLst>
+        </p:cTn>
+      </p:par>
+    </p:tnLst>
+    <p:bldLst>
+      <p:bldP spid="2" grpId="0"/>
+    </p:bldLst>
+  </p:timing>
+</p:sld>
+</file>
+
+<file path=ppt/slides/slide30.xml><?xml version="1.0" encoding="utf-8"?>
 <p:sld xmlns:a="http://schemas.openxmlformats.org/drawingml/2006/main" xmlns:r="http://schemas.openxmlformats.org/officeDocument/2006/relationships" xmlns:p="http://schemas.openxmlformats.org/presentationml/2006/main">
   <p:cSld>
     <p:spTree>
@@ -14938,388 +15548,7 @@
 </p:sld>
 </file>
 
-<file path=ppt/slides/slide3.xml><?xml version="1.0" encoding="utf-8"?>
-<p:sld xmlns:a="http://schemas.openxmlformats.org/drawingml/2006/main" xmlns:r="http://schemas.openxmlformats.org/officeDocument/2006/relationships" xmlns:p="http://schemas.openxmlformats.org/presentationml/2006/main">
-  <p:cSld>
-    <p:spTree>
-      <p:nvGrpSpPr>
-        <p:cNvPr id="1" name=""/>
-        <p:cNvGrpSpPr/>
-        <p:nvPr/>
-      </p:nvGrpSpPr>
-      <p:grpSpPr>
-        <a:xfrm>
-          <a:off x="0" y="0"/>
-          <a:ext cx="0" cy="0"/>
-          <a:chOff x="0" y="0"/>
-          <a:chExt cx="0" cy="0"/>
-        </a:xfrm>
-      </p:grpSpPr>
-      <p:sp>
-        <p:nvSpPr>
-          <p:cNvPr id="41986" name="Rectangle 3"/>
-          <p:cNvSpPr>
-            <a:spLocks noGrp="1" noChangeArrowheads="1"/>
-          </p:cNvSpPr>
-          <p:nvPr>
-            <p:ph idx="1"/>
-          </p:nvPr>
-        </p:nvSpPr>
-        <p:spPr>
-          <a:xfrm>
-            <a:off x="228600" y="884238"/>
-            <a:ext cx="8458200" cy="5440362"/>
-          </a:xfrm>
-        </p:spPr>
-        <p:txBody>
-          <a:bodyPr/>
-          <a:lstStyle/>
-          <a:p>
-            <a:pPr eaLnBrk="1" hangingPunct="1">
-              <a:spcAft>
-                <a:spcPts val="600"/>
-              </a:spcAft>
-            </a:pPr>
-            <a:r>
-              <a:rPr lang="en-US" sz="2000" dirty="0">
-                <a:latin typeface="Calibri" charset="0"/>
-              </a:rPr>
-              <a:t>Course description</a:t>
-            </a:r>
-          </a:p>
-          <a:p>
-            <a:pPr lvl="1" eaLnBrk="1" hangingPunct="1">
-              <a:spcAft>
-                <a:spcPts val="600"/>
-              </a:spcAft>
-            </a:pPr>
-            <a:r>
-              <a:rPr lang="en-US" sz="1600" i="1" dirty="0"/>
-              <a:t>Students are introduced to database systems and motivates the database approach as a mechanism for modeling the real world. An in-depth coverage of the relational model, logical database design, query languages, and other database concepts including query optimization, concurrency control; transaction management, and log based crash recovery. Distributed and Web database architectures are also discussed.</a:t>
-            </a:r>
-          </a:p>
-          <a:p>
-            <a:pPr lvl="7">
-              <a:spcAft>
-                <a:spcPts val="600"/>
-              </a:spcAft>
-            </a:pPr>
-            <a:endParaRPr lang="en-US" sz="900" i="1" dirty="0">
-              <a:latin typeface="Calibri" charset="0"/>
-            </a:endParaRPr>
-          </a:p>
-          <a:p>
-            <a:pPr eaLnBrk="1" hangingPunct="1">
-              <a:spcAft>
-                <a:spcPts val="600"/>
-              </a:spcAft>
-            </a:pPr>
-            <a:r>
-              <a:rPr lang="en-US" sz="2000" dirty="0">
-                <a:latin typeface="Calibri" charset="0"/>
-              </a:rPr>
-              <a:t>I understand this semester will be challenging for everyone, and we will try to do what we can to make things easier</a:t>
-            </a:r>
-            <a:endParaRPr lang="en-US" sz="1800" dirty="0">
-              <a:solidFill>
-                <a:srgbClr val="FF0000"/>
-              </a:solidFill>
-              <a:latin typeface="Calibri" charset="0"/>
-            </a:endParaRPr>
-          </a:p>
-          <a:p>
-            <a:pPr lvl="1" eaLnBrk="1" hangingPunct="1">
-              <a:spcAft>
-                <a:spcPts val="0"/>
-              </a:spcAft>
-            </a:pPr>
-            <a:r>
-              <a:rPr lang="en-US" sz="1800" dirty="0">
-                <a:latin typeface="Calibri" charset="0"/>
-              </a:rPr>
-              <a:t>Typical in-person instruction, 2 classes a week etc.</a:t>
-            </a:r>
-          </a:p>
-          <a:p>
-            <a:pPr lvl="2" eaLnBrk="1" hangingPunct="1">
-              <a:spcAft>
-                <a:spcPts val="0"/>
-              </a:spcAft>
-            </a:pPr>
-            <a:r>
-              <a:rPr lang="en-US" sz="1600" dirty="0">
-                <a:latin typeface="Calibri" charset="0"/>
-              </a:rPr>
-              <a:t>Will record lectures but quality may not be as good</a:t>
-            </a:r>
-            <a:endParaRPr lang="en-US" sz="1800" dirty="0">
-              <a:latin typeface="Calibri" charset="0"/>
-            </a:endParaRPr>
-          </a:p>
-          <a:p>
-            <a:pPr lvl="1" eaLnBrk="1" hangingPunct="1">
-              <a:spcAft>
-                <a:spcPts val="0"/>
-              </a:spcAft>
-            </a:pPr>
-            <a:r>
-              <a:rPr lang="en-US" sz="1800" dirty="0">
-                <a:latin typeface="Calibri" charset="0"/>
-              </a:rPr>
-              <a:t>Will make available pre-recorded videos from Fall 2020</a:t>
-            </a:r>
-          </a:p>
-          <a:p>
-            <a:pPr lvl="2" eaLnBrk="1" hangingPunct="1">
-              <a:spcAft>
-                <a:spcPts val="0"/>
-              </a:spcAft>
-            </a:pPr>
-            <a:r>
-              <a:rPr lang="en-US" sz="1600" dirty="0">
-                <a:latin typeface="Calibri" charset="0"/>
-              </a:rPr>
-              <a:t>Expect about 90% overlap – will try to keep slides the same for most material</a:t>
-            </a:r>
-          </a:p>
-          <a:p>
-            <a:pPr lvl="1" eaLnBrk="1" hangingPunct="1">
-              <a:spcAft>
-                <a:spcPts val="0"/>
-              </a:spcAft>
-            </a:pPr>
-            <a:r>
-              <a:rPr lang="en-US" sz="1800" dirty="0">
-                <a:latin typeface="Calibri" charset="0"/>
-              </a:rPr>
-              <a:t>Use the discussion forums, office hours as much as possible – assignments are to be done individually, but you are allowed to discuss among yourselves</a:t>
-            </a:r>
-          </a:p>
-          <a:p>
-            <a:pPr lvl="1" eaLnBrk="1" hangingPunct="1">
-              <a:spcAft>
-                <a:spcPts val="0"/>
-              </a:spcAft>
-            </a:pPr>
-            <a:r>
-              <a:rPr lang="en-US" sz="1800" dirty="0">
-                <a:latin typeface="Calibri" charset="0"/>
-              </a:rPr>
-              <a:t>Fill out the survey covering your background, your expectations, and potential issues (</a:t>
-            </a:r>
-            <a:r>
-              <a:rPr lang="en-US" sz="1800" dirty="0">
-                <a:latin typeface="Calibri" charset="0"/>
-                <a:hlinkClick r:id="rId3"/>
-              </a:rPr>
-              <a:t>https://forms.gle/kgEtv8zBt7r12T4s9 --</a:t>
-            </a:r>
-            <a:r>
-              <a:rPr lang="en-US" sz="1800" dirty="0">
-                <a:latin typeface="Calibri" charset="0"/>
-              </a:rPr>
-              <a:t> will post on </a:t>
-            </a:r>
-            <a:r>
-              <a:rPr lang="en-US" sz="1800" dirty="0" err="1">
-                <a:latin typeface="Calibri" charset="0"/>
-              </a:rPr>
-              <a:t>CampusWire</a:t>
-            </a:r>
-            <a:r>
-              <a:rPr lang="en-US" sz="1800" dirty="0">
-                <a:latin typeface="Calibri" charset="0"/>
-              </a:rPr>
-              <a:t>)</a:t>
-            </a:r>
-          </a:p>
-          <a:p>
-            <a:pPr lvl="1" eaLnBrk="1" hangingPunct="1">
-              <a:spcAft>
-                <a:spcPts val="600"/>
-              </a:spcAft>
-            </a:pPr>
-            <a:endParaRPr lang="en-US" sz="1800" dirty="0">
-              <a:latin typeface="Calibri" charset="0"/>
-            </a:endParaRPr>
-          </a:p>
-          <a:p>
-            <a:pPr eaLnBrk="1" hangingPunct="1">
-              <a:spcAft>
-                <a:spcPts val="600"/>
-              </a:spcAft>
-            </a:pPr>
-            <a:endParaRPr lang="en-US" sz="2000" dirty="0">
-              <a:latin typeface="Calibri" charset="0"/>
-            </a:endParaRPr>
-          </a:p>
-        </p:txBody>
-      </p:sp>
-      <p:sp>
-        <p:nvSpPr>
-          <p:cNvPr id="448514" name="Rectangle 2"/>
-          <p:cNvSpPr>
-            <a:spLocks noGrp="1" noChangeArrowheads="1"/>
-          </p:cNvSpPr>
-          <p:nvPr>
-            <p:ph type="title"/>
-          </p:nvPr>
-        </p:nvSpPr>
-        <p:spPr/>
-        <p:txBody>
-          <a:bodyPr>
-            <a:normAutofit fontScale="90000"/>
-          </a:bodyPr>
-          <a:lstStyle/>
-          <a:p>
-            <a:pPr eaLnBrk="1" fontAlgn="auto" hangingPunct="1">
-              <a:spcAft>
-                <a:spcPts val="0"/>
-              </a:spcAft>
-              <a:defRPr/>
-            </a:pPr>
-            <a:r>
-              <a:rPr lang="en-US" dirty="0"/>
-              <a:t>Welcome to CMSC424: Database Design</a:t>
-            </a:r>
-            <a:endParaRPr lang="en-US" dirty="0">
-              <a:ea typeface="+mj-ea"/>
-              <a:cs typeface="+mj-cs"/>
-            </a:endParaRPr>
-          </a:p>
-        </p:txBody>
-      </p:sp>
-      <p:sp>
-        <p:nvSpPr>
-          <p:cNvPr id="2" name="TextBox 1">
-            <a:extLst>
-              <a:ext uri="{FF2B5EF4-FFF2-40B4-BE49-F238E27FC236}">
-                <a16:creationId xmlns:a16="http://schemas.microsoft.com/office/drawing/2014/main" id="{2E46AA62-6B81-BF42-907A-9FA9E938D5EA}"/>
-              </a:ext>
-            </a:extLst>
-          </p:cNvPr>
-          <p:cNvSpPr txBox="1"/>
-          <p:nvPr/>
-        </p:nvSpPr>
-        <p:spPr>
-          <a:xfrm>
-            <a:off x="4744065" y="6305490"/>
-            <a:ext cx="4399935" cy="400110"/>
-          </a:xfrm>
-          <a:prstGeom prst="rect">
-            <a:avLst/>
-          </a:prstGeom>
-          <a:noFill/>
-        </p:spPr>
-        <p:txBody>
-          <a:bodyPr wrap="square" rtlCol="0">
-            <a:spAutoFit/>
-          </a:bodyPr>
-          <a:lstStyle/>
-          <a:p>
-            <a:r>
-              <a:rPr lang="en-US" sz="2000" b="1" baseline="0" dirty="0">
-                <a:solidFill>
-                  <a:schemeClr val="accent2"/>
-                </a:solidFill>
-              </a:rPr>
-              <a:t>No Laptops without permission !</a:t>
-            </a:r>
-          </a:p>
-        </p:txBody>
-      </p:sp>
-    </p:spTree>
-    <p:extLst>
-      <p:ext uri="{BB962C8B-B14F-4D97-AF65-F5344CB8AC3E}">
-        <p14:creationId xmlns:p14="http://schemas.microsoft.com/office/powerpoint/2010/main" val="2505896487"/>
-      </p:ext>
-    </p:extLst>
-  </p:cSld>
-  <p:clrMapOvr>
-    <a:masterClrMapping/>
-  </p:clrMapOvr>
-  <p:timing>
-    <p:tnLst>
-      <p:par>
-        <p:cTn id="1" dur="indefinite" restart="never" nodeType="tmRoot">
-          <p:childTnLst>
-            <p:seq concurrent="1" nextAc="seek">
-              <p:cTn id="2" dur="indefinite" nodeType="mainSeq">
-                <p:childTnLst>
-                  <p:par>
-                    <p:cTn id="3" fill="hold">
-                      <p:stCondLst>
-                        <p:cond delay="indefinite"/>
-                      </p:stCondLst>
-                      <p:childTnLst>
-                        <p:par>
-                          <p:cTn id="4" fill="hold">
-                            <p:stCondLst>
-                              <p:cond delay="0"/>
-                            </p:stCondLst>
-                            <p:childTnLst>
-                              <p:par>
-                                <p:cTn id="5" presetID="1" presetClass="entr" presetSubtype="0" fill="hold" grpId="0" nodeType="clickEffect">
-                                  <p:stCondLst>
-                                    <p:cond delay="0"/>
-                                  </p:stCondLst>
-                                  <p:childTnLst>
-                                    <p:set>
-                                      <p:cBhvr>
-                                        <p:cTn id="6" dur="1" fill="hold">
-                                          <p:stCondLst>
-                                            <p:cond delay="0"/>
-                                          </p:stCondLst>
-                                        </p:cTn>
-                                        <p:tgtEl>
-                                          <p:spTgt spid="2"/>
-                                        </p:tgtEl>
-                                        <p:attrNameLst>
-                                          <p:attrName>style.visibility</p:attrName>
-                                        </p:attrNameLst>
-                                      </p:cBhvr>
-                                      <p:to>
-                                        <p:strVal val="visible"/>
-                                      </p:to>
-                                    </p:set>
-                                  </p:childTnLst>
-                                </p:cTn>
-                              </p:par>
-                            </p:childTnLst>
-                          </p:cTn>
-                        </p:par>
-                      </p:childTnLst>
-                    </p:cTn>
-                  </p:par>
-                </p:childTnLst>
-              </p:cTn>
-              <p:prevCondLst>
-                <p:cond evt="onPrev" delay="0">
-                  <p:tgtEl>
-                    <p:sldTgt/>
-                  </p:tgtEl>
-                </p:cond>
-              </p:prevCondLst>
-              <p:nextCondLst>
-                <p:cond evt="onNext" delay="0">
-                  <p:tgtEl>
-                    <p:sldTgt/>
-                  </p:tgtEl>
-                </p:cond>
-              </p:nextCondLst>
-            </p:seq>
-          </p:childTnLst>
-        </p:cTn>
-      </p:par>
-    </p:tnLst>
-    <p:bldLst>
-      <p:bldP spid="2" grpId="0"/>
-    </p:bldLst>
-  </p:timing>
-</p:sld>
-</file>
-
-<file path=ppt/slides/slide30.xml><?xml version="1.0" encoding="utf-8"?>
+<file path=ppt/slides/slide31.xml><?xml version="1.0" encoding="utf-8"?>
 <p:sld xmlns:a="http://schemas.openxmlformats.org/drawingml/2006/main" xmlns:r="http://schemas.openxmlformats.org/officeDocument/2006/relationships" xmlns:p="http://schemas.openxmlformats.org/presentationml/2006/main">
   <p:cSld>
     <p:spTree>
@@ -15595,7 +15824,7 @@
 </p:sld>
 </file>
 
-<file path=ppt/slides/slide31.xml><?xml version="1.0" encoding="utf-8"?>
+<file path=ppt/slides/slide32.xml><?xml version="1.0" encoding="utf-8"?>
 <p:sld xmlns:a="http://schemas.openxmlformats.org/drawingml/2006/main" xmlns:r="http://schemas.openxmlformats.org/officeDocument/2006/relationships" xmlns:p="http://schemas.openxmlformats.org/presentationml/2006/main">
   <p:cSld>
     <p:spTree>
@@ -16097,185 +16326,6 @@
 </p:sld>
 </file>
 
-<file path=ppt/slides/slide32.xml><?xml version="1.0" encoding="utf-8"?>
-<p:sld xmlns:a="http://schemas.openxmlformats.org/drawingml/2006/main" xmlns:r="http://schemas.openxmlformats.org/officeDocument/2006/relationships" xmlns:p="http://schemas.openxmlformats.org/presentationml/2006/main">
-  <p:cSld>
-    <p:spTree>
-      <p:nvGrpSpPr>
-        <p:cNvPr id="1" name=""/>
-        <p:cNvGrpSpPr/>
-        <p:nvPr/>
-      </p:nvGrpSpPr>
-      <p:grpSpPr>
-        <a:xfrm>
-          <a:off x="0" y="0"/>
-          <a:ext cx="0" cy="0"/>
-          <a:chOff x="0" y="0"/>
-          <a:chExt cx="0" cy="0"/>
-        </a:xfrm>
-      </p:grpSpPr>
-      <p:sp>
-        <p:nvSpPr>
-          <p:cNvPr id="30722" name="Rectangle 3"/>
-          <p:cNvSpPr>
-            <a:spLocks noGrp="1" noChangeArrowheads="1"/>
-          </p:cNvSpPr>
-          <p:nvPr>
-            <p:ph idx="1"/>
-          </p:nvPr>
-        </p:nvSpPr>
-        <p:spPr/>
-        <p:txBody>
-          <a:bodyPr/>
-          <a:lstStyle/>
-          <a:p>
-            <a:r>
-              <a:rPr lang="en-US" sz="2400" dirty="0">
-                <a:latin typeface="Calibri" charset="0"/>
-              </a:rPr>
-              <a:t>Massively successful for </a:t>
-            </a:r>
-            <a:r>
-              <a:rPr lang="en-US" sz="2400" i="1" dirty="0">
-                <a:solidFill>
-                  <a:srgbClr val="FF0000"/>
-                </a:solidFill>
-                <a:latin typeface="Calibri" charset="0"/>
-              </a:rPr>
-              <a:t>highly structured data</a:t>
-            </a:r>
-          </a:p>
-          <a:p>
-            <a:pPr lvl="1"/>
-            <a:r>
-              <a:rPr lang="en-US" sz="2400" dirty="0">
-                <a:latin typeface="Calibri" charset="0"/>
-              </a:rPr>
-              <a:t>Why ? Structure in the data (if any) can be exploited for ease of use and efficiency</a:t>
-            </a:r>
-          </a:p>
-          <a:p>
-            <a:pPr lvl="2"/>
-            <a:endParaRPr lang="en-US" sz="2200" dirty="0">
-              <a:latin typeface="Calibri" charset="0"/>
-            </a:endParaRPr>
-          </a:p>
-          <a:p>
-            <a:pPr lvl="1"/>
-            <a:r>
-              <a:rPr lang="en-US" sz="2400" dirty="0">
-                <a:latin typeface="Calibri" charset="0"/>
-              </a:rPr>
-              <a:t>How ?	</a:t>
-            </a:r>
-          </a:p>
-          <a:p>
-            <a:pPr lvl="3"/>
-            <a:endParaRPr lang="en-US" sz="2000" dirty="0">
-              <a:latin typeface="Calibri" charset="0"/>
-            </a:endParaRPr>
-          </a:p>
-          <a:p>
-            <a:pPr lvl="1"/>
-            <a:r>
-              <a:rPr lang="en-US" sz="2400" dirty="0">
-                <a:latin typeface="Calibri" charset="0"/>
-              </a:rPr>
-              <a:t>Two Key Concepts:</a:t>
-            </a:r>
-          </a:p>
-          <a:p>
-            <a:pPr lvl="2"/>
-            <a:r>
-              <a:rPr lang="en-US" sz="2200" u="sng" dirty="0">
-                <a:solidFill>
-                  <a:srgbClr val="FF0000"/>
-                </a:solidFill>
-                <a:latin typeface="Calibri" charset="0"/>
-              </a:rPr>
-              <a:t>Data Modeling</a:t>
-            </a:r>
-            <a:r>
-              <a:rPr lang="en-US" sz="2200" dirty="0">
-                <a:latin typeface="Calibri" charset="0"/>
-              </a:rPr>
-              <a:t>: Allows reasoning about the data at a high level</a:t>
-            </a:r>
-          </a:p>
-          <a:p>
-            <a:pPr lvl="3"/>
-            <a:r>
-              <a:rPr lang="en-US" sz="2000" dirty="0">
-                <a:latin typeface="Calibri" charset="0"/>
-              </a:rPr>
-              <a:t>e.g. “emails” have “sender”, “receiver”, “…”</a:t>
-            </a:r>
-          </a:p>
-          <a:p>
-            <a:pPr lvl="3"/>
-            <a:r>
-              <a:rPr lang="en-US" sz="2000" dirty="0">
-                <a:latin typeface="Calibri" charset="0"/>
-              </a:rPr>
-              <a:t>Once we can describe the data, we can start “querying” it</a:t>
-            </a:r>
-          </a:p>
-          <a:p>
-            <a:pPr lvl="2"/>
-            <a:r>
-              <a:rPr lang="en-US" sz="2200" u="sng" dirty="0">
-                <a:solidFill>
-                  <a:srgbClr val="FF0000"/>
-                </a:solidFill>
-                <a:latin typeface="Calibri" charset="0"/>
-              </a:rPr>
-              <a:t>Data Abstraction/Independence:</a:t>
-            </a:r>
-          </a:p>
-          <a:p>
-            <a:pPr lvl="3"/>
-            <a:r>
-              <a:rPr lang="en-US" sz="2000" dirty="0">
-                <a:latin typeface="Calibri" charset="0"/>
-              </a:rPr>
-              <a:t>Layer the system so that the users/applications are insulated from the low-level details</a:t>
-            </a:r>
-          </a:p>
-        </p:txBody>
-      </p:sp>
-      <p:sp>
-        <p:nvSpPr>
-          <p:cNvPr id="397314" name="Rectangle 2"/>
-          <p:cNvSpPr>
-            <a:spLocks noGrp="1" noChangeArrowheads="1"/>
-          </p:cNvSpPr>
-          <p:nvPr>
-            <p:ph type="title"/>
-          </p:nvPr>
-        </p:nvSpPr>
-        <p:spPr/>
-        <p:txBody>
-          <a:bodyPr/>
-          <a:lstStyle/>
-          <a:p>
-            <a:pPr>
-              <a:defRPr/>
-            </a:pPr>
-            <a:r>
-              <a:rPr lang="en-US" dirty="0"/>
-              <a:t>Database Management Systems</a:t>
-            </a:r>
-          </a:p>
-        </p:txBody>
-      </p:sp>
-    </p:spTree>
-  </p:cSld>
-  <p:clrMapOvr>
-    <a:masterClrMapping/>
-  </p:clrMapOvr>
-</p:sld>
-</file>
-
 <file path=ppt/slides/slide33.xml><?xml version="1.0" encoding="utf-8"?>
 <p:sld xmlns:a="http://schemas.openxmlformats.org/drawingml/2006/main" xmlns:r="http://schemas.openxmlformats.org/officeDocument/2006/relationships" xmlns:p="http://schemas.openxmlformats.org/presentationml/2006/main">
   <p:cSld>
@@ -16303,12 +16353,7 @@
             <p:ph idx="1"/>
           </p:nvPr>
         </p:nvSpPr>
-        <p:spPr>
-          <a:xfrm>
-            <a:off x="0" y="1066800"/>
-            <a:ext cx="8915400" cy="5105400"/>
-          </a:xfrm>
-        </p:spPr>
+        <p:spPr/>
         <p:txBody>
           <a:bodyPr/>
           <a:lstStyle/>
@@ -16317,43 +16362,40 @@
               <a:rPr lang="en-US" sz="2400" dirty="0">
                 <a:latin typeface="Calibri" charset="0"/>
               </a:rPr>
-              <a:t>Data modeling</a:t>
-            </a:r>
-          </a:p>
-          <a:p>
-            <a:pPr lvl="1"/>
-            <a:r>
-              <a:rPr lang="en-US" sz="2000" b="1" dirty="0">
+              <a:t>Massively successful for </a:t>
+            </a:r>
+            <a:r>
+              <a:rPr lang="en-US" sz="2400" i="1" dirty="0">
                 <a:solidFill>
                   <a:srgbClr val="FF0000"/>
                 </a:solidFill>
                 <a:latin typeface="Calibri" charset="0"/>
               </a:rPr>
-              <a:t>Data model</a:t>
-            </a:r>
-            <a:r>
-              <a:rPr lang="en-US" sz="2000" dirty="0">
-                <a:latin typeface="Calibri" charset="0"/>
-              </a:rPr>
-              <a:t>: A collection of concepts that describes how data is represented and accessed</a:t>
+              <a:t>highly structured data</a:t>
             </a:r>
           </a:p>
           <a:p>
             <a:pPr lvl="1"/>
             <a:r>
-              <a:rPr lang="en-US" sz="2000" b="1" dirty="0">
-                <a:solidFill>
-                  <a:srgbClr val="FF0000"/>
-                </a:solidFill>
-                <a:latin typeface="Calibri" charset="0"/>
-              </a:rPr>
-              <a:t>Schema:</a:t>
-            </a:r>
-            <a:r>
-              <a:rPr lang="en-US" sz="2000" dirty="0">
-                <a:latin typeface="Calibri" charset="0"/>
-              </a:rPr>
-              <a:t> A description of a specific collection of data, using a given data model</a:t>
+              <a:rPr lang="en-US" sz="2400" dirty="0">
+                <a:latin typeface="Calibri" charset="0"/>
+              </a:rPr>
+              <a:t>Why ? Structure in the data (if any) can be exploited for ease of use and efficiency</a:t>
+            </a:r>
+          </a:p>
+          <a:p>
+            <a:pPr lvl="2"/>
+            <a:endParaRPr lang="en-US" sz="2200" dirty="0">
+              <a:latin typeface="Calibri" charset="0"/>
+            </a:endParaRPr>
+          </a:p>
+          <a:p>
+            <a:pPr lvl="1"/>
+            <a:r>
+              <a:rPr lang="en-US" sz="2400" dirty="0">
+                <a:latin typeface="Calibri" charset="0"/>
+              </a:rPr>
+              <a:t>How ?	</a:t>
             </a:r>
           </a:p>
           <a:p>
@@ -16365,95 +16407,68 @@
           <a:p>
             <a:pPr lvl="1"/>
             <a:r>
+              <a:rPr lang="en-US" sz="2400" dirty="0">
+                <a:latin typeface="Calibri" charset="0"/>
+              </a:rPr>
+              <a:t>Two Key Concepts:</a:t>
+            </a:r>
+          </a:p>
+          <a:p>
+            <a:pPr lvl="2"/>
+            <a:r>
+              <a:rPr lang="en-US" sz="2200" u="sng" dirty="0">
+                <a:solidFill>
+                  <a:srgbClr val="FF0000"/>
+                </a:solidFill>
+                <a:latin typeface="Calibri" charset="0"/>
+              </a:rPr>
+              <a:t>Data Modeling</a:t>
+            </a:r>
+            <a:r>
+              <a:rPr lang="en-US" sz="2200" dirty="0">
+                <a:latin typeface="Calibri" charset="0"/>
+              </a:rPr>
+              <a:t>: Allows reasoning about the data at a high level</a:t>
+            </a:r>
+          </a:p>
+          <a:p>
+            <a:pPr lvl="3"/>
+            <a:r>
               <a:rPr lang="en-US" sz="2000" dirty="0">
                 <a:latin typeface="Calibri" charset="0"/>
               </a:rPr>
-              <a:t>Some examples of data models that we will see</a:t>
+              <a:t>e.g. “emails” have “sender”, “receiver”, “…”</a:t>
+            </a:r>
+          </a:p>
+          <a:p>
+            <a:pPr lvl="3"/>
+            <a:r>
+              <a:rPr lang="en-US" sz="2000" dirty="0">
+                <a:latin typeface="Calibri" charset="0"/>
+              </a:rPr>
+              <a:t>Once we can describe the data, we can start “querying” it</a:t>
             </a:r>
           </a:p>
           <a:p>
             <a:pPr lvl="2"/>
             <a:r>
+              <a:rPr lang="en-US" sz="2200" u="sng" dirty="0">
+                <a:solidFill>
+                  <a:srgbClr val="FF0000"/>
+                </a:solidFill>
+                <a:latin typeface="Calibri" charset="0"/>
+              </a:rPr>
+              <a:t>Data Abstraction/Independence:</a:t>
+            </a:r>
+          </a:p>
+          <a:p>
+            <a:pPr lvl="3"/>
+            <a:r>
               <a:rPr lang="en-US" sz="2000" dirty="0">
                 <a:latin typeface="Calibri" charset="0"/>
               </a:rPr>
-              <a:t>Relational, </a:t>
-            </a:r>
-            <a:r>
-              <a:rPr lang="en-US" sz="2000" dirty="0">
-                <a:latin typeface="Calibri" charset="0"/>
-                <a:sym typeface="Wingdings"/>
-              </a:rPr>
-              <a:t>Entity-relationship model, XML, JSON…</a:t>
-            </a:r>
-          </a:p>
-          <a:p>
-            <a:pPr lvl="2"/>
-            <a:r>
-              <a:rPr lang="en-US" sz="2000" dirty="0">
-                <a:latin typeface="Calibri" charset="0"/>
-                <a:sym typeface="Wingdings"/>
-              </a:rPr>
-              <a:t>Object-oriented, object-relational, semantic data model, RDF…</a:t>
-            </a:r>
-          </a:p>
-          <a:p>
-            <a:pPr lvl="4"/>
-            <a:endParaRPr lang="en-US" dirty="0">
-              <a:latin typeface="Calibri" charset="0"/>
-              <a:sym typeface="Wingdings"/>
-            </a:endParaRPr>
-          </a:p>
-          <a:p>
-            <a:pPr lvl="1"/>
-            <a:r>
-              <a:rPr lang="en-US" sz="2000" dirty="0">
-                <a:latin typeface="Calibri" charset="0"/>
-                <a:sym typeface="Wingdings"/>
-              </a:rPr>
-              <a:t>Why so many models ?</a:t>
-            </a:r>
-          </a:p>
-          <a:p>
-            <a:pPr lvl="2"/>
-            <a:r>
-              <a:rPr lang="en-US" sz="1800" dirty="0">
-                <a:latin typeface="Calibri" charset="0"/>
-                <a:sym typeface="Wingdings"/>
-              </a:rPr>
-              <a:t>Tension between descriptive power and ease of use/efficiency</a:t>
-            </a:r>
-          </a:p>
-          <a:p>
-            <a:pPr lvl="2"/>
-            <a:r>
-              <a:rPr lang="en-US" sz="1800" dirty="0">
-                <a:latin typeface="Calibri" charset="0"/>
-                <a:sym typeface="Wingdings"/>
-              </a:rPr>
-              <a:t>More powerful models  more data can be represented</a:t>
-            </a:r>
-          </a:p>
-          <a:p>
-            <a:pPr lvl="2"/>
-            <a:r>
-              <a:rPr lang="en-US" sz="1800" dirty="0">
-                <a:latin typeface="Calibri" charset="0"/>
-                <a:sym typeface="Wingdings"/>
-              </a:rPr>
-              <a:t>More powerful models  harder to use, to query, and less efficient</a:t>
-            </a:r>
-            <a:endParaRPr lang="en-US" sz="1800" dirty="0">
-              <a:latin typeface="Calibri" charset="0"/>
-            </a:endParaRPr>
-          </a:p>
-          <a:p>
-            <a:pPr lvl="2">
-              <a:buNone/>
-            </a:pPr>
-            <a:endParaRPr lang="en-US" sz="2400" dirty="0">
-              <a:latin typeface="Calibri" charset="0"/>
-            </a:endParaRPr>
+              <a:t>Layer the system so that the users/applications are insulated from the low-level details</a:t>
+            </a:r>
           </a:p>
         </p:txBody>
       </p:sp>
@@ -16477,7 +16492,7 @@
             </a:pPr>
             <a:r>
               <a:rPr lang="en-US" dirty="0"/>
-              <a:t>Data Modeling</a:t>
+              <a:t>Database Management Systems</a:t>
             </a:r>
           </a:p>
         </p:txBody>
@@ -16509,7 +16524,7 @@
       </p:grpSpPr>
       <p:sp>
         <p:nvSpPr>
-          <p:cNvPr id="80898" name="Rectangle 3"/>
+          <p:cNvPr id="30722" name="Rectangle 3"/>
           <p:cNvSpPr>
             <a:spLocks noGrp="1" noChangeArrowheads="1"/>
           </p:cNvSpPr>
@@ -16517,117 +16532,163 @@
             <p:ph idx="1"/>
           </p:nvPr>
         </p:nvSpPr>
-        <p:spPr/>
+        <p:spPr>
+          <a:xfrm>
+            <a:off x="0" y="1066800"/>
+            <a:ext cx="8915400" cy="5105400"/>
+          </a:xfrm>
+        </p:spPr>
         <p:txBody>
           <a:bodyPr/>
           <a:lstStyle/>
           <a:p>
-            <a:pPr eaLnBrk="1" hangingPunct="1"/>
-            <a:r>
-              <a:rPr lang="en-US" dirty="0">
-                <a:latin typeface="Calibri" charset="0"/>
-              </a:rPr>
-              <a:t>Probably </a:t>
-            </a:r>
-            <a:r>
-              <a:rPr lang="en-US" i="1" u="sng" dirty="0">
-                <a:latin typeface="Calibri" charset="0"/>
-              </a:rPr>
-              <a:t>the </a:t>
-            </a:r>
-            <a:r>
-              <a:rPr lang="en-US" dirty="0">
-                <a:latin typeface="Calibri" charset="0"/>
-              </a:rPr>
-              <a:t>most important purpose of a DBMS</a:t>
-            </a:r>
-          </a:p>
-          <a:p>
-            <a:pPr eaLnBrk="1" hangingPunct="1"/>
-            <a:r>
-              <a:rPr lang="en-US" dirty="0">
-                <a:latin typeface="Calibri" charset="0"/>
-              </a:rPr>
-              <a:t>Goal: Hiding </a:t>
-            </a:r>
-            <a:r>
-              <a:rPr lang="en-US" i="1" u="sng" dirty="0">
-                <a:latin typeface="Calibri" charset="0"/>
-              </a:rPr>
-              <a:t>low-level details</a:t>
-            </a:r>
-            <a:r>
-              <a:rPr lang="en-US" dirty="0">
-                <a:latin typeface="Calibri" charset="0"/>
-              </a:rPr>
-              <a:t> from the users of the system</a:t>
-            </a:r>
-          </a:p>
-          <a:p>
-            <a:pPr lvl="1" eaLnBrk="1" hangingPunct="1"/>
-            <a:r>
-              <a:rPr lang="en-US" dirty="0">
-                <a:latin typeface="Calibri" charset="0"/>
-              </a:rPr>
-              <a:t>Alternatively: the principle that</a:t>
-            </a:r>
-          </a:p>
-          <a:p>
-            <a:pPr lvl="2" eaLnBrk="1" hangingPunct="1"/>
-            <a:r>
-              <a:rPr lang="en-US" i="1" dirty="0">
-                <a:latin typeface="Calibri" charset="0"/>
-              </a:rPr>
-              <a:t>applications and users should be insulated from how data is structured and stored</a:t>
-            </a:r>
-          </a:p>
-          <a:p>
-            <a:pPr lvl="1" eaLnBrk="1" hangingPunct="1"/>
-            <a:r>
-              <a:rPr lang="en-US" dirty="0">
-                <a:latin typeface="Calibri" charset="0"/>
-              </a:rPr>
-              <a:t>Also called </a:t>
-            </a:r>
-            <a:r>
-              <a:rPr lang="en-US" i="1" u="sng" dirty="0">
-                <a:latin typeface="Calibri" charset="0"/>
-              </a:rPr>
-              <a:t>data independence</a:t>
-            </a:r>
-            <a:endParaRPr lang="en-US" u="sng" dirty="0">
+            <a:r>
+              <a:rPr lang="en-US" sz="2400" dirty="0">
+                <a:latin typeface="Calibri" charset="0"/>
+              </a:rPr>
+              <a:t>Data modeling</a:t>
+            </a:r>
+          </a:p>
+          <a:p>
+            <a:pPr lvl="1"/>
+            <a:r>
+              <a:rPr lang="en-US" sz="2000" b="1" dirty="0">
+                <a:solidFill>
+                  <a:srgbClr val="FF0000"/>
+                </a:solidFill>
+                <a:latin typeface="Calibri" charset="0"/>
+              </a:rPr>
+              <a:t>Data model</a:t>
+            </a:r>
+            <a:r>
+              <a:rPr lang="en-US" sz="2000" dirty="0">
+                <a:latin typeface="Calibri" charset="0"/>
+              </a:rPr>
+              <a:t>: A collection of concepts that describes how data is represented and accessed</a:t>
+            </a:r>
+          </a:p>
+          <a:p>
+            <a:pPr lvl="1"/>
+            <a:r>
+              <a:rPr lang="en-US" sz="2000" b="1" dirty="0">
+                <a:solidFill>
+                  <a:srgbClr val="FF0000"/>
+                </a:solidFill>
+                <a:latin typeface="Calibri" charset="0"/>
+              </a:rPr>
+              <a:t>Schema:</a:t>
+            </a:r>
+            <a:r>
+              <a:rPr lang="en-US" sz="2000" dirty="0">
+                <a:latin typeface="Calibri" charset="0"/>
+              </a:rPr>
+              <a:t> A description of a specific collection of data, using a given data model</a:t>
+            </a:r>
+          </a:p>
+          <a:p>
+            <a:pPr lvl="3"/>
+            <a:endParaRPr lang="en-US" sz="2000" dirty="0">
               <a:latin typeface="Calibri" charset="0"/>
             </a:endParaRPr>
           </a:p>
           <a:p>
-            <a:pPr eaLnBrk="1" hangingPunct="1"/>
+            <a:pPr lvl="1"/>
+            <a:r>
+              <a:rPr lang="en-US" sz="2000" dirty="0">
+                <a:latin typeface="Calibri" charset="0"/>
+              </a:rPr>
+              <a:t>Some examples of data models that we will see</a:t>
+            </a:r>
+          </a:p>
+          <a:p>
+            <a:pPr lvl="2"/>
+            <a:r>
+              <a:rPr lang="en-US" sz="2000" dirty="0">
+                <a:latin typeface="Calibri" charset="0"/>
+              </a:rPr>
+              <a:t>Relational, </a:t>
+            </a:r>
+            <a:r>
+              <a:rPr lang="en-US" sz="2000" dirty="0">
+                <a:latin typeface="Calibri" charset="0"/>
+                <a:sym typeface="Wingdings"/>
+              </a:rPr>
+              <a:t>Entity-relationship model, XML, JSON…</a:t>
+            </a:r>
+          </a:p>
+          <a:p>
+            <a:pPr lvl="2"/>
+            <a:r>
+              <a:rPr lang="en-US" sz="2000" dirty="0">
+                <a:latin typeface="Calibri" charset="0"/>
+                <a:sym typeface="Wingdings"/>
+              </a:rPr>
+              <a:t>Object-oriented, object-relational, semantic data model, RDF…</a:t>
+            </a:r>
+          </a:p>
+          <a:p>
+            <a:pPr lvl="4"/>
             <a:endParaRPr lang="en-US" dirty="0">
               <a:latin typeface="Calibri" charset="0"/>
+              <a:sym typeface="Wingdings"/>
             </a:endParaRPr>
           </a:p>
           <a:p>
-            <a:pPr eaLnBrk="1" hangingPunct="1"/>
-            <a:r>
-              <a:rPr lang="en-US" dirty="0">
-                <a:latin typeface="Calibri" charset="0"/>
-              </a:rPr>
-              <a:t>Through use of </a:t>
-            </a:r>
-            <a:r>
-              <a:rPr lang="en-US" i="1" dirty="0">
-                <a:latin typeface="Calibri" charset="0"/>
-              </a:rPr>
-              <a:t>logical abstractions</a:t>
-            </a:r>
-            <a:endParaRPr lang="en-US" dirty="0">
+            <a:pPr lvl="1"/>
+            <a:r>
+              <a:rPr lang="en-US" sz="2000" dirty="0">
+                <a:latin typeface="Calibri" charset="0"/>
+                <a:sym typeface="Wingdings"/>
+              </a:rPr>
+              <a:t>Why so many models ?</a:t>
+            </a:r>
+          </a:p>
+          <a:p>
+            <a:pPr lvl="2"/>
+            <a:r>
+              <a:rPr lang="en-US" sz="1800" dirty="0">
+                <a:latin typeface="Calibri" charset="0"/>
+                <a:sym typeface="Wingdings"/>
+              </a:rPr>
+              <a:t>Tension between descriptive power and ease of use/efficiency</a:t>
+            </a:r>
+          </a:p>
+          <a:p>
+            <a:pPr lvl="2"/>
+            <a:r>
+              <a:rPr lang="en-US" sz="1800" dirty="0">
+                <a:latin typeface="Calibri" charset="0"/>
+                <a:sym typeface="Wingdings"/>
+              </a:rPr>
+              <a:t>More powerful models  more data can be represented</a:t>
+            </a:r>
+          </a:p>
+          <a:p>
+            <a:pPr lvl="2"/>
+            <a:r>
+              <a:rPr lang="en-US" sz="1800" dirty="0">
+                <a:latin typeface="Calibri" charset="0"/>
+                <a:sym typeface="Wingdings"/>
+              </a:rPr>
+              <a:t>More powerful models  harder to use, to query, and less efficient</a:t>
+            </a:r>
+            <a:endParaRPr lang="en-US" sz="1800" dirty="0">
               <a:latin typeface="Calibri" charset="0"/>
             </a:endParaRPr>
           </a:p>
+          <a:p>
+            <a:pPr lvl="2">
+              <a:buNone/>
+            </a:pPr>
+            <a:endParaRPr lang="en-US" sz="2400" dirty="0">
+              <a:latin typeface="Calibri" charset="0"/>
+            </a:endParaRPr>
+          </a:p>
         </p:txBody>
       </p:sp>
       <p:sp>
         <p:nvSpPr>
-          <p:cNvPr id="486402" name="Rectangle 2"/>
+          <p:cNvPr id="397314" name="Rectangle 2"/>
           <p:cNvSpPr>
             <a:spLocks noGrp="1" noChangeArrowheads="1"/>
           </p:cNvSpPr>
@@ -16637,23 +16698,15 @@
         </p:nvSpPr>
         <p:spPr/>
         <p:txBody>
-          <a:bodyPr>
-            <a:normAutofit/>
-          </a:bodyPr>
+          <a:bodyPr/>
           <a:lstStyle/>
           <a:p>
-            <a:pPr eaLnBrk="1" fontAlgn="auto" hangingPunct="1">
-              <a:spcAft>
-                <a:spcPts val="0"/>
-              </a:spcAft>
+            <a:pPr>
               <a:defRPr/>
             </a:pPr>
             <a:r>
-              <a:rPr lang="en-US" dirty="0">
-                <a:ea typeface="+mj-ea"/>
-                <a:cs typeface="+mj-cs"/>
-              </a:rPr>
-              <a:t>Data Abstraction</a:t>
+              <a:rPr lang="en-US" dirty="0"/>
+              <a:t>Data Modeling</a:t>
             </a:r>
           </a:p>
         </p:txBody>
@@ -16667,6 +16720,182 @@
 </file>
 
 <file path=ppt/slides/slide35.xml><?xml version="1.0" encoding="utf-8"?>
+<p:sld xmlns:a="http://schemas.openxmlformats.org/drawingml/2006/main" xmlns:r="http://schemas.openxmlformats.org/officeDocument/2006/relationships" xmlns:p="http://schemas.openxmlformats.org/presentationml/2006/main">
+  <p:cSld>
+    <p:spTree>
+      <p:nvGrpSpPr>
+        <p:cNvPr id="1" name=""/>
+        <p:cNvGrpSpPr/>
+        <p:nvPr/>
+      </p:nvGrpSpPr>
+      <p:grpSpPr>
+        <a:xfrm>
+          <a:off x="0" y="0"/>
+          <a:ext cx="0" cy="0"/>
+          <a:chOff x="0" y="0"/>
+          <a:chExt cx="0" cy="0"/>
+        </a:xfrm>
+      </p:grpSpPr>
+      <p:sp>
+        <p:nvSpPr>
+          <p:cNvPr id="80898" name="Rectangle 3"/>
+          <p:cNvSpPr>
+            <a:spLocks noGrp="1" noChangeArrowheads="1"/>
+          </p:cNvSpPr>
+          <p:nvPr>
+            <p:ph idx="1"/>
+          </p:nvPr>
+        </p:nvSpPr>
+        <p:spPr/>
+        <p:txBody>
+          <a:bodyPr/>
+          <a:lstStyle/>
+          <a:p>
+            <a:pPr eaLnBrk="1" hangingPunct="1"/>
+            <a:r>
+              <a:rPr lang="en-US" dirty="0">
+                <a:latin typeface="Calibri" charset="0"/>
+              </a:rPr>
+              <a:t>Probably </a:t>
+            </a:r>
+            <a:r>
+              <a:rPr lang="en-US" i="1" u="sng" dirty="0">
+                <a:latin typeface="Calibri" charset="0"/>
+              </a:rPr>
+              <a:t>the </a:t>
+            </a:r>
+            <a:r>
+              <a:rPr lang="en-US" dirty="0">
+                <a:latin typeface="Calibri" charset="0"/>
+              </a:rPr>
+              <a:t>most important purpose of a DBMS</a:t>
+            </a:r>
+          </a:p>
+          <a:p>
+            <a:pPr eaLnBrk="1" hangingPunct="1"/>
+            <a:r>
+              <a:rPr lang="en-US" dirty="0">
+                <a:latin typeface="Calibri" charset="0"/>
+              </a:rPr>
+              <a:t>Goal: Hiding </a:t>
+            </a:r>
+            <a:r>
+              <a:rPr lang="en-US" i="1" u="sng" dirty="0">
+                <a:latin typeface="Calibri" charset="0"/>
+              </a:rPr>
+              <a:t>low-level details</a:t>
+            </a:r>
+            <a:r>
+              <a:rPr lang="en-US" dirty="0">
+                <a:latin typeface="Calibri" charset="0"/>
+              </a:rPr>
+              <a:t> from the users of the system</a:t>
+            </a:r>
+          </a:p>
+          <a:p>
+            <a:pPr lvl="1" eaLnBrk="1" hangingPunct="1"/>
+            <a:r>
+              <a:rPr lang="en-US" dirty="0">
+                <a:latin typeface="Calibri" charset="0"/>
+              </a:rPr>
+              <a:t>Alternatively: the principle that</a:t>
+            </a:r>
+          </a:p>
+          <a:p>
+            <a:pPr lvl="2" eaLnBrk="1" hangingPunct="1"/>
+            <a:r>
+              <a:rPr lang="en-US" i="1" dirty="0">
+                <a:latin typeface="Calibri" charset="0"/>
+              </a:rPr>
+              <a:t>applications and users should be insulated from how data is structured and stored</a:t>
+            </a:r>
+          </a:p>
+          <a:p>
+            <a:pPr lvl="1" eaLnBrk="1" hangingPunct="1"/>
+            <a:r>
+              <a:rPr lang="en-US" dirty="0">
+                <a:latin typeface="Calibri" charset="0"/>
+              </a:rPr>
+              <a:t>Also called </a:t>
+            </a:r>
+            <a:r>
+              <a:rPr lang="en-US" i="1" u="sng" dirty="0">
+                <a:latin typeface="Calibri" charset="0"/>
+              </a:rPr>
+              <a:t>data independence</a:t>
+            </a:r>
+            <a:endParaRPr lang="en-US" u="sng" dirty="0">
+              <a:latin typeface="Calibri" charset="0"/>
+            </a:endParaRPr>
+          </a:p>
+          <a:p>
+            <a:pPr eaLnBrk="1" hangingPunct="1"/>
+            <a:endParaRPr lang="en-US" dirty="0">
+              <a:latin typeface="Calibri" charset="0"/>
+            </a:endParaRPr>
+          </a:p>
+          <a:p>
+            <a:pPr eaLnBrk="1" hangingPunct="1"/>
+            <a:r>
+              <a:rPr lang="en-US" dirty="0">
+                <a:latin typeface="Calibri" charset="0"/>
+              </a:rPr>
+              <a:t>Through use of </a:t>
+            </a:r>
+            <a:r>
+              <a:rPr lang="en-US" i="1" dirty="0">
+                <a:latin typeface="Calibri" charset="0"/>
+              </a:rPr>
+              <a:t>logical abstractions</a:t>
+            </a:r>
+            <a:endParaRPr lang="en-US" dirty="0">
+              <a:latin typeface="Calibri" charset="0"/>
+            </a:endParaRPr>
+          </a:p>
+        </p:txBody>
+      </p:sp>
+      <p:sp>
+        <p:nvSpPr>
+          <p:cNvPr id="486402" name="Rectangle 2"/>
+          <p:cNvSpPr>
+            <a:spLocks noGrp="1" noChangeArrowheads="1"/>
+          </p:cNvSpPr>
+          <p:nvPr>
+            <p:ph type="title"/>
+          </p:nvPr>
+        </p:nvSpPr>
+        <p:spPr/>
+        <p:txBody>
+          <a:bodyPr>
+            <a:normAutofit/>
+          </a:bodyPr>
+          <a:lstStyle/>
+          <a:p>
+            <a:pPr eaLnBrk="1" fontAlgn="auto" hangingPunct="1">
+              <a:spcAft>
+                <a:spcPts val="0"/>
+              </a:spcAft>
+              <a:defRPr/>
+            </a:pPr>
+            <a:r>
+              <a:rPr lang="en-US" dirty="0">
+                <a:ea typeface="+mj-ea"/>
+                <a:cs typeface="+mj-cs"/>
+              </a:rPr>
+              <a:t>Data Abstraction</a:t>
+            </a:r>
+          </a:p>
+        </p:txBody>
+      </p:sp>
+    </p:spTree>
+  </p:cSld>
+  <p:clrMapOvr>
+    <a:masterClrMapping/>
+  </p:clrMapOvr>
+</p:sld>
+</file>
+
+<file path=ppt/slides/slide36.xml><?xml version="1.0" encoding="utf-8"?>
 <p:sld xmlns:a="http://schemas.openxmlformats.org/drawingml/2006/main" xmlns:r="http://schemas.openxmlformats.org/officeDocument/2006/relationships" xmlns:p="http://schemas.openxmlformats.org/presentationml/2006/main">
   <p:cSld>
     <p:spTree>
@@ -17294,7 +17523,7 @@
 </p:sld>
 </file>
 
-<file path=ppt/slides/slide36.xml><?xml version="1.0" encoding="utf-8"?>
+<file path=ppt/slides/slide37.xml><?xml version="1.0" encoding="utf-8"?>
 <p:sld xmlns:a="http://schemas.openxmlformats.org/drawingml/2006/main" xmlns:r="http://schemas.openxmlformats.org/officeDocument/2006/relationships" xmlns:p="http://schemas.openxmlformats.org/presentationml/2006/main">
   <p:cSld>
     <p:spTree>
@@ -17956,7 +18185,7 @@
 </p:sld>
 </file>
 
-<file path=ppt/slides/slide37.xml><?xml version="1.0" encoding="utf-8"?>
+<file path=ppt/slides/slide38.xml><?xml version="1.0" encoding="utf-8"?>
 <p:sld xmlns:a="http://schemas.openxmlformats.org/drawingml/2006/main" xmlns:r="http://schemas.openxmlformats.org/officeDocument/2006/relationships" xmlns:p="http://schemas.openxmlformats.org/presentationml/2006/main">
   <p:cSld>
     <p:spTree>
@@ -18597,7 +18826,7 @@
 </p:sld>
 </file>
 
-<file path=ppt/slides/slide38.xml><?xml version="1.0" encoding="utf-8"?>
+<file path=ppt/slides/slide39.xml><?xml version="1.0" encoding="utf-8"?>
 <p:sld xmlns:a="http://schemas.openxmlformats.org/drawingml/2006/main" xmlns:r="http://schemas.openxmlformats.org/officeDocument/2006/relationships" xmlns:p="http://schemas.openxmlformats.org/presentationml/2006/main">
   <p:cSld>
     <p:spTree>
@@ -18996,158 +19225,6 @@
 </p:sld>
 </file>
 
-<file path=ppt/slides/slide39.xml><?xml version="1.0" encoding="utf-8"?>
-<p:sld xmlns:a="http://schemas.openxmlformats.org/drawingml/2006/main" xmlns:r="http://schemas.openxmlformats.org/officeDocument/2006/relationships" xmlns:p="http://schemas.openxmlformats.org/presentationml/2006/main">
-  <p:cSld>
-    <p:spTree>
-      <p:nvGrpSpPr>
-        <p:cNvPr id="1" name=""/>
-        <p:cNvGrpSpPr/>
-        <p:nvPr/>
-      </p:nvGrpSpPr>
-      <p:grpSpPr>
-        <a:xfrm>
-          <a:off x="0" y="0"/>
-          <a:ext cx="0" cy="0"/>
-          <a:chOff x="0" y="0"/>
-          <a:chExt cx="0" cy="0"/>
-        </a:xfrm>
-      </p:grpSpPr>
-      <p:sp>
-        <p:nvSpPr>
-          <p:cNvPr id="17410" name="Rectangle 3"/>
-          <p:cNvSpPr>
-            <a:spLocks noGrp="1" noChangeArrowheads="1"/>
-          </p:cNvSpPr>
-          <p:nvPr>
-            <p:ph idx="1"/>
-          </p:nvPr>
-        </p:nvSpPr>
-        <p:spPr>
-          <a:xfrm>
-            <a:off x="228600" y="1066800"/>
-            <a:ext cx="8763000" cy="5105400"/>
-          </a:xfrm>
-        </p:spPr>
-        <p:txBody>
-          <a:bodyPr/>
-          <a:lstStyle/>
-          <a:p>
-            <a:r>
-              <a:rPr lang="en-US" dirty="0"/>
-              <a:t>Book Chapters (6</a:t>
-            </a:r>
-            <a:r>
-              <a:rPr lang="en-US" baseline="30000" dirty="0"/>
-              <a:t>th</a:t>
-            </a:r>
-            <a:r>
-              <a:rPr lang="en-US" dirty="0"/>
-              <a:t> Edition)</a:t>
-            </a:r>
-          </a:p>
-          <a:p>
-            <a:pPr lvl="1"/>
-            <a:r>
-              <a:rPr lang="en-US" dirty="0">
-                <a:latin typeface="Calibri" charset="0"/>
-              </a:rPr>
-              <a:t>1.4, 1.9 (to some extent)</a:t>
-            </a:r>
-          </a:p>
-          <a:p>
-            <a:pPr lvl="1"/>
-            <a:endParaRPr lang="en-US" dirty="0">
-              <a:latin typeface="Calibri" charset="0"/>
-            </a:endParaRPr>
-          </a:p>
-          <a:p>
-            <a:r>
-              <a:rPr lang="en-US" dirty="0">
-                <a:latin typeface="Calibri" charset="0"/>
-              </a:rPr>
-              <a:t>Key Topics</a:t>
-            </a:r>
-          </a:p>
-          <a:p>
-            <a:pPr lvl="1">
-              <a:lnSpc>
-                <a:spcPct val="150000"/>
-              </a:lnSpc>
-            </a:pPr>
-            <a:r>
-              <a:rPr lang="en-US" dirty="0">
-                <a:latin typeface="Calibri" charset="0"/>
-              </a:rPr>
-              <a:t>Data Definition and Data Manipulation Languages</a:t>
-            </a:r>
-          </a:p>
-          <a:p>
-            <a:pPr lvl="1">
-              <a:lnSpc>
-                <a:spcPct val="150000"/>
-              </a:lnSpc>
-            </a:pPr>
-            <a:r>
-              <a:rPr lang="en-US" dirty="0">
-                <a:latin typeface="Calibri" charset="0"/>
-              </a:rPr>
-              <a:t>Typical Database Architecture</a:t>
-            </a:r>
-          </a:p>
-          <a:p>
-            <a:pPr lvl="1">
-              <a:lnSpc>
-                <a:spcPct val="150000"/>
-              </a:lnSpc>
-            </a:pPr>
-            <a:r>
-              <a:rPr lang="en-US" dirty="0">
-                <a:latin typeface="Calibri" charset="0"/>
-              </a:rPr>
-              <a:t>Current Industry Outlook</a:t>
-            </a:r>
-          </a:p>
-        </p:txBody>
-      </p:sp>
-      <p:sp>
-        <p:nvSpPr>
-          <p:cNvPr id="371714" name="Rectangle 2"/>
-          <p:cNvSpPr>
-            <a:spLocks noGrp="1" noChangeArrowheads="1"/>
-          </p:cNvSpPr>
-          <p:nvPr>
-            <p:ph type="title"/>
-          </p:nvPr>
-        </p:nvSpPr>
-        <p:spPr/>
-        <p:txBody>
-          <a:bodyPr/>
-          <a:lstStyle/>
-          <a:p>
-            <a:pPr>
-              <a:defRPr/>
-            </a:pPr>
-            <a:r>
-              <a:rPr lang="en-US" dirty="0"/>
-              <a:t>Motivation</a:t>
-            </a:r>
-          </a:p>
-        </p:txBody>
-      </p:sp>
-    </p:spTree>
-    <p:extLst>
-      <p:ext uri="{BB962C8B-B14F-4D97-AF65-F5344CB8AC3E}">
-        <p14:creationId xmlns:p14="http://schemas.microsoft.com/office/powerpoint/2010/main" val="1611589956"/>
-      </p:ext>
-    </p:extLst>
-  </p:cSld>
-  <p:clrMapOvr>
-    <a:masterClrMapping/>
-  </p:clrMapOvr>
-</p:sld>
-</file>
-
 <file path=ppt/slides/slide4.xml><?xml version="1.0" encoding="utf-8"?>
 <p:sld xmlns:a="http://schemas.openxmlformats.org/drawingml/2006/main" xmlns:r="http://schemas.openxmlformats.org/officeDocument/2006/relationships" xmlns:p="http://schemas.openxmlformats.org/presentationml/2006/main">
   <p:cSld>
@@ -19515,9 +19592,9 @@
       </p:grpSpPr>
       <p:sp>
         <p:nvSpPr>
-          <p:cNvPr id="2" name="Content Placeholder 1"/>
+          <p:cNvPr id="17410" name="Rectangle 3"/>
           <p:cNvSpPr>
-            <a:spLocks noGrp="1"/>
+            <a:spLocks noGrp="1" noChangeArrowheads="1"/>
           </p:cNvSpPr>
           <p:nvPr>
             <p:ph idx="1"/>
@@ -19525,8 +19602,8 @@
         </p:nvSpPr>
         <p:spPr>
           <a:xfrm>
-            <a:off x="228600" y="914400"/>
-            <a:ext cx="8610600" cy="5715000"/>
+            <a:off x="228600" y="1066800"/>
+            <a:ext cx="8763000" cy="5105400"/>
           </a:xfrm>
         </p:spPr>
         <p:txBody>
@@ -19534,133 +19611,87 @@
           <a:lstStyle/>
           <a:p>
             <a:r>
-              <a:rPr lang="en-US" sz="2000" dirty="0"/>
-              <a:t>A DBMS is a software system designed to store, manage,	 facilitate access to databases</a:t>
+              <a:rPr lang="en-US" dirty="0"/>
+              <a:t>Book Chapters (6</a:t>
+            </a:r>
+            <a:r>
+              <a:rPr lang="en-US" baseline="30000" dirty="0"/>
+              <a:t>th</a:t>
+            </a:r>
+            <a:r>
+              <a:rPr lang="en-US" dirty="0"/>
+              <a:t> Edition)</a:t>
             </a:r>
           </a:p>
           <a:p>
             <a:pPr lvl="1"/>
             <a:r>
-              <a:rPr lang="en-US" sz="1800" dirty="0"/>
-              <a:t>Typically uses a specific </a:t>
-            </a:r>
-            <a:r>
-              <a:rPr lang="en-US" sz="1800" i="1" u="sng" dirty="0"/>
-              <a:t>data model</a:t>
-            </a:r>
-            <a:r>
-              <a:rPr lang="en-US" sz="1800" i="1" dirty="0"/>
-              <a:t>, </a:t>
-            </a:r>
-            <a:r>
-              <a:rPr lang="en-US" sz="1800" dirty="0"/>
-              <a:t>and </a:t>
+              <a:rPr lang="en-US" dirty="0">
+                <a:latin typeface="Calibri" charset="0"/>
+              </a:rPr>
+              <a:t>1.4, 1.9 (to some extent)</a:t>
             </a:r>
           </a:p>
           <a:p>
             <a:pPr lvl="1"/>
-            <a:r>
-              <a:rPr lang="en-US" sz="1800" dirty="0"/>
-              <a:t>Supports some level of </a:t>
-            </a:r>
-            <a:r>
-              <a:rPr lang="en-US" sz="1800" i="1" u="sng" dirty="0"/>
-              <a:t>physical and logical data independence</a:t>
-            </a:r>
-          </a:p>
-          <a:p>
-            <a:pPr marL="630238" lvl="2" indent="0">
-              <a:buNone/>
+            <a:endParaRPr lang="en-US" dirty="0">
+              <a:latin typeface="Calibri" charset="0"/>
+            </a:endParaRPr>
+          </a:p>
+          <a:p>
+            <a:r>
+              <a:rPr lang="en-US" dirty="0">
+                <a:latin typeface="Calibri" charset="0"/>
+              </a:rPr>
+              <a:t>Key Topics</a:t>
+            </a:r>
+          </a:p>
+          <a:p>
+            <a:pPr lvl="1">
+              <a:lnSpc>
+                <a:spcPct val="150000"/>
+              </a:lnSpc>
             </a:pPr>
-            <a:endParaRPr lang="en-US" sz="1600" dirty="0"/>
-          </a:p>
-          <a:p>
-            <a:r>
-              <a:rPr lang="en-US" sz="2000" dirty="0"/>
-              <a:t>Provides:</a:t>
-            </a:r>
-          </a:p>
-          <a:p>
-            <a:pPr lvl="1"/>
-            <a:r>
-              <a:rPr lang="en-US" sz="1800" dirty="0"/>
-              <a:t>Data Definition Language (DDL)</a:t>
-            </a:r>
-          </a:p>
-          <a:p>
-            <a:pPr lvl="2"/>
-            <a:r>
-              <a:rPr lang="en-US" sz="1600" dirty="0"/>
-              <a:t>For defining and modifying the schemas</a:t>
-            </a:r>
-          </a:p>
-          <a:p>
-            <a:pPr lvl="1"/>
-            <a:r>
-              <a:rPr lang="en-US" sz="1800" dirty="0"/>
-              <a:t>Data Manipulation Language (DML)</a:t>
-            </a:r>
-          </a:p>
-          <a:p>
-            <a:pPr lvl="2"/>
-            <a:r>
-              <a:rPr lang="en-US" sz="1600" dirty="0"/>
-              <a:t>For retrieving, modifying, analyzing the data itself</a:t>
-            </a:r>
-          </a:p>
-          <a:p>
-            <a:pPr lvl="1"/>
-            <a:r>
-              <a:rPr lang="en-US" sz="1800" dirty="0"/>
-              <a:t>Guarantees about correctness in presence of failures and concurrency, data semantics etc.</a:t>
-            </a:r>
-          </a:p>
-          <a:p>
-            <a:pPr lvl="2"/>
-            <a:endParaRPr lang="en-US" sz="1600" dirty="0"/>
-          </a:p>
-          <a:p>
-            <a:r>
-              <a:rPr lang="en-US" sz="2000" dirty="0"/>
-              <a:t>Common use patterns</a:t>
-            </a:r>
-          </a:p>
-          <a:p>
-            <a:pPr lvl="1"/>
-            <a:r>
-              <a:rPr lang="en-US" sz="1800" dirty="0"/>
-              <a:t>Handling transactions (e.g. ATM Transactions, flight reservations)</a:t>
-            </a:r>
-          </a:p>
-          <a:p>
-            <a:pPr lvl="1"/>
-            <a:r>
-              <a:rPr lang="en-US" sz="1800" dirty="0"/>
-              <a:t>Archival (storing historical data)</a:t>
-            </a:r>
-          </a:p>
-          <a:p>
-            <a:pPr lvl="1"/>
-            <a:r>
-              <a:rPr lang="en-US" sz="1800" dirty="0"/>
-              <a:t>Analytics (e.g. identifying trends, </a:t>
-            </a:r>
-            <a:r>
-              <a:rPr lang="en-US" sz="1800" b="1" dirty="0"/>
-              <a:t>Data Mining</a:t>
-            </a:r>
-            <a:r>
-              <a:rPr lang="en-US" sz="1800" dirty="0"/>
-              <a:t>)</a:t>
+            <a:r>
+              <a:rPr lang="en-US" dirty="0">
+                <a:latin typeface="Calibri" charset="0"/>
+              </a:rPr>
+              <a:t>Data Definition and Data Manipulation Languages</a:t>
+            </a:r>
+          </a:p>
+          <a:p>
+            <a:pPr lvl="1">
+              <a:lnSpc>
+                <a:spcPct val="150000"/>
+              </a:lnSpc>
+            </a:pPr>
+            <a:r>
+              <a:rPr lang="en-US" dirty="0">
+                <a:latin typeface="Calibri" charset="0"/>
+              </a:rPr>
+              <a:t>Typical Database Architecture</a:t>
+            </a:r>
+          </a:p>
+          <a:p>
+            <a:pPr lvl="1">
+              <a:lnSpc>
+                <a:spcPct val="150000"/>
+              </a:lnSpc>
+            </a:pPr>
+            <a:r>
+              <a:rPr lang="en-US" dirty="0">
+                <a:latin typeface="Calibri" charset="0"/>
+              </a:rPr>
+              <a:t>Current Industry Outlook</a:t>
             </a:r>
           </a:p>
         </p:txBody>
       </p:sp>
       <p:sp>
         <p:nvSpPr>
-          <p:cNvPr id="3" name="Title 2"/>
+          <p:cNvPr id="371714" name="Rectangle 2"/>
           <p:cNvSpPr>
-            <a:spLocks noGrp="1"/>
+            <a:spLocks noGrp="1" noChangeArrowheads="1"/>
           </p:cNvSpPr>
           <p:nvPr>
             <p:ph type="title"/>
@@ -19671,19 +19702,22 @@
           <a:bodyPr/>
           <a:lstStyle/>
           <a:p>
+            <a:pPr>
+              <a:defRPr/>
+            </a:pPr>
             <a:r>
               <a:rPr lang="en-US" dirty="0"/>
-              <a:t>Database </a:t>
-            </a:r>
-            <a:r>
-              <a:rPr lang="en-US" u="sng" dirty="0"/>
-              <a:t>System</a:t>
-            </a:r>
-            <a:endParaRPr lang="en-US" dirty="0"/>
+              <a:t>Motivation</a:t>
+            </a:r>
           </a:p>
         </p:txBody>
       </p:sp>
     </p:spTree>
+    <p:extLst>
+      <p:ext uri="{BB962C8B-B14F-4D97-AF65-F5344CB8AC3E}">
+        <p14:creationId xmlns:p14="http://schemas.microsoft.com/office/powerpoint/2010/main" val="1611589956"/>
+      </p:ext>
+    </p:extLst>
   </p:cSld>
   <p:clrMapOvr>
     <a:masterClrMapping/>
@@ -19729,6 +19763,201 @@
           <a:lstStyle/>
           <a:p>
             <a:r>
+              <a:rPr lang="en-US" sz="2000" dirty="0"/>
+              <a:t>A DBMS is a software system designed to store, manage,	 facilitate access to databases</a:t>
+            </a:r>
+          </a:p>
+          <a:p>
+            <a:pPr lvl="1"/>
+            <a:r>
+              <a:rPr lang="en-US" sz="1800" dirty="0"/>
+              <a:t>Typically uses a specific </a:t>
+            </a:r>
+            <a:r>
+              <a:rPr lang="en-US" sz="1800" i="1" u="sng" dirty="0"/>
+              <a:t>data model</a:t>
+            </a:r>
+            <a:r>
+              <a:rPr lang="en-US" sz="1800" i="1" dirty="0"/>
+              <a:t>, </a:t>
+            </a:r>
+            <a:r>
+              <a:rPr lang="en-US" sz="1800" dirty="0"/>
+              <a:t>and </a:t>
+            </a:r>
+          </a:p>
+          <a:p>
+            <a:pPr lvl="1"/>
+            <a:r>
+              <a:rPr lang="en-US" sz="1800" dirty="0"/>
+              <a:t>Supports some level of </a:t>
+            </a:r>
+            <a:r>
+              <a:rPr lang="en-US" sz="1800" i="1" u="sng" dirty="0"/>
+              <a:t>physical and logical data independence</a:t>
+            </a:r>
+          </a:p>
+          <a:p>
+            <a:pPr marL="630238" lvl="2" indent="0">
+              <a:buNone/>
+            </a:pPr>
+            <a:endParaRPr lang="en-US" sz="1600" dirty="0"/>
+          </a:p>
+          <a:p>
+            <a:r>
+              <a:rPr lang="en-US" sz="2000" dirty="0"/>
+              <a:t>Provides:</a:t>
+            </a:r>
+          </a:p>
+          <a:p>
+            <a:pPr lvl="1"/>
+            <a:r>
+              <a:rPr lang="en-US" sz="1800" dirty="0"/>
+              <a:t>Data Definition Language (DDL)</a:t>
+            </a:r>
+          </a:p>
+          <a:p>
+            <a:pPr lvl="2"/>
+            <a:r>
+              <a:rPr lang="en-US" sz="1600" dirty="0"/>
+              <a:t>For defining and modifying the schemas</a:t>
+            </a:r>
+          </a:p>
+          <a:p>
+            <a:pPr lvl="1"/>
+            <a:r>
+              <a:rPr lang="en-US" sz="1800" dirty="0"/>
+              <a:t>Data Manipulation Language (DML)</a:t>
+            </a:r>
+          </a:p>
+          <a:p>
+            <a:pPr lvl="2"/>
+            <a:r>
+              <a:rPr lang="en-US" sz="1600" dirty="0"/>
+              <a:t>For retrieving, modifying, analyzing the data itself</a:t>
+            </a:r>
+          </a:p>
+          <a:p>
+            <a:pPr lvl="1"/>
+            <a:r>
+              <a:rPr lang="en-US" sz="1800" dirty="0"/>
+              <a:t>Guarantees about correctness in presence of failures and concurrency, data semantics etc.</a:t>
+            </a:r>
+          </a:p>
+          <a:p>
+            <a:pPr lvl="2"/>
+            <a:endParaRPr lang="en-US" sz="1600" dirty="0"/>
+          </a:p>
+          <a:p>
+            <a:r>
+              <a:rPr lang="en-US" sz="2000" dirty="0"/>
+              <a:t>Common use patterns</a:t>
+            </a:r>
+          </a:p>
+          <a:p>
+            <a:pPr lvl="1"/>
+            <a:r>
+              <a:rPr lang="en-US" sz="1800" dirty="0"/>
+              <a:t>Handling transactions (e.g. ATM Transactions, flight reservations)</a:t>
+            </a:r>
+          </a:p>
+          <a:p>
+            <a:pPr lvl="1"/>
+            <a:r>
+              <a:rPr lang="en-US" sz="1800" dirty="0"/>
+              <a:t>Archival (storing historical data)</a:t>
+            </a:r>
+          </a:p>
+          <a:p>
+            <a:pPr lvl="1"/>
+            <a:r>
+              <a:rPr lang="en-US" sz="1800" dirty="0"/>
+              <a:t>Analytics (e.g. identifying trends, </a:t>
+            </a:r>
+            <a:r>
+              <a:rPr lang="en-US" sz="1800" b="1" dirty="0"/>
+              <a:t>Data Mining</a:t>
+            </a:r>
+            <a:r>
+              <a:rPr lang="en-US" sz="1800" dirty="0"/>
+              <a:t>)</a:t>
+            </a:r>
+          </a:p>
+        </p:txBody>
+      </p:sp>
+      <p:sp>
+        <p:nvSpPr>
+          <p:cNvPr id="3" name="Title 2"/>
+          <p:cNvSpPr>
+            <a:spLocks noGrp="1"/>
+          </p:cNvSpPr>
+          <p:nvPr>
+            <p:ph type="title"/>
+          </p:nvPr>
+        </p:nvSpPr>
+        <p:spPr/>
+        <p:txBody>
+          <a:bodyPr/>
+          <a:lstStyle/>
+          <a:p>
+            <a:r>
+              <a:rPr lang="en-US" dirty="0"/>
+              <a:t>Database </a:t>
+            </a:r>
+            <a:r>
+              <a:rPr lang="en-US" u="sng" dirty="0"/>
+              <a:t>System</a:t>
+            </a:r>
+            <a:endParaRPr lang="en-US" dirty="0"/>
+          </a:p>
+        </p:txBody>
+      </p:sp>
+    </p:spTree>
+  </p:cSld>
+  <p:clrMapOvr>
+    <a:masterClrMapping/>
+  </p:clrMapOvr>
+</p:sld>
+</file>
+
+<file path=ppt/slides/slide42.xml><?xml version="1.0" encoding="utf-8"?>
+<p:sld xmlns:a="http://schemas.openxmlformats.org/drawingml/2006/main" xmlns:r="http://schemas.openxmlformats.org/officeDocument/2006/relationships" xmlns:p="http://schemas.openxmlformats.org/presentationml/2006/main">
+  <p:cSld>
+    <p:spTree>
+      <p:nvGrpSpPr>
+        <p:cNvPr id="1" name=""/>
+        <p:cNvGrpSpPr/>
+        <p:nvPr/>
+      </p:nvGrpSpPr>
+      <p:grpSpPr>
+        <a:xfrm>
+          <a:off x="0" y="0"/>
+          <a:ext cx="0" cy="0"/>
+          <a:chOff x="0" y="0"/>
+          <a:chExt cx="0" cy="0"/>
+        </a:xfrm>
+      </p:grpSpPr>
+      <p:sp>
+        <p:nvSpPr>
+          <p:cNvPr id="2" name="Content Placeholder 1"/>
+          <p:cNvSpPr>
+            <a:spLocks noGrp="1"/>
+          </p:cNvSpPr>
+          <p:nvPr>
+            <p:ph idx="1"/>
+          </p:nvPr>
+        </p:nvSpPr>
+        <p:spPr>
+          <a:xfrm>
+            <a:off x="228600" y="914400"/>
+            <a:ext cx="8610600" cy="5715000"/>
+          </a:xfrm>
+        </p:spPr>
+        <p:txBody>
+          <a:bodyPr/>
+          <a:lstStyle/>
+          <a:p>
+            <a:r>
               <a:rPr lang="en-US" sz="2400" b="1" dirty="0">
                 <a:solidFill>
                   <a:srgbClr val="FF0000"/>
@@ -19987,7 +20216,7 @@
 </p:sld>
 </file>
 
-<file path=ppt/slides/slide42.xml><?xml version="1.0" encoding="utf-8"?>
+<file path=ppt/slides/slide43.xml><?xml version="1.0" encoding="utf-8"?>
 <p:sld xmlns:a="http://schemas.openxmlformats.org/drawingml/2006/main" xmlns:r="http://schemas.openxmlformats.org/officeDocument/2006/relationships" xmlns:p="http://schemas.openxmlformats.org/presentationml/2006/main">
   <p:cSld>
     <p:spTree>
@@ -20241,7 +20470,7 @@
 </p:sld>
 </file>
 
-<file path=ppt/slides/slide43.xml><?xml version="1.0" encoding="utf-8"?>
+<file path=ppt/slides/slide44.xml><?xml version="1.0" encoding="utf-8"?>
 <p:sld xmlns:a="http://schemas.openxmlformats.org/drawingml/2006/main" xmlns:r="http://schemas.openxmlformats.org/officeDocument/2006/relationships" xmlns:p="http://schemas.openxmlformats.org/presentationml/2006/main">
   <p:cSld>
     <p:spTree>
@@ -21394,209 +21623,6 @@
 </p:sld>
 </file>
 
-<file path=ppt/slides/slide44.xml><?xml version="1.0" encoding="utf-8"?>
-<p:sld xmlns:a="http://schemas.openxmlformats.org/drawingml/2006/main" xmlns:r="http://schemas.openxmlformats.org/officeDocument/2006/relationships" xmlns:p="http://schemas.openxmlformats.org/presentationml/2006/main">
-  <p:cSld>
-    <p:spTree>
-      <p:nvGrpSpPr>
-        <p:cNvPr id="1" name=""/>
-        <p:cNvGrpSpPr/>
-        <p:nvPr/>
-      </p:nvGrpSpPr>
-      <p:grpSpPr>
-        <a:xfrm>
-          <a:off x="0" y="0"/>
-          <a:ext cx="0" cy="0"/>
-          <a:chOff x="0" y="0"/>
-          <a:chExt cx="0" cy="0"/>
-        </a:xfrm>
-      </p:grpSpPr>
-      <p:sp>
-        <p:nvSpPr>
-          <p:cNvPr id="2" name="Content Placeholder 1">
-            <a:extLst>
-              <a:ext uri="{FF2B5EF4-FFF2-40B4-BE49-F238E27FC236}">
-                <a16:creationId xmlns:a16="http://schemas.microsoft.com/office/drawing/2014/main" id="{B7B70982-D68E-4846-B0DB-A1E4900408E0}"/>
-              </a:ext>
-            </a:extLst>
-          </p:cNvPr>
-          <p:cNvSpPr>
-            <a:spLocks noGrp="1"/>
-          </p:cNvSpPr>
-          <p:nvPr>
-            <p:ph idx="1"/>
-          </p:nvPr>
-        </p:nvSpPr>
-        <p:spPr>
-          <a:xfrm>
-            <a:off x="228600" y="1066800"/>
-            <a:ext cx="8458200" cy="5105400"/>
-          </a:xfrm>
-        </p:spPr>
-        <p:txBody>
-          <a:bodyPr/>
-          <a:lstStyle/>
-          <a:p>
-            <a:r>
-              <a:rPr lang="en-US" sz="2000" dirty="0">
-                <a:solidFill>
-                  <a:srgbClr val="FF0000"/>
-                </a:solidFill>
-              </a:rPr>
-              <a:t>Much more diversity in the architectures that we see</a:t>
-            </a:r>
-          </a:p>
-          <a:p>
-            <a:pPr lvl="1"/>
-            <a:r>
-              <a:rPr lang="en-US" sz="1800" dirty="0"/>
-              <a:t>More modern hardware architectures </a:t>
-            </a:r>
-          </a:p>
-          <a:p>
-            <a:pPr lvl="2"/>
-            <a:r>
-              <a:rPr lang="en-US" sz="1600" dirty="0"/>
-              <a:t>Massively parallel computers</a:t>
-            </a:r>
-          </a:p>
-          <a:p>
-            <a:pPr lvl="2"/>
-            <a:r>
-              <a:rPr lang="en-US" sz="1600" dirty="0"/>
-              <a:t>SSDs</a:t>
-            </a:r>
-          </a:p>
-          <a:p>
-            <a:pPr lvl="2"/>
-            <a:r>
-              <a:rPr lang="en-US" sz="1600" dirty="0"/>
-              <a:t>Massive amounts of RAM – often don’t need to worry about data fitting in memory</a:t>
-            </a:r>
-          </a:p>
-          <a:p>
-            <a:pPr lvl="2"/>
-            <a:r>
-              <a:rPr lang="en-US" sz="1600" dirty="0"/>
-              <a:t>Much faster networks, even over a wide area</a:t>
-            </a:r>
-          </a:p>
-          <a:p>
-            <a:pPr lvl="2"/>
-            <a:r>
-              <a:rPr lang="en-US" sz="1600" dirty="0"/>
-              <a:t>Virtualization and Containerization</a:t>
-            </a:r>
-          </a:p>
-          <a:p>
-            <a:pPr lvl="2"/>
-            <a:r>
-              <a:rPr lang="en-US" sz="1600" dirty="0"/>
-              <a:t>Cloud Computing</a:t>
-            </a:r>
-            <a:endParaRPr lang="en-US" sz="1800" dirty="0"/>
-          </a:p>
-          <a:p>
-            <a:pPr lvl="1"/>
-            <a:r>
-              <a:rPr lang="en-US" sz="1600" dirty="0"/>
-              <a:t>As a result: Data and execution typically distributed all over the place</a:t>
-            </a:r>
-          </a:p>
-          <a:p>
-            <a:endParaRPr lang="en-US" sz="2000" dirty="0"/>
-          </a:p>
-          <a:p>
-            <a:r>
-              <a:rPr lang="en-US" sz="2000" dirty="0">
-                <a:solidFill>
-                  <a:srgbClr val="FF0000"/>
-                </a:solidFill>
-              </a:rPr>
-              <a:t>Much more diversity in data processing applications</a:t>
-            </a:r>
-          </a:p>
-          <a:p>
-            <a:pPr lvl="1"/>
-            <a:r>
-              <a:rPr lang="en-US" sz="1600" dirty="0"/>
-              <a:t>Much more non-relational data (images, text, video)</a:t>
-            </a:r>
-          </a:p>
-          <a:p>
-            <a:pPr lvl="1"/>
-            <a:r>
-              <a:rPr lang="en-US" sz="1600" dirty="0"/>
-              <a:t>Data Analytics/Machine learning more common use-cases</a:t>
-            </a:r>
-          </a:p>
-          <a:p>
-            <a:endParaRPr lang="en-US" sz="2000" dirty="0"/>
-          </a:p>
-          <a:p>
-            <a:r>
-              <a:rPr lang="en-US" sz="2000" dirty="0">
-                <a:solidFill>
-                  <a:srgbClr val="FF0000"/>
-                </a:solidFill>
-              </a:rPr>
-              <a:t>Much more diversity in “data models” </a:t>
-            </a:r>
-          </a:p>
-          <a:p>
-            <a:pPr lvl="1"/>
-            <a:r>
-              <a:rPr lang="en-US" sz="1400" dirty="0"/>
-              <a:t>Document data models (JSON, XML), Key-value data model, Graph data model, RDF</a:t>
-            </a:r>
-          </a:p>
-          <a:p>
-            <a:pPr lvl="1"/>
-            <a:endParaRPr lang="en-US" sz="1400" dirty="0"/>
-          </a:p>
-        </p:txBody>
-      </p:sp>
-      <p:sp>
-        <p:nvSpPr>
-          <p:cNvPr id="3" name="Title 2">
-            <a:extLst>
-              <a:ext uri="{FF2B5EF4-FFF2-40B4-BE49-F238E27FC236}">
-                <a16:creationId xmlns:a16="http://schemas.microsoft.com/office/drawing/2014/main" id="{67629A87-6600-2545-8FBB-EA2C7D32C936}"/>
-              </a:ext>
-            </a:extLst>
-          </p:cNvPr>
-          <p:cNvSpPr>
-            <a:spLocks noGrp="1"/>
-          </p:cNvSpPr>
-          <p:nvPr>
-            <p:ph type="title"/>
-          </p:nvPr>
-        </p:nvSpPr>
-        <p:spPr/>
-        <p:txBody>
-          <a:bodyPr/>
-          <a:lstStyle/>
-          <a:p>
-            <a:r>
-              <a:rPr lang="en-US" dirty="0"/>
-              <a:t>Database Architecture : Today</a:t>
-            </a:r>
-          </a:p>
-        </p:txBody>
-      </p:sp>
-    </p:spTree>
-    <p:extLst>
-      <p:ext uri="{BB962C8B-B14F-4D97-AF65-F5344CB8AC3E}">
-        <p14:creationId xmlns:p14="http://schemas.microsoft.com/office/powerpoint/2010/main" val="2217069098"/>
-      </p:ext>
-    </p:extLst>
-  </p:cSld>
-  <p:clrMapOvr>
-    <a:masterClrMapping/>
-  </p:clrMapOvr>
-</p:sld>
-</file>
-
 <file path=ppt/slides/slide45.xml><?xml version="1.0" encoding="utf-8"?>
 <p:sld xmlns:a="http://schemas.openxmlformats.org/drawingml/2006/main" xmlns:r="http://schemas.openxmlformats.org/officeDocument/2006/relationships" xmlns:p="http://schemas.openxmlformats.org/presentationml/2006/main">
   <p:cSld>
@@ -21616,7 +21642,13 @@
       </p:grpSpPr>
       <p:sp>
         <p:nvSpPr>
-          <p:cNvPr id="2" name="Content Placeholder 1"/>
+          <p:cNvPr id="2" name="Content Placeholder 1">
+            <a:extLst>
+              <a:ext uri="{FF2B5EF4-FFF2-40B4-BE49-F238E27FC236}">
+                <a16:creationId xmlns:a16="http://schemas.microsoft.com/office/drawing/2014/main" id="{B7B70982-D68E-4846-B0DB-A1E4900408E0}"/>
+              </a:ext>
+            </a:extLst>
+          </p:cNvPr>
           <p:cNvSpPr>
             <a:spLocks noGrp="1"/>
           </p:cNvSpPr>
@@ -21626,8 +21658,8 @@
         </p:nvSpPr>
         <p:spPr>
           <a:xfrm>
-            <a:off x="152400" y="914400"/>
-            <a:ext cx="8001000" cy="5105400"/>
+            <a:off x="228600" y="1066800"/>
+            <a:ext cx="8458200" cy="5105400"/>
           </a:xfrm>
         </p:spPr>
         <p:txBody>
@@ -21635,159 +21667,133 @@
           <a:lstStyle/>
           <a:p>
             <a:r>
-              <a:rPr lang="en-US" sz="2000" dirty="0"/>
-              <a:t>Relational </a:t>
-            </a:r>
-            <a:r>
-              <a:rPr lang="en-US" sz="2000" dirty="0" err="1"/>
-              <a:t>DBMSs</a:t>
-            </a:r>
-            <a:endParaRPr lang="en-US" sz="2000" dirty="0"/>
-          </a:p>
-          <a:p>
-            <a:pPr lvl="1"/>
-            <a:r>
-              <a:rPr lang="en-US" sz="1800" dirty="0"/>
-              <a:t>Oracle, IBM DB2, Microsoft SQL Server, Sybase, Amazon RDS/Aurora</a:t>
-            </a:r>
-          </a:p>
-          <a:p>
-            <a:pPr lvl="6"/>
-            <a:endParaRPr lang="en-US" sz="1200" dirty="0"/>
-          </a:p>
-          <a:p>
-            <a:r>
-              <a:rPr lang="en-US" sz="2000" dirty="0"/>
-              <a:t>Open source alternatives</a:t>
-            </a:r>
-          </a:p>
-          <a:p>
-            <a:pPr lvl="1"/>
-            <a:r>
-              <a:rPr lang="en-US" sz="1800" dirty="0"/>
-              <a:t>MySQL, </a:t>
-            </a:r>
-            <a:r>
-              <a:rPr lang="en-US" sz="1800" dirty="0">
+              <a:rPr lang="en-US" sz="2000" dirty="0">
                 <a:solidFill>
                   <a:srgbClr val="FF0000"/>
                 </a:solidFill>
               </a:rPr>
-              <a:t>PostgreSQL</a:t>
-            </a:r>
+              <a:t>Much more diversity in the architectures that we see</a:t>
+            </a:r>
+          </a:p>
+          <a:p>
+            <a:pPr lvl="1"/>
             <a:r>
               <a:rPr lang="en-US" sz="1800" dirty="0"/>
-              <a:t>, </a:t>
-            </a:r>
-            <a:r>
-              <a:rPr lang="en-US" sz="1800" dirty="0" err="1"/>
-              <a:t>BerkeleyDB</a:t>
-            </a:r>
-            <a:r>
-              <a:rPr lang="en-US" sz="1800" dirty="0"/>
-              <a:t> (mainly a storage engine – no SQL) …</a:t>
-            </a:r>
-          </a:p>
-          <a:p>
-            <a:pPr lvl="3"/>
+              <a:t>More modern hardware architectures </a:t>
+            </a:r>
+          </a:p>
+          <a:p>
+            <a:pPr lvl="2"/>
+            <a:r>
+              <a:rPr lang="en-US" sz="1600" dirty="0"/>
+              <a:t>Massively parallel computers</a:t>
+            </a:r>
+          </a:p>
+          <a:p>
+            <a:pPr lvl="2"/>
+            <a:r>
+              <a:rPr lang="en-US" sz="1600" dirty="0"/>
+              <a:t>SSDs</a:t>
+            </a:r>
+          </a:p>
+          <a:p>
+            <a:pPr lvl="2"/>
+            <a:r>
+              <a:rPr lang="en-US" sz="1600" dirty="0"/>
+              <a:t>Massive amounts of RAM – often don’t need to worry about data fitting in memory</a:t>
+            </a:r>
+          </a:p>
+          <a:p>
+            <a:pPr lvl="2"/>
+            <a:r>
+              <a:rPr lang="en-US" sz="1600" dirty="0"/>
+              <a:t>Much faster networks, even over a wide area</a:t>
+            </a:r>
+          </a:p>
+          <a:p>
+            <a:pPr lvl="2"/>
+            <a:r>
+              <a:rPr lang="en-US" sz="1600" dirty="0"/>
+              <a:t>Virtualization and Containerization</a:t>
+            </a:r>
+          </a:p>
+          <a:p>
+            <a:pPr lvl="2"/>
+            <a:r>
+              <a:rPr lang="en-US" sz="1600" dirty="0"/>
+              <a:t>Cloud Computing</a:t>
+            </a:r>
             <a:endParaRPr lang="en-US" sz="1800" dirty="0"/>
           </a:p>
           <a:p>
-            <a:r>
-              <a:rPr lang="en-US" sz="2000" dirty="0"/>
-              <a:t>Other Data Models</a:t>
-            </a:r>
-          </a:p>
-          <a:p>
             <a:pPr lvl="1"/>
             <a:r>
-              <a:rPr lang="en-US" sz="1800" dirty="0"/>
-              <a:t>Neo4j (Graph), MongoDB (Document), </a:t>
-            </a:r>
-            <a:r>
-              <a:rPr lang="en-US" sz="1800" dirty="0" err="1"/>
-              <a:t>CosmosDB</a:t>
-            </a:r>
-            <a:r>
-              <a:rPr lang="en-US" sz="1800" dirty="0"/>
-              <a:t> (many)</a:t>
-            </a:r>
-          </a:p>
-          <a:p>
-            <a:pPr lvl="6"/>
-            <a:endParaRPr lang="en-US" sz="1200" dirty="0"/>
-          </a:p>
-          <a:p>
-            <a:r>
-              <a:rPr lang="en-US" sz="2000" dirty="0"/>
-              <a:t>Data Warehousing Solutions</a:t>
+              <a:rPr lang="en-US" sz="1600" dirty="0"/>
+              <a:t>As a result: Data and execution typically distributed all over the place</a:t>
+            </a:r>
+          </a:p>
+          <a:p>
+            <a:endParaRPr lang="en-US" sz="2000" dirty="0"/>
+          </a:p>
+          <a:p>
+            <a:r>
+              <a:rPr lang="en-US" sz="2000" dirty="0">
+                <a:solidFill>
+                  <a:srgbClr val="FF0000"/>
+                </a:solidFill>
+              </a:rPr>
+              <a:t>Much more diversity in data processing applications</a:t>
             </a:r>
           </a:p>
           <a:p>
             <a:pPr lvl="1"/>
             <a:r>
-              <a:rPr lang="en-US" sz="1800" dirty="0"/>
-              <a:t>Geared towards very large volumes of data and on analyzing them</a:t>
+              <a:rPr lang="en-US" sz="1600" dirty="0"/>
+              <a:t>Much more non-relational data (images, text, video)</a:t>
             </a:r>
           </a:p>
           <a:p>
             <a:pPr lvl="1"/>
             <a:r>
-              <a:rPr lang="en-US" sz="1800" dirty="0"/>
-              <a:t>Long list: Teradata, Oracle Exadata, Netezza (based on FPGAs), Aster Data (founded 2005), Vertica (column-based), </a:t>
-            </a:r>
-            <a:r>
-              <a:rPr lang="en-US" sz="1800" dirty="0" err="1"/>
-              <a:t>Kickfire</a:t>
-            </a:r>
-            <a:r>
-              <a:rPr lang="en-US" sz="1800" dirty="0"/>
-              <a:t>, </a:t>
-            </a:r>
-            <a:r>
-              <a:rPr lang="en-US" sz="1800" dirty="0" err="1"/>
-              <a:t>Xtremedata</a:t>
-            </a:r>
-            <a:r>
-              <a:rPr lang="en-US" sz="1800" dirty="0"/>
-              <a:t>..</a:t>
+              <a:rPr lang="en-US" sz="1600" dirty="0"/>
+              <a:t>Data Analytics/Machine learning more common use-cases</a:t>
+            </a:r>
+          </a:p>
+          <a:p>
+            <a:endParaRPr lang="en-US" sz="2000" dirty="0"/>
+          </a:p>
+          <a:p>
+            <a:r>
+              <a:rPr lang="en-US" sz="2000" dirty="0">
+                <a:solidFill>
+                  <a:srgbClr val="FF0000"/>
+                </a:solidFill>
+              </a:rPr>
+              <a:t>Much more diversity in “data models” </a:t>
             </a:r>
           </a:p>
           <a:p>
             <a:pPr lvl="1"/>
             <a:r>
-              <a:rPr lang="en-US" sz="1800" dirty="0"/>
-              <a:t>Usually sell package/services and charge per TB of managed data</a:t>
+              <a:rPr lang="en-US" sz="1400" dirty="0"/>
+              <a:t>Document data models (JSON, XML), Key-value data model, Graph data model, RDF</a:t>
             </a:r>
           </a:p>
           <a:p>
             <a:pPr lvl="1"/>
-            <a:r>
-              <a:rPr lang="en-US" sz="1800" dirty="0"/>
-              <a:t>Many (especially recent ones) start with </a:t>
-            </a:r>
-            <a:r>
-              <a:rPr lang="en-US" sz="1800" dirty="0" err="1"/>
-              <a:t>MySQL</a:t>
-            </a:r>
-            <a:r>
-              <a:rPr lang="en-US" sz="1800" dirty="0"/>
-              <a:t> or </a:t>
-            </a:r>
-            <a:r>
-              <a:rPr lang="en-US" sz="1800" dirty="0" err="1"/>
-              <a:t>PostgreSQL</a:t>
-            </a:r>
-            <a:r>
-              <a:rPr lang="en-US" sz="1800" dirty="0"/>
-              <a:t> and make them parallel/faster etc..</a:t>
-            </a:r>
+            <a:endParaRPr lang="en-US" sz="1400" dirty="0"/>
           </a:p>
         </p:txBody>
       </p:sp>
       <p:sp>
         <p:nvSpPr>
-          <p:cNvPr id="3" name="Title 2"/>
+          <p:cNvPr id="3" name="Title 2">
+            <a:extLst>
+              <a:ext uri="{FF2B5EF4-FFF2-40B4-BE49-F238E27FC236}">
+                <a16:creationId xmlns:a16="http://schemas.microsoft.com/office/drawing/2014/main" id="{67629A87-6600-2545-8FBB-EA2C7D32C936}"/>
+              </a:ext>
+            </a:extLst>
+          </p:cNvPr>
           <p:cNvSpPr>
             <a:spLocks noGrp="1"/>
           </p:cNvSpPr>
@@ -21802,7 +21808,7 @@
           <a:p>
             <a:r>
               <a:rPr lang="en-US" dirty="0"/>
-              <a:t>Current Industry Outlook </a:t>
+              <a:t>Database Architecture : Today</a:t>
             </a:r>
           </a:p>
         </p:txBody>
@@ -21810,7 +21816,7 @@
     </p:spTree>
     <p:extLst>
       <p:ext uri="{BB962C8B-B14F-4D97-AF65-F5344CB8AC3E}">
-        <p14:creationId xmlns:p14="http://schemas.microsoft.com/office/powerpoint/2010/main" val="1000577861"/>
+        <p14:creationId xmlns:p14="http://schemas.microsoft.com/office/powerpoint/2010/main" val="2217069098"/>
       </p:ext>
     </p:extLst>
   </p:cSld>
@@ -21849,8 +21855,8 @@
         </p:nvSpPr>
         <p:spPr>
           <a:xfrm>
-            <a:off x="114300" y="884238"/>
-            <a:ext cx="8915400" cy="5105400"/>
+            <a:off x="152400" y="914400"/>
+            <a:ext cx="8001000" cy="5105400"/>
           </a:xfrm>
         </p:spPr>
         <p:txBody>
@@ -21858,158 +21864,153 @@
           <a:lstStyle/>
           <a:p>
             <a:r>
-              <a:rPr lang="en-US" sz="2400" dirty="0"/>
-              <a:t>Ongoing debate/issue </a:t>
-            </a:r>
-          </a:p>
-          <a:p>
-            <a:pPr lvl="1"/>
-            <a:r>
               <a:rPr lang="en-US" sz="2000" dirty="0"/>
-              <a:t>Cloud computing seems to eschew </a:t>
+              <a:t>Relational </a:t>
             </a:r>
             <a:r>
               <a:rPr lang="en-US" sz="2000" dirty="0" err="1"/>
               <a:t>DBMSs</a:t>
             </a:r>
+            <a:endParaRPr lang="en-US" sz="2000" dirty="0"/>
+          </a:p>
+          <a:p>
+            <a:pPr lvl="1"/>
+            <a:r>
+              <a:rPr lang="en-US" sz="1800" dirty="0"/>
+              <a:t>Oracle, IBM DB2, Microsoft SQL Server, Sybase, Amazon RDS/Aurora</a:t>
+            </a:r>
+          </a:p>
+          <a:p>
+            <a:pPr lvl="6"/>
+            <a:endParaRPr lang="en-US" sz="1200" dirty="0"/>
+          </a:p>
+          <a:p>
             <a:r>
               <a:rPr lang="en-US" sz="2000" dirty="0"/>
-              <a:t> in favor of homegrown solutions</a:t>
+              <a:t>Open source alternatives</a:t>
             </a:r>
           </a:p>
           <a:p>
             <a:pPr lvl="1"/>
             <a:r>
-              <a:rPr lang="en-US" sz="2000" dirty="0"/>
-              <a:t>E.g. Google, </a:t>
-            </a:r>
-            <a:r>
-              <a:rPr lang="en-US" sz="2000" dirty="0" err="1"/>
-              <a:t>Facebook</a:t>
-            </a:r>
-            <a:r>
-              <a:rPr lang="en-US" sz="2000" dirty="0"/>
-              <a:t>, Amazon etc…</a:t>
-            </a:r>
-          </a:p>
-          <a:p>
-            <a:pPr lvl="3"/>
-            <a:endParaRPr lang="en-US" sz="1400" dirty="0"/>
-          </a:p>
-          <a:p>
-            <a:r>
-              <a:rPr lang="en-US" sz="2400" dirty="0" err="1"/>
-              <a:t>MapReduce</a:t>
-            </a:r>
-            <a:r>
-              <a:rPr lang="en-US" sz="2400" dirty="0"/>
-              <a:t>: A paradigm for large-scale data analysis</a:t>
-            </a:r>
-          </a:p>
-          <a:p>
-            <a:pPr lvl="1"/>
-            <a:r>
-              <a:rPr lang="en-US" sz="2000" dirty="0" err="1"/>
-              <a:t>Hadoop</a:t>
-            </a:r>
-            <a:r>
-              <a:rPr lang="en-US" sz="2000" dirty="0"/>
-              <a:t>: An open source implementation</a:t>
-            </a:r>
-          </a:p>
-          <a:p>
-            <a:pPr lvl="1"/>
-            <a:r>
-              <a:rPr lang="en-US" sz="2000" dirty="0">
+              <a:rPr lang="en-US" sz="1800" dirty="0"/>
+              <a:t>MySQL, </a:t>
+            </a:r>
+            <a:r>
+              <a:rPr lang="en-US" sz="1800" dirty="0">
                 <a:solidFill>
                   <a:srgbClr val="FF0000"/>
                 </a:solidFill>
               </a:rPr>
-              <a:t>Apache Spark</a:t>
-            </a:r>
+              <a:t>PostgreSQL</a:t>
+            </a:r>
+            <a:r>
+              <a:rPr lang="en-US" sz="1800" dirty="0"/>
+              <a:t>, </a:t>
+            </a:r>
+            <a:r>
+              <a:rPr lang="en-US" sz="1800" dirty="0" err="1"/>
+              <a:t>BerkeleyDB</a:t>
+            </a:r>
+            <a:r>
+              <a:rPr lang="en-US" sz="1800" dirty="0"/>
+              <a:t> (mainly a storage engine – no SQL) …</a:t>
+            </a:r>
+          </a:p>
+          <a:p>
+            <a:pPr lvl="3"/>
+            <a:endParaRPr lang="en-US" sz="1800" dirty="0"/>
+          </a:p>
+          <a:p>
             <a:r>
               <a:rPr lang="en-US" sz="2000" dirty="0"/>
-              <a:t>: a better open source implementation</a:t>
-            </a:r>
-          </a:p>
-          <a:p>
-            <a:pPr lvl="3"/>
-            <a:endParaRPr lang="en-US" sz="1400" dirty="0"/>
-          </a:p>
-          <a:p>
-            <a:r>
-              <a:rPr lang="en-US" sz="2400" dirty="0"/>
-              <a:t>Why ? </a:t>
+              <a:t>Other Data Models</a:t>
             </a:r>
           </a:p>
           <a:p>
             <a:pPr lvl="1"/>
             <a:r>
-              <a:rPr lang="en-US" sz="2000" dirty="0" err="1"/>
-              <a:t>DBMSs</a:t>
-            </a:r>
+              <a:rPr lang="en-US" sz="1800" dirty="0"/>
+              <a:t>Neo4j (Graph), MongoDB (Document), </a:t>
+            </a:r>
+            <a:r>
+              <a:rPr lang="en-US" sz="1800" dirty="0" err="1"/>
+              <a:t>CosmosDB</a:t>
+            </a:r>
+            <a:r>
+              <a:rPr lang="en-US" sz="1800" dirty="0"/>
+              <a:t> (many)</a:t>
+            </a:r>
+          </a:p>
+          <a:p>
+            <a:pPr lvl="6"/>
+            <a:endParaRPr lang="en-US" sz="1200" dirty="0"/>
+          </a:p>
+          <a:p>
             <a:r>
               <a:rPr lang="en-US" sz="2000" dirty="0"/>
-              <a:t> can’t scale to the needs, not fault-tolerant enough</a:t>
-            </a:r>
-          </a:p>
-          <a:p>
-            <a:pPr lvl="2"/>
+              <a:t>Data Warehousing Solutions</a:t>
+            </a:r>
+          </a:p>
+          <a:p>
+            <a:pPr lvl="1"/>
             <a:r>
               <a:rPr lang="en-US" sz="1800" dirty="0"/>
-              <a:t>These apps don’t need things like transactions, that complicate </a:t>
+              <a:t>Geared towards very large volumes of data and on analyzing them</a:t>
+            </a:r>
+          </a:p>
+          <a:p>
+            <a:pPr lvl="1"/>
+            <a:r>
+              <a:rPr lang="en-US" sz="1800" dirty="0"/>
+              <a:t>Long list: Teradata, Oracle Exadata, Netezza (based on FPGAs), Aster Data (founded 2005), Vertica (column-based), </a:t>
             </a:r>
             <a:r>
               <a:rPr lang="en-US" sz="1800" dirty="0" err="1"/>
-              <a:t>DBMSs</a:t>
+              <a:t>Kickfire</a:t>
             </a:r>
             <a:r>
               <a:rPr lang="en-US" sz="1800" dirty="0"/>
-              <a:t> (???)</a:t>
+              <a:t>, </a:t>
+            </a:r>
+            <a:r>
+              <a:rPr lang="en-US" sz="1800" dirty="0" err="1"/>
+              <a:t>Xtremedata</a:t>
+            </a:r>
+            <a:r>
+              <a:rPr lang="en-US" sz="1800" dirty="0"/>
+              <a:t>..</a:t>
             </a:r>
           </a:p>
           <a:p>
             <a:pPr lvl="1"/>
             <a:r>
-              <a:rPr lang="en-US" sz="2000" dirty="0" err="1"/>
-              <a:t>Mapreduce</a:t>
-            </a:r>
-            <a:r>
-              <a:rPr lang="en-US" sz="2000" dirty="0"/>
-              <a:t> favors Unix-style programming, doesn’t require SQL</a:t>
-            </a:r>
-          </a:p>
-          <a:p>
-            <a:pPr lvl="2"/>
-            <a:r>
-              <a:rPr lang="en-US" sz="2000" dirty="0"/>
-              <a:t>Try writing </a:t>
-            </a:r>
-            <a:r>
-              <a:rPr lang="en-US" sz="2000" dirty="0" err="1"/>
-              <a:t>SVMs</a:t>
-            </a:r>
-            <a:r>
-              <a:rPr lang="en-US" sz="2000" dirty="0"/>
-              <a:t> or decision trees in SQL</a:t>
+              <a:rPr lang="en-US" sz="1800" dirty="0"/>
+              <a:t>Usually sell package/services and charge per TB of managed data</a:t>
             </a:r>
           </a:p>
           <a:p>
             <a:pPr lvl="1"/>
             <a:r>
-              <a:rPr lang="en-US" sz="2000" dirty="0"/>
-              <a:t>Cost</a:t>
-            </a:r>
-          </a:p>
-          <a:p>
-            <a:pPr lvl="2"/>
-            <a:r>
-              <a:rPr lang="en-US" dirty="0"/>
-              <a:t>Companies like Teradata may charge $100,000                                            per TB of data managed</a:t>
-            </a:r>
-          </a:p>
-          <a:p>
-            <a:endParaRPr lang="en-US" sz="2400" dirty="0"/>
+              <a:rPr lang="en-US" sz="1800" dirty="0"/>
+              <a:t>Many (especially recent ones) start with </a:t>
+            </a:r>
+            <a:r>
+              <a:rPr lang="en-US" sz="1800" dirty="0" err="1"/>
+              <a:t>MySQL</a:t>
+            </a:r>
+            <a:r>
+              <a:rPr lang="en-US" sz="1800" dirty="0"/>
+              <a:t> or </a:t>
+            </a:r>
+            <a:r>
+              <a:rPr lang="en-US" sz="1800" dirty="0" err="1"/>
+              <a:t>PostgreSQL</a:t>
+            </a:r>
+            <a:r>
+              <a:rPr lang="en-US" sz="1800" dirty="0"/>
+              <a:t> and make them parallel/faster etc..</a:t>
+            </a:r>
           </a:p>
         </p:txBody>
       </p:sp>
@@ -22025,14 +22026,12 @@
         </p:nvSpPr>
         <p:spPr/>
         <p:txBody>
-          <a:bodyPr>
-            <a:normAutofit fontScale="90000"/>
-          </a:bodyPr>
+          <a:bodyPr/>
           <a:lstStyle/>
           <a:p>
             <a:r>
               <a:rPr lang="en-US" dirty="0"/>
-              <a:t>Web Scale Data Management, Analysis</a:t>
+              <a:t>Current Industry Outlook </a:t>
             </a:r>
           </a:p>
         </p:txBody>
@@ -22040,7 +22039,7 @@
     </p:spTree>
     <p:extLst>
       <p:ext uri="{BB962C8B-B14F-4D97-AF65-F5344CB8AC3E}">
-        <p14:creationId xmlns:p14="http://schemas.microsoft.com/office/powerpoint/2010/main" val="466351235"/>
+        <p14:creationId xmlns:p14="http://schemas.microsoft.com/office/powerpoint/2010/main" val="1000577861"/>
       </p:ext>
     </p:extLst>
   </p:cSld>
@@ -22079,143 +22078,167 @@
         </p:nvSpPr>
         <p:spPr>
           <a:xfrm>
-            <a:off x="0" y="609600"/>
-            <a:ext cx="9144000" cy="5029200"/>
+            <a:off x="114300" y="884238"/>
+            <a:ext cx="8915400" cy="5105400"/>
           </a:xfrm>
-          <a:solidFill>
-            <a:schemeClr val="bg1"/>
-          </a:solidFill>
         </p:spPr>
         <p:txBody>
           <a:bodyPr/>
           <a:lstStyle/>
           <a:p>
-            <a:pPr lvl="5">
-              <a:buNone/>
-            </a:pPr>
-            <a:endParaRPr lang="en-US" sz="1600" dirty="0"/>
+            <a:r>
+              <a:rPr lang="en-US" sz="2400" dirty="0"/>
+              <a:t>Ongoing debate/issue </a:t>
+            </a:r>
+          </a:p>
+          <a:p>
+            <a:pPr lvl="1"/>
+            <a:r>
+              <a:rPr lang="en-US" sz="2000" dirty="0"/>
+              <a:t>Cloud computing seems to eschew </a:t>
+            </a:r>
+            <a:r>
+              <a:rPr lang="en-US" sz="2000" dirty="0" err="1"/>
+              <a:t>DBMSs</a:t>
+            </a:r>
+            <a:r>
+              <a:rPr lang="en-US" sz="2000" dirty="0"/>
+              <a:t> in favor of homegrown solutions</a:t>
+            </a:r>
+          </a:p>
+          <a:p>
+            <a:pPr lvl="1"/>
+            <a:r>
+              <a:rPr lang="en-US" sz="2000" dirty="0"/>
+              <a:t>E.g. Google, </a:t>
+            </a:r>
+            <a:r>
+              <a:rPr lang="en-US" sz="2000" dirty="0" err="1"/>
+              <a:t>Facebook</a:t>
+            </a:r>
+            <a:r>
+              <a:rPr lang="en-US" sz="2000" dirty="0"/>
+              <a:t>, Amazon etc…</a:t>
+            </a:r>
+          </a:p>
+          <a:p>
+            <a:pPr lvl="3"/>
+            <a:endParaRPr lang="en-US" sz="1400" dirty="0"/>
           </a:p>
           <a:p>
             <a:r>
               <a:rPr lang="en-US" sz="2400" dirty="0" err="1"/>
-              <a:t>Bigtable</a:t>
+              <a:t>MapReduce</a:t>
             </a:r>
             <a:r>
               <a:rPr lang="en-US" sz="2400" dirty="0"/>
-              <a:t>-like</a:t>
+              <a:t>: A paradigm for large-scale data analysis</a:t>
             </a:r>
           </a:p>
           <a:p>
             <a:pPr lvl="1"/>
             <a:r>
+              <a:rPr lang="en-US" sz="2000" dirty="0" err="1"/>
+              <a:t>Hadoop</a:t>
+            </a:r>
+            <a:r>
               <a:rPr lang="en-US" sz="2000" dirty="0"/>
-              <a:t>Called “key-value stores”</a:t>
+              <a:t>: An open source implementation</a:t>
             </a:r>
           </a:p>
           <a:p>
             <a:pPr lvl="1"/>
-            <a:r>
-              <a:rPr lang="en-US" sz="2000" dirty="0"/>
-              <a:t>Think highly distributed hash tables</a:t>
-            </a:r>
-          </a:p>
-          <a:p>
-            <a:pPr lvl="1"/>
-            <a:r>
-              <a:rPr lang="en-US" sz="2000" dirty="0"/>
-              <a:t>Allow some transactional capabilities – still evolving area</a:t>
-            </a:r>
-          </a:p>
-          <a:p>
-            <a:pPr lvl="1"/>
-            <a:r>
-              <a:rPr lang="en-US" sz="2000" dirty="0"/>
-              <a:t>PNUTS (Yahoo), </a:t>
-            </a:r>
             <a:r>
               <a:rPr lang="en-US" sz="2000" dirty="0">
                 <a:solidFill>
                   <a:srgbClr val="FF0000"/>
                 </a:solidFill>
               </a:rPr>
-              <a:t>Apache Cassandra </a:t>
+              <a:t>Apache Spark</a:t>
             </a:r>
             <a:r>
               <a:rPr lang="en-US" sz="2000" dirty="0"/>
-              <a:t>(Facebook), Dynamo (Amazon), and many many others</a:t>
+              <a:t>: a better open source implementation</a:t>
+            </a:r>
+          </a:p>
+          <a:p>
+            <a:pPr lvl="3"/>
+            <a:endParaRPr lang="en-US" sz="1400" dirty="0"/>
+          </a:p>
+          <a:p>
+            <a:r>
+              <a:rPr lang="en-US" sz="2400" dirty="0"/>
+              <a:t>Why ? </a:t>
+            </a:r>
+          </a:p>
+          <a:p>
+            <a:pPr lvl="1"/>
+            <a:r>
+              <a:rPr lang="en-US" sz="2000" dirty="0" err="1"/>
+              <a:t>DBMSs</a:t>
+            </a:r>
+            <a:r>
+              <a:rPr lang="en-US" sz="2000" dirty="0"/>
+              <a:t> can’t scale to the needs, not fault-tolerant enough</a:t>
             </a:r>
           </a:p>
           <a:p>
             <a:pPr lvl="2"/>
-            <a:endParaRPr lang="en-US" sz="1800" dirty="0" err="1"/>
-          </a:p>
-          <a:p>
-            <a:r>
-              <a:rPr lang="en-US" sz="2400" dirty="0" err="1"/>
+            <a:r>
+              <a:rPr lang="en-US" sz="1800" dirty="0"/>
+              <a:t>These apps don’t need things like transactions, that complicate </a:t>
+            </a:r>
+            <a:r>
+              <a:rPr lang="en-US" sz="1800" dirty="0" err="1"/>
+              <a:t>DBMSs</a:t>
+            </a:r>
+            <a:r>
+              <a:rPr lang="en-US" sz="1800" dirty="0"/>
+              <a:t> (???)</a:t>
+            </a:r>
+          </a:p>
+          <a:p>
+            <a:pPr lvl="1"/>
+            <a:r>
+              <a:rPr lang="en-US" sz="2000" dirty="0" err="1"/>
               <a:t>Mapreduce</a:t>
             </a:r>
             <a:r>
-              <a:rPr lang="en-US" sz="2400" dirty="0"/>
-              <a:t>-like</a:t>
+              <a:rPr lang="en-US" sz="2000" dirty="0"/>
+              <a:t> favors Unix-style programming, doesn’t require SQL</a:t>
+            </a:r>
+          </a:p>
+          <a:p>
+            <a:pPr lvl="2"/>
+            <a:r>
+              <a:rPr lang="en-US" sz="2000" dirty="0"/>
+              <a:t>Try writing </a:t>
+            </a:r>
+            <a:r>
+              <a:rPr lang="en-US" sz="2000" dirty="0" err="1"/>
+              <a:t>SVMs</a:t>
+            </a:r>
+            <a:r>
+              <a:rPr lang="en-US" sz="2000" dirty="0"/>
+              <a:t> or decision trees in SQL</a:t>
             </a:r>
           </a:p>
           <a:p>
             <a:pPr lvl="1"/>
             <a:r>
-              <a:rPr lang="en-US" sz="2000" dirty="0" err="1"/>
-              <a:t>Hadoop</a:t>
-            </a:r>
-            <a:r>
               <a:rPr lang="en-US" sz="2000" dirty="0"/>
-              <a:t> (open source), Pig (@Yahoo), Dryad (@Microsoft), Spark</a:t>
-            </a:r>
-          </a:p>
-          <a:p>
-            <a:pPr lvl="1"/>
-            <a:r>
-              <a:rPr lang="en-US" sz="2000" dirty="0"/>
-              <a:t>Amazon EC2 Framework</a:t>
-            </a:r>
-          </a:p>
-          <a:p>
-            <a:pPr lvl="1"/>
-            <a:r>
-              <a:rPr lang="en-US" sz="2000" dirty="0"/>
-              <a:t>Not really a database – but increasing declarative SQL-like capabilities are being added (e.g. HIVE at </a:t>
-            </a:r>
-            <a:r>
-              <a:rPr lang="en-US" sz="2000" dirty="0" err="1"/>
-              <a:t>Facebook</a:t>
-            </a:r>
-            <a:r>
-              <a:rPr lang="en-US" sz="2000" dirty="0"/>
-              <a:t>)</a:t>
-            </a:r>
-          </a:p>
-          <a:p>
-            <a:pPr lvl="3"/>
-            <a:endParaRPr lang="en-US" sz="1600" dirty="0"/>
-          </a:p>
-          <a:p>
-            <a:r>
-              <a:rPr lang="en-US" sz="2400" dirty="0"/>
-              <a:t>Much ongoing research in industry and academia</a:t>
+              <a:t>Cost</a:t>
+            </a:r>
+          </a:p>
+          <a:p>
+            <a:pPr lvl="2"/>
+            <a:r>
+              <a:rPr lang="en-US" dirty="0"/>
+              <a:t>Companies like Teradata may charge $100,000                                            per TB of data managed</a:t>
             </a:r>
           </a:p>
           <a:p>
             <a:endParaRPr lang="en-US" sz="2400" dirty="0"/>
-          </a:p>
-          <a:p>
-            <a:pPr lvl="5"/>
-            <a:endParaRPr lang="en-US" sz="1600" dirty="0"/>
-          </a:p>
-          <a:p>
-            <a:pPr lvl="1"/>
-            <a:endParaRPr lang="en-US" sz="2000" dirty="0"/>
-          </a:p>
-          <a:p>
-            <a:pPr lvl="5"/>
-            <a:endParaRPr lang="en-US" sz="1600" dirty="0"/>
           </a:p>
         </p:txBody>
       </p:sp>
@@ -22231,12 +22254,14 @@
         </p:nvSpPr>
         <p:spPr/>
         <p:txBody>
-          <a:bodyPr/>
+          <a:bodyPr>
+            <a:normAutofit fontScale="90000"/>
+          </a:bodyPr>
           <a:lstStyle/>
           <a:p>
             <a:r>
               <a:rPr lang="en-US" dirty="0"/>
-              <a:t>Current Industry Outlook</a:t>
+              <a:t>Web Scale Data Management, Analysis</a:t>
             </a:r>
           </a:p>
         </p:txBody>
@@ -22244,7 +22269,7 @@
     </p:spTree>
     <p:extLst>
       <p:ext uri="{BB962C8B-B14F-4D97-AF65-F5344CB8AC3E}">
-        <p14:creationId xmlns:p14="http://schemas.microsoft.com/office/powerpoint/2010/main" val="3581322211"/>
+        <p14:creationId xmlns:p14="http://schemas.microsoft.com/office/powerpoint/2010/main" val="466351235"/>
       </p:ext>
     </p:extLst>
   </p:cSld>
@@ -22273,6 +22298,210 @@
       </p:grpSpPr>
       <p:sp>
         <p:nvSpPr>
+          <p:cNvPr id="2" name="Content Placeholder 1"/>
+          <p:cNvSpPr>
+            <a:spLocks noGrp="1"/>
+          </p:cNvSpPr>
+          <p:nvPr>
+            <p:ph idx="1"/>
+          </p:nvPr>
+        </p:nvSpPr>
+        <p:spPr>
+          <a:xfrm>
+            <a:off x="0" y="609600"/>
+            <a:ext cx="9144000" cy="5029200"/>
+          </a:xfrm>
+          <a:solidFill>
+            <a:schemeClr val="bg1"/>
+          </a:solidFill>
+        </p:spPr>
+        <p:txBody>
+          <a:bodyPr/>
+          <a:lstStyle/>
+          <a:p>
+            <a:pPr lvl="5">
+              <a:buNone/>
+            </a:pPr>
+            <a:endParaRPr lang="en-US" sz="1600" dirty="0"/>
+          </a:p>
+          <a:p>
+            <a:r>
+              <a:rPr lang="en-US" sz="2400" dirty="0" err="1"/>
+              <a:t>Bigtable</a:t>
+            </a:r>
+            <a:r>
+              <a:rPr lang="en-US" sz="2400" dirty="0"/>
+              <a:t>-like</a:t>
+            </a:r>
+          </a:p>
+          <a:p>
+            <a:pPr lvl="1"/>
+            <a:r>
+              <a:rPr lang="en-US" sz="2000" dirty="0"/>
+              <a:t>Called “key-value stores”</a:t>
+            </a:r>
+          </a:p>
+          <a:p>
+            <a:pPr lvl="1"/>
+            <a:r>
+              <a:rPr lang="en-US" sz="2000" dirty="0"/>
+              <a:t>Think highly distributed hash tables</a:t>
+            </a:r>
+          </a:p>
+          <a:p>
+            <a:pPr lvl="1"/>
+            <a:r>
+              <a:rPr lang="en-US" sz="2000" dirty="0"/>
+              <a:t>Allow some transactional capabilities – still evolving area</a:t>
+            </a:r>
+          </a:p>
+          <a:p>
+            <a:pPr lvl="1"/>
+            <a:r>
+              <a:rPr lang="en-US" sz="2000" dirty="0"/>
+              <a:t>PNUTS (Yahoo), </a:t>
+            </a:r>
+            <a:r>
+              <a:rPr lang="en-US" sz="2000" dirty="0">
+                <a:solidFill>
+                  <a:srgbClr val="FF0000"/>
+                </a:solidFill>
+              </a:rPr>
+              <a:t>Apache Cassandra </a:t>
+            </a:r>
+            <a:r>
+              <a:rPr lang="en-US" sz="2000" dirty="0"/>
+              <a:t>(Facebook), Dynamo (Amazon), and many many others</a:t>
+            </a:r>
+          </a:p>
+          <a:p>
+            <a:pPr lvl="2"/>
+            <a:endParaRPr lang="en-US" sz="1800" dirty="0" err="1"/>
+          </a:p>
+          <a:p>
+            <a:r>
+              <a:rPr lang="en-US" sz="2400" dirty="0" err="1"/>
+              <a:t>Mapreduce</a:t>
+            </a:r>
+            <a:r>
+              <a:rPr lang="en-US" sz="2400" dirty="0"/>
+              <a:t>-like</a:t>
+            </a:r>
+          </a:p>
+          <a:p>
+            <a:pPr lvl="1"/>
+            <a:r>
+              <a:rPr lang="en-US" sz="2000" dirty="0" err="1"/>
+              <a:t>Hadoop</a:t>
+            </a:r>
+            <a:r>
+              <a:rPr lang="en-US" sz="2000" dirty="0"/>
+              <a:t> (open source), Pig (@Yahoo), Dryad (@Microsoft), Spark</a:t>
+            </a:r>
+          </a:p>
+          <a:p>
+            <a:pPr lvl="1"/>
+            <a:r>
+              <a:rPr lang="en-US" sz="2000" dirty="0"/>
+              <a:t>Amazon EC2 Framework</a:t>
+            </a:r>
+          </a:p>
+          <a:p>
+            <a:pPr lvl="1"/>
+            <a:r>
+              <a:rPr lang="en-US" sz="2000" dirty="0"/>
+              <a:t>Not really a database – but increasing declarative SQL-like capabilities are being added (e.g. HIVE at </a:t>
+            </a:r>
+            <a:r>
+              <a:rPr lang="en-US" sz="2000" dirty="0" err="1"/>
+              <a:t>Facebook</a:t>
+            </a:r>
+            <a:r>
+              <a:rPr lang="en-US" sz="2000" dirty="0"/>
+              <a:t>)</a:t>
+            </a:r>
+          </a:p>
+          <a:p>
+            <a:pPr lvl="3"/>
+            <a:endParaRPr lang="en-US" sz="1600" dirty="0"/>
+          </a:p>
+          <a:p>
+            <a:r>
+              <a:rPr lang="en-US" sz="2400" dirty="0"/>
+              <a:t>Much ongoing research in industry and academia</a:t>
+            </a:r>
+          </a:p>
+          <a:p>
+            <a:endParaRPr lang="en-US" sz="2400" dirty="0"/>
+          </a:p>
+          <a:p>
+            <a:pPr lvl="5"/>
+            <a:endParaRPr lang="en-US" sz="1600" dirty="0"/>
+          </a:p>
+          <a:p>
+            <a:pPr lvl="1"/>
+            <a:endParaRPr lang="en-US" sz="2000" dirty="0"/>
+          </a:p>
+          <a:p>
+            <a:pPr lvl="5"/>
+            <a:endParaRPr lang="en-US" sz="1600" dirty="0"/>
+          </a:p>
+        </p:txBody>
+      </p:sp>
+      <p:sp>
+        <p:nvSpPr>
+          <p:cNvPr id="3" name="Title 2"/>
+          <p:cNvSpPr>
+            <a:spLocks noGrp="1"/>
+          </p:cNvSpPr>
+          <p:nvPr>
+            <p:ph type="title"/>
+          </p:nvPr>
+        </p:nvSpPr>
+        <p:spPr/>
+        <p:txBody>
+          <a:bodyPr/>
+          <a:lstStyle/>
+          <a:p>
+            <a:r>
+              <a:rPr lang="en-US" dirty="0"/>
+              <a:t>Current Industry Outlook</a:t>
+            </a:r>
+          </a:p>
+        </p:txBody>
+      </p:sp>
+    </p:spTree>
+    <p:extLst>
+      <p:ext uri="{BB962C8B-B14F-4D97-AF65-F5344CB8AC3E}">
+        <p14:creationId xmlns:p14="http://schemas.microsoft.com/office/powerpoint/2010/main" val="3581322211"/>
+      </p:ext>
+    </p:extLst>
+  </p:cSld>
+  <p:clrMapOvr>
+    <a:masterClrMapping/>
+  </p:clrMapOvr>
+</p:sld>
+</file>
+
+<file path=ppt/slides/slide49.xml><?xml version="1.0" encoding="utf-8"?>
+<p:sld xmlns:a="http://schemas.openxmlformats.org/drawingml/2006/main" xmlns:r="http://schemas.openxmlformats.org/officeDocument/2006/relationships" xmlns:p="http://schemas.openxmlformats.org/presentationml/2006/main">
+  <p:cSld>
+    <p:spTree>
+      <p:nvGrpSpPr>
+        <p:cNvPr id="1" name=""/>
+        <p:cNvGrpSpPr/>
+        <p:nvPr/>
+      </p:nvGrpSpPr>
+      <p:grpSpPr>
+        <a:xfrm>
+          <a:off x="0" y="0"/>
+          <a:ext cx="0" cy="0"/>
+          <a:chOff x="0" y="0"/>
+          <a:chExt cx="0" cy="0"/>
+        </a:xfrm>
+      </p:grpSpPr>
+      <p:sp>
+        <p:nvSpPr>
           <p:cNvPr id="2" name="Content Placeholder 1">
             <a:extLst>
               <a:ext uri="{FF2B5EF4-FFF2-40B4-BE49-F238E27FC236}">
@@ -22414,7 +22643,306 @@
 </p:sld>
 </file>
 
-<file path=ppt/slides/slide49.xml><?xml version="1.0" encoding="utf-8"?>
+<file path=ppt/slides/slide5.xml><?xml version="1.0" encoding="utf-8"?>
+<p:sld xmlns:a="http://schemas.openxmlformats.org/drawingml/2006/main" xmlns:r="http://schemas.openxmlformats.org/officeDocument/2006/relationships" xmlns:p="http://schemas.openxmlformats.org/presentationml/2006/main">
+  <p:cSld>
+    <p:spTree>
+      <p:nvGrpSpPr>
+        <p:cNvPr id="1" name=""/>
+        <p:cNvGrpSpPr/>
+        <p:nvPr/>
+      </p:nvGrpSpPr>
+      <p:grpSpPr>
+        <a:xfrm>
+          <a:off x="0" y="0"/>
+          <a:ext cx="0" cy="0"/>
+          <a:chOff x="0" y="0"/>
+          <a:chExt cx="0" cy="0"/>
+        </a:xfrm>
+      </p:grpSpPr>
+      <p:sp>
+        <p:nvSpPr>
+          <p:cNvPr id="41986" name="Rectangle 3"/>
+          <p:cNvSpPr>
+            <a:spLocks noGrp="1" noChangeArrowheads="1"/>
+          </p:cNvSpPr>
+          <p:nvPr>
+            <p:ph idx="1"/>
+          </p:nvPr>
+        </p:nvSpPr>
+        <p:spPr/>
+        <p:txBody>
+          <a:bodyPr/>
+          <a:lstStyle/>
+          <a:p>
+            <a:pPr eaLnBrk="1" hangingPunct="1">
+              <a:lnSpc>
+                <a:spcPct val="80000"/>
+              </a:lnSpc>
+              <a:spcAft>
+                <a:spcPts val="600"/>
+              </a:spcAft>
+            </a:pPr>
+            <a:r>
+              <a:rPr lang="en-US" sz="2800" dirty="0">
+                <a:latin typeface="Calibri" charset="0"/>
+              </a:rPr>
+              <a:t>Instructor: Amol Deshpande</a:t>
+            </a:r>
+          </a:p>
+          <a:p>
+            <a:pPr lvl="1" eaLnBrk="1" hangingPunct="1">
+              <a:lnSpc>
+                <a:spcPct val="80000"/>
+              </a:lnSpc>
+              <a:spcAft>
+                <a:spcPts val="600"/>
+              </a:spcAft>
+            </a:pPr>
+            <a:r>
+              <a:rPr lang="en-US" sz="2400" dirty="0">
+                <a:latin typeface="Calibri" charset="0"/>
+              </a:rPr>
+              <a:t>5154 IRB</a:t>
+            </a:r>
+          </a:p>
+          <a:p>
+            <a:pPr lvl="1" eaLnBrk="1" hangingPunct="1">
+              <a:lnSpc>
+                <a:spcPct val="80000"/>
+              </a:lnSpc>
+              <a:spcAft>
+                <a:spcPts val="600"/>
+              </a:spcAft>
+            </a:pPr>
+            <a:r>
+              <a:rPr lang="en-US" sz="2400" dirty="0">
+                <a:latin typeface="Calibri" charset="0"/>
+                <a:hlinkClick r:id="rId3"/>
+              </a:rPr>
+              <a:t>amol@umd.edu</a:t>
+            </a:r>
+            <a:endParaRPr lang="en-US" sz="2400" dirty="0">
+              <a:latin typeface="Calibri" charset="0"/>
+            </a:endParaRPr>
+          </a:p>
+          <a:p>
+            <a:pPr lvl="1" eaLnBrk="1" hangingPunct="1">
+              <a:lnSpc>
+                <a:spcPct val="80000"/>
+              </a:lnSpc>
+              <a:spcAft>
+                <a:spcPts val="600"/>
+              </a:spcAft>
+            </a:pPr>
+            <a:r>
+              <a:rPr lang="en-US" sz="2400" dirty="0">
+                <a:latin typeface="Calibri" charset="0"/>
+              </a:rPr>
+              <a:t>Class Webpage: 	ELMS</a:t>
+            </a:r>
+          </a:p>
+          <a:p>
+            <a:pPr lvl="1" eaLnBrk="1" hangingPunct="1">
+              <a:lnSpc>
+                <a:spcPct val="80000"/>
+              </a:lnSpc>
+              <a:spcAft>
+                <a:spcPts val="600"/>
+              </a:spcAft>
+            </a:pPr>
+            <a:endParaRPr lang="en-US" sz="2800" dirty="0">
+              <a:latin typeface="Calibri" charset="0"/>
+            </a:endParaRPr>
+          </a:p>
+          <a:p>
+            <a:pPr eaLnBrk="1" hangingPunct="1">
+              <a:lnSpc>
+                <a:spcPct val="80000"/>
+              </a:lnSpc>
+              <a:spcAft>
+                <a:spcPts val="600"/>
+              </a:spcAft>
+            </a:pPr>
+            <a:r>
+              <a:rPr lang="en-US" sz="2800" dirty="0">
+                <a:latin typeface="Calibri" charset="0"/>
+              </a:rPr>
+              <a:t>Email to me: write CMSC424 in the title</a:t>
+            </a:r>
+          </a:p>
+          <a:p>
+            <a:pPr lvl="1" eaLnBrk="1" hangingPunct="1">
+              <a:lnSpc>
+                <a:spcPct val="80000"/>
+              </a:lnSpc>
+              <a:spcAft>
+                <a:spcPts val="600"/>
+              </a:spcAft>
+            </a:pPr>
+            <a:r>
+              <a:rPr lang="en-US" sz="2000" dirty="0">
+                <a:latin typeface="Calibri" charset="0"/>
+              </a:rPr>
+              <a:t>Only if </a:t>
+            </a:r>
+            <a:r>
+              <a:rPr lang="en-US" sz="2000" dirty="0" err="1">
+                <a:latin typeface="Calibri" charset="0"/>
+              </a:rPr>
+              <a:t>CampusWire</a:t>
+            </a:r>
+            <a:r>
+              <a:rPr lang="en-US" sz="2000" dirty="0">
+                <a:latin typeface="Calibri" charset="0"/>
+              </a:rPr>
+              <a:t> not suitable for some reason</a:t>
+            </a:r>
+          </a:p>
+          <a:p>
+            <a:pPr lvl="1" eaLnBrk="1" hangingPunct="1">
+              <a:lnSpc>
+                <a:spcPct val="80000"/>
+              </a:lnSpc>
+              <a:spcAft>
+                <a:spcPts val="600"/>
+              </a:spcAft>
+            </a:pPr>
+            <a:r>
+              <a:rPr lang="en-US" sz="2000" dirty="0" err="1">
+                <a:latin typeface="Calibri" charset="0"/>
+              </a:rPr>
+              <a:t>CampusWire</a:t>
+            </a:r>
+            <a:r>
+              <a:rPr lang="en-US" sz="2000" dirty="0">
+                <a:latin typeface="Calibri" charset="0"/>
+              </a:rPr>
+              <a:t> allows personal messages</a:t>
+            </a:r>
+          </a:p>
+          <a:p>
+            <a:pPr lvl="1" eaLnBrk="1" hangingPunct="1">
+              <a:lnSpc>
+                <a:spcPct val="80000"/>
+              </a:lnSpc>
+              <a:spcAft>
+                <a:spcPts val="600"/>
+              </a:spcAft>
+            </a:pPr>
+            <a:endParaRPr lang="en-US" sz="2000" dirty="0">
+              <a:latin typeface="Calibri" charset="0"/>
+            </a:endParaRPr>
+          </a:p>
+          <a:p>
+            <a:r>
+              <a:rPr lang="en-US" sz="2800" dirty="0">
+                <a:latin typeface="Calibri" charset="0"/>
+              </a:rPr>
+              <a:t>TAs: </a:t>
+            </a:r>
+            <a:r>
+              <a:rPr lang="en-US" dirty="0" err="1"/>
+              <a:t>Minghui</a:t>
+            </a:r>
+            <a:r>
+              <a:rPr lang="en-US" dirty="0"/>
+              <a:t> Liu, Nitin </a:t>
+            </a:r>
+            <a:r>
+              <a:rPr lang="en-US" dirty="0" err="1"/>
+              <a:t>Balchandran</a:t>
+            </a:r>
+            <a:r>
+              <a:rPr lang="en-US" dirty="0"/>
+              <a:t>, </a:t>
+            </a:r>
+            <a:r>
+              <a:rPr lang="en-US" dirty="0" err="1"/>
+              <a:t>Qingyang</a:t>
+            </a:r>
+            <a:r>
+              <a:rPr lang="en-US" dirty="0"/>
+              <a:t> Tan, </a:t>
+            </a:r>
+            <a:r>
+              <a:rPr lang="en-US" dirty="0" err="1"/>
+              <a:t>Saptarashmi</a:t>
+            </a:r>
+            <a:r>
+              <a:rPr lang="en-US" dirty="0"/>
+              <a:t> Bandyopadhyay, </a:t>
+            </a:r>
+            <a:r>
+              <a:rPr lang="en-US" dirty="0" err="1"/>
+              <a:t>Yixuan</a:t>
+            </a:r>
+            <a:r>
+              <a:rPr lang="en-US" dirty="0"/>
+              <a:t> Ren, </a:t>
+            </a:r>
+            <a:r>
+              <a:rPr lang="en-US" dirty="0" err="1"/>
+              <a:t>Zhenghang</a:t>
+            </a:r>
+            <a:r>
+              <a:rPr lang="en-US" dirty="0"/>
+              <a:t> Hu</a:t>
+            </a:r>
+          </a:p>
+          <a:p>
+            <a:endParaRPr lang="en-US" sz="2800" dirty="0">
+              <a:latin typeface="Calibri" charset="0"/>
+            </a:endParaRPr>
+          </a:p>
+        </p:txBody>
+      </p:sp>
+      <p:sp>
+        <p:nvSpPr>
+          <p:cNvPr id="448514" name="Rectangle 2"/>
+          <p:cNvSpPr>
+            <a:spLocks noGrp="1" noChangeArrowheads="1"/>
+          </p:cNvSpPr>
+          <p:nvPr>
+            <p:ph type="title"/>
+          </p:nvPr>
+        </p:nvSpPr>
+        <p:spPr/>
+        <p:txBody>
+          <a:bodyPr/>
+          <a:lstStyle/>
+          <a:p>
+            <a:pPr eaLnBrk="1" fontAlgn="auto" hangingPunct="1">
+              <a:spcAft>
+                <a:spcPts val="0"/>
+              </a:spcAft>
+              <a:defRPr/>
+            </a:pPr>
+            <a:r>
+              <a:rPr lang="en-US" dirty="0"/>
+              <a:t>Logistics</a:t>
+            </a:r>
+            <a:endParaRPr lang="en-US" dirty="0">
+              <a:ea typeface="+mj-ea"/>
+              <a:cs typeface="+mj-cs"/>
+            </a:endParaRPr>
+          </a:p>
+        </p:txBody>
+      </p:sp>
+    </p:spTree>
+    <p:extLst>
+      <p:ext uri="{BB962C8B-B14F-4D97-AF65-F5344CB8AC3E}">
+        <p14:creationId xmlns:p14="http://schemas.microsoft.com/office/powerpoint/2010/main" val="2193285777"/>
+      </p:ext>
+    </p:extLst>
+  </p:cSld>
+  <p:clrMapOvr>
+    <a:masterClrMapping/>
+  </p:clrMapOvr>
+</p:sld>
+</file>
+
+<file path=ppt/slides/slide50.xml><?xml version="1.0" encoding="utf-8"?>
 <p:sld xmlns:a="http://schemas.openxmlformats.org/drawingml/2006/main" xmlns:r="http://schemas.openxmlformats.org/officeDocument/2006/relationships" xmlns:p="http://schemas.openxmlformats.org/presentationml/2006/main">
   <p:cSld>
     <p:spTree>
@@ -22538,306 +23066,7 @@
 </p:sld>
 </file>
 
-<file path=ppt/slides/slide5.xml><?xml version="1.0" encoding="utf-8"?>
-<p:sld xmlns:a="http://schemas.openxmlformats.org/drawingml/2006/main" xmlns:r="http://schemas.openxmlformats.org/officeDocument/2006/relationships" xmlns:p="http://schemas.openxmlformats.org/presentationml/2006/main">
-  <p:cSld>
-    <p:spTree>
-      <p:nvGrpSpPr>
-        <p:cNvPr id="1" name=""/>
-        <p:cNvGrpSpPr/>
-        <p:nvPr/>
-      </p:nvGrpSpPr>
-      <p:grpSpPr>
-        <a:xfrm>
-          <a:off x="0" y="0"/>
-          <a:ext cx="0" cy="0"/>
-          <a:chOff x="0" y="0"/>
-          <a:chExt cx="0" cy="0"/>
-        </a:xfrm>
-      </p:grpSpPr>
-      <p:sp>
-        <p:nvSpPr>
-          <p:cNvPr id="41986" name="Rectangle 3"/>
-          <p:cNvSpPr>
-            <a:spLocks noGrp="1" noChangeArrowheads="1"/>
-          </p:cNvSpPr>
-          <p:nvPr>
-            <p:ph idx="1"/>
-          </p:nvPr>
-        </p:nvSpPr>
-        <p:spPr/>
-        <p:txBody>
-          <a:bodyPr/>
-          <a:lstStyle/>
-          <a:p>
-            <a:pPr eaLnBrk="1" hangingPunct="1">
-              <a:lnSpc>
-                <a:spcPct val="80000"/>
-              </a:lnSpc>
-              <a:spcAft>
-                <a:spcPts val="600"/>
-              </a:spcAft>
-            </a:pPr>
-            <a:r>
-              <a:rPr lang="en-US" sz="2800" dirty="0">
-                <a:latin typeface="Calibri" charset="0"/>
-              </a:rPr>
-              <a:t>Instructor: Amol Deshpande</a:t>
-            </a:r>
-          </a:p>
-          <a:p>
-            <a:pPr lvl="1" eaLnBrk="1" hangingPunct="1">
-              <a:lnSpc>
-                <a:spcPct val="80000"/>
-              </a:lnSpc>
-              <a:spcAft>
-                <a:spcPts val="600"/>
-              </a:spcAft>
-            </a:pPr>
-            <a:r>
-              <a:rPr lang="en-US" sz="2400" dirty="0">
-                <a:latin typeface="Calibri" charset="0"/>
-              </a:rPr>
-              <a:t>5154 IRB</a:t>
-            </a:r>
-          </a:p>
-          <a:p>
-            <a:pPr lvl="1" eaLnBrk="1" hangingPunct="1">
-              <a:lnSpc>
-                <a:spcPct val="80000"/>
-              </a:lnSpc>
-              <a:spcAft>
-                <a:spcPts val="600"/>
-              </a:spcAft>
-            </a:pPr>
-            <a:r>
-              <a:rPr lang="en-US" sz="2400" dirty="0">
-                <a:latin typeface="Calibri" charset="0"/>
-                <a:hlinkClick r:id="rId3"/>
-              </a:rPr>
-              <a:t>amol@umd.edu</a:t>
-            </a:r>
-            <a:endParaRPr lang="en-US" sz="2400" dirty="0">
-              <a:latin typeface="Calibri" charset="0"/>
-            </a:endParaRPr>
-          </a:p>
-          <a:p>
-            <a:pPr lvl="1" eaLnBrk="1" hangingPunct="1">
-              <a:lnSpc>
-                <a:spcPct val="80000"/>
-              </a:lnSpc>
-              <a:spcAft>
-                <a:spcPts val="600"/>
-              </a:spcAft>
-            </a:pPr>
-            <a:r>
-              <a:rPr lang="en-US" sz="2400" dirty="0">
-                <a:latin typeface="Calibri" charset="0"/>
-              </a:rPr>
-              <a:t>Class Webpage: 	ELMS</a:t>
-            </a:r>
-          </a:p>
-          <a:p>
-            <a:pPr lvl="1" eaLnBrk="1" hangingPunct="1">
-              <a:lnSpc>
-                <a:spcPct val="80000"/>
-              </a:lnSpc>
-              <a:spcAft>
-                <a:spcPts val="600"/>
-              </a:spcAft>
-            </a:pPr>
-            <a:endParaRPr lang="en-US" sz="2800" dirty="0">
-              <a:latin typeface="Calibri" charset="0"/>
-            </a:endParaRPr>
-          </a:p>
-          <a:p>
-            <a:pPr eaLnBrk="1" hangingPunct="1">
-              <a:lnSpc>
-                <a:spcPct val="80000"/>
-              </a:lnSpc>
-              <a:spcAft>
-                <a:spcPts val="600"/>
-              </a:spcAft>
-            </a:pPr>
-            <a:r>
-              <a:rPr lang="en-US" sz="2800" dirty="0">
-                <a:latin typeface="Calibri" charset="0"/>
-              </a:rPr>
-              <a:t>Email to me: write CMSC424 in the title</a:t>
-            </a:r>
-          </a:p>
-          <a:p>
-            <a:pPr lvl="1" eaLnBrk="1" hangingPunct="1">
-              <a:lnSpc>
-                <a:spcPct val="80000"/>
-              </a:lnSpc>
-              <a:spcAft>
-                <a:spcPts val="600"/>
-              </a:spcAft>
-            </a:pPr>
-            <a:r>
-              <a:rPr lang="en-US" sz="2000" dirty="0">
-                <a:latin typeface="Calibri" charset="0"/>
-              </a:rPr>
-              <a:t>Only if </a:t>
-            </a:r>
-            <a:r>
-              <a:rPr lang="en-US" sz="2000" dirty="0" err="1">
-                <a:latin typeface="Calibri" charset="0"/>
-              </a:rPr>
-              <a:t>CampusWire</a:t>
-            </a:r>
-            <a:r>
-              <a:rPr lang="en-US" sz="2000" dirty="0">
-                <a:latin typeface="Calibri" charset="0"/>
-              </a:rPr>
-              <a:t> not suitable for some reason</a:t>
-            </a:r>
-          </a:p>
-          <a:p>
-            <a:pPr lvl="1" eaLnBrk="1" hangingPunct="1">
-              <a:lnSpc>
-                <a:spcPct val="80000"/>
-              </a:lnSpc>
-              <a:spcAft>
-                <a:spcPts val="600"/>
-              </a:spcAft>
-            </a:pPr>
-            <a:r>
-              <a:rPr lang="en-US" sz="2000" dirty="0" err="1">
-                <a:latin typeface="Calibri" charset="0"/>
-              </a:rPr>
-              <a:t>CampusWire</a:t>
-            </a:r>
-            <a:r>
-              <a:rPr lang="en-US" sz="2000" dirty="0">
-                <a:latin typeface="Calibri" charset="0"/>
-              </a:rPr>
-              <a:t> allows personal messages</a:t>
-            </a:r>
-          </a:p>
-          <a:p>
-            <a:pPr lvl="1" eaLnBrk="1" hangingPunct="1">
-              <a:lnSpc>
-                <a:spcPct val="80000"/>
-              </a:lnSpc>
-              <a:spcAft>
-                <a:spcPts val="600"/>
-              </a:spcAft>
-            </a:pPr>
-            <a:endParaRPr lang="en-US" sz="2000" dirty="0">
-              <a:latin typeface="Calibri" charset="0"/>
-            </a:endParaRPr>
-          </a:p>
-          <a:p>
-            <a:r>
-              <a:rPr lang="en-US" sz="2800" dirty="0">
-                <a:latin typeface="Calibri" charset="0"/>
-              </a:rPr>
-              <a:t>TAs: </a:t>
-            </a:r>
-            <a:r>
-              <a:rPr lang="en-US" dirty="0" err="1"/>
-              <a:t>Minghui</a:t>
-            </a:r>
-            <a:r>
-              <a:rPr lang="en-US" dirty="0"/>
-              <a:t> Liu, Nitin </a:t>
-            </a:r>
-            <a:r>
-              <a:rPr lang="en-US" dirty="0" err="1"/>
-              <a:t>Balchandran</a:t>
-            </a:r>
-            <a:r>
-              <a:rPr lang="en-US" dirty="0"/>
-              <a:t>, </a:t>
-            </a:r>
-            <a:r>
-              <a:rPr lang="en-US" dirty="0" err="1"/>
-              <a:t>Qingyang</a:t>
-            </a:r>
-            <a:r>
-              <a:rPr lang="en-US" dirty="0"/>
-              <a:t> Tan, </a:t>
-            </a:r>
-            <a:r>
-              <a:rPr lang="en-US" dirty="0" err="1"/>
-              <a:t>Saptarashmi</a:t>
-            </a:r>
-            <a:r>
-              <a:rPr lang="en-US" dirty="0"/>
-              <a:t> Bandyopadhyay, </a:t>
-            </a:r>
-            <a:r>
-              <a:rPr lang="en-US" dirty="0" err="1"/>
-              <a:t>Yixuan</a:t>
-            </a:r>
-            <a:r>
-              <a:rPr lang="en-US" dirty="0"/>
-              <a:t> Ren, </a:t>
-            </a:r>
-            <a:r>
-              <a:rPr lang="en-US" dirty="0" err="1"/>
-              <a:t>Zhenghang</a:t>
-            </a:r>
-            <a:r>
-              <a:rPr lang="en-US" dirty="0"/>
-              <a:t> Hu</a:t>
-            </a:r>
-          </a:p>
-          <a:p>
-            <a:endParaRPr lang="en-US" sz="2800" dirty="0">
-              <a:latin typeface="Calibri" charset="0"/>
-            </a:endParaRPr>
-          </a:p>
-        </p:txBody>
-      </p:sp>
-      <p:sp>
-        <p:nvSpPr>
-          <p:cNvPr id="448514" name="Rectangle 2"/>
-          <p:cNvSpPr>
-            <a:spLocks noGrp="1" noChangeArrowheads="1"/>
-          </p:cNvSpPr>
-          <p:nvPr>
-            <p:ph type="title"/>
-          </p:nvPr>
-        </p:nvSpPr>
-        <p:spPr/>
-        <p:txBody>
-          <a:bodyPr/>
-          <a:lstStyle/>
-          <a:p>
-            <a:pPr eaLnBrk="1" fontAlgn="auto" hangingPunct="1">
-              <a:spcAft>
-                <a:spcPts val="0"/>
-              </a:spcAft>
-              <a:defRPr/>
-            </a:pPr>
-            <a:r>
-              <a:rPr lang="en-US" dirty="0"/>
-              <a:t>Logistics</a:t>
-            </a:r>
-            <a:endParaRPr lang="en-US" dirty="0">
-              <a:ea typeface="+mj-ea"/>
-              <a:cs typeface="+mj-cs"/>
-            </a:endParaRPr>
-          </a:p>
-        </p:txBody>
-      </p:sp>
-    </p:spTree>
-    <p:extLst>
-      <p:ext uri="{BB962C8B-B14F-4D97-AF65-F5344CB8AC3E}">
-        <p14:creationId xmlns:p14="http://schemas.microsoft.com/office/powerpoint/2010/main" val="2193285777"/>
-      </p:ext>
-    </p:extLst>
-  </p:cSld>
-  <p:clrMapOvr>
-    <a:masterClrMapping/>
-  </p:clrMapOvr>
-</p:sld>
-</file>
-
-<file path=ppt/slides/slide50.xml><?xml version="1.0" encoding="utf-8"?>
+<file path=ppt/slides/slide51.xml><?xml version="1.0" encoding="utf-8"?>
 <p:sld xmlns:a="http://schemas.openxmlformats.org/drawingml/2006/main" xmlns:r="http://schemas.openxmlformats.org/officeDocument/2006/relationships" xmlns:p="http://schemas.openxmlformats.org/presentationml/2006/main">
   <p:cSld>
     <p:spTree>
@@ -23452,7 +23681,7 @@
 </p:sld>
 </file>
 
-<file path=ppt/slides/slide51.xml><?xml version="1.0" encoding="utf-8"?>
+<file path=ppt/slides/slide52.xml><?xml version="1.0" encoding="utf-8"?>
 <p:sld xmlns:a="http://schemas.openxmlformats.org/drawingml/2006/main" xmlns:r="http://schemas.openxmlformats.org/officeDocument/2006/relationships" xmlns:p="http://schemas.openxmlformats.org/presentationml/2006/main">
   <p:cSld>
     <p:spTree>
@@ -23834,7 +24063,7 @@
 </p:sld>
 </file>
 
-<file path=ppt/slides/slide52.xml><?xml version="1.0" encoding="utf-8"?>
+<file path=ppt/slides/slide53.xml><?xml version="1.0" encoding="utf-8"?>
 <p:sld xmlns:a="http://schemas.openxmlformats.org/drawingml/2006/main" xmlns:r="http://schemas.openxmlformats.org/officeDocument/2006/relationships" xmlns:p="http://schemas.openxmlformats.org/presentationml/2006/main">
   <p:cSld>
     <p:spTree>
@@ -24033,7 +24262,7 @@
 </p:sld>
 </file>
 
-<file path=ppt/slides/slide53.xml><?xml version="1.0" encoding="utf-8"?>
+<file path=ppt/slides/slide54.xml><?xml version="1.0" encoding="utf-8"?>
 <p:sld xmlns:a="http://schemas.openxmlformats.org/drawingml/2006/main" xmlns:r="http://schemas.openxmlformats.org/officeDocument/2006/relationships" xmlns:p="http://schemas.openxmlformats.org/presentationml/2006/main">
   <p:cSld>
     <p:spTree>
@@ -24281,7 +24510,7 @@
 </p:sld>
 </file>
 
-<file path=ppt/slides/slide54.xml><?xml version="1.0" encoding="utf-8"?>
+<file path=ppt/slides/slide55.xml><?xml version="1.0" encoding="utf-8"?>
 <p:sld xmlns:a="http://schemas.openxmlformats.org/drawingml/2006/main" xmlns:r="http://schemas.openxmlformats.org/officeDocument/2006/relationships" xmlns:p="http://schemas.openxmlformats.org/presentationml/2006/main">
   <p:cSld>
     <p:spTree>
@@ -24534,7 +24763,7 @@
 </p:sld>
 </file>
 
-<file path=ppt/slides/slide55.xml><?xml version="1.0" encoding="utf-8"?>
+<file path=ppt/slides/slide56.xml><?xml version="1.0" encoding="utf-8"?>
 <p:sld xmlns:a="http://schemas.openxmlformats.org/drawingml/2006/main" xmlns:r="http://schemas.openxmlformats.org/officeDocument/2006/relationships" xmlns:p="http://schemas.openxmlformats.org/presentationml/2006/main">
   <p:cSld>
     <p:spTree>
@@ -26138,7 +26367,7 @@
 </p:sld>
 </file>
 
-<file path=ppt/slides/slide56.xml><?xml version="1.0" encoding="utf-8"?>
+<file path=ppt/slides/slide57.xml><?xml version="1.0" encoding="utf-8"?>
 <p:sld xmlns:a="http://schemas.openxmlformats.org/drawingml/2006/main" xmlns:r="http://schemas.openxmlformats.org/officeDocument/2006/relationships" xmlns:p="http://schemas.openxmlformats.org/presentationml/2006/main">
   <p:cSld>
     <p:spTree>
@@ -26330,7 +26559,7 @@
 </p:sld>
 </file>
 
-<file path=ppt/slides/slide57.xml><?xml version="1.0" encoding="utf-8"?>
+<file path=ppt/slides/slide58.xml><?xml version="1.0" encoding="utf-8"?>
 <p:sld xmlns:a="http://schemas.openxmlformats.org/drawingml/2006/main" xmlns:r="http://schemas.openxmlformats.org/officeDocument/2006/relationships" xmlns:p="http://schemas.openxmlformats.org/presentationml/2006/main">
   <p:cSld>
     <p:spTree>

--- a/Slides/01-Introduction.pptx
+++ b/Slides/01-Introduction.pptx
@@ -5,7 +5,7 @@
     <p:sldMasterId id="2147483648" r:id="rId1"/>
   </p:sldMasterIdLst>
   <p:notesMasterIdLst>
-    <p:notesMasterId r:id="rId60"/>
+    <p:notesMasterId r:id="rId59"/>
   </p:notesMasterIdLst>
   <p:sldIdLst>
     <p:sldId id="256" r:id="rId2"/>
@@ -29,43 +29,42 @@
     <p:sldId id="501" r:id="rId20"/>
     <p:sldId id="502" r:id="rId21"/>
     <p:sldId id="509" r:id="rId22"/>
-    <p:sldId id="510" r:id="rId23"/>
-    <p:sldId id="511" r:id="rId24"/>
-    <p:sldId id="603" r:id="rId25"/>
-    <p:sldId id="362" r:id="rId26"/>
-    <p:sldId id="596" r:id="rId27"/>
-    <p:sldId id="600" r:id="rId28"/>
-    <p:sldId id="389" r:id="rId29"/>
-    <p:sldId id="487" r:id="rId30"/>
-    <p:sldId id="533" r:id="rId31"/>
-    <p:sldId id="534" r:id="rId32"/>
-    <p:sldId id="535" r:id="rId33"/>
-    <p:sldId id="488" r:id="rId34"/>
-    <p:sldId id="525" r:id="rId35"/>
-    <p:sldId id="436" r:id="rId36"/>
-    <p:sldId id="437" r:id="rId37"/>
-    <p:sldId id="508" r:id="rId38"/>
-    <p:sldId id="506" r:id="rId39"/>
-    <p:sldId id="597" r:id="rId40"/>
-    <p:sldId id="601" r:id="rId41"/>
-    <p:sldId id="491" r:id="rId42"/>
-    <p:sldId id="505" r:id="rId43"/>
-    <p:sldId id="579" r:id="rId44"/>
-    <p:sldId id="580" r:id="rId45"/>
-    <p:sldId id="581" r:id="rId46"/>
-    <p:sldId id="482" r:id="rId47"/>
-    <p:sldId id="481" r:id="rId48"/>
-    <p:sldId id="484" r:id="rId49"/>
-    <p:sldId id="590" r:id="rId50"/>
-    <p:sldId id="582" r:id="rId51"/>
-    <p:sldId id="583" r:id="rId52"/>
-    <p:sldId id="584" r:id="rId53"/>
-    <p:sldId id="585" r:id="rId54"/>
-    <p:sldId id="586" r:id="rId55"/>
-    <p:sldId id="587" r:id="rId56"/>
-    <p:sldId id="588" r:id="rId57"/>
-    <p:sldId id="589" r:id="rId58"/>
-    <p:sldId id="447" r:id="rId59"/>
+    <p:sldId id="604" r:id="rId23"/>
+    <p:sldId id="603" r:id="rId24"/>
+    <p:sldId id="362" r:id="rId25"/>
+    <p:sldId id="596" r:id="rId26"/>
+    <p:sldId id="600" r:id="rId27"/>
+    <p:sldId id="389" r:id="rId28"/>
+    <p:sldId id="487" r:id="rId29"/>
+    <p:sldId id="533" r:id="rId30"/>
+    <p:sldId id="534" r:id="rId31"/>
+    <p:sldId id="535" r:id="rId32"/>
+    <p:sldId id="488" r:id="rId33"/>
+    <p:sldId id="525" r:id="rId34"/>
+    <p:sldId id="436" r:id="rId35"/>
+    <p:sldId id="437" r:id="rId36"/>
+    <p:sldId id="508" r:id="rId37"/>
+    <p:sldId id="506" r:id="rId38"/>
+    <p:sldId id="597" r:id="rId39"/>
+    <p:sldId id="601" r:id="rId40"/>
+    <p:sldId id="491" r:id="rId41"/>
+    <p:sldId id="505" r:id="rId42"/>
+    <p:sldId id="579" r:id="rId43"/>
+    <p:sldId id="580" r:id="rId44"/>
+    <p:sldId id="581" r:id="rId45"/>
+    <p:sldId id="482" r:id="rId46"/>
+    <p:sldId id="481" r:id="rId47"/>
+    <p:sldId id="484" r:id="rId48"/>
+    <p:sldId id="590" r:id="rId49"/>
+    <p:sldId id="582" r:id="rId50"/>
+    <p:sldId id="583" r:id="rId51"/>
+    <p:sldId id="584" r:id="rId52"/>
+    <p:sldId id="585" r:id="rId53"/>
+    <p:sldId id="586" r:id="rId54"/>
+    <p:sldId id="587" r:id="rId55"/>
+    <p:sldId id="588" r:id="rId56"/>
+    <p:sldId id="589" r:id="rId57"/>
+    <p:sldId id="447" r:id="rId58"/>
   </p:sldIdLst>
   <p:sldSz cx="9144000" cy="6858000" type="screen4x3"/>
   <p:notesSz cx="6858000" cy="9144000"/>
@@ -787,7 +786,7 @@
             <a:fld id="{CD1A04BD-99DE-7C45-9A80-2576E755D883}" type="slidenum">
               <a:rPr lang="en-US"/>
               <a:pPr/>
-              <a:t>26</a:t>
+              <a:t>25</a:t>
             </a:fld>
             <a:endParaRPr lang="en-US"/>
           </a:p>
@@ -916,7 +915,7 @@
               <a:pPr>
                 <a:defRPr/>
               </a:pPr>
-              <a:t>33</a:t>
+              <a:t>32</a:t>
             </a:fld>
             <a:endParaRPr lang="en-US"/>
           </a:p>
@@ -1003,7 +1002,7 @@
               <a:pPr>
                 <a:defRPr/>
               </a:pPr>
-              <a:t>34</a:t>
+              <a:t>33</a:t>
             </a:fld>
             <a:endParaRPr lang="en-US"/>
           </a:p>
@@ -1054,7 +1053,7 @@
             <a:fld id="{15E072FF-6807-9B49-B9FB-51B516EE93BF}" type="slidenum">
               <a:rPr lang="en-US"/>
               <a:pPr/>
-              <a:t>35</a:t>
+              <a:t>34</a:t>
             </a:fld>
             <a:endParaRPr lang="en-US"/>
           </a:p>
@@ -1142,7 +1141,7 @@
             <a:fld id="{A46A76B4-D230-8D46-A084-29312DAB0B7F}" type="slidenum">
               <a:rPr lang="en-US"/>
               <a:pPr/>
-              <a:t>36</a:t>
+              <a:t>35</a:t>
             </a:fld>
             <a:endParaRPr lang="en-US"/>
           </a:p>
@@ -1230,7 +1229,7 @@
             <a:fld id="{A46A76B4-D230-8D46-A084-29312DAB0B7F}" type="slidenum">
               <a:rPr lang="en-US"/>
               <a:pPr/>
-              <a:t>37</a:t>
+              <a:t>36</a:t>
             </a:fld>
             <a:endParaRPr lang="en-US"/>
           </a:p>
@@ -1318,7 +1317,7 @@
             <a:fld id="{A46A76B4-D230-8D46-A084-29312DAB0B7F}" type="slidenum">
               <a:rPr lang="en-US"/>
               <a:pPr/>
-              <a:t>38</a:t>
+              <a:t>37</a:t>
             </a:fld>
             <a:endParaRPr lang="en-US"/>
           </a:p>
@@ -1406,7 +1405,7 @@
             <a:fld id="{CD1A04BD-99DE-7C45-9A80-2576E755D883}" type="slidenum">
               <a:rPr lang="en-US"/>
               <a:pPr/>
-              <a:t>39</a:t>
+              <a:t>38</a:t>
             </a:fld>
             <a:endParaRPr lang="en-US"/>
           </a:p>
@@ -1533,7 +1532,7 @@
               <a:pPr>
                 <a:defRPr/>
               </a:pPr>
-              <a:t>44</a:t>
+              <a:t>43</a:t>
             </a:fld>
             <a:endParaRPr lang="en-US"/>
           </a:p>
@@ -2258,7 +2257,7 @@
             <a:fld id="{93D4AAFB-2255-F144-AF14-EAB3342E5421}" type="slidenum">
               <a:rPr lang="en-US"/>
               <a:pPr/>
-              <a:t>25</a:t>
+              <a:t>24</a:t>
             </a:fld>
             <a:endParaRPr lang="en-US"/>
           </a:p>
@@ -10405,7 +10404,7 @@
       </p:grpSpPr>
       <p:sp>
         <p:nvSpPr>
-          <p:cNvPr id="38914" name="Rectangle 3"/>
+          <p:cNvPr id="40962" name="Rectangle 7"/>
           <p:cNvSpPr>
             <a:spLocks noGrp="1" noChangeArrowheads="1"/>
           </p:cNvSpPr>
@@ -10415,203 +10414,219 @@
         </p:nvSpPr>
         <p:spPr>
           <a:xfrm>
-            <a:off x="228600" y="990600"/>
-            <a:ext cx="8458200" cy="5105400"/>
+            <a:off x="228600" y="1066800"/>
+            <a:ext cx="9067800" cy="5105400"/>
           </a:xfrm>
         </p:spPr>
         <p:txBody>
           <a:bodyPr/>
           <a:lstStyle/>
           <a:p>
-            <a:pPr>
-              <a:spcAft>
-                <a:spcPts val="600"/>
-              </a:spcAft>
-            </a:pPr>
-            <a:r>
-              <a:rPr lang="en-US" sz="2400" dirty="0">
-                <a:latin typeface="Calibri" charset="0"/>
-              </a:rPr>
-              <a:t>representing information</a:t>
-            </a:r>
-          </a:p>
-          <a:p>
-            <a:pPr lvl="1">
-              <a:spcAft>
-                <a:spcPts val="600"/>
-              </a:spcAft>
-            </a:pPr>
             <a:r>
               <a:rPr lang="en-US" sz="2000" dirty="0">
                 <a:latin typeface="Calibri" charset="0"/>
               </a:rPr>
-              <a:t>data modeling</a:t>
-            </a:r>
-            <a:endParaRPr lang="en-US" sz="2000" i="1" dirty="0">
-              <a:solidFill>
-                <a:srgbClr val="FF0000"/>
-              </a:solidFill>
-              <a:latin typeface="Calibri" charset="0"/>
-            </a:endParaRPr>
-          </a:p>
-          <a:p>
-            <a:pPr lvl="1">
-              <a:spcAft>
-                <a:spcPts val="600"/>
-              </a:spcAft>
-            </a:pPr>
+              <a:t>Introduction </a:t>
+            </a:r>
+          </a:p>
+          <a:p>
+            <a:pPr lvl="1"/>
+            <a:r>
+              <a:rPr lang="en-US" sz="1600" dirty="0">
+                <a:latin typeface="Calibri" charset="0"/>
+              </a:rPr>
+              <a:t>Motivation, data abstraction, common data systems architectures today</a:t>
+            </a:r>
+          </a:p>
+          <a:p>
             <a:r>
               <a:rPr lang="en-US" sz="2000" dirty="0">
                 <a:latin typeface="Calibri" charset="0"/>
               </a:rPr>
-              <a:t>semantic constraints</a:t>
-            </a:r>
-            <a:endParaRPr lang="en-US" sz="2000" dirty="0">
-              <a:solidFill>
-                <a:srgbClr val="FF0000"/>
-              </a:solidFill>
-              <a:latin typeface="Calibri" charset="0"/>
-            </a:endParaRPr>
-          </a:p>
-          <a:p>
-            <a:pPr>
-              <a:spcAft>
-                <a:spcPts val="600"/>
-              </a:spcAft>
-            </a:pPr>
-            <a:r>
-              <a:rPr lang="en-US" sz="2400" dirty="0">
-                <a:latin typeface="Calibri" charset="0"/>
-              </a:rPr>
-              <a:t>languages and systems for querying data</a:t>
-            </a:r>
-          </a:p>
-          <a:p>
-            <a:pPr lvl="1">
-              <a:spcAft>
-                <a:spcPts val="600"/>
-              </a:spcAft>
-            </a:pPr>
+              <a:t>Relational Model + SQL </a:t>
+            </a:r>
             <a:r>
               <a:rPr lang="en-US" sz="2000" dirty="0">
-                <a:latin typeface="Calibri" charset="0"/>
-              </a:rPr>
-              <a:t>complex queries &amp; query semantics</a:t>
-            </a:r>
-            <a:endParaRPr lang="en-US" sz="2000" dirty="0">
-              <a:solidFill>
-                <a:srgbClr val="FF0000"/>
-              </a:solidFill>
-              <a:latin typeface="Calibri" charset="0"/>
-            </a:endParaRPr>
-          </a:p>
-          <a:p>
-            <a:pPr lvl="1">
-              <a:spcAft>
-                <a:spcPts val="600"/>
-              </a:spcAft>
-            </a:pPr>
+                <a:solidFill>
+                  <a:srgbClr val="C00000"/>
+                </a:solidFill>
+                <a:latin typeface="Calibri" charset="0"/>
+              </a:rPr>
+              <a:t>(Two programming assignments)</a:t>
+            </a:r>
+          </a:p>
+          <a:p>
             <a:r>
               <a:rPr lang="en-US" sz="2000" dirty="0">
                 <a:latin typeface="Calibri" charset="0"/>
               </a:rPr>
-              <a:t>over massive data sets</a:t>
-            </a:r>
-            <a:endParaRPr lang="en-US" sz="2000" dirty="0">
-              <a:solidFill>
-                <a:srgbClr val="FF0000"/>
-              </a:solidFill>
-              <a:latin typeface="Calibri" charset="0"/>
-            </a:endParaRPr>
-          </a:p>
-          <a:p>
-            <a:pPr>
-              <a:spcAft>
-                <a:spcPts val="600"/>
-              </a:spcAft>
-            </a:pPr>
-            <a:r>
-              <a:rPr lang="en-US" sz="2400" dirty="0">
-                <a:latin typeface="Calibri" charset="0"/>
-              </a:rPr>
-              <a:t>concurrency control for data manipulation</a:t>
-            </a:r>
-          </a:p>
-          <a:p>
-            <a:pPr lvl="1">
-              <a:spcAft>
-                <a:spcPts val="600"/>
-              </a:spcAft>
-            </a:pPr>
+              <a:t>Schema Design: Entity-relationship Models and Normalization </a:t>
+            </a:r>
             <a:r>
               <a:rPr lang="en-US" sz="2000" dirty="0">
-                <a:latin typeface="Calibri" charset="0"/>
-              </a:rPr>
-              <a:t>ensuring transactional semantics</a:t>
-            </a:r>
-            <a:endParaRPr lang="en-US" sz="2000" dirty="0">
-              <a:solidFill>
-                <a:srgbClr val="FF0000"/>
-              </a:solidFill>
-              <a:latin typeface="Calibri" charset="0"/>
-            </a:endParaRPr>
-          </a:p>
-          <a:p>
-            <a:pPr>
-              <a:spcAft>
-                <a:spcPts val="600"/>
-              </a:spcAft>
-            </a:pPr>
-            <a:r>
-              <a:rPr lang="en-US" sz="2400" dirty="0">
-                <a:latin typeface="Calibri" charset="0"/>
-              </a:rPr>
-              <a:t>reliable data storage</a:t>
-            </a:r>
-          </a:p>
-          <a:p>
-            <a:pPr lvl="1">
-              <a:spcAft>
-                <a:spcPts val="600"/>
-              </a:spcAft>
-            </a:pPr>
+                <a:solidFill>
+                  <a:srgbClr val="C00000"/>
+                </a:solidFill>
+                <a:latin typeface="Calibri" charset="0"/>
+              </a:rPr>
+              <a:t>(Long-form </a:t>
+            </a:r>
+            <a:r>
+              <a:rPr lang="en-US" sz="2000" dirty="0" err="1">
+                <a:solidFill>
+                  <a:srgbClr val="C00000"/>
+                </a:solidFill>
+                <a:latin typeface="Calibri" charset="0"/>
+              </a:rPr>
+              <a:t>Assgn</a:t>
+            </a:r>
             <a:r>
               <a:rPr lang="en-US" sz="2000" dirty="0">
-                <a:latin typeface="Calibri" charset="0"/>
-              </a:rPr>
-              <a:t>maintain data semantics even if you pull the plug</a:t>
-            </a:r>
-            <a:endParaRPr lang="en-US" sz="2000" dirty="0">
-              <a:solidFill>
-                <a:srgbClr val="FF0000"/>
-              </a:solidFill>
-              <a:latin typeface="Calibri" charset="0"/>
-            </a:endParaRPr>
-          </a:p>
-          <a:p>
-            <a:pPr lvl="1">
-              <a:spcAft>
-                <a:spcPts val="600"/>
-              </a:spcAft>
-            </a:pPr>
+                <a:solidFill>
+                  <a:srgbClr val="C00000"/>
+                </a:solidFill>
+                <a:latin typeface="Calibri" charset="0"/>
+              </a:rPr>
+              <a:t>)</a:t>
+            </a:r>
+          </a:p>
+          <a:p>
+            <a:pPr lvl="1"/>
+            <a:r>
+              <a:rPr lang="en-US" sz="1800" dirty="0">
+                <a:latin typeface="Calibri" charset="0"/>
+              </a:rPr>
+              <a:t>How to create a database schema, and how to ensure it is “good”</a:t>
+            </a:r>
+          </a:p>
+          <a:p>
             <a:r>
               <a:rPr lang="en-US" sz="2000" dirty="0">
                 <a:latin typeface="Calibri" charset="0"/>
               </a:rPr>
-              <a:t>fault tolerance</a:t>
-            </a:r>
-            <a:endParaRPr lang="en-US" sz="2000" i="1" dirty="0">
-              <a:solidFill>
-                <a:srgbClr val="FF0000"/>
-              </a:solidFill>
-              <a:latin typeface="Calibri" charset="0"/>
-            </a:endParaRPr>
+              <a:t>Implementation Issues </a:t>
+            </a:r>
+            <a:r>
+              <a:rPr lang="en-US" sz="2000" dirty="0">
+                <a:solidFill>
+                  <a:srgbClr val="C00000"/>
+                </a:solidFill>
+                <a:latin typeface="Calibri" charset="0"/>
+              </a:rPr>
+              <a:t>(Programming assignment)</a:t>
+            </a:r>
+          </a:p>
+          <a:p>
+            <a:pPr lvl="1"/>
+            <a:r>
+              <a:rPr lang="en-US" sz="1600" dirty="0">
+                <a:latin typeface="Calibri" charset="0"/>
+              </a:rPr>
+              <a:t>Different types of storage, and how to ensure reliability in presence of failures</a:t>
+            </a:r>
+          </a:p>
+          <a:p>
+            <a:pPr lvl="1"/>
+            <a:r>
+              <a:rPr lang="en-US" sz="1600" dirty="0">
+                <a:latin typeface="Calibri" charset="0"/>
+              </a:rPr>
+              <a:t>Indexes for faster retrieval of data</a:t>
+            </a:r>
+          </a:p>
+          <a:p>
+            <a:pPr lvl="1"/>
+            <a:r>
+              <a:rPr lang="en-US" sz="1600" dirty="0">
+                <a:latin typeface="Calibri" charset="0"/>
+              </a:rPr>
+              <a:t>How an SQL query is processed and optimized</a:t>
+            </a:r>
+          </a:p>
+          <a:p>
+            <a:r>
+              <a:rPr lang="en-US" sz="2000" dirty="0">
+                <a:latin typeface="Calibri" charset="0"/>
+              </a:rPr>
+              <a:t>NoSQL (somewhat of a misnomer) </a:t>
+            </a:r>
+            <a:r>
+              <a:rPr lang="en-US" sz="2000" dirty="0">
+                <a:solidFill>
+                  <a:srgbClr val="C00000"/>
+                </a:solidFill>
+                <a:latin typeface="Calibri" charset="0"/>
+              </a:rPr>
+              <a:t>(Programming assignment)</a:t>
+            </a:r>
+          </a:p>
+          <a:p>
+            <a:pPr lvl="1"/>
+            <a:r>
+              <a:rPr lang="en-US" sz="1600" dirty="0">
+                <a:latin typeface="Calibri" charset="0"/>
+              </a:rPr>
+              <a:t>Document, key-value, and graph data models</a:t>
+            </a:r>
+          </a:p>
+          <a:p>
+            <a:pPr lvl="1"/>
+            <a:r>
+              <a:rPr lang="en-US" sz="1600" dirty="0">
+                <a:latin typeface="Calibri" charset="0"/>
+              </a:rPr>
+              <a:t>MongoDB and its Query Language</a:t>
+            </a:r>
+          </a:p>
+          <a:p>
+            <a:pPr lvl="1"/>
+            <a:r>
+              <a:rPr lang="en-US" sz="1600" dirty="0">
+                <a:latin typeface="Calibri" charset="0"/>
+              </a:rPr>
+              <a:t>Map-reduce Model and Apache Spark</a:t>
+            </a:r>
+          </a:p>
+          <a:p>
+            <a:r>
+              <a:rPr lang="en-US" sz="2000" dirty="0">
+                <a:latin typeface="Calibri" charset="0"/>
+              </a:rPr>
+              <a:t>Transactions </a:t>
+            </a:r>
+            <a:r>
+              <a:rPr lang="en-US" sz="2000" dirty="0">
+                <a:solidFill>
+                  <a:srgbClr val="C00000"/>
+                </a:solidFill>
+                <a:latin typeface="Calibri" charset="0"/>
+              </a:rPr>
+              <a:t>(Long-form Assignment)</a:t>
+            </a:r>
+          </a:p>
+          <a:p>
+            <a:pPr lvl="1"/>
+            <a:r>
+              <a:rPr lang="en-US" sz="1600" dirty="0">
+                <a:latin typeface="Calibri" charset="0"/>
+              </a:rPr>
+              <a:t>How to do concurrent updates correctly</a:t>
+            </a:r>
+          </a:p>
+          <a:p>
+            <a:pPr lvl="1"/>
+            <a:r>
+              <a:rPr lang="en-US" sz="1600" dirty="0">
+                <a:latin typeface="Calibri" charset="0"/>
+              </a:rPr>
+              <a:t>How to ensure consistency in presence of failures</a:t>
+            </a:r>
           </a:p>
         </p:txBody>
       </p:sp>
       <p:sp>
         <p:nvSpPr>
-          <p:cNvPr id="422914" name="Rectangle 2"/>
+          <p:cNvPr id="445446" name="Rectangle 6"/>
           <p:cNvSpPr>
             <a:spLocks noGrp="1" noChangeArrowheads="1"/>
           </p:cNvSpPr>
@@ -10628,23 +10643,741 @@
               <a:defRPr/>
             </a:pPr>
             <a:r>
-              <a:rPr lang="en-US"/>
-              <a:t>What we will cover…</a:t>
-            </a:r>
-            <a:endParaRPr lang="en-US" dirty="0"/>
+              <a:rPr lang="en-US" dirty="0"/>
+              <a:t>Structure of the Course</a:t>
+            </a:r>
+          </a:p>
+        </p:txBody>
+      </p:sp>
+      <p:sp>
+        <p:nvSpPr>
+          <p:cNvPr id="2" name="TextBox 1">
+            <a:extLst>
+              <a:ext uri="{FF2B5EF4-FFF2-40B4-BE49-F238E27FC236}">
+                <a16:creationId xmlns:a16="http://schemas.microsoft.com/office/drawing/2014/main" id="{6529294B-9AA5-8D49-9AD4-32AB2250DB8A}"/>
+              </a:ext>
+            </a:extLst>
+          </p:cNvPr>
+          <p:cNvSpPr txBox="1"/>
+          <p:nvPr/>
+        </p:nvSpPr>
+        <p:spPr>
+          <a:xfrm>
+            <a:off x="5410200" y="6172200"/>
+            <a:ext cx="3657600" cy="830997"/>
+          </a:xfrm>
+          <a:prstGeom prst="rect">
+            <a:avLst/>
+          </a:prstGeom>
+          <a:noFill/>
+        </p:spPr>
+        <p:txBody>
+          <a:bodyPr wrap="square" rtlCol="0">
+            <a:spAutoFit/>
+          </a:bodyPr>
+          <a:lstStyle/>
+          <a:p>
+            <a:pPr algn="l"/>
+            <a:r>
+              <a:rPr lang="en-US" sz="2400" i="1" dirty="0"/>
+              <a:t>Programming assignments may have small non-programming component, and vice versa</a:t>
+            </a:r>
           </a:p>
         </p:txBody>
       </p:sp>
     </p:spTree>
     <p:extLst>
       <p:ext uri="{BB962C8B-B14F-4D97-AF65-F5344CB8AC3E}">
-        <p14:creationId xmlns:p14="http://schemas.microsoft.com/office/powerpoint/2010/main" val="2494270503"/>
+        <p14:creationId xmlns:p14="http://schemas.microsoft.com/office/powerpoint/2010/main" val="3500580556"/>
       </p:ext>
     </p:extLst>
   </p:cSld>
   <p:clrMapOvr>
     <a:masterClrMapping/>
   </p:clrMapOvr>
+  <p:timing>
+    <p:tnLst>
+      <p:par>
+        <p:cTn id="1" dur="indefinite" restart="never" nodeType="tmRoot">
+          <p:childTnLst>
+            <p:seq concurrent="1" nextAc="seek">
+              <p:cTn id="2" dur="indefinite" nodeType="mainSeq">
+                <p:childTnLst>
+                  <p:par>
+                    <p:cTn id="3" fill="hold">
+                      <p:stCondLst>
+                        <p:cond delay="indefinite"/>
+                      </p:stCondLst>
+                      <p:childTnLst>
+                        <p:par>
+                          <p:cTn id="4" fill="hold">
+                            <p:stCondLst>
+                              <p:cond delay="0"/>
+                            </p:stCondLst>
+                            <p:childTnLst>
+                              <p:par>
+                                <p:cTn id="5" presetID="1" presetClass="entr" presetSubtype="0" fill="hold" grpId="0" nodeType="clickEffect">
+                                  <p:stCondLst>
+                                    <p:cond delay="0"/>
+                                  </p:stCondLst>
+                                  <p:childTnLst>
+                                    <p:set>
+                                      <p:cBhvr>
+                                        <p:cTn id="6" dur="1" fill="hold">
+                                          <p:stCondLst>
+                                            <p:cond delay="0"/>
+                                          </p:stCondLst>
+                                        </p:cTn>
+                                        <p:tgtEl>
+                                          <p:spTgt spid="40962">
+                                            <p:txEl>
+                                              <p:pRg st="0" end="0"/>
+                                            </p:txEl>
+                                          </p:spTgt>
+                                        </p:tgtEl>
+                                        <p:attrNameLst>
+                                          <p:attrName>style.visibility</p:attrName>
+                                        </p:attrNameLst>
+                                      </p:cBhvr>
+                                      <p:to>
+                                        <p:strVal val="visible"/>
+                                      </p:to>
+                                    </p:set>
+                                  </p:childTnLst>
+                                </p:cTn>
+                              </p:par>
+                              <p:par>
+                                <p:cTn id="7" presetID="1" presetClass="entr" presetSubtype="0" fill="hold" grpId="0" nodeType="withEffect">
+                                  <p:stCondLst>
+                                    <p:cond delay="0"/>
+                                  </p:stCondLst>
+                                  <p:childTnLst>
+                                    <p:set>
+                                      <p:cBhvr>
+                                        <p:cTn id="8" dur="1" fill="hold">
+                                          <p:stCondLst>
+                                            <p:cond delay="0"/>
+                                          </p:stCondLst>
+                                        </p:cTn>
+                                        <p:tgtEl>
+                                          <p:spTgt spid="40962">
+                                            <p:txEl>
+                                              <p:pRg st="1" end="1"/>
+                                            </p:txEl>
+                                          </p:spTgt>
+                                        </p:tgtEl>
+                                        <p:attrNameLst>
+                                          <p:attrName>style.visibility</p:attrName>
+                                        </p:attrNameLst>
+                                      </p:cBhvr>
+                                      <p:to>
+                                        <p:strVal val="visible"/>
+                                      </p:to>
+                                    </p:set>
+                                  </p:childTnLst>
+                                </p:cTn>
+                              </p:par>
+                            </p:childTnLst>
+                          </p:cTn>
+                        </p:par>
+                      </p:childTnLst>
+                    </p:cTn>
+                  </p:par>
+                  <p:par>
+                    <p:cTn id="9" fill="hold">
+                      <p:stCondLst>
+                        <p:cond delay="indefinite"/>
+                      </p:stCondLst>
+                      <p:childTnLst>
+                        <p:par>
+                          <p:cTn id="10" fill="hold">
+                            <p:stCondLst>
+                              <p:cond delay="0"/>
+                            </p:stCondLst>
+                            <p:childTnLst>
+                              <p:par>
+                                <p:cTn id="11" presetID="1" presetClass="entr" presetSubtype="0" fill="hold" grpId="0" nodeType="clickEffect">
+                                  <p:stCondLst>
+                                    <p:cond delay="0"/>
+                                  </p:stCondLst>
+                                  <p:childTnLst>
+                                    <p:set>
+                                      <p:cBhvr>
+                                        <p:cTn id="12" dur="1" fill="hold">
+                                          <p:stCondLst>
+                                            <p:cond delay="0"/>
+                                          </p:stCondLst>
+                                        </p:cTn>
+                                        <p:tgtEl>
+                                          <p:spTgt spid="40962">
+                                            <p:txEl>
+                                              <p:pRg st="2" end="2"/>
+                                            </p:txEl>
+                                          </p:spTgt>
+                                        </p:tgtEl>
+                                        <p:attrNameLst>
+                                          <p:attrName>style.visibility</p:attrName>
+                                        </p:attrNameLst>
+                                      </p:cBhvr>
+                                      <p:to>
+                                        <p:strVal val="visible"/>
+                                      </p:to>
+                                    </p:set>
+                                  </p:childTnLst>
+                                </p:cTn>
+                              </p:par>
+                            </p:childTnLst>
+                          </p:cTn>
+                        </p:par>
+                      </p:childTnLst>
+                    </p:cTn>
+                  </p:par>
+                  <p:par>
+                    <p:cTn id="13" fill="hold">
+                      <p:stCondLst>
+                        <p:cond delay="indefinite"/>
+                      </p:stCondLst>
+                      <p:childTnLst>
+                        <p:par>
+                          <p:cTn id="14" fill="hold">
+                            <p:stCondLst>
+                              <p:cond delay="0"/>
+                            </p:stCondLst>
+                            <p:childTnLst>
+                              <p:par>
+                                <p:cTn id="15" presetID="1" presetClass="entr" presetSubtype="0" fill="hold" grpId="0" nodeType="clickEffect">
+                                  <p:stCondLst>
+                                    <p:cond delay="0"/>
+                                  </p:stCondLst>
+                                  <p:childTnLst>
+                                    <p:set>
+                                      <p:cBhvr>
+                                        <p:cTn id="16" dur="1" fill="hold">
+                                          <p:stCondLst>
+                                            <p:cond delay="0"/>
+                                          </p:stCondLst>
+                                        </p:cTn>
+                                        <p:tgtEl>
+                                          <p:spTgt spid="40962">
+                                            <p:txEl>
+                                              <p:pRg st="3" end="3"/>
+                                            </p:txEl>
+                                          </p:spTgt>
+                                        </p:tgtEl>
+                                        <p:attrNameLst>
+                                          <p:attrName>style.visibility</p:attrName>
+                                        </p:attrNameLst>
+                                      </p:cBhvr>
+                                      <p:to>
+                                        <p:strVal val="visible"/>
+                                      </p:to>
+                                    </p:set>
+                                  </p:childTnLst>
+                                </p:cTn>
+                              </p:par>
+                              <p:par>
+                                <p:cTn id="17" presetID="1" presetClass="entr" presetSubtype="0" fill="hold" grpId="0" nodeType="withEffect">
+                                  <p:stCondLst>
+                                    <p:cond delay="0"/>
+                                  </p:stCondLst>
+                                  <p:childTnLst>
+                                    <p:set>
+                                      <p:cBhvr>
+                                        <p:cTn id="18" dur="1" fill="hold">
+                                          <p:stCondLst>
+                                            <p:cond delay="0"/>
+                                          </p:stCondLst>
+                                        </p:cTn>
+                                        <p:tgtEl>
+                                          <p:spTgt spid="40962">
+                                            <p:txEl>
+                                              <p:pRg st="4" end="4"/>
+                                            </p:txEl>
+                                          </p:spTgt>
+                                        </p:tgtEl>
+                                        <p:attrNameLst>
+                                          <p:attrName>style.visibility</p:attrName>
+                                        </p:attrNameLst>
+                                      </p:cBhvr>
+                                      <p:to>
+                                        <p:strVal val="visible"/>
+                                      </p:to>
+                                    </p:set>
+                                  </p:childTnLst>
+                                </p:cTn>
+                              </p:par>
+                            </p:childTnLst>
+                          </p:cTn>
+                        </p:par>
+                      </p:childTnLst>
+                    </p:cTn>
+                  </p:par>
+                  <p:par>
+                    <p:cTn id="19" fill="hold">
+                      <p:stCondLst>
+                        <p:cond delay="indefinite"/>
+                      </p:stCondLst>
+                      <p:childTnLst>
+                        <p:par>
+                          <p:cTn id="20" fill="hold">
+                            <p:stCondLst>
+                              <p:cond delay="0"/>
+                            </p:stCondLst>
+                            <p:childTnLst>
+                              <p:par>
+                                <p:cTn id="21" presetID="1" presetClass="entr" presetSubtype="0" fill="hold" grpId="0" nodeType="clickEffect">
+                                  <p:stCondLst>
+                                    <p:cond delay="0"/>
+                                  </p:stCondLst>
+                                  <p:childTnLst>
+                                    <p:set>
+                                      <p:cBhvr>
+                                        <p:cTn id="22" dur="1" fill="hold">
+                                          <p:stCondLst>
+                                            <p:cond delay="0"/>
+                                          </p:stCondLst>
+                                        </p:cTn>
+                                        <p:tgtEl>
+                                          <p:spTgt spid="2"/>
+                                        </p:tgtEl>
+                                        <p:attrNameLst>
+                                          <p:attrName>style.visibility</p:attrName>
+                                        </p:attrNameLst>
+                                      </p:cBhvr>
+                                      <p:to>
+                                        <p:strVal val="visible"/>
+                                      </p:to>
+                                    </p:set>
+                                  </p:childTnLst>
+                                </p:cTn>
+                              </p:par>
+                            </p:childTnLst>
+                          </p:cTn>
+                        </p:par>
+                      </p:childTnLst>
+                    </p:cTn>
+                  </p:par>
+                  <p:par>
+                    <p:cTn id="23" fill="hold">
+                      <p:stCondLst>
+                        <p:cond delay="indefinite"/>
+                      </p:stCondLst>
+                      <p:childTnLst>
+                        <p:par>
+                          <p:cTn id="24" fill="hold">
+                            <p:stCondLst>
+                              <p:cond delay="0"/>
+                            </p:stCondLst>
+                            <p:childTnLst>
+                              <p:par>
+                                <p:cTn id="25" presetID="1" presetClass="entr" presetSubtype="0" fill="hold" grpId="0" nodeType="clickEffect">
+                                  <p:stCondLst>
+                                    <p:cond delay="0"/>
+                                  </p:stCondLst>
+                                  <p:childTnLst>
+                                    <p:set>
+                                      <p:cBhvr>
+                                        <p:cTn id="26" dur="1" fill="hold">
+                                          <p:stCondLst>
+                                            <p:cond delay="0"/>
+                                          </p:stCondLst>
+                                        </p:cTn>
+                                        <p:tgtEl>
+                                          <p:spTgt spid="40962">
+                                            <p:txEl>
+                                              <p:pRg st="5" end="5"/>
+                                            </p:txEl>
+                                          </p:spTgt>
+                                        </p:tgtEl>
+                                        <p:attrNameLst>
+                                          <p:attrName>style.visibility</p:attrName>
+                                        </p:attrNameLst>
+                                      </p:cBhvr>
+                                      <p:to>
+                                        <p:strVal val="visible"/>
+                                      </p:to>
+                                    </p:set>
+                                  </p:childTnLst>
+                                </p:cTn>
+                              </p:par>
+                              <p:par>
+                                <p:cTn id="27" presetID="1" presetClass="entr" presetSubtype="0" fill="hold" grpId="0" nodeType="withEffect">
+                                  <p:stCondLst>
+                                    <p:cond delay="0"/>
+                                  </p:stCondLst>
+                                  <p:childTnLst>
+                                    <p:set>
+                                      <p:cBhvr>
+                                        <p:cTn id="28" dur="1" fill="hold">
+                                          <p:stCondLst>
+                                            <p:cond delay="0"/>
+                                          </p:stCondLst>
+                                        </p:cTn>
+                                        <p:tgtEl>
+                                          <p:spTgt spid="40962">
+                                            <p:txEl>
+                                              <p:pRg st="6" end="6"/>
+                                            </p:txEl>
+                                          </p:spTgt>
+                                        </p:tgtEl>
+                                        <p:attrNameLst>
+                                          <p:attrName>style.visibility</p:attrName>
+                                        </p:attrNameLst>
+                                      </p:cBhvr>
+                                      <p:to>
+                                        <p:strVal val="visible"/>
+                                      </p:to>
+                                    </p:set>
+                                  </p:childTnLst>
+                                </p:cTn>
+                              </p:par>
+                              <p:par>
+                                <p:cTn id="29" presetID="1" presetClass="entr" presetSubtype="0" fill="hold" grpId="0" nodeType="withEffect">
+                                  <p:stCondLst>
+                                    <p:cond delay="0"/>
+                                  </p:stCondLst>
+                                  <p:childTnLst>
+                                    <p:set>
+                                      <p:cBhvr>
+                                        <p:cTn id="30" dur="1" fill="hold">
+                                          <p:stCondLst>
+                                            <p:cond delay="0"/>
+                                          </p:stCondLst>
+                                        </p:cTn>
+                                        <p:tgtEl>
+                                          <p:spTgt spid="40962">
+                                            <p:txEl>
+                                              <p:pRg st="7" end="7"/>
+                                            </p:txEl>
+                                          </p:spTgt>
+                                        </p:tgtEl>
+                                        <p:attrNameLst>
+                                          <p:attrName>style.visibility</p:attrName>
+                                        </p:attrNameLst>
+                                      </p:cBhvr>
+                                      <p:to>
+                                        <p:strVal val="visible"/>
+                                      </p:to>
+                                    </p:set>
+                                  </p:childTnLst>
+                                </p:cTn>
+                              </p:par>
+                              <p:par>
+                                <p:cTn id="31" presetID="1" presetClass="entr" presetSubtype="0" fill="hold" grpId="0" nodeType="withEffect">
+                                  <p:stCondLst>
+                                    <p:cond delay="0"/>
+                                  </p:stCondLst>
+                                  <p:childTnLst>
+                                    <p:set>
+                                      <p:cBhvr>
+                                        <p:cTn id="32" dur="1" fill="hold">
+                                          <p:stCondLst>
+                                            <p:cond delay="0"/>
+                                          </p:stCondLst>
+                                        </p:cTn>
+                                        <p:tgtEl>
+                                          <p:spTgt spid="40962">
+                                            <p:txEl>
+                                              <p:pRg st="8" end="8"/>
+                                            </p:txEl>
+                                          </p:spTgt>
+                                        </p:tgtEl>
+                                        <p:attrNameLst>
+                                          <p:attrName>style.visibility</p:attrName>
+                                        </p:attrNameLst>
+                                      </p:cBhvr>
+                                      <p:to>
+                                        <p:strVal val="visible"/>
+                                      </p:to>
+                                    </p:set>
+                                  </p:childTnLst>
+                                </p:cTn>
+                              </p:par>
+                            </p:childTnLst>
+                          </p:cTn>
+                        </p:par>
+                      </p:childTnLst>
+                    </p:cTn>
+                  </p:par>
+                  <p:par>
+                    <p:cTn id="33" fill="hold">
+                      <p:stCondLst>
+                        <p:cond delay="indefinite"/>
+                      </p:stCondLst>
+                      <p:childTnLst>
+                        <p:par>
+                          <p:cTn id="34" fill="hold">
+                            <p:stCondLst>
+                              <p:cond delay="0"/>
+                            </p:stCondLst>
+                            <p:childTnLst>
+                              <p:par>
+                                <p:cTn id="35" presetID="1" presetClass="entr" presetSubtype="0" fill="hold" grpId="0" nodeType="clickEffect">
+                                  <p:stCondLst>
+                                    <p:cond delay="0"/>
+                                  </p:stCondLst>
+                                  <p:childTnLst>
+                                    <p:set>
+                                      <p:cBhvr>
+                                        <p:cTn id="36" dur="1" fill="hold">
+                                          <p:stCondLst>
+                                            <p:cond delay="0"/>
+                                          </p:stCondLst>
+                                        </p:cTn>
+                                        <p:tgtEl>
+                                          <p:spTgt spid="40962">
+                                            <p:txEl>
+                                              <p:pRg st="9" end="9"/>
+                                            </p:txEl>
+                                          </p:spTgt>
+                                        </p:tgtEl>
+                                        <p:attrNameLst>
+                                          <p:attrName>style.visibility</p:attrName>
+                                        </p:attrNameLst>
+                                      </p:cBhvr>
+                                      <p:to>
+                                        <p:strVal val="visible"/>
+                                      </p:to>
+                                    </p:set>
+                                  </p:childTnLst>
+                                </p:cTn>
+                              </p:par>
+                              <p:par>
+                                <p:cTn id="37" presetID="1" presetClass="entr" presetSubtype="0" fill="hold" grpId="0" nodeType="withEffect">
+                                  <p:stCondLst>
+                                    <p:cond delay="0"/>
+                                  </p:stCondLst>
+                                  <p:childTnLst>
+                                    <p:set>
+                                      <p:cBhvr>
+                                        <p:cTn id="38" dur="1" fill="hold">
+                                          <p:stCondLst>
+                                            <p:cond delay="0"/>
+                                          </p:stCondLst>
+                                        </p:cTn>
+                                        <p:tgtEl>
+                                          <p:spTgt spid="40962">
+                                            <p:txEl>
+                                              <p:pRg st="10" end="10"/>
+                                            </p:txEl>
+                                          </p:spTgt>
+                                        </p:tgtEl>
+                                        <p:attrNameLst>
+                                          <p:attrName>style.visibility</p:attrName>
+                                        </p:attrNameLst>
+                                      </p:cBhvr>
+                                      <p:to>
+                                        <p:strVal val="visible"/>
+                                      </p:to>
+                                    </p:set>
+                                  </p:childTnLst>
+                                </p:cTn>
+                              </p:par>
+                              <p:par>
+                                <p:cTn id="39" presetID="1" presetClass="entr" presetSubtype="0" fill="hold" grpId="0" nodeType="withEffect">
+                                  <p:stCondLst>
+                                    <p:cond delay="0"/>
+                                  </p:stCondLst>
+                                  <p:childTnLst>
+                                    <p:set>
+                                      <p:cBhvr>
+                                        <p:cTn id="40" dur="1" fill="hold">
+                                          <p:stCondLst>
+                                            <p:cond delay="0"/>
+                                          </p:stCondLst>
+                                        </p:cTn>
+                                        <p:tgtEl>
+                                          <p:spTgt spid="40962">
+                                            <p:txEl>
+                                              <p:pRg st="11" end="11"/>
+                                            </p:txEl>
+                                          </p:spTgt>
+                                        </p:tgtEl>
+                                        <p:attrNameLst>
+                                          <p:attrName>style.visibility</p:attrName>
+                                        </p:attrNameLst>
+                                      </p:cBhvr>
+                                      <p:to>
+                                        <p:strVal val="visible"/>
+                                      </p:to>
+                                    </p:set>
+                                  </p:childTnLst>
+                                </p:cTn>
+                              </p:par>
+                              <p:par>
+                                <p:cTn id="41" presetID="1" presetClass="entr" presetSubtype="0" fill="hold" grpId="0" nodeType="withEffect">
+                                  <p:stCondLst>
+                                    <p:cond delay="0"/>
+                                  </p:stCondLst>
+                                  <p:childTnLst>
+                                    <p:set>
+                                      <p:cBhvr>
+                                        <p:cTn id="42" dur="1" fill="hold">
+                                          <p:stCondLst>
+                                            <p:cond delay="0"/>
+                                          </p:stCondLst>
+                                        </p:cTn>
+                                        <p:tgtEl>
+                                          <p:spTgt spid="40962">
+                                            <p:txEl>
+                                              <p:pRg st="12" end="12"/>
+                                            </p:txEl>
+                                          </p:spTgt>
+                                        </p:tgtEl>
+                                        <p:attrNameLst>
+                                          <p:attrName>style.visibility</p:attrName>
+                                        </p:attrNameLst>
+                                      </p:cBhvr>
+                                      <p:to>
+                                        <p:strVal val="visible"/>
+                                      </p:to>
+                                    </p:set>
+                                  </p:childTnLst>
+                                </p:cTn>
+                              </p:par>
+                            </p:childTnLst>
+                          </p:cTn>
+                        </p:par>
+                      </p:childTnLst>
+                    </p:cTn>
+                  </p:par>
+                  <p:par>
+                    <p:cTn id="43" fill="hold">
+                      <p:stCondLst>
+                        <p:cond delay="indefinite"/>
+                      </p:stCondLst>
+                      <p:childTnLst>
+                        <p:par>
+                          <p:cTn id="44" fill="hold">
+                            <p:stCondLst>
+                              <p:cond delay="0"/>
+                            </p:stCondLst>
+                            <p:childTnLst>
+                              <p:par>
+                                <p:cTn id="45" presetID="1" presetClass="entr" presetSubtype="0" fill="hold" grpId="0" nodeType="clickEffect">
+                                  <p:stCondLst>
+                                    <p:cond delay="0"/>
+                                  </p:stCondLst>
+                                  <p:childTnLst>
+                                    <p:set>
+                                      <p:cBhvr>
+                                        <p:cTn id="46" dur="1" fill="hold">
+                                          <p:stCondLst>
+                                            <p:cond delay="0"/>
+                                          </p:stCondLst>
+                                        </p:cTn>
+                                        <p:tgtEl>
+                                          <p:spTgt spid="40962">
+                                            <p:txEl>
+                                              <p:pRg st="13" end="13"/>
+                                            </p:txEl>
+                                          </p:spTgt>
+                                        </p:tgtEl>
+                                        <p:attrNameLst>
+                                          <p:attrName>style.visibility</p:attrName>
+                                        </p:attrNameLst>
+                                      </p:cBhvr>
+                                      <p:to>
+                                        <p:strVal val="visible"/>
+                                      </p:to>
+                                    </p:set>
+                                  </p:childTnLst>
+                                </p:cTn>
+                              </p:par>
+                              <p:par>
+                                <p:cTn id="47" presetID="1" presetClass="entr" presetSubtype="0" fill="hold" grpId="0" nodeType="withEffect">
+                                  <p:stCondLst>
+                                    <p:cond delay="0"/>
+                                  </p:stCondLst>
+                                  <p:childTnLst>
+                                    <p:set>
+                                      <p:cBhvr>
+                                        <p:cTn id="48" dur="1" fill="hold">
+                                          <p:stCondLst>
+                                            <p:cond delay="0"/>
+                                          </p:stCondLst>
+                                        </p:cTn>
+                                        <p:tgtEl>
+                                          <p:spTgt spid="40962">
+                                            <p:txEl>
+                                              <p:pRg st="14" end="14"/>
+                                            </p:txEl>
+                                          </p:spTgt>
+                                        </p:tgtEl>
+                                        <p:attrNameLst>
+                                          <p:attrName>style.visibility</p:attrName>
+                                        </p:attrNameLst>
+                                      </p:cBhvr>
+                                      <p:to>
+                                        <p:strVal val="visible"/>
+                                      </p:to>
+                                    </p:set>
+                                  </p:childTnLst>
+                                </p:cTn>
+                              </p:par>
+                              <p:par>
+                                <p:cTn id="49" presetID="1" presetClass="entr" presetSubtype="0" fill="hold" grpId="0" nodeType="withEffect">
+                                  <p:stCondLst>
+                                    <p:cond delay="0"/>
+                                  </p:stCondLst>
+                                  <p:childTnLst>
+                                    <p:set>
+                                      <p:cBhvr>
+                                        <p:cTn id="50" dur="1" fill="hold">
+                                          <p:stCondLst>
+                                            <p:cond delay="0"/>
+                                          </p:stCondLst>
+                                        </p:cTn>
+                                        <p:tgtEl>
+                                          <p:spTgt spid="40962">
+                                            <p:txEl>
+                                              <p:pRg st="15" end="15"/>
+                                            </p:txEl>
+                                          </p:spTgt>
+                                        </p:tgtEl>
+                                        <p:attrNameLst>
+                                          <p:attrName>style.visibility</p:attrName>
+                                        </p:attrNameLst>
+                                      </p:cBhvr>
+                                      <p:to>
+                                        <p:strVal val="visible"/>
+                                      </p:to>
+                                    </p:set>
+                                  </p:childTnLst>
+                                </p:cTn>
+                              </p:par>
+                            </p:childTnLst>
+                          </p:cTn>
+                        </p:par>
+                      </p:childTnLst>
+                    </p:cTn>
+                  </p:par>
+                </p:childTnLst>
+              </p:cTn>
+              <p:prevCondLst>
+                <p:cond evt="onPrev" delay="0">
+                  <p:tgtEl>
+                    <p:sldTgt/>
+                  </p:tgtEl>
+                </p:cond>
+              </p:prevCondLst>
+              <p:nextCondLst>
+                <p:cond evt="onNext" delay="0">
+                  <p:tgtEl>
+                    <p:sldTgt/>
+                  </p:tgtEl>
+                </p:cond>
+              </p:nextCondLst>
+            </p:seq>
+          </p:childTnLst>
+        </p:cTn>
+      </p:par>
+    </p:tnLst>
+    <p:bldLst>
+      <p:bldP spid="40962" grpId="0" uiExpand="1" build="p"/>
+      <p:bldP spid="2" grpId="0"/>
+    </p:bldLst>
+  </p:timing>
 </p:sld>
 </file>
 
@@ -10691,10 +11424,10 @@
               </a:spcAft>
             </a:pPr>
             <a:r>
-              <a:rPr lang="en-US" sz="2400" dirty="0">
-                <a:latin typeface="Calibri" charset="0"/>
-              </a:rPr>
-              <a:t>representing information</a:t>
+              <a:rPr lang="en-US" sz="2400" strike="sngStrike" dirty="0">
+                <a:latin typeface="Calibri" charset="0"/>
+              </a:rPr>
+              <a:t>Web App Development and Programming Project</a:t>
             </a:r>
           </a:p>
           <a:p>
@@ -10707,25 +11440,60 @@
               <a:rPr lang="en-US" sz="2000" dirty="0">
                 <a:latin typeface="Calibri" charset="0"/>
               </a:rPr>
-              <a:t>data modeling</a:t>
-            </a:r>
-            <a:r>
-              <a:rPr lang="en-US" sz="2000" dirty="0">
-                <a:solidFill>
-                  <a:srgbClr val="FF0000"/>
-                </a:solidFill>
-                <a:latin typeface="Calibri" charset="0"/>
-              </a:rPr>
-              <a:t>: </a:t>
-            </a:r>
-            <a:r>
-              <a:rPr lang="en-US" sz="2000" i="1" dirty="0">
-                <a:solidFill>
-                  <a:srgbClr val="FF0000"/>
-                </a:solidFill>
-                <a:latin typeface="Calibri" charset="0"/>
-              </a:rPr>
-              <a:t>relational models, E/R models, XML/JSON</a:t>
+              <a:t>An important topic, but insufficient time to cover it in sufficient depth</a:t>
+            </a:r>
+          </a:p>
+          <a:p>
+            <a:pPr marL="630238" lvl="2" indent="0">
+              <a:spcAft>
+                <a:spcPts val="600"/>
+              </a:spcAft>
+              <a:buNone/>
+            </a:pPr>
+            <a:r>
+              <a:rPr lang="en-US" sz="1800" dirty="0">
+                <a:latin typeface="Calibri" charset="0"/>
+              </a:rPr>
+              <a:t>		</a:t>
+            </a:r>
+          </a:p>
+          <a:p>
+            <a:pPr>
+              <a:spcAft>
+                <a:spcPts val="600"/>
+              </a:spcAft>
+            </a:pPr>
+            <a:r>
+              <a:rPr lang="en-US" sz="2400" dirty="0">
+                <a:latin typeface="Calibri" charset="0"/>
+              </a:rPr>
+              <a:t>Less Detailed Discussion of Indexing and Query Processing</a:t>
+            </a:r>
+            <a:endParaRPr lang="en-US" sz="2000" dirty="0">
+              <a:latin typeface="Calibri" charset="0"/>
+            </a:endParaRPr>
+          </a:p>
+          <a:p>
+            <a:pPr lvl="4">
+              <a:spcAft>
+                <a:spcPts val="600"/>
+              </a:spcAft>
+            </a:pPr>
+            <a:endParaRPr lang="en-US" sz="1700" dirty="0">
+              <a:latin typeface="Calibri" charset="0"/>
+            </a:endParaRPr>
+          </a:p>
+          <a:p>
+            <a:pPr>
+              <a:spcAft>
+                <a:spcPts val="600"/>
+              </a:spcAft>
+            </a:pPr>
+            <a:r>
+              <a:rPr lang="en-US" sz="2400" dirty="0">
+                <a:latin typeface="Calibri" charset="0"/>
+              </a:rPr>
+              <a:t>More in-depth NoSQL</a:t>
             </a:r>
           </a:p>
           <a:p>
@@ -10735,33 +11503,45 @@
               </a:spcAft>
             </a:pPr>
             <a:r>
-              <a:rPr lang="en-US" sz="2000" dirty="0">
-                <a:latin typeface="Calibri" charset="0"/>
-              </a:rPr>
-              <a:t>semantic constraints:</a:t>
-            </a:r>
-            <a:r>
-              <a:rPr lang="en-US" sz="2000" dirty="0">
-                <a:solidFill>
-                  <a:srgbClr val="FF0000"/>
-                </a:solidFill>
-                <a:latin typeface="Calibri" charset="0"/>
-              </a:rPr>
-              <a:t> </a:t>
-            </a:r>
-            <a:r>
-              <a:rPr lang="en-US" sz="2000" i="1" dirty="0">
-                <a:solidFill>
-                  <a:srgbClr val="FF0000"/>
-                </a:solidFill>
-                <a:latin typeface="Calibri" charset="0"/>
-              </a:rPr>
-              <a:t>integrity constraints, triggers</a:t>
-            </a:r>
-            <a:endParaRPr lang="en-US" sz="2000" dirty="0">
-              <a:solidFill>
-                <a:srgbClr val="FF0000"/>
-              </a:solidFill>
+              <a:rPr lang="en-US" sz="1800" dirty="0">
+                <a:latin typeface="Calibri" charset="0"/>
+              </a:rPr>
+              <a:t>MongoDB (including a programming project)</a:t>
+            </a:r>
+          </a:p>
+          <a:p>
+            <a:pPr lvl="1">
+              <a:spcAft>
+                <a:spcPts val="600"/>
+              </a:spcAft>
+            </a:pPr>
+            <a:r>
+              <a:rPr lang="en-US" sz="1800" dirty="0">
+                <a:latin typeface="Calibri" charset="0"/>
+              </a:rPr>
+              <a:t>Deeper discussion of other NoSQL data models</a:t>
+            </a:r>
+          </a:p>
+          <a:p>
+            <a:pPr lvl="1">
+              <a:spcAft>
+                <a:spcPts val="600"/>
+              </a:spcAft>
+            </a:pPr>
+            <a:r>
+              <a:rPr lang="en-US" sz="1800" dirty="0">
+                <a:latin typeface="Calibri" charset="0"/>
+              </a:rPr>
+              <a:t>(MapReduce/Spark has been covered in the past)</a:t>
+            </a:r>
+          </a:p>
+          <a:p>
+            <a:pPr lvl="4">
+              <a:spcAft>
+                <a:spcPts val="600"/>
+              </a:spcAft>
+            </a:pPr>
+            <a:endParaRPr lang="en-US" sz="1500" dirty="0">
               <a:latin typeface="Calibri" charset="0"/>
             </a:endParaRPr>
           </a:p>
@@ -10775,174 +11555,19 @@
               <a:rPr lang="en-US" sz="2400" dirty="0">
                 <a:latin typeface="Calibri" charset="0"/>
               </a:rPr>
-              <a:t>languages and systems for querying data</a:t>
-            </a:r>
-          </a:p>
-          <a:p>
-            <a:pPr lvl="1">
+              <a:t>Replace implementation project for Transactions with a long-form assignment instead </a:t>
+            </a:r>
+          </a:p>
+          <a:p>
+            <a:pPr marL="392113" lvl="1" indent="0">
               <a:spcAft>
                 <a:spcPts val="600"/>
               </a:spcAft>
+              <a:buNone/>
             </a:pPr>
-            <a:r>
-              <a:rPr lang="en-US" sz="2000" dirty="0">
-                <a:latin typeface="Calibri" charset="0"/>
-              </a:rPr>
-              <a:t>complex queries &amp; query semantics</a:t>
-            </a:r>
-            <a:r>
-              <a:rPr lang="en-US" sz="2000" i="1" dirty="0">
-                <a:solidFill>
-                  <a:srgbClr val="FF0000"/>
-                </a:solidFill>
-                <a:latin typeface="Calibri" charset="0"/>
-              </a:rPr>
-              <a:t>: SQL, MongoDB Query Language</a:t>
-            </a:r>
             <a:endParaRPr lang="en-US" sz="2000" dirty="0">
-              <a:solidFill>
-                <a:srgbClr val="FF0000"/>
-              </a:solidFill>
               <a:latin typeface="Calibri" charset="0"/>
             </a:endParaRPr>
-          </a:p>
-          <a:p>
-            <a:pPr lvl="1">
-              <a:spcAft>
-                <a:spcPts val="600"/>
-              </a:spcAft>
-            </a:pPr>
-            <a:r>
-              <a:rPr lang="en-US" sz="2000" dirty="0">
-                <a:latin typeface="Calibri" charset="0"/>
-              </a:rPr>
-              <a:t>over massive data sets</a:t>
-            </a:r>
-            <a:r>
-              <a:rPr lang="en-US" sz="2000" i="1" dirty="0">
-                <a:latin typeface="Calibri" charset="0"/>
-              </a:rPr>
-              <a:t>:</a:t>
-            </a:r>
-            <a:r>
-              <a:rPr lang="en-US" sz="2000" i="1" dirty="0">
-                <a:solidFill>
-                  <a:srgbClr val="FF0000"/>
-                </a:solidFill>
-                <a:latin typeface="Calibri" charset="0"/>
-              </a:rPr>
-              <a:t> indexes, query processing, optimization, parallelization/cluster processing</a:t>
-            </a:r>
-            <a:endParaRPr lang="en-US" sz="2000" dirty="0">
-              <a:solidFill>
-                <a:srgbClr val="FF0000"/>
-              </a:solidFill>
-              <a:latin typeface="Calibri" charset="0"/>
-            </a:endParaRPr>
-          </a:p>
-          <a:p>
-            <a:pPr>
-              <a:spcAft>
-                <a:spcPts val="600"/>
-              </a:spcAft>
-            </a:pPr>
-            <a:r>
-              <a:rPr lang="en-US" sz="2400" dirty="0">
-                <a:latin typeface="Calibri" charset="0"/>
-              </a:rPr>
-              <a:t>concurrency control for data manipulation</a:t>
-            </a:r>
-          </a:p>
-          <a:p>
-            <a:pPr lvl="1">
-              <a:spcAft>
-                <a:spcPts val="600"/>
-              </a:spcAft>
-            </a:pPr>
-            <a:r>
-              <a:rPr lang="en-US" sz="2000" dirty="0">
-                <a:latin typeface="Calibri" charset="0"/>
-              </a:rPr>
-              <a:t>ensuring transactional semantics: </a:t>
-            </a:r>
-            <a:r>
-              <a:rPr lang="en-US" sz="2000" i="1" dirty="0">
-                <a:solidFill>
-                  <a:srgbClr val="FF0000"/>
-                </a:solidFill>
-                <a:latin typeface="Calibri" charset="0"/>
-              </a:rPr>
-              <a:t>ACID properties, distributed consistency</a:t>
-            </a:r>
-            <a:endParaRPr lang="en-US" sz="2000" dirty="0">
-              <a:solidFill>
-                <a:srgbClr val="FF0000"/>
-              </a:solidFill>
-              <a:latin typeface="Calibri" charset="0"/>
-            </a:endParaRPr>
-          </a:p>
-          <a:p>
-            <a:pPr>
-              <a:spcAft>
-                <a:spcPts val="600"/>
-              </a:spcAft>
-            </a:pPr>
-            <a:r>
-              <a:rPr lang="en-US" sz="2400" dirty="0">
-                <a:latin typeface="Calibri" charset="0"/>
-              </a:rPr>
-              <a:t>reliable data storage</a:t>
-            </a:r>
-          </a:p>
-          <a:p>
-            <a:pPr lvl="1">
-              <a:spcAft>
-                <a:spcPts val="600"/>
-              </a:spcAft>
-            </a:pPr>
-            <a:r>
-              <a:rPr lang="en-US" sz="2000" dirty="0">
-                <a:latin typeface="Calibri" charset="0"/>
-              </a:rPr>
-              <a:t>maintain data semantics even if you pull the plug: </a:t>
-            </a:r>
-            <a:r>
-              <a:rPr lang="en-US" sz="2000" i="1" dirty="0">
-                <a:solidFill>
-                  <a:srgbClr val="FF0000"/>
-                </a:solidFill>
-                <a:latin typeface="Calibri" charset="0"/>
-              </a:rPr>
-              <a:t>durability</a:t>
-            </a:r>
-            <a:endParaRPr lang="en-US" sz="2000" dirty="0">
-              <a:solidFill>
-                <a:srgbClr val="FF0000"/>
-              </a:solidFill>
-              <a:latin typeface="Calibri" charset="0"/>
-            </a:endParaRPr>
-          </a:p>
-          <a:p>
-            <a:pPr lvl="1">
-              <a:spcAft>
-                <a:spcPts val="600"/>
-              </a:spcAft>
-            </a:pPr>
-            <a:r>
-              <a:rPr lang="en-US" sz="2000" dirty="0">
-                <a:latin typeface="Calibri" charset="0"/>
-              </a:rPr>
-              <a:t>fault tolerance: </a:t>
-            </a:r>
-            <a:r>
-              <a:rPr lang="en-US" sz="2000" i="1" dirty="0">
-                <a:solidFill>
-                  <a:srgbClr val="FF0000"/>
-                </a:solidFill>
-                <a:latin typeface="Calibri" charset="0"/>
-              </a:rPr>
-              <a:t>RAID</a:t>
-            </a:r>
           </a:p>
         </p:txBody>
       </p:sp>
@@ -10965,17 +11590,16 @@
               <a:defRPr/>
             </a:pPr>
             <a:r>
-              <a:rPr lang="en-US"/>
-              <a:t>What we will cover…</a:t>
-            </a:r>
-            <a:endParaRPr lang="en-US" dirty="0"/>
+              <a:rPr lang="en-US" dirty="0"/>
+              <a:t>Main Changes from Fall 2020</a:t>
+            </a:r>
           </a:p>
         </p:txBody>
       </p:sp>
     </p:spTree>
     <p:extLst>
       <p:ext uri="{BB962C8B-B14F-4D97-AF65-F5344CB8AC3E}">
-        <p14:creationId xmlns:p14="http://schemas.microsoft.com/office/powerpoint/2010/main" val="2617238820"/>
+        <p14:creationId xmlns:p14="http://schemas.microsoft.com/office/powerpoint/2010/main" val="3392387111"/>
       </p:ext>
     </p:extLst>
   </p:cSld>
@@ -11004,234 +11628,6 @@
       </p:grpSpPr>
       <p:sp>
         <p:nvSpPr>
-          <p:cNvPr id="38914" name="Rectangle 3"/>
-          <p:cNvSpPr>
-            <a:spLocks noGrp="1" noChangeArrowheads="1"/>
-          </p:cNvSpPr>
-          <p:nvPr>
-            <p:ph idx="1"/>
-          </p:nvPr>
-        </p:nvSpPr>
-        <p:spPr>
-          <a:xfrm>
-            <a:off x="228600" y="990600"/>
-            <a:ext cx="8458200" cy="5105400"/>
-          </a:xfrm>
-        </p:spPr>
-        <p:txBody>
-          <a:bodyPr/>
-          <a:lstStyle/>
-          <a:p>
-            <a:pPr>
-              <a:spcAft>
-                <a:spcPts val="600"/>
-              </a:spcAft>
-            </a:pPr>
-            <a:r>
-              <a:rPr lang="en-US" sz="2400" strike="sngStrike" dirty="0">
-                <a:latin typeface="Calibri" charset="0"/>
-              </a:rPr>
-              <a:t>Web App Development and Programming Project</a:t>
-            </a:r>
-          </a:p>
-          <a:p>
-            <a:pPr lvl="1">
-              <a:spcAft>
-                <a:spcPts val="600"/>
-              </a:spcAft>
-            </a:pPr>
-            <a:r>
-              <a:rPr lang="en-US" sz="2000" dirty="0">
-                <a:latin typeface="Calibri" charset="0"/>
-              </a:rPr>
-              <a:t>An important topic, but insufficient time to cover it in sufficient depth</a:t>
-            </a:r>
-          </a:p>
-          <a:p>
-            <a:pPr marL="630238" lvl="2" indent="0">
-              <a:spcAft>
-                <a:spcPts val="600"/>
-              </a:spcAft>
-              <a:buNone/>
-            </a:pPr>
-            <a:r>
-              <a:rPr lang="en-US" sz="1800" dirty="0">
-                <a:latin typeface="Calibri" charset="0"/>
-              </a:rPr>
-              <a:t>		</a:t>
-            </a:r>
-          </a:p>
-          <a:p>
-            <a:pPr>
-              <a:spcAft>
-                <a:spcPts val="600"/>
-              </a:spcAft>
-            </a:pPr>
-            <a:r>
-              <a:rPr lang="en-US" sz="2400" dirty="0">
-                <a:latin typeface="Calibri" charset="0"/>
-              </a:rPr>
-              <a:t>Less Detailed Discussion of Indexing and Query Processing</a:t>
-            </a:r>
-            <a:endParaRPr lang="en-US" sz="2000" dirty="0">
-              <a:latin typeface="Calibri" charset="0"/>
-            </a:endParaRPr>
-          </a:p>
-          <a:p>
-            <a:pPr lvl="4">
-              <a:spcAft>
-                <a:spcPts val="600"/>
-              </a:spcAft>
-            </a:pPr>
-            <a:endParaRPr lang="en-US" sz="1700" dirty="0">
-              <a:latin typeface="Calibri" charset="0"/>
-            </a:endParaRPr>
-          </a:p>
-          <a:p>
-            <a:pPr>
-              <a:spcAft>
-                <a:spcPts val="600"/>
-              </a:spcAft>
-            </a:pPr>
-            <a:r>
-              <a:rPr lang="en-US" sz="2400" dirty="0">
-                <a:latin typeface="Calibri" charset="0"/>
-              </a:rPr>
-              <a:t>More in-depth NoSQL</a:t>
-            </a:r>
-          </a:p>
-          <a:p>
-            <a:pPr lvl="1">
-              <a:spcAft>
-                <a:spcPts val="600"/>
-              </a:spcAft>
-            </a:pPr>
-            <a:r>
-              <a:rPr lang="en-US" sz="1800" dirty="0">
-                <a:latin typeface="Calibri" charset="0"/>
-              </a:rPr>
-              <a:t>MongoDB (including a programming project)</a:t>
-            </a:r>
-          </a:p>
-          <a:p>
-            <a:pPr lvl="1">
-              <a:spcAft>
-                <a:spcPts val="600"/>
-              </a:spcAft>
-            </a:pPr>
-            <a:r>
-              <a:rPr lang="en-US" sz="1800" dirty="0">
-                <a:latin typeface="Calibri" charset="0"/>
-              </a:rPr>
-              <a:t>Deeper discussion of other NoSQL data models</a:t>
-            </a:r>
-          </a:p>
-          <a:p>
-            <a:pPr lvl="1">
-              <a:spcAft>
-                <a:spcPts val="600"/>
-              </a:spcAft>
-            </a:pPr>
-            <a:r>
-              <a:rPr lang="en-US" sz="1800" dirty="0">
-                <a:latin typeface="Calibri" charset="0"/>
-              </a:rPr>
-              <a:t>(MapReduce/Spark has been covered in the past)</a:t>
-            </a:r>
-          </a:p>
-          <a:p>
-            <a:pPr lvl="4">
-              <a:spcAft>
-                <a:spcPts val="600"/>
-              </a:spcAft>
-            </a:pPr>
-            <a:endParaRPr lang="en-US" sz="1500" dirty="0">
-              <a:latin typeface="Calibri" charset="0"/>
-            </a:endParaRPr>
-          </a:p>
-          <a:p>
-            <a:pPr>
-              <a:spcAft>
-                <a:spcPts val="600"/>
-              </a:spcAft>
-            </a:pPr>
-            <a:r>
-              <a:rPr lang="en-US" sz="2400" dirty="0">
-                <a:latin typeface="Calibri" charset="0"/>
-              </a:rPr>
-              <a:t>Replace implementation project for Transactions with a long-form assignment instead </a:t>
-            </a:r>
-          </a:p>
-          <a:p>
-            <a:pPr marL="392113" lvl="1" indent="0">
-              <a:spcAft>
-                <a:spcPts val="600"/>
-              </a:spcAft>
-              <a:buNone/>
-            </a:pPr>
-            <a:endParaRPr lang="en-US" sz="2000" dirty="0">
-              <a:latin typeface="Calibri" charset="0"/>
-            </a:endParaRPr>
-          </a:p>
-        </p:txBody>
-      </p:sp>
-      <p:sp>
-        <p:nvSpPr>
-          <p:cNvPr id="422914" name="Rectangle 2"/>
-          <p:cNvSpPr>
-            <a:spLocks noGrp="1" noChangeArrowheads="1"/>
-          </p:cNvSpPr>
-          <p:nvPr>
-            <p:ph type="title"/>
-          </p:nvPr>
-        </p:nvSpPr>
-        <p:spPr/>
-        <p:txBody>
-          <a:bodyPr/>
-          <a:lstStyle/>
-          <a:p>
-            <a:pPr>
-              <a:defRPr/>
-            </a:pPr>
-            <a:r>
-              <a:rPr lang="en-US" dirty="0"/>
-              <a:t>Main Changes from Fall 2020</a:t>
-            </a:r>
-          </a:p>
-        </p:txBody>
-      </p:sp>
-    </p:spTree>
-    <p:extLst>
-      <p:ext uri="{BB962C8B-B14F-4D97-AF65-F5344CB8AC3E}">
-        <p14:creationId xmlns:p14="http://schemas.microsoft.com/office/powerpoint/2010/main" val="3392387111"/>
-      </p:ext>
-    </p:extLst>
-  </p:cSld>
-  <p:clrMapOvr>
-    <a:masterClrMapping/>
-  </p:clrMapOvr>
-</p:sld>
-</file>
-
-<file path=ppt/slides/slide25.xml><?xml version="1.0" encoding="utf-8"?>
-<p:sld xmlns:a="http://schemas.openxmlformats.org/drawingml/2006/main" xmlns:r="http://schemas.openxmlformats.org/officeDocument/2006/relationships" xmlns:p="http://schemas.openxmlformats.org/presentationml/2006/main">
-  <p:cSld>
-    <p:spTree>
-      <p:nvGrpSpPr>
-        <p:cNvPr id="1" name=""/>
-        <p:cNvGrpSpPr/>
-        <p:nvPr/>
-      </p:nvGrpSpPr>
-      <p:grpSpPr>
-        <a:xfrm>
-          <a:off x="0" y="0"/>
-          <a:ext cx="0" cy="0"/>
-          <a:chOff x="0" y="0"/>
-          <a:chExt cx="0" cy="0"/>
-        </a:xfrm>
-      </p:grpSpPr>
-      <p:sp>
-        <p:nvSpPr>
           <p:cNvPr id="169987" name="Rectangle 3"/>
           <p:cNvSpPr>
             <a:spLocks noGrp="1" noChangeArrowheads="1"/>
@@ -11470,7 +11866,7 @@
 </p:sld>
 </file>
 
-<file path=ppt/slides/slide26.xml><?xml version="1.0" encoding="utf-8"?>
+<file path=ppt/slides/slide25.xml><?xml version="1.0" encoding="utf-8"?>
 <p:sld xmlns:a="http://schemas.openxmlformats.org/drawingml/2006/main" xmlns:r="http://schemas.openxmlformats.org/officeDocument/2006/relationships" xmlns:p="http://schemas.openxmlformats.org/presentationml/2006/main">
   <p:cSld>
     <p:spTree>
@@ -11869,6 +12265,158 @@
 </p:sld>
 </file>
 
+<file path=ppt/slides/slide26.xml><?xml version="1.0" encoding="utf-8"?>
+<p:sld xmlns:a="http://schemas.openxmlformats.org/drawingml/2006/main" xmlns:r="http://schemas.openxmlformats.org/officeDocument/2006/relationships" xmlns:p="http://schemas.openxmlformats.org/presentationml/2006/main">
+  <p:cSld>
+    <p:spTree>
+      <p:nvGrpSpPr>
+        <p:cNvPr id="1" name=""/>
+        <p:cNvGrpSpPr/>
+        <p:nvPr/>
+      </p:nvGrpSpPr>
+      <p:grpSpPr>
+        <a:xfrm>
+          <a:off x="0" y="0"/>
+          <a:ext cx="0" cy="0"/>
+          <a:chOff x="0" y="0"/>
+          <a:chExt cx="0" cy="0"/>
+        </a:xfrm>
+      </p:grpSpPr>
+      <p:sp>
+        <p:nvSpPr>
+          <p:cNvPr id="17410" name="Rectangle 3"/>
+          <p:cNvSpPr>
+            <a:spLocks noGrp="1" noChangeArrowheads="1"/>
+          </p:cNvSpPr>
+          <p:nvPr>
+            <p:ph idx="1"/>
+          </p:nvPr>
+        </p:nvSpPr>
+        <p:spPr>
+          <a:xfrm>
+            <a:off x="228600" y="1066800"/>
+            <a:ext cx="8763000" cy="5105400"/>
+          </a:xfrm>
+        </p:spPr>
+        <p:txBody>
+          <a:bodyPr/>
+          <a:lstStyle/>
+          <a:p>
+            <a:r>
+              <a:rPr lang="en-US" dirty="0"/>
+              <a:t>Book Chapters (6</a:t>
+            </a:r>
+            <a:r>
+              <a:rPr lang="en-US" baseline="30000" dirty="0"/>
+              <a:t>th</a:t>
+            </a:r>
+            <a:r>
+              <a:rPr lang="en-US" dirty="0"/>
+              <a:t> Edition)</a:t>
+            </a:r>
+          </a:p>
+          <a:p>
+            <a:pPr lvl="1"/>
+            <a:r>
+              <a:rPr lang="en-US" dirty="0">
+                <a:latin typeface="Calibri" charset="0"/>
+              </a:rPr>
+              <a:t>1.3</a:t>
+            </a:r>
+          </a:p>
+          <a:p>
+            <a:pPr lvl="1"/>
+            <a:endParaRPr lang="en-US" dirty="0">
+              <a:latin typeface="Calibri" charset="0"/>
+            </a:endParaRPr>
+          </a:p>
+          <a:p>
+            <a:r>
+              <a:rPr lang="en-US" dirty="0">
+                <a:latin typeface="Calibri" charset="0"/>
+              </a:rPr>
+              <a:t>Key Topics</a:t>
+            </a:r>
+          </a:p>
+          <a:p>
+            <a:pPr lvl="1">
+              <a:lnSpc>
+                <a:spcPct val="150000"/>
+              </a:lnSpc>
+            </a:pPr>
+            <a:r>
+              <a:rPr lang="en-US" dirty="0">
+                <a:latin typeface="Calibri" charset="0"/>
+              </a:rPr>
+              <a:t>Data Models and Why Capturing “Structure” is Important</a:t>
+            </a:r>
+          </a:p>
+          <a:p>
+            <a:pPr lvl="1">
+              <a:lnSpc>
+                <a:spcPct val="150000"/>
+              </a:lnSpc>
+            </a:pPr>
+            <a:r>
+              <a:rPr lang="en-US" dirty="0">
+                <a:latin typeface="Calibri" charset="0"/>
+              </a:rPr>
+              <a:t>Data Abstraction, and Views</a:t>
+            </a:r>
+          </a:p>
+          <a:p>
+            <a:pPr lvl="1">
+              <a:lnSpc>
+                <a:spcPct val="150000"/>
+              </a:lnSpc>
+            </a:pPr>
+            <a:r>
+              <a:rPr lang="en-US" dirty="0">
+                <a:latin typeface="Calibri" charset="0"/>
+              </a:rPr>
+              <a:t>Logical and Physical Data Independence</a:t>
+            </a:r>
+          </a:p>
+        </p:txBody>
+      </p:sp>
+      <p:sp>
+        <p:nvSpPr>
+          <p:cNvPr id="371714" name="Rectangle 2"/>
+          <p:cNvSpPr>
+            <a:spLocks noGrp="1" noChangeArrowheads="1"/>
+          </p:cNvSpPr>
+          <p:nvPr>
+            <p:ph type="title"/>
+          </p:nvPr>
+        </p:nvSpPr>
+        <p:spPr/>
+        <p:txBody>
+          <a:bodyPr/>
+          <a:lstStyle/>
+          <a:p>
+            <a:pPr>
+              <a:defRPr/>
+            </a:pPr>
+            <a:r>
+              <a:rPr lang="en-US" dirty="0"/>
+              <a:t>Motivation</a:t>
+            </a:r>
+          </a:p>
+        </p:txBody>
+      </p:sp>
+    </p:spTree>
+    <p:extLst>
+      <p:ext uri="{BB962C8B-B14F-4D97-AF65-F5344CB8AC3E}">
+        <p14:creationId xmlns:p14="http://schemas.microsoft.com/office/powerpoint/2010/main" val="767179250"/>
+      </p:ext>
+    </p:extLst>
+  </p:cSld>
+  <p:clrMapOvr>
+    <a:masterClrMapping/>
+  </p:clrMapOvr>
+</p:sld>
+</file>
+
 <file path=ppt/slides/slide27.xml><?xml version="1.0" encoding="utf-8"?>
 <p:sld xmlns:a="http://schemas.openxmlformats.org/drawingml/2006/main" xmlns:r="http://schemas.openxmlformats.org/officeDocument/2006/relationships" xmlns:p="http://schemas.openxmlformats.org/presentationml/2006/main">
   <p:cSld>
@@ -11888,7 +12436,7 @@
       </p:grpSpPr>
       <p:sp>
         <p:nvSpPr>
-          <p:cNvPr id="17410" name="Rectangle 3"/>
+          <p:cNvPr id="30722" name="Rectangle 3"/>
           <p:cNvSpPr>
             <a:spLocks noGrp="1" noChangeArrowheads="1"/>
           </p:cNvSpPr>
@@ -11898,8 +12446,8 @@
         </p:nvSpPr>
         <p:spPr>
           <a:xfrm>
-            <a:off x="228600" y="1066800"/>
-            <a:ext cx="8763000" cy="5105400"/>
+            <a:off x="76200" y="1066800"/>
+            <a:ext cx="8991600" cy="5105400"/>
           </a:xfrm>
         </p:spPr>
         <p:txBody>
@@ -11907,85 +12455,240 @@
           <a:lstStyle/>
           <a:p>
             <a:r>
-              <a:rPr lang="en-US" dirty="0"/>
-              <a:t>Book Chapters (6</a:t>
-            </a:r>
-            <a:r>
-              <a:rPr lang="en-US" baseline="30000" dirty="0"/>
-              <a:t>th</a:t>
-            </a:r>
-            <a:r>
-              <a:rPr lang="en-US" dirty="0"/>
-              <a:t> Edition)</a:t>
+              <a:rPr lang="en-US" sz="2000" dirty="0">
+                <a:latin typeface="Calibri" charset="0"/>
+              </a:rPr>
+              <a:t>Provide a systematic way to solve data management issues</a:t>
+            </a:r>
+          </a:p>
+          <a:p>
+            <a:r>
+              <a:rPr lang="en-US" sz="2000" dirty="0">
+                <a:latin typeface="Calibri" charset="0"/>
+              </a:rPr>
+              <a:t>Aim is to allow easy management of high volumes of data</a:t>
             </a:r>
           </a:p>
           <a:p>
             <a:pPr lvl="1"/>
             <a:r>
-              <a:rPr lang="en-US" dirty="0">
-                <a:latin typeface="Calibri" charset="0"/>
-              </a:rPr>
-              <a:t>1.3</a:t>
-            </a:r>
-          </a:p>
-          <a:p>
-            <a:pPr lvl="1"/>
-            <a:endParaRPr lang="en-US" dirty="0">
+              <a:rPr lang="en-US" sz="2000" dirty="0">
+                <a:latin typeface="Calibri" charset="0"/>
+              </a:rPr>
+              <a:t>Storing , Updating, Querying, Analyzing ….</a:t>
+            </a:r>
+          </a:p>
+          <a:p>
+            <a:endParaRPr lang="en-US" sz="2000" dirty="0">
               <a:latin typeface="Calibri" charset="0"/>
             </a:endParaRPr>
           </a:p>
           <a:p>
             <a:r>
+              <a:rPr lang="en-US" sz="2000" u="sng" dirty="0">
+                <a:latin typeface="Calibri" charset="0"/>
+              </a:rPr>
+              <a:t>What is a Database ?</a:t>
+            </a:r>
+          </a:p>
+          <a:p>
+            <a:pPr lvl="1"/>
+            <a:r>
+              <a:rPr lang="en-US" sz="2000" dirty="0">
+                <a:latin typeface="Calibri" charset="0"/>
+              </a:rPr>
+              <a:t>A large, integrated collection of (mostly </a:t>
+            </a:r>
+            <a:r>
+              <a:rPr lang="en-US" sz="2000" i="1" dirty="0">
+                <a:latin typeface="Calibri" charset="0"/>
+              </a:rPr>
+              <a:t>structured</a:t>
+            </a:r>
+            <a:r>
+              <a:rPr lang="en-US" sz="2000" dirty="0">
+                <a:latin typeface="Calibri" charset="0"/>
+              </a:rPr>
+              <a:t>) data</a:t>
+            </a:r>
+          </a:p>
+          <a:p>
+            <a:pPr lvl="1"/>
+            <a:r>
+              <a:rPr lang="en-US" sz="2000" dirty="0">
+                <a:latin typeface="Calibri" charset="0"/>
+              </a:rPr>
+              <a:t>Typically models and captures information about a real-world </a:t>
+            </a:r>
+            <a:r>
+              <a:rPr lang="en-US" sz="2000" b="1" i="1" dirty="0">
+                <a:solidFill>
+                  <a:srgbClr val="FF0000"/>
+                </a:solidFill>
+                <a:latin typeface="Calibri" charset="0"/>
+              </a:rPr>
+              <a:t>enterprise </a:t>
+            </a:r>
+          </a:p>
+          <a:p>
+            <a:pPr lvl="2"/>
+            <a:r>
+              <a:rPr lang="en-US" sz="2000" dirty="0">
+                <a:solidFill>
+                  <a:srgbClr val="FF0000"/>
+                </a:solidFill>
+                <a:latin typeface="Calibri" charset="0"/>
+              </a:rPr>
+              <a:t>Entities</a:t>
+            </a:r>
+            <a:r>
+              <a:rPr lang="en-US" sz="2000" dirty="0">
+                <a:latin typeface="Calibri" charset="0"/>
+              </a:rPr>
+              <a:t> </a:t>
+            </a:r>
+            <a:r>
+              <a:rPr lang="en-US" sz="2000" i="1" dirty="0">
+                <a:latin typeface="Calibri" charset="0"/>
+              </a:rPr>
+              <a:t>(e.g. courses, students)</a:t>
+            </a:r>
+          </a:p>
+          <a:p>
+            <a:pPr lvl="2">
+              <a:spcAft>
+                <a:spcPts val="600"/>
+              </a:spcAft>
+            </a:pPr>
+            <a:r>
+              <a:rPr lang="en-US" sz="2000" dirty="0">
+                <a:solidFill>
+                  <a:srgbClr val="FF0000"/>
+                </a:solidFill>
+                <a:latin typeface="Calibri" charset="0"/>
+              </a:rPr>
+              <a:t>Relationships</a:t>
+            </a:r>
+            <a:r>
+              <a:rPr lang="en-US" sz="2000" dirty="0">
+                <a:latin typeface="Calibri" charset="0"/>
+              </a:rPr>
+              <a:t> </a:t>
+            </a:r>
+            <a:r>
+              <a:rPr lang="en-US" sz="2000" i="1" dirty="0">
+                <a:latin typeface="Calibri" charset="0"/>
+              </a:rPr>
+              <a:t>(e.g. </a:t>
+            </a:r>
+            <a:r>
+              <a:rPr lang="en-US" sz="2000" b="1" i="1" dirty="0">
+                <a:latin typeface="Calibri" charset="0"/>
+              </a:rPr>
+              <a:t>John</a:t>
+            </a:r>
+            <a:r>
+              <a:rPr lang="en-US" sz="2000" i="1" dirty="0">
+                <a:latin typeface="Calibri" charset="0"/>
+              </a:rPr>
+              <a:t> is taking </a:t>
+            </a:r>
+            <a:r>
+              <a:rPr lang="en-US" sz="2000" b="1" i="1" dirty="0">
+                <a:latin typeface="Calibri" charset="0"/>
+              </a:rPr>
+              <a:t>CMSC 424</a:t>
+            </a:r>
+            <a:r>
+              <a:rPr lang="en-US" sz="2000" i="1" dirty="0">
+                <a:latin typeface="Calibri" charset="0"/>
+              </a:rPr>
+              <a:t>)</a:t>
+            </a:r>
+            <a:r>
+              <a:rPr lang="en-US" sz="1800" dirty="0">
+                <a:latin typeface="Calibri" charset="0"/>
+              </a:rPr>
+              <a:t>				</a:t>
+            </a:r>
+          </a:p>
+          <a:p>
+            <a:pPr lvl="2"/>
+            <a:r>
+              <a:rPr lang="en-US" sz="2000" dirty="0">
+                <a:latin typeface="Calibri" charset="0"/>
+              </a:rPr>
+              <a:t>Usually also contains:</a:t>
+            </a:r>
+          </a:p>
+          <a:p>
+            <a:pPr lvl="3"/>
+            <a:r>
+              <a:rPr lang="en-US" sz="2000" dirty="0">
+                <a:latin typeface="Calibri" charset="0"/>
+              </a:rPr>
+              <a:t>Knowledge of </a:t>
+            </a:r>
+            <a:r>
+              <a:rPr lang="en-US" sz="2000" dirty="0">
+                <a:solidFill>
+                  <a:srgbClr val="FF0000"/>
+                </a:solidFill>
+                <a:latin typeface="Calibri" charset="0"/>
+              </a:rPr>
+              <a:t>constraints</a:t>
+            </a:r>
+            <a:r>
+              <a:rPr lang="en-US" sz="2000" dirty="0">
+                <a:latin typeface="Calibri" charset="0"/>
+              </a:rPr>
+              <a:t> on the data </a:t>
+            </a:r>
+            <a:r>
+              <a:rPr lang="en-US" sz="2000" i="1" dirty="0">
+                <a:latin typeface="Calibri" charset="0"/>
+              </a:rPr>
+              <a:t>(e.g. course capacities)</a:t>
+            </a:r>
+          </a:p>
+          <a:p>
+            <a:pPr lvl="3"/>
+            <a:r>
+              <a:rPr lang="en-US" sz="2000" dirty="0">
+                <a:solidFill>
+                  <a:srgbClr val="FF0000"/>
+                </a:solidFill>
+                <a:latin typeface="Calibri" charset="0"/>
+              </a:rPr>
+              <a:t>Business logic</a:t>
+            </a:r>
+            <a:r>
+              <a:rPr lang="en-US" sz="2000" dirty="0">
+                <a:latin typeface="Calibri" charset="0"/>
+              </a:rPr>
+              <a:t> </a:t>
+            </a:r>
+            <a:r>
+              <a:rPr lang="en-US" sz="2000" i="1" dirty="0">
+                <a:latin typeface="Calibri" charset="0"/>
+              </a:rPr>
+              <a:t>(e.g. pre-requisite rules)</a:t>
+            </a:r>
+          </a:p>
+          <a:p>
+            <a:pPr lvl="3"/>
+            <a:r>
               <a:rPr lang="en-US" dirty="0">
                 <a:latin typeface="Calibri" charset="0"/>
               </a:rPr>
-              <a:t>Key Topics</a:t>
-            </a:r>
-          </a:p>
-          <a:p>
-            <a:pPr lvl="1">
-              <a:lnSpc>
-                <a:spcPct val="150000"/>
-              </a:lnSpc>
-            </a:pPr>
-            <a:r>
-              <a:rPr lang="en-US" dirty="0">
-                <a:latin typeface="Calibri" charset="0"/>
-              </a:rPr>
-              <a:t>Data Models and Why Capturing “Structure” is Important</a:t>
-            </a:r>
-          </a:p>
-          <a:p>
-            <a:pPr lvl="1">
-              <a:lnSpc>
-                <a:spcPct val="150000"/>
-              </a:lnSpc>
-            </a:pPr>
-            <a:r>
-              <a:rPr lang="en-US" dirty="0">
-                <a:latin typeface="Calibri" charset="0"/>
-              </a:rPr>
-              <a:t>Data Abstraction, and Views</a:t>
-            </a:r>
-          </a:p>
-          <a:p>
-            <a:pPr lvl="1">
-              <a:lnSpc>
-                <a:spcPct val="150000"/>
-              </a:lnSpc>
-            </a:pPr>
-            <a:r>
-              <a:rPr lang="en-US" dirty="0">
-                <a:latin typeface="Calibri" charset="0"/>
-              </a:rPr>
-              <a:t>Logical and Physical Data Independence</a:t>
+              <a:t>Encoded as part of the data model (preferable) or through external programs</a:t>
             </a:r>
           </a:p>
         </p:txBody>
       </p:sp>
       <p:sp>
         <p:nvSpPr>
-          <p:cNvPr id="371714" name="Rectangle 2"/>
+          <p:cNvPr id="397314" name="Rectangle 2"/>
           <p:cNvSpPr>
             <a:spLocks noGrp="1" noChangeArrowheads="1"/>
           </p:cNvSpPr>
@@ -12003,17 +12706,12 @@
             </a:pPr>
             <a:r>
               <a:rPr lang="en-US" dirty="0"/>
-              <a:t>Motivation</a:t>
+              <a:t>Database Management Systems</a:t>
             </a:r>
           </a:p>
         </p:txBody>
       </p:sp>
     </p:spTree>
-    <p:extLst>
-      <p:ext uri="{BB962C8B-B14F-4D97-AF65-F5344CB8AC3E}">
-        <p14:creationId xmlns:p14="http://schemas.microsoft.com/office/powerpoint/2010/main" val="767179250"/>
-      </p:ext>
-    </p:extLst>
   </p:cSld>
   <p:clrMapOvr>
     <a:masterClrMapping/>
@@ -12050,112 +12748,46 @@
         </p:nvSpPr>
         <p:spPr>
           <a:xfrm>
-            <a:off x="76200" y="1066800"/>
-            <a:ext cx="8991600" cy="5105400"/>
+            <a:off x="228600" y="914400"/>
+            <a:ext cx="8458200" cy="5257800"/>
           </a:xfrm>
         </p:spPr>
         <p:txBody>
           <a:bodyPr/>
           <a:lstStyle/>
           <a:p>
-            <a:r>
-              <a:rPr lang="en-US" sz="2000" dirty="0">
-                <a:latin typeface="Calibri" charset="0"/>
-              </a:rPr>
-              <a:t>Provide a systematic way to solve data management issues</a:t>
-            </a:r>
-          </a:p>
-          <a:p>
-            <a:r>
-              <a:rPr lang="en-US" sz="2000" dirty="0">
-                <a:latin typeface="Calibri" charset="0"/>
-              </a:rPr>
-              <a:t>Aim is to allow easy management of high volumes of data</a:t>
-            </a:r>
-          </a:p>
-          <a:p>
-            <a:pPr lvl="1"/>
-            <a:r>
-              <a:rPr lang="en-US" sz="2000" dirty="0">
-                <a:latin typeface="Calibri" charset="0"/>
-              </a:rPr>
-              <a:t>Storing , Updating, Querying, Analyzing ….</a:t>
-            </a:r>
-          </a:p>
-          <a:p>
-            <a:endParaRPr lang="en-US" sz="2000" dirty="0">
-              <a:latin typeface="Calibri" charset="0"/>
-            </a:endParaRPr>
-          </a:p>
-          <a:p>
-            <a:r>
-              <a:rPr lang="en-US" sz="2000" u="sng" dirty="0">
-                <a:latin typeface="Calibri" charset="0"/>
-              </a:rPr>
-              <a:t>What is a Database ?</a:t>
-            </a:r>
-          </a:p>
-          <a:p>
-            <a:pPr lvl="1"/>
-            <a:r>
-              <a:rPr lang="en-US" sz="2000" dirty="0">
-                <a:latin typeface="Calibri" charset="0"/>
-              </a:rPr>
-              <a:t>A large, integrated collection of (mostly </a:t>
-            </a:r>
-            <a:r>
-              <a:rPr lang="en-US" sz="2000" i="1" dirty="0">
-                <a:latin typeface="Calibri" charset="0"/>
-              </a:rPr>
-              <a:t>structured</a:t>
-            </a:r>
-            <a:r>
-              <a:rPr lang="en-US" sz="2000" dirty="0">
-                <a:latin typeface="Calibri" charset="0"/>
-              </a:rPr>
-              <a:t>) data</a:t>
-            </a:r>
-          </a:p>
-          <a:p>
-            <a:pPr lvl="1"/>
-            <a:r>
-              <a:rPr lang="en-US" sz="2000" dirty="0">
-                <a:latin typeface="Calibri" charset="0"/>
-              </a:rPr>
-              <a:t>Typically models and captures information about a real-world </a:t>
-            </a:r>
-            <a:r>
-              <a:rPr lang="en-US" sz="2000" b="1" i="1" dirty="0">
+            <a:pPr>
+              <a:spcAft>
+                <a:spcPts val="600"/>
+              </a:spcAft>
+            </a:pPr>
+            <a:r>
+              <a:rPr lang="en-US" sz="2400" dirty="0">
+                <a:latin typeface="Calibri" charset="0"/>
+              </a:rPr>
+              <a:t>Massively successful for </a:t>
+            </a:r>
+            <a:r>
+              <a:rPr lang="en-US" sz="2400" i="1" dirty="0">
                 <a:solidFill>
                   <a:srgbClr val="FF0000"/>
                 </a:solidFill>
                 <a:latin typeface="Calibri" charset="0"/>
               </a:rPr>
-              <a:t>enterprise </a:t>
-            </a:r>
-          </a:p>
-          <a:p>
-            <a:pPr lvl="2"/>
-            <a:r>
-              <a:rPr lang="en-US" sz="2000" dirty="0">
-                <a:solidFill>
-                  <a:srgbClr val="FF0000"/>
-                </a:solidFill>
-                <a:latin typeface="Calibri" charset="0"/>
-              </a:rPr>
-              <a:t>Entities</a:t>
-            </a:r>
-            <a:r>
-              <a:rPr lang="en-US" sz="2000" dirty="0">
-                <a:latin typeface="Calibri" charset="0"/>
-              </a:rPr>
-              <a:t> </a:t>
-            </a:r>
-            <a:r>
-              <a:rPr lang="en-US" sz="2000" i="1" dirty="0">
-                <a:latin typeface="Calibri" charset="0"/>
-              </a:rPr>
-              <a:t>(e.g. courses, students)</a:t>
+              <a:t>highly structured data</a:t>
+            </a:r>
+          </a:p>
+          <a:p>
+            <a:pPr lvl="1">
+              <a:spcAft>
+                <a:spcPts val="600"/>
+              </a:spcAft>
+            </a:pPr>
+            <a:r>
+              <a:rPr lang="en-US" sz="2400" dirty="0">
+                <a:latin typeface="Calibri" charset="0"/>
+              </a:rPr>
+              <a:t>Why ? Structure in the data (if any) can be exploited for ease of use and efficiency</a:t>
             </a:r>
           </a:p>
           <a:p>
@@ -12165,128 +12797,163 @@
               </a:spcAft>
             </a:pPr>
             <a:r>
-              <a:rPr lang="en-US" sz="2000" dirty="0">
+              <a:rPr lang="en-US" sz="2200" dirty="0">
+                <a:latin typeface="Calibri" charset="0"/>
+              </a:rPr>
+              <a:t>If there is no structure in the data, hard to do much</a:t>
+            </a:r>
+          </a:p>
+          <a:p>
+            <a:pPr lvl="2">
+              <a:spcAft>
+                <a:spcPts val="600"/>
+              </a:spcAft>
+            </a:pPr>
+            <a:r>
+              <a:rPr lang="en-US" sz="2200" dirty="0">
                 <a:solidFill>
                   <a:srgbClr val="FF0000"/>
                 </a:solidFill>
                 <a:latin typeface="Calibri" charset="0"/>
               </a:rPr>
-              <a:t>Relationships</a:t>
-            </a:r>
-            <a:r>
-              <a:rPr lang="en-US" sz="2000" dirty="0">
-                <a:latin typeface="Calibri" charset="0"/>
-              </a:rPr>
-              <a:t> </a:t>
-            </a:r>
-            <a:r>
-              <a:rPr lang="en-US" sz="2000" i="1" dirty="0">
-                <a:latin typeface="Calibri" charset="0"/>
-              </a:rPr>
-              <a:t>(e.g. </a:t>
-            </a:r>
-            <a:r>
-              <a:rPr lang="en-US" sz="2000" b="1" i="1" dirty="0">
-                <a:latin typeface="Calibri" charset="0"/>
-              </a:rPr>
-              <a:t>John</a:t>
-            </a:r>
-            <a:r>
-              <a:rPr lang="en-US" sz="2000" i="1" dirty="0">
-                <a:latin typeface="Calibri" charset="0"/>
-              </a:rPr>
-              <a:t> is taking </a:t>
-            </a:r>
-            <a:r>
-              <a:rPr lang="en-US" sz="2000" b="1" i="1" dirty="0">
-                <a:latin typeface="Calibri" charset="0"/>
-              </a:rPr>
-              <a:t>CMSC 424</a:t>
-            </a:r>
-            <a:r>
-              <a:rPr lang="en-US" sz="2000" i="1" dirty="0">
-                <a:latin typeface="Calibri" charset="0"/>
-              </a:rPr>
-              <a:t>)</a:t>
-            </a:r>
-            <a:r>
-              <a:rPr lang="en-US" sz="1800" dirty="0">
-                <a:latin typeface="Calibri" charset="0"/>
-              </a:rPr>
-              <a:t>				</a:t>
-            </a:r>
-          </a:p>
-          <a:p>
-            <a:pPr lvl="2"/>
-            <a:r>
-              <a:rPr lang="en-US" sz="2000" dirty="0">
-                <a:latin typeface="Calibri" charset="0"/>
-              </a:rPr>
-              <a:t>Usually also contains:</a:t>
-            </a:r>
-          </a:p>
-          <a:p>
-            <a:pPr lvl="3"/>
-            <a:r>
-              <a:rPr lang="en-US" sz="2000" dirty="0">
-                <a:latin typeface="Calibri" charset="0"/>
-              </a:rPr>
-              <a:t>Knowledge of </a:t>
-            </a:r>
-            <a:r>
-              <a:rPr lang="en-US" sz="2000" dirty="0">
-                <a:solidFill>
-                  <a:srgbClr val="FF0000"/>
-                </a:solidFill>
-                <a:latin typeface="Calibri" charset="0"/>
-              </a:rPr>
-              <a:t>constraints</a:t>
-            </a:r>
-            <a:r>
-              <a:rPr lang="en-US" sz="2000" dirty="0">
-                <a:latin typeface="Calibri" charset="0"/>
-              </a:rPr>
-              <a:t> on the data </a:t>
-            </a:r>
-            <a:r>
-              <a:rPr lang="en-US" sz="2000" i="1" dirty="0">
-                <a:latin typeface="Calibri" charset="0"/>
-              </a:rPr>
-              <a:t>(e.g. course capacities)</a:t>
-            </a:r>
-          </a:p>
-          <a:p>
-            <a:pPr lvl="3"/>
-            <a:r>
-              <a:rPr lang="en-US" sz="2000" dirty="0">
-                <a:solidFill>
-                  <a:srgbClr val="FF0000"/>
-                </a:solidFill>
-                <a:latin typeface="Calibri" charset="0"/>
-              </a:rPr>
-              <a:t>Business logic</a:t>
-            </a:r>
-            <a:r>
-              <a:rPr lang="en-US" sz="2000" dirty="0">
-                <a:latin typeface="Calibri" charset="0"/>
-              </a:rPr>
-              <a:t> </a:t>
-            </a:r>
-            <a:r>
-              <a:rPr lang="en-US" sz="2000" i="1" dirty="0">
-                <a:latin typeface="Calibri" charset="0"/>
-              </a:rPr>
-              <a:t>(e.g. pre-requisite rules)</a:t>
-            </a:r>
-          </a:p>
-          <a:p>
-            <a:pPr lvl="3"/>
-            <a:r>
-              <a:rPr lang="en-US" dirty="0">
-                <a:latin typeface="Calibri" charset="0"/>
-              </a:rPr>
-              <a:t>Encoded as part of the data model (preferable) or through external programs</a:t>
-            </a:r>
+              <a:t>Contrast managing emails vs managing photos</a:t>
+            </a:r>
+          </a:p>
+          <a:p>
+            <a:pPr lvl="1">
+              <a:spcAft>
+                <a:spcPts val="600"/>
+              </a:spcAft>
+            </a:pPr>
+            <a:r>
+              <a:rPr lang="en-US" sz="2400" dirty="0">
+                <a:latin typeface="Calibri" charset="0"/>
+              </a:rPr>
+              <a:t>Much of the data we need to deal with is highly structured</a:t>
+            </a:r>
+          </a:p>
+          <a:p>
+            <a:pPr lvl="1">
+              <a:lnSpc>
+                <a:spcPct val="90000"/>
+              </a:lnSpc>
+              <a:spcAft>
+                <a:spcPts val="600"/>
+              </a:spcAft>
+            </a:pPr>
+            <a:r>
+              <a:rPr lang="en-US" sz="2400" dirty="0">
+                <a:latin typeface="Calibri" charset="0"/>
+              </a:rPr>
+              <a:t>Some data is </a:t>
+            </a:r>
+            <a:r>
+              <a:rPr lang="en-US" sz="2400" i="1" dirty="0">
+                <a:latin typeface="Calibri" charset="0"/>
+              </a:rPr>
+              <a:t>semi-structured</a:t>
+            </a:r>
+          </a:p>
+          <a:p>
+            <a:pPr lvl="2">
+              <a:lnSpc>
+                <a:spcPct val="90000"/>
+              </a:lnSpc>
+              <a:spcAft>
+                <a:spcPts val="600"/>
+              </a:spcAft>
+            </a:pPr>
+            <a:r>
+              <a:rPr lang="en-US" sz="2200" dirty="0">
+                <a:latin typeface="Calibri" charset="0"/>
+              </a:rPr>
+              <a:t>E.g.: Resumes, Webpages, Blogs etc.</a:t>
+            </a:r>
+          </a:p>
+          <a:p>
+            <a:pPr lvl="1">
+              <a:lnSpc>
+                <a:spcPct val="90000"/>
+              </a:lnSpc>
+              <a:spcAft>
+                <a:spcPts val="600"/>
+              </a:spcAft>
+            </a:pPr>
+            <a:r>
+              <a:rPr lang="en-US" sz="2400" dirty="0">
+                <a:latin typeface="Calibri" charset="0"/>
+              </a:rPr>
+              <a:t>Some has complicated structure</a:t>
+            </a:r>
+          </a:p>
+          <a:p>
+            <a:pPr lvl="2">
+              <a:lnSpc>
+                <a:spcPct val="90000"/>
+              </a:lnSpc>
+              <a:spcAft>
+                <a:spcPts val="600"/>
+              </a:spcAft>
+            </a:pPr>
+            <a:r>
+              <a:rPr lang="en-US" sz="2200" dirty="0">
+                <a:latin typeface="Calibri" charset="0"/>
+              </a:rPr>
+              <a:t>E.g.: Social networks</a:t>
+            </a:r>
+          </a:p>
+          <a:p>
+            <a:pPr lvl="1">
+              <a:lnSpc>
+                <a:spcPct val="90000"/>
+              </a:lnSpc>
+              <a:spcAft>
+                <a:spcPts val="600"/>
+              </a:spcAft>
+            </a:pPr>
+            <a:r>
+              <a:rPr lang="en-US" sz="2400" dirty="0">
+                <a:latin typeface="Calibri" charset="0"/>
+              </a:rPr>
+              <a:t>Some has no structure</a:t>
+            </a:r>
+          </a:p>
+          <a:p>
+            <a:pPr lvl="2">
+              <a:lnSpc>
+                <a:spcPct val="90000"/>
+              </a:lnSpc>
+              <a:spcAft>
+                <a:spcPts val="600"/>
+              </a:spcAft>
+            </a:pPr>
+            <a:r>
+              <a:rPr lang="en-US" sz="2200" dirty="0">
+                <a:latin typeface="Calibri" charset="0"/>
+              </a:rPr>
+              <a:t>E.g.: Text data, Video/Image data etc.</a:t>
+            </a:r>
+          </a:p>
+          <a:p>
+            <a:pPr lvl="1">
+              <a:spcAft>
+                <a:spcPts val="600"/>
+              </a:spcAft>
+            </a:pPr>
+            <a:endParaRPr lang="en-US" sz="2400" dirty="0">
+              <a:latin typeface="Calibri" charset="0"/>
+            </a:endParaRPr>
+          </a:p>
+          <a:p>
+            <a:pPr lvl="2">
+              <a:spcAft>
+                <a:spcPts val="600"/>
+              </a:spcAft>
+              <a:buNone/>
+            </a:pPr>
+            <a:endParaRPr lang="en-US" sz="2400" dirty="0">
+              <a:latin typeface="Calibri" charset="0"/>
+            </a:endParaRPr>
           </a:p>
         </p:txBody>
       </p:sp>
@@ -12324,658 +12991,6 @@
 </file>
 
 <file path=ppt/slides/slide29.xml><?xml version="1.0" encoding="utf-8"?>
-<p:sld xmlns:a="http://schemas.openxmlformats.org/drawingml/2006/main" xmlns:r="http://schemas.openxmlformats.org/officeDocument/2006/relationships" xmlns:p="http://schemas.openxmlformats.org/presentationml/2006/main">
-  <p:cSld>
-    <p:spTree>
-      <p:nvGrpSpPr>
-        <p:cNvPr id="1" name=""/>
-        <p:cNvGrpSpPr/>
-        <p:nvPr/>
-      </p:nvGrpSpPr>
-      <p:grpSpPr>
-        <a:xfrm>
-          <a:off x="0" y="0"/>
-          <a:ext cx="0" cy="0"/>
-          <a:chOff x="0" y="0"/>
-          <a:chExt cx="0" cy="0"/>
-        </a:xfrm>
-      </p:grpSpPr>
-      <p:sp>
-        <p:nvSpPr>
-          <p:cNvPr id="30722" name="Rectangle 3"/>
-          <p:cNvSpPr>
-            <a:spLocks noGrp="1" noChangeArrowheads="1"/>
-          </p:cNvSpPr>
-          <p:nvPr>
-            <p:ph idx="1"/>
-          </p:nvPr>
-        </p:nvSpPr>
-        <p:spPr>
-          <a:xfrm>
-            <a:off x="228600" y="914400"/>
-            <a:ext cx="8458200" cy="5257800"/>
-          </a:xfrm>
-        </p:spPr>
-        <p:txBody>
-          <a:bodyPr/>
-          <a:lstStyle/>
-          <a:p>
-            <a:pPr>
-              <a:spcAft>
-                <a:spcPts val="600"/>
-              </a:spcAft>
-            </a:pPr>
-            <a:r>
-              <a:rPr lang="en-US" sz="2400" dirty="0">
-                <a:latin typeface="Calibri" charset="0"/>
-              </a:rPr>
-              <a:t>Massively successful for </a:t>
-            </a:r>
-            <a:r>
-              <a:rPr lang="en-US" sz="2400" i="1" dirty="0">
-                <a:solidFill>
-                  <a:srgbClr val="FF0000"/>
-                </a:solidFill>
-                <a:latin typeface="Calibri" charset="0"/>
-              </a:rPr>
-              <a:t>highly structured data</a:t>
-            </a:r>
-          </a:p>
-          <a:p>
-            <a:pPr lvl="1">
-              <a:spcAft>
-                <a:spcPts val="600"/>
-              </a:spcAft>
-            </a:pPr>
-            <a:r>
-              <a:rPr lang="en-US" sz="2400" dirty="0">
-                <a:latin typeface="Calibri" charset="0"/>
-              </a:rPr>
-              <a:t>Why ? Structure in the data (if any) can be exploited for ease of use and efficiency</a:t>
-            </a:r>
-          </a:p>
-          <a:p>
-            <a:pPr lvl="2">
-              <a:spcAft>
-                <a:spcPts val="600"/>
-              </a:spcAft>
-            </a:pPr>
-            <a:r>
-              <a:rPr lang="en-US" sz="2200" dirty="0">
-                <a:latin typeface="Calibri" charset="0"/>
-              </a:rPr>
-              <a:t>If there is no structure in the data, hard to do much</a:t>
-            </a:r>
-          </a:p>
-          <a:p>
-            <a:pPr lvl="2">
-              <a:spcAft>
-                <a:spcPts val="600"/>
-              </a:spcAft>
-            </a:pPr>
-            <a:r>
-              <a:rPr lang="en-US" sz="2200" dirty="0">
-                <a:solidFill>
-                  <a:srgbClr val="FF0000"/>
-                </a:solidFill>
-                <a:latin typeface="Calibri" charset="0"/>
-              </a:rPr>
-              <a:t>Contrast managing emails vs managing photos</a:t>
-            </a:r>
-          </a:p>
-          <a:p>
-            <a:pPr lvl="1">
-              <a:spcAft>
-                <a:spcPts val="600"/>
-              </a:spcAft>
-            </a:pPr>
-            <a:r>
-              <a:rPr lang="en-US" sz="2400" dirty="0">
-                <a:latin typeface="Calibri" charset="0"/>
-              </a:rPr>
-              <a:t>Much of the data we need to deal with is highly structured</a:t>
-            </a:r>
-          </a:p>
-          <a:p>
-            <a:pPr lvl="1">
-              <a:lnSpc>
-                <a:spcPct val="90000"/>
-              </a:lnSpc>
-              <a:spcAft>
-                <a:spcPts val="600"/>
-              </a:spcAft>
-            </a:pPr>
-            <a:r>
-              <a:rPr lang="en-US" sz="2400" dirty="0">
-                <a:latin typeface="Calibri" charset="0"/>
-              </a:rPr>
-              <a:t>Some data is </a:t>
-            </a:r>
-            <a:r>
-              <a:rPr lang="en-US" sz="2400" i="1" dirty="0">
-                <a:latin typeface="Calibri" charset="0"/>
-              </a:rPr>
-              <a:t>semi-structured</a:t>
-            </a:r>
-          </a:p>
-          <a:p>
-            <a:pPr lvl="2">
-              <a:lnSpc>
-                <a:spcPct val="90000"/>
-              </a:lnSpc>
-              <a:spcAft>
-                <a:spcPts val="600"/>
-              </a:spcAft>
-            </a:pPr>
-            <a:r>
-              <a:rPr lang="en-US" sz="2200" dirty="0">
-                <a:latin typeface="Calibri" charset="0"/>
-              </a:rPr>
-              <a:t>E.g.: Resumes, Webpages, Blogs etc.</a:t>
-            </a:r>
-          </a:p>
-          <a:p>
-            <a:pPr lvl="1">
-              <a:lnSpc>
-                <a:spcPct val="90000"/>
-              </a:lnSpc>
-              <a:spcAft>
-                <a:spcPts val="600"/>
-              </a:spcAft>
-            </a:pPr>
-            <a:r>
-              <a:rPr lang="en-US" sz="2400" dirty="0">
-                <a:latin typeface="Calibri" charset="0"/>
-              </a:rPr>
-              <a:t>Some has complicated structure</a:t>
-            </a:r>
-          </a:p>
-          <a:p>
-            <a:pPr lvl="2">
-              <a:lnSpc>
-                <a:spcPct val="90000"/>
-              </a:lnSpc>
-              <a:spcAft>
-                <a:spcPts val="600"/>
-              </a:spcAft>
-            </a:pPr>
-            <a:r>
-              <a:rPr lang="en-US" sz="2200" dirty="0">
-                <a:latin typeface="Calibri" charset="0"/>
-              </a:rPr>
-              <a:t>E.g.: Social networks</a:t>
-            </a:r>
-          </a:p>
-          <a:p>
-            <a:pPr lvl="1">
-              <a:lnSpc>
-                <a:spcPct val="90000"/>
-              </a:lnSpc>
-              <a:spcAft>
-                <a:spcPts val="600"/>
-              </a:spcAft>
-            </a:pPr>
-            <a:r>
-              <a:rPr lang="en-US" sz="2400" dirty="0">
-                <a:latin typeface="Calibri" charset="0"/>
-              </a:rPr>
-              <a:t>Some has no structure</a:t>
-            </a:r>
-          </a:p>
-          <a:p>
-            <a:pPr lvl="2">
-              <a:lnSpc>
-                <a:spcPct val="90000"/>
-              </a:lnSpc>
-              <a:spcAft>
-                <a:spcPts val="600"/>
-              </a:spcAft>
-            </a:pPr>
-            <a:r>
-              <a:rPr lang="en-US" sz="2200" dirty="0">
-                <a:latin typeface="Calibri" charset="0"/>
-              </a:rPr>
-              <a:t>E.g.: Text data, Video/Image data etc.</a:t>
-            </a:r>
-          </a:p>
-          <a:p>
-            <a:pPr lvl="1">
-              <a:spcAft>
-                <a:spcPts val="600"/>
-              </a:spcAft>
-            </a:pPr>
-            <a:endParaRPr lang="en-US" sz="2400" dirty="0">
-              <a:latin typeface="Calibri" charset="0"/>
-            </a:endParaRPr>
-          </a:p>
-          <a:p>
-            <a:pPr lvl="2">
-              <a:spcAft>
-                <a:spcPts val="600"/>
-              </a:spcAft>
-              <a:buNone/>
-            </a:pPr>
-            <a:endParaRPr lang="en-US" sz="2400" dirty="0">
-              <a:latin typeface="Calibri" charset="0"/>
-            </a:endParaRPr>
-          </a:p>
-        </p:txBody>
-      </p:sp>
-      <p:sp>
-        <p:nvSpPr>
-          <p:cNvPr id="397314" name="Rectangle 2"/>
-          <p:cNvSpPr>
-            <a:spLocks noGrp="1" noChangeArrowheads="1"/>
-          </p:cNvSpPr>
-          <p:nvPr>
-            <p:ph type="title"/>
-          </p:nvPr>
-        </p:nvSpPr>
-        <p:spPr/>
-        <p:txBody>
-          <a:bodyPr/>
-          <a:lstStyle/>
-          <a:p>
-            <a:pPr>
-              <a:defRPr/>
-            </a:pPr>
-            <a:r>
-              <a:rPr lang="en-US" dirty="0"/>
-              <a:t>Database Management Systems</a:t>
-            </a:r>
-          </a:p>
-        </p:txBody>
-      </p:sp>
-    </p:spTree>
-  </p:cSld>
-  <p:clrMapOvr>
-    <a:masterClrMapping/>
-  </p:clrMapOvr>
-</p:sld>
-</file>
-
-<file path=ppt/slides/slide3.xml><?xml version="1.0" encoding="utf-8"?>
-<p:sld xmlns:a="http://schemas.openxmlformats.org/drawingml/2006/main" xmlns:r="http://schemas.openxmlformats.org/officeDocument/2006/relationships" xmlns:p="http://schemas.openxmlformats.org/presentationml/2006/main">
-  <p:cSld>
-    <p:spTree>
-      <p:nvGrpSpPr>
-        <p:cNvPr id="1" name=""/>
-        <p:cNvGrpSpPr/>
-        <p:nvPr/>
-      </p:nvGrpSpPr>
-      <p:grpSpPr>
-        <a:xfrm>
-          <a:off x="0" y="0"/>
-          <a:ext cx="0" cy="0"/>
-          <a:chOff x="0" y="0"/>
-          <a:chExt cx="0" cy="0"/>
-        </a:xfrm>
-      </p:grpSpPr>
-      <p:sp>
-        <p:nvSpPr>
-          <p:cNvPr id="41986" name="Rectangle 3"/>
-          <p:cNvSpPr>
-            <a:spLocks noGrp="1" noChangeArrowheads="1"/>
-          </p:cNvSpPr>
-          <p:nvPr>
-            <p:ph idx="1"/>
-          </p:nvPr>
-        </p:nvSpPr>
-        <p:spPr>
-          <a:xfrm>
-            <a:off x="228600" y="884238"/>
-            <a:ext cx="8458200" cy="5440362"/>
-          </a:xfrm>
-        </p:spPr>
-        <p:txBody>
-          <a:bodyPr/>
-          <a:lstStyle/>
-          <a:p>
-            <a:pPr eaLnBrk="1" hangingPunct="1">
-              <a:spcAft>
-                <a:spcPts val="600"/>
-              </a:spcAft>
-            </a:pPr>
-            <a:r>
-              <a:rPr lang="en-US" sz="2000" dirty="0">
-                <a:latin typeface="Calibri" charset="0"/>
-              </a:rPr>
-              <a:t>Course description</a:t>
-            </a:r>
-          </a:p>
-          <a:p>
-            <a:pPr lvl="1" eaLnBrk="1" hangingPunct="1">
-              <a:spcAft>
-                <a:spcPts val="600"/>
-              </a:spcAft>
-            </a:pPr>
-            <a:r>
-              <a:rPr lang="en-US" sz="1600" i="1" dirty="0"/>
-              <a:t>Students are introduced to database systems and motivates the database approach as a mechanism for modeling the real world. An in-depth coverage of the relational model, logical database design, query languages, and other database concepts including query optimization, concurrency control; transaction management, and log based crash recovery. Distributed and Web database architectures are also discussed.</a:t>
-            </a:r>
-          </a:p>
-          <a:p>
-            <a:pPr lvl="7">
-              <a:spcAft>
-                <a:spcPts val="600"/>
-              </a:spcAft>
-            </a:pPr>
-            <a:endParaRPr lang="en-US" sz="900" i="1" dirty="0">
-              <a:latin typeface="Calibri" charset="0"/>
-            </a:endParaRPr>
-          </a:p>
-          <a:p>
-            <a:pPr eaLnBrk="1" hangingPunct="1">
-              <a:spcAft>
-                <a:spcPts val="600"/>
-              </a:spcAft>
-            </a:pPr>
-            <a:r>
-              <a:rPr lang="en-US" sz="2000" dirty="0">
-                <a:latin typeface="Calibri" charset="0"/>
-              </a:rPr>
-              <a:t>I understand this semester will be challenging for everyone, and we will try to do what we can to make things easier</a:t>
-            </a:r>
-            <a:endParaRPr lang="en-US" sz="1800" dirty="0">
-              <a:solidFill>
-                <a:srgbClr val="FF0000"/>
-              </a:solidFill>
-              <a:latin typeface="Calibri" charset="0"/>
-            </a:endParaRPr>
-          </a:p>
-          <a:p>
-            <a:pPr lvl="1" eaLnBrk="1" hangingPunct="1">
-              <a:spcAft>
-                <a:spcPts val="0"/>
-              </a:spcAft>
-            </a:pPr>
-            <a:r>
-              <a:rPr lang="en-US" sz="1800" dirty="0">
-                <a:latin typeface="Calibri" charset="0"/>
-              </a:rPr>
-              <a:t>Typical in-person instruction, 2 classes a week etc.</a:t>
-            </a:r>
-          </a:p>
-          <a:p>
-            <a:pPr lvl="2" eaLnBrk="1" hangingPunct="1">
-              <a:spcAft>
-                <a:spcPts val="0"/>
-              </a:spcAft>
-            </a:pPr>
-            <a:r>
-              <a:rPr lang="en-US" sz="1600" dirty="0">
-                <a:latin typeface="Calibri" charset="0"/>
-              </a:rPr>
-              <a:t>Will record lectures but quality may not be as good</a:t>
-            </a:r>
-            <a:endParaRPr lang="en-US" sz="1800" dirty="0">
-              <a:latin typeface="Calibri" charset="0"/>
-            </a:endParaRPr>
-          </a:p>
-          <a:p>
-            <a:pPr lvl="1" eaLnBrk="1" hangingPunct="1">
-              <a:spcAft>
-                <a:spcPts val="0"/>
-              </a:spcAft>
-            </a:pPr>
-            <a:r>
-              <a:rPr lang="en-US" sz="1800" dirty="0">
-                <a:latin typeface="Calibri" charset="0"/>
-              </a:rPr>
-              <a:t>Will make available pre-recorded videos from Fall 2020</a:t>
-            </a:r>
-          </a:p>
-          <a:p>
-            <a:pPr lvl="2" eaLnBrk="1" hangingPunct="1">
-              <a:spcAft>
-                <a:spcPts val="0"/>
-              </a:spcAft>
-            </a:pPr>
-            <a:r>
-              <a:rPr lang="en-US" sz="1600" dirty="0">
-                <a:latin typeface="Calibri" charset="0"/>
-              </a:rPr>
-              <a:t>Expect about 90% overlap – will try to keep slides the same for most material</a:t>
-            </a:r>
-          </a:p>
-          <a:p>
-            <a:pPr lvl="1" eaLnBrk="1" hangingPunct="1">
-              <a:spcAft>
-                <a:spcPts val="0"/>
-              </a:spcAft>
-            </a:pPr>
-            <a:r>
-              <a:rPr lang="en-US" sz="1800" dirty="0">
-                <a:latin typeface="Calibri" charset="0"/>
-              </a:rPr>
-              <a:t>Use the discussion forums, office hours as much as possible – assignments are to be done individually, but you are allowed to discuss among yourselves</a:t>
-            </a:r>
-          </a:p>
-          <a:p>
-            <a:pPr lvl="1" eaLnBrk="1" hangingPunct="1">
-              <a:spcAft>
-                <a:spcPts val="0"/>
-              </a:spcAft>
-            </a:pPr>
-            <a:r>
-              <a:rPr lang="en-US" sz="1800" dirty="0">
-                <a:latin typeface="Calibri" charset="0"/>
-              </a:rPr>
-              <a:t>Fill out the survey covering your background, your expectations, and potential issues (</a:t>
-            </a:r>
-            <a:r>
-              <a:rPr lang="en-US" sz="1800" dirty="0">
-                <a:latin typeface="Calibri" charset="0"/>
-                <a:hlinkClick r:id="rId3"/>
-              </a:rPr>
-              <a:t>https://forms.gle/kgEtv8zBt7r12T4s9 --</a:t>
-            </a:r>
-            <a:r>
-              <a:rPr lang="en-US" sz="1800" dirty="0">
-                <a:latin typeface="Calibri" charset="0"/>
-              </a:rPr>
-              <a:t> will post on </a:t>
-            </a:r>
-            <a:r>
-              <a:rPr lang="en-US" sz="1800" dirty="0" err="1">
-                <a:latin typeface="Calibri" charset="0"/>
-              </a:rPr>
-              <a:t>CampusWire</a:t>
-            </a:r>
-            <a:r>
-              <a:rPr lang="en-US" sz="1800" dirty="0">
-                <a:latin typeface="Calibri" charset="0"/>
-              </a:rPr>
-              <a:t>)</a:t>
-            </a:r>
-          </a:p>
-          <a:p>
-            <a:pPr lvl="1" eaLnBrk="1" hangingPunct="1">
-              <a:spcAft>
-                <a:spcPts val="600"/>
-              </a:spcAft>
-            </a:pPr>
-            <a:endParaRPr lang="en-US" sz="1800" dirty="0">
-              <a:latin typeface="Calibri" charset="0"/>
-            </a:endParaRPr>
-          </a:p>
-          <a:p>
-            <a:pPr eaLnBrk="1" hangingPunct="1">
-              <a:spcAft>
-                <a:spcPts val="600"/>
-              </a:spcAft>
-            </a:pPr>
-            <a:endParaRPr lang="en-US" sz="2000" dirty="0">
-              <a:latin typeface="Calibri" charset="0"/>
-            </a:endParaRPr>
-          </a:p>
-        </p:txBody>
-      </p:sp>
-      <p:sp>
-        <p:nvSpPr>
-          <p:cNvPr id="448514" name="Rectangle 2"/>
-          <p:cNvSpPr>
-            <a:spLocks noGrp="1" noChangeArrowheads="1"/>
-          </p:cNvSpPr>
-          <p:nvPr>
-            <p:ph type="title"/>
-          </p:nvPr>
-        </p:nvSpPr>
-        <p:spPr/>
-        <p:txBody>
-          <a:bodyPr>
-            <a:normAutofit fontScale="90000"/>
-          </a:bodyPr>
-          <a:lstStyle/>
-          <a:p>
-            <a:pPr eaLnBrk="1" fontAlgn="auto" hangingPunct="1">
-              <a:spcAft>
-                <a:spcPts val="0"/>
-              </a:spcAft>
-              <a:defRPr/>
-            </a:pPr>
-            <a:r>
-              <a:rPr lang="en-US" dirty="0"/>
-              <a:t>Welcome to CMSC424: Database Design</a:t>
-            </a:r>
-            <a:endParaRPr lang="en-US" dirty="0">
-              <a:ea typeface="+mj-ea"/>
-              <a:cs typeface="+mj-cs"/>
-            </a:endParaRPr>
-          </a:p>
-        </p:txBody>
-      </p:sp>
-      <p:sp>
-        <p:nvSpPr>
-          <p:cNvPr id="2" name="TextBox 1">
-            <a:extLst>
-              <a:ext uri="{FF2B5EF4-FFF2-40B4-BE49-F238E27FC236}">
-                <a16:creationId xmlns:a16="http://schemas.microsoft.com/office/drawing/2014/main" id="{2E46AA62-6B81-BF42-907A-9FA9E938D5EA}"/>
-              </a:ext>
-            </a:extLst>
-          </p:cNvPr>
-          <p:cNvSpPr txBox="1"/>
-          <p:nvPr/>
-        </p:nvSpPr>
-        <p:spPr>
-          <a:xfrm>
-            <a:off x="4744065" y="6305490"/>
-            <a:ext cx="4399935" cy="400110"/>
-          </a:xfrm>
-          <a:prstGeom prst="rect">
-            <a:avLst/>
-          </a:prstGeom>
-          <a:noFill/>
-        </p:spPr>
-        <p:txBody>
-          <a:bodyPr wrap="square" rtlCol="0">
-            <a:spAutoFit/>
-          </a:bodyPr>
-          <a:lstStyle/>
-          <a:p>
-            <a:r>
-              <a:rPr lang="en-US" sz="2000" b="1" baseline="0" dirty="0">
-                <a:solidFill>
-                  <a:schemeClr val="accent2"/>
-                </a:solidFill>
-              </a:rPr>
-              <a:t>No Laptops without permission !</a:t>
-            </a:r>
-          </a:p>
-        </p:txBody>
-      </p:sp>
-    </p:spTree>
-    <p:extLst>
-      <p:ext uri="{BB962C8B-B14F-4D97-AF65-F5344CB8AC3E}">
-        <p14:creationId xmlns:p14="http://schemas.microsoft.com/office/powerpoint/2010/main" val="2505896487"/>
-      </p:ext>
-    </p:extLst>
-  </p:cSld>
-  <p:clrMapOvr>
-    <a:masterClrMapping/>
-  </p:clrMapOvr>
-  <p:timing>
-    <p:tnLst>
-      <p:par>
-        <p:cTn id="1" dur="indefinite" restart="never" nodeType="tmRoot">
-          <p:childTnLst>
-            <p:seq concurrent="1" nextAc="seek">
-              <p:cTn id="2" dur="indefinite" nodeType="mainSeq">
-                <p:childTnLst>
-                  <p:par>
-                    <p:cTn id="3" fill="hold">
-                      <p:stCondLst>
-                        <p:cond delay="indefinite"/>
-                      </p:stCondLst>
-                      <p:childTnLst>
-                        <p:par>
-                          <p:cTn id="4" fill="hold">
-                            <p:stCondLst>
-                              <p:cond delay="0"/>
-                            </p:stCondLst>
-                            <p:childTnLst>
-                              <p:par>
-                                <p:cTn id="5" presetID="1" presetClass="entr" presetSubtype="0" fill="hold" grpId="0" nodeType="clickEffect">
-                                  <p:stCondLst>
-                                    <p:cond delay="0"/>
-                                  </p:stCondLst>
-                                  <p:childTnLst>
-                                    <p:set>
-                                      <p:cBhvr>
-                                        <p:cTn id="6" dur="1" fill="hold">
-                                          <p:stCondLst>
-                                            <p:cond delay="0"/>
-                                          </p:stCondLst>
-                                        </p:cTn>
-                                        <p:tgtEl>
-                                          <p:spTgt spid="2"/>
-                                        </p:tgtEl>
-                                        <p:attrNameLst>
-                                          <p:attrName>style.visibility</p:attrName>
-                                        </p:attrNameLst>
-                                      </p:cBhvr>
-                                      <p:to>
-                                        <p:strVal val="visible"/>
-                                      </p:to>
-                                    </p:set>
-                                  </p:childTnLst>
-                                </p:cTn>
-                              </p:par>
-                            </p:childTnLst>
-                          </p:cTn>
-                        </p:par>
-                      </p:childTnLst>
-                    </p:cTn>
-                  </p:par>
-                </p:childTnLst>
-              </p:cTn>
-              <p:prevCondLst>
-                <p:cond evt="onPrev" delay="0">
-                  <p:tgtEl>
-                    <p:sldTgt/>
-                  </p:tgtEl>
-                </p:cond>
-              </p:prevCondLst>
-              <p:nextCondLst>
-                <p:cond evt="onNext" delay="0">
-                  <p:tgtEl>
-                    <p:sldTgt/>
-                  </p:tgtEl>
-                </p:cond>
-              </p:nextCondLst>
-            </p:seq>
-          </p:childTnLst>
-        </p:cTn>
-      </p:par>
-    </p:tnLst>
-    <p:bldLst>
-      <p:bldP spid="2" grpId="0"/>
-    </p:bldLst>
-  </p:timing>
-</p:sld>
-</file>
-
-<file path=ppt/slides/slide30.xml><?xml version="1.0" encoding="utf-8"?>
 <p:sld xmlns:a="http://schemas.openxmlformats.org/drawingml/2006/main" xmlns:r="http://schemas.openxmlformats.org/officeDocument/2006/relationships" xmlns:p="http://schemas.openxmlformats.org/presentationml/2006/main">
   <p:cSld>
     <p:spTree>
@@ -15548,7 +15563,388 @@
 </p:sld>
 </file>
 
-<file path=ppt/slides/slide31.xml><?xml version="1.0" encoding="utf-8"?>
+<file path=ppt/slides/slide3.xml><?xml version="1.0" encoding="utf-8"?>
+<p:sld xmlns:a="http://schemas.openxmlformats.org/drawingml/2006/main" xmlns:r="http://schemas.openxmlformats.org/officeDocument/2006/relationships" xmlns:p="http://schemas.openxmlformats.org/presentationml/2006/main">
+  <p:cSld>
+    <p:spTree>
+      <p:nvGrpSpPr>
+        <p:cNvPr id="1" name=""/>
+        <p:cNvGrpSpPr/>
+        <p:nvPr/>
+      </p:nvGrpSpPr>
+      <p:grpSpPr>
+        <a:xfrm>
+          <a:off x="0" y="0"/>
+          <a:ext cx="0" cy="0"/>
+          <a:chOff x="0" y="0"/>
+          <a:chExt cx="0" cy="0"/>
+        </a:xfrm>
+      </p:grpSpPr>
+      <p:sp>
+        <p:nvSpPr>
+          <p:cNvPr id="41986" name="Rectangle 3"/>
+          <p:cNvSpPr>
+            <a:spLocks noGrp="1" noChangeArrowheads="1"/>
+          </p:cNvSpPr>
+          <p:nvPr>
+            <p:ph idx="1"/>
+          </p:nvPr>
+        </p:nvSpPr>
+        <p:spPr>
+          <a:xfrm>
+            <a:off x="228600" y="884238"/>
+            <a:ext cx="8458200" cy="5440362"/>
+          </a:xfrm>
+        </p:spPr>
+        <p:txBody>
+          <a:bodyPr/>
+          <a:lstStyle/>
+          <a:p>
+            <a:pPr eaLnBrk="1" hangingPunct="1">
+              <a:spcAft>
+                <a:spcPts val="600"/>
+              </a:spcAft>
+            </a:pPr>
+            <a:r>
+              <a:rPr lang="en-US" sz="2000" dirty="0">
+                <a:latin typeface="Calibri" charset="0"/>
+              </a:rPr>
+              <a:t>Course description</a:t>
+            </a:r>
+          </a:p>
+          <a:p>
+            <a:pPr lvl="1" eaLnBrk="1" hangingPunct="1">
+              <a:spcAft>
+                <a:spcPts val="600"/>
+              </a:spcAft>
+            </a:pPr>
+            <a:r>
+              <a:rPr lang="en-US" sz="1600" i="1" dirty="0"/>
+              <a:t>Students are introduced to database systems and motivates the database approach as a mechanism for modeling the real world. An in-depth coverage of the relational model, logical database design, query languages, and other database concepts including query optimization, concurrency control; transaction management, and log based crash recovery. Distributed and Web database architectures are also discussed.</a:t>
+            </a:r>
+          </a:p>
+          <a:p>
+            <a:pPr lvl="7">
+              <a:spcAft>
+                <a:spcPts val="600"/>
+              </a:spcAft>
+            </a:pPr>
+            <a:endParaRPr lang="en-US" sz="900" i="1" dirty="0">
+              <a:latin typeface="Calibri" charset="0"/>
+            </a:endParaRPr>
+          </a:p>
+          <a:p>
+            <a:pPr eaLnBrk="1" hangingPunct="1">
+              <a:spcAft>
+                <a:spcPts val="600"/>
+              </a:spcAft>
+            </a:pPr>
+            <a:r>
+              <a:rPr lang="en-US" sz="2000" dirty="0">
+                <a:latin typeface="Calibri" charset="0"/>
+              </a:rPr>
+              <a:t>I understand this semester will be challenging for everyone, and we will try to do what we can to make things easier</a:t>
+            </a:r>
+            <a:endParaRPr lang="en-US" sz="1800" dirty="0">
+              <a:solidFill>
+                <a:srgbClr val="FF0000"/>
+              </a:solidFill>
+              <a:latin typeface="Calibri" charset="0"/>
+            </a:endParaRPr>
+          </a:p>
+          <a:p>
+            <a:pPr lvl="1" eaLnBrk="1" hangingPunct="1">
+              <a:spcAft>
+                <a:spcPts val="0"/>
+              </a:spcAft>
+            </a:pPr>
+            <a:r>
+              <a:rPr lang="en-US" sz="1800" dirty="0">
+                <a:latin typeface="Calibri" charset="0"/>
+              </a:rPr>
+              <a:t>Typical in-person instruction, 2 classes a week etc.</a:t>
+            </a:r>
+          </a:p>
+          <a:p>
+            <a:pPr lvl="2" eaLnBrk="1" hangingPunct="1">
+              <a:spcAft>
+                <a:spcPts val="0"/>
+              </a:spcAft>
+            </a:pPr>
+            <a:r>
+              <a:rPr lang="en-US" sz="1600" dirty="0">
+                <a:latin typeface="Calibri" charset="0"/>
+              </a:rPr>
+              <a:t>Will record lectures but quality may not be as good</a:t>
+            </a:r>
+            <a:endParaRPr lang="en-US" sz="1800" dirty="0">
+              <a:latin typeface="Calibri" charset="0"/>
+            </a:endParaRPr>
+          </a:p>
+          <a:p>
+            <a:pPr lvl="1" eaLnBrk="1" hangingPunct="1">
+              <a:spcAft>
+                <a:spcPts val="0"/>
+              </a:spcAft>
+            </a:pPr>
+            <a:r>
+              <a:rPr lang="en-US" sz="1800" dirty="0">
+                <a:latin typeface="Calibri" charset="0"/>
+              </a:rPr>
+              <a:t>Will make available pre-recorded videos from Fall 2020</a:t>
+            </a:r>
+          </a:p>
+          <a:p>
+            <a:pPr lvl="2" eaLnBrk="1" hangingPunct="1">
+              <a:spcAft>
+                <a:spcPts val="0"/>
+              </a:spcAft>
+            </a:pPr>
+            <a:r>
+              <a:rPr lang="en-US" sz="1600" dirty="0">
+                <a:latin typeface="Calibri" charset="0"/>
+              </a:rPr>
+              <a:t>Expect about 90% overlap – will try to keep slides the same for most material</a:t>
+            </a:r>
+          </a:p>
+          <a:p>
+            <a:pPr lvl="1" eaLnBrk="1" hangingPunct="1">
+              <a:spcAft>
+                <a:spcPts val="0"/>
+              </a:spcAft>
+            </a:pPr>
+            <a:r>
+              <a:rPr lang="en-US" sz="1800" dirty="0">
+                <a:latin typeface="Calibri" charset="0"/>
+              </a:rPr>
+              <a:t>Use the discussion forums, office hours as much as possible – assignments are to be done individually, but you are allowed to discuss among yourselves</a:t>
+            </a:r>
+          </a:p>
+          <a:p>
+            <a:pPr lvl="1" eaLnBrk="1" hangingPunct="1">
+              <a:spcAft>
+                <a:spcPts val="0"/>
+              </a:spcAft>
+            </a:pPr>
+            <a:r>
+              <a:rPr lang="en-US" sz="1800" dirty="0">
+                <a:latin typeface="Calibri" charset="0"/>
+              </a:rPr>
+              <a:t>Fill out the survey covering your background, your expectations, and potential issues (</a:t>
+            </a:r>
+            <a:r>
+              <a:rPr lang="en-US" sz="1800" dirty="0">
+                <a:latin typeface="Calibri" charset="0"/>
+                <a:hlinkClick r:id="rId3"/>
+              </a:rPr>
+              <a:t>https://forms.gle/kgEtv8zBt7r12T4s9 --</a:t>
+            </a:r>
+            <a:r>
+              <a:rPr lang="en-US" sz="1800" dirty="0">
+                <a:latin typeface="Calibri" charset="0"/>
+              </a:rPr>
+              <a:t> will post on </a:t>
+            </a:r>
+            <a:r>
+              <a:rPr lang="en-US" sz="1800" dirty="0" err="1">
+                <a:latin typeface="Calibri" charset="0"/>
+              </a:rPr>
+              <a:t>CampusWire</a:t>
+            </a:r>
+            <a:r>
+              <a:rPr lang="en-US" sz="1800" dirty="0">
+                <a:latin typeface="Calibri" charset="0"/>
+              </a:rPr>
+              <a:t>)</a:t>
+            </a:r>
+          </a:p>
+          <a:p>
+            <a:pPr lvl="1" eaLnBrk="1" hangingPunct="1">
+              <a:spcAft>
+                <a:spcPts val="600"/>
+              </a:spcAft>
+            </a:pPr>
+            <a:endParaRPr lang="en-US" sz="1800" dirty="0">
+              <a:latin typeface="Calibri" charset="0"/>
+            </a:endParaRPr>
+          </a:p>
+          <a:p>
+            <a:pPr eaLnBrk="1" hangingPunct="1">
+              <a:spcAft>
+                <a:spcPts val="600"/>
+              </a:spcAft>
+            </a:pPr>
+            <a:endParaRPr lang="en-US" sz="2000" dirty="0">
+              <a:latin typeface="Calibri" charset="0"/>
+            </a:endParaRPr>
+          </a:p>
+        </p:txBody>
+      </p:sp>
+      <p:sp>
+        <p:nvSpPr>
+          <p:cNvPr id="448514" name="Rectangle 2"/>
+          <p:cNvSpPr>
+            <a:spLocks noGrp="1" noChangeArrowheads="1"/>
+          </p:cNvSpPr>
+          <p:nvPr>
+            <p:ph type="title"/>
+          </p:nvPr>
+        </p:nvSpPr>
+        <p:spPr/>
+        <p:txBody>
+          <a:bodyPr>
+            <a:normAutofit fontScale="90000"/>
+          </a:bodyPr>
+          <a:lstStyle/>
+          <a:p>
+            <a:pPr eaLnBrk="1" fontAlgn="auto" hangingPunct="1">
+              <a:spcAft>
+                <a:spcPts val="0"/>
+              </a:spcAft>
+              <a:defRPr/>
+            </a:pPr>
+            <a:r>
+              <a:rPr lang="en-US" dirty="0"/>
+              <a:t>Welcome to CMSC424: Database Design</a:t>
+            </a:r>
+            <a:endParaRPr lang="en-US" dirty="0">
+              <a:ea typeface="+mj-ea"/>
+              <a:cs typeface="+mj-cs"/>
+            </a:endParaRPr>
+          </a:p>
+        </p:txBody>
+      </p:sp>
+      <p:sp>
+        <p:nvSpPr>
+          <p:cNvPr id="2" name="TextBox 1">
+            <a:extLst>
+              <a:ext uri="{FF2B5EF4-FFF2-40B4-BE49-F238E27FC236}">
+                <a16:creationId xmlns:a16="http://schemas.microsoft.com/office/drawing/2014/main" id="{2E46AA62-6B81-BF42-907A-9FA9E938D5EA}"/>
+              </a:ext>
+            </a:extLst>
+          </p:cNvPr>
+          <p:cNvSpPr txBox="1"/>
+          <p:nvPr/>
+        </p:nvSpPr>
+        <p:spPr>
+          <a:xfrm>
+            <a:off x="4744065" y="6305490"/>
+            <a:ext cx="4399935" cy="400110"/>
+          </a:xfrm>
+          <a:prstGeom prst="rect">
+            <a:avLst/>
+          </a:prstGeom>
+          <a:noFill/>
+        </p:spPr>
+        <p:txBody>
+          <a:bodyPr wrap="square" rtlCol="0">
+            <a:spAutoFit/>
+          </a:bodyPr>
+          <a:lstStyle/>
+          <a:p>
+            <a:r>
+              <a:rPr lang="en-US" sz="2000" b="1" baseline="0" dirty="0">
+                <a:solidFill>
+                  <a:schemeClr val="accent2"/>
+                </a:solidFill>
+              </a:rPr>
+              <a:t>No Laptops without permission !</a:t>
+            </a:r>
+          </a:p>
+        </p:txBody>
+      </p:sp>
+    </p:spTree>
+    <p:extLst>
+      <p:ext uri="{BB962C8B-B14F-4D97-AF65-F5344CB8AC3E}">
+        <p14:creationId xmlns:p14="http://schemas.microsoft.com/office/powerpoint/2010/main" val="2505896487"/>
+      </p:ext>
+    </p:extLst>
+  </p:cSld>
+  <p:clrMapOvr>
+    <a:masterClrMapping/>
+  </p:clrMapOvr>
+  <p:timing>
+    <p:tnLst>
+      <p:par>
+        <p:cTn id="1" dur="indefinite" restart="never" nodeType="tmRoot">
+          <p:childTnLst>
+            <p:seq concurrent="1" nextAc="seek">
+              <p:cTn id="2" dur="indefinite" nodeType="mainSeq">
+                <p:childTnLst>
+                  <p:par>
+                    <p:cTn id="3" fill="hold">
+                      <p:stCondLst>
+                        <p:cond delay="indefinite"/>
+                      </p:stCondLst>
+                      <p:childTnLst>
+                        <p:par>
+                          <p:cTn id="4" fill="hold">
+                            <p:stCondLst>
+                              <p:cond delay="0"/>
+                            </p:stCondLst>
+                            <p:childTnLst>
+                              <p:par>
+                                <p:cTn id="5" presetID="1" presetClass="entr" presetSubtype="0" fill="hold" grpId="0" nodeType="clickEffect">
+                                  <p:stCondLst>
+                                    <p:cond delay="0"/>
+                                  </p:stCondLst>
+                                  <p:childTnLst>
+                                    <p:set>
+                                      <p:cBhvr>
+                                        <p:cTn id="6" dur="1" fill="hold">
+                                          <p:stCondLst>
+                                            <p:cond delay="0"/>
+                                          </p:stCondLst>
+                                        </p:cTn>
+                                        <p:tgtEl>
+                                          <p:spTgt spid="2"/>
+                                        </p:tgtEl>
+                                        <p:attrNameLst>
+                                          <p:attrName>style.visibility</p:attrName>
+                                        </p:attrNameLst>
+                                      </p:cBhvr>
+                                      <p:to>
+                                        <p:strVal val="visible"/>
+                                      </p:to>
+                                    </p:set>
+                                  </p:childTnLst>
+                                </p:cTn>
+                              </p:par>
+                            </p:childTnLst>
+                          </p:cTn>
+                        </p:par>
+                      </p:childTnLst>
+                    </p:cTn>
+                  </p:par>
+                </p:childTnLst>
+              </p:cTn>
+              <p:prevCondLst>
+                <p:cond evt="onPrev" delay="0">
+                  <p:tgtEl>
+                    <p:sldTgt/>
+                  </p:tgtEl>
+                </p:cond>
+              </p:prevCondLst>
+              <p:nextCondLst>
+                <p:cond evt="onNext" delay="0">
+                  <p:tgtEl>
+                    <p:sldTgt/>
+                  </p:tgtEl>
+                </p:cond>
+              </p:nextCondLst>
+            </p:seq>
+          </p:childTnLst>
+        </p:cTn>
+      </p:par>
+    </p:tnLst>
+    <p:bldLst>
+      <p:bldP spid="2" grpId="0"/>
+    </p:bldLst>
+  </p:timing>
+</p:sld>
+</file>
+
+<file path=ppt/slides/slide30.xml><?xml version="1.0" encoding="utf-8"?>
 <p:sld xmlns:a="http://schemas.openxmlformats.org/drawingml/2006/main" xmlns:r="http://schemas.openxmlformats.org/officeDocument/2006/relationships" xmlns:p="http://schemas.openxmlformats.org/presentationml/2006/main">
   <p:cSld>
     <p:spTree>
@@ -15824,7 +16220,7 @@
 </p:sld>
 </file>
 
-<file path=ppt/slides/slide32.xml><?xml version="1.0" encoding="utf-8"?>
+<file path=ppt/slides/slide31.xml><?xml version="1.0" encoding="utf-8"?>
 <p:sld xmlns:a="http://schemas.openxmlformats.org/drawingml/2006/main" xmlns:r="http://schemas.openxmlformats.org/officeDocument/2006/relationships" xmlns:p="http://schemas.openxmlformats.org/presentationml/2006/main">
   <p:cSld>
     <p:spTree>
@@ -16326,6 +16722,185 @@
 </p:sld>
 </file>
 
+<file path=ppt/slides/slide32.xml><?xml version="1.0" encoding="utf-8"?>
+<p:sld xmlns:a="http://schemas.openxmlformats.org/drawingml/2006/main" xmlns:r="http://schemas.openxmlformats.org/officeDocument/2006/relationships" xmlns:p="http://schemas.openxmlformats.org/presentationml/2006/main">
+  <p:cSld>
+    <p:spTree>
+      <p:nvGrpSpPr>
+        <p:cNvPr id="1" name=""/>
+        <p:cNvGrpSpPr/>
+        <p:nvPr/>
+      </p:nvGrpSpPr>
+      <p:grpSpPr>
+        <a:xfrm>
+          <a:off x="0" y="0"/>
+          <a:ext cx="0" cy="0"/>
+          <a:chOff x="0" y="0"/>
+          <a:chExt cx="0" cy="0"/>
+        </a:xfrm>
+      </p:grpSpPr>
+      <p:sp>
+        <p:nvSpPr>
+          <p:cNvPr id="30722" name="Rectangle 3"/>
+          <p:cNvSpPr>
+            <a:spLocks noGrp="1" noChangeArrowheads="1"/>
+          </p:cNvSpPr>
+          <p:nvPr>
+            <p:ph idx="1"/>
+          </p:nvPr>
+        </p:nvSpPr>
+        <p:spPr/>
+        <p:txBody>
+          <a:bodyPr/>
+          <a:lstStyle/>
+          <a:p>
+            <a:r>
+              <a:rPr lang="en-US" sz="2400" dirty="0">
+                <a:latin typeface="Calibri" charset="0"/>
+              </a:rPr>
+              <a:t>Massively successful for </a:t>
+            </a:r>
+            <a:r>
+              <a:rPr lang="en-US" sz="2400" i="1" dirty="0">
+                <a:solidFill>
+                  <a:srgbClr val="FF0000"/>
+                </a:solidFill>
+                <a:latin typeface="Calibri" charset="0"/>
+              </a:rPr>
+              <a:t>highly structured data</a:t>
+            </a:r>
+          </a:p>
+          <a:p>
+            <a:pPr lvl="1"/>
+            <a:r>
+              <a:rPr lang="en-US" sz="2400" dirty="0">
+                <a:latin typeface="Calibri" charset="0"/>
+              </a:rPr>
+              <a:t>Why ? Structure in the data (if any) can be exploited for ease of use and efficiency</a:t>
+            </a:r>
+          </a:p>
+          <a:p>
+            <a:pPr lvl="2"/>
+            <a:endParaRPr lang="en-US" sz="2200" dirty="0">
+              <a:latin typeface="Calibri" charset="0"/>
+            </a:endParaRPr>
+          </a:p>
+          <a:p>
+            <a:pPr lvl="1"/>
+            <a:r>
+              <a:rPr lang="en-US" sz="2400" dirty="0">
+                <a:latin typeface="Calibri" charset="0"/>
+              </a:rPr>
+              <a:t>How ?	</a:t>
+            </a:r>
+          </a:p>
+          <a:p>
+            <a:pPr lvl="3"/>
+            <a:endParaRPr lang="en-US" sz="2000" dirty="0">
+              <a:latin typeface="Calibri" charset="0"/>
+            </a:endParaRPr>
+          </a:p>
+          <a:p>
+            <a:pPr lvl="1"/>
+            <a:r>
+              <a:rPr lang="en-US" sz="2400" dirty="0">
+                <a:latin typeface="Calibri" charset="0"/>
+              </a:rPr>
+              <a:t>Two Key Concepts:</a:t>
+            </a:r>
+          </a:p>
+          <a:p>
+            <a:pPr lvl="2"/>
+            <a:r>
+              <a:rPr lang="en-US" sz="2200" u="sng" dirty="0">
+                <a:solidFill>
+                  <a:srgbClr val="FF0000"/>
+                </a:solidFill>
+                <a:latin typeface="Calibri" charset="0"/>
+              </a:rPr>
+              <a:t>Data Modeling</a:t>
+            </a:r>
+            <a:r>
+              <a:rPr lang="en-US" sz="2200" dirty="0">
+                <a:latin typeface="Calibri" charset="0"/>
+              </a:rPr>
+              <a:t>: Allows reasoning about the data at a high level</a:t>
+            </a:r>
+          </a:p>
+          <a:p>
+            <a:pPr lvl="3"/>
+            <a:r>
+              <a:rPr lang="en-US" sz="2000" dirty="0">
+                <a:latin typeface="Calibri" charset="0"/>
+              </a:rPr>
+              <a:t>e.g. “emails” have “sender”, “receiver”, “…”</a:t>
+            </a:r>
+          </a:p>
+          <a:p>
+            <a:pPr lvl="3"/>
+            <a:r>
+              <a:rPr lang="en-US" sz="2000" dirty="0">
+                <a:latin typeface="Calibri" charset="0"/>
+              </a:rPr>
+              <a:t>Once we can describe the data, we can start “querying” it</a:t>
+            </a:r>
+          </a:p>
+          <a:p>
+            <a:pPr lvl="2"/>
+            <a:r>
+              <a:rPr lang="en-US" sz="2200" u="sng" dirty="0">
+                <a:solidFill>
+                  <a:srgbClr val="FF0000"/>
+                </a:solidFill>
+                <a:latin typeface="Calibri" charset="0"/>
+              </a:rPr>
+              <a:t>Data Abstraction/Independence:</a:t>
+            </a:r>
+          </a:p>
+          <a:p>
+            <a:pPr lvl="3"/>
+            <a:r>
+              <a:rPr lang="en-US" sz="2000" dirty="0">
+                <a:latin typeface="Calibri" charset="0"/>
+              </a:rPr>
+              <a:t>Layer the system so that the users/applications are insulated from the low-level details</a:t>
+            </a:r>
+          </a:p>
+        </p:txBody>
+      </p:sp>
+      <p:sp>
+        <p:nvSpPr>
+          <p:cNvPr id="397314" name="Rectangle 2"/>
+          <p:cNvSpPr>
+            <a:spLocks noGrp="1" noChangeArrowheads="1"/>
+          </p:cNvSpPr>
+          <p:nvPr>
+            <p:ph type="title"/>
+          </p:nvPr>
+        </p:nvSpPr>
+        <p:spPr/>
+        <p:txBody>
+          <a:bodyPr/>
+          <a:lstStyle/>
+          <a:p>
+            <a:pPr>
+              <a:defRPr/>
+            </a:pPr>
+            <a:r>
+              <a:rPr lang="en-US" dirty="0"/>
+              <a:t>Database Management Systems</a:t>
+            </a:r>
+          </a:p>
+        </p:txBody>
+      </p:sp>
+    </p:spTree>
+  </p:cSld>
+  <p:clrMapOvr>
+    <a:masterClrMapping/>
+  </p:clrMapOvr>
+</p:sld>
+</file>
+
 <file path=ppt/slides/slide33.xml><?xml version="1.0" encoding="utf-8"?>
 <p:sld xmlns:a="http://schemas.openxmlformats.org/drawingml/2006/main" xmlns:r="http://schemas.openxmlformats.org/officeDocument/2006/relationships" xmlns:p="http://schemas.openxmlformats.org/presentationml/2006/main">
   <p:cSld>
@@ -16353,7 +16928,12 @@
             <p:ph idx="1"/>
           </p:nvPr>
         </p:nvSpPr>
-        <p:spPr/>
+        <p:spPr>
+          <a:xfrm>
+            <a:off x="0" y="1066800"/>
+            <a:ext cx="8915400" cy="5105400"/>
+          </a:xfrm>
+        </p:spPr>
         <p:txBody>
           <a:bodyPr/>
           <a:lstStyle/>
@@ -16362,40 +16942,43 @@
               <a:rPr lang="en-US" sz="2400" dirty="0">
                 <a:latin typeface="Calibri" charset="0"/>
               </a:rPr>
-              <a:t>Massively successful for </a:t>
-            </a:r>
-            <a:r>
-              <a:rPr lang="en-US" sz="2400" i="1" dirty="0">
+              <a:t>Data modeling</a:t>
+            </a:r>
+          </a:p>
+          <a:p>
+            <a:pPr lvl="1"/>
+            <a:r>
+              <a:rPr lang="en-US" sz="2000" b="1" dirty="0">
                 <a:solidFill>
                   <a:srgbClr val="FF0000"/>
                 </a:solidFill>
                 <a:latin typeface="Calibri" charset="0"/>
               </a:rPr>
-              <a:t>highly structured data</a:t>
+              <a:t>Data model</a:t>
+            </a:r>
+            <a:r>
+              <a:rPr lang="en-US" sz="2000" dirty="0">
+                <a:latin typeface="Calibri" charset="0"/>
+              </a:rPr>
+              <a:t>: A collection of concepts that describes how data is represented and accessed</a:t>
             </a:r>
           </a:p>
           <a:p>
             <a:pPr lvl="1"/>
             <a:r>
-              <a:rPr lang="en-US" sz="2400" dirty="0">
-                <a:latin typeface="Calibri" charset="0"/>
-              </a:rPr>
-              <a:t>Why ? Structure in the data (if any) can be exploited for ease of use and efficiency</a:t>
-            </a:r>
-          </a:p>
-          <a:p>
-            <a:pPr lvl="2"/>
-            <a:endParaRPr lang="en-US" sz="2200" dirty="0">
-              <a:latin typeface="Calibri" charset="0"/>
-            </a:endParaRPr>
-          </a:p>
-          <a:p>
-            <a:pPr lvl="1"/>
-            <a:r>
-              <a:rPr lang="en-US" sz="2400" dirty="0">
-                <a:latin typeface="Calibri" charset="0"/>
-              </a:rPr>
-              <a:t>How ?	</a:t>
+              <a:rPr lang="en-US" sz="2000" b="1" dirty="0">
+                <a:solidFill>
+                  <a:srgbClr val="FF0000"/>
+                </a:solidFill>
+                <a:latin typeface="Calibri" charset="0"/>
+              </a:rPr>
+              <a:t>Schema:</a:t>
+            </a:r>
+            <a:r>
+              <a:rPr lang="en-US" sz="2000" dirty="0">
+                <a:latin typeface="Calibri" charset="0"/>
+              </a:rPr>
+              <a:t> A description of a specific collection of data, using a given data model</a:t>
             </a:r>
           </a:p>
           <a:p>
@@ -16407,68 +16990,95 @@
           <a:p>
             <a:pPr lvl="1"/>
             <a:r>
-              <a:rPr lang="en-US" sz="2400" dirty="0">
-                <a:latin typeface="Calibri" charset="0"/>
-              </a:rPr>
-              <a:t>Two Key Concepts:</a:t>
+              <a:rPr lang="en-US" sz="2000" dirty="0">
+                <a:latin typeface="Calibri" charset="0"/>
+              </a:rPr>
+              <a:t>Some examples of data models that we will see</a:t>
             </a:r>
           </a:p>
           <a:p>
             <a:pPr lvl="2"/>
             <a:r>
-              <a:rPr lang="en-US" sz="2200" u="sng" dirty="0">
-                <a:solidFill>
-                  <a:srgbClr val="FF0000"/>
-                </a:solidFill>
-                <a:latin typeface="Calibri" charset="0"/>
-              </a:rPr>
-              <a:t>Data Modeling</a:t>
-            </a:r>
-            <a:r>
-              <a:rPr lang="en-US" sz="2200" dirty="0">
-                <a:latin typeface="Calibri" charset="0"/>
-              </a:rPr>
-              <a:t>: Allows reasoning about the data at a high level</a:t>
-            </a:r>
-          </a:p>
-          <a:p>
-            <a:pPr lvl="3"/>
-            <a:r>
               <a:rPr lang="en-US" sz="2000" dirty="0">
                 <a:latin typeface="Calibri" charset="0"/>
               </a:rPr>
-              <a:t>e.g. “emails” have “sender”, “receiver”, “…”</a:t>
-            </a:r>
-          </a:p>
-          <a:p>
-            <a:pPr lvl="3"/>
+              <a:t>Relational, </a:t>
+            </a:r>
             <a:r>
               <a:rPr lang="en-US" sz="2000" dirty="0">
                 <a:latin typeface="Calibri" charset="0"/>
-              </a:rPr>
-              <a:t>Once we can describe the data, we can start “querying” it</a:t>
+                <a:sym typeface="Wingdings"/>
+              </a:rPr>
+              <a:t>Entity-relationship model, XML, JSON…</a:t>
             </a:r>
           </a:p>
           <a:p>
             <a:pPr lvl="2"/>
             <a:r>
-              <a:rPr lang="en-US" sz="2200" u="sng" dirty="0">
-                <a:solidFill>
-                  <a:srgbClr val="FF0000"/>
-                </a:solidFill>
-                <a:latin typeface="Calibri" charset="0"/>
-              </a:rPr>
-              <a:t>Data Abstraction/Independence:</a:t>
-            </a:r>
-          </a:p>
-          <a:p>
-            <a:pPr lvl="3"/>
-            <a:r>
               <a:rPr lang="en-US" sz="2000" dirty="0">
                 <a:latin typeface="Calibri" charset="0"/>
-              </a:rPr>
-              <a:t>Layer the system so that the users/applications are insulated from the low-level details</a:t>
-            </a:r>
+                <a:sym typeface="Wingdings"/>
+              </a:rPr>
+              <a:t>Object-oriented, object-relational, semantic data model, RDF…</a:t>
+            </a:r>
+          </a:p>
+          <a:p>
+            <a:pPr lvl="4"/>
+            <a:endParaRPr lang="en-US" dirty="0">
+              <a:latin typeface="Calibri" charset="0"/>
+              <a:sym typeface="Wingdings"/>
+            </a:endParaRPr>
+          </a:p>
+          <a:p>
+            <a:pPr lvl="1"/>
+            <a:r>
+              <a:rPr lang="en-US" sz="2000" dirty="0">
+                <a:latin typeface="Calibri" charset="0"/>
+                <a:sym typeface="Wingdings"/>
+              </a:rPr>
+              <a:t>Why so many models ?</a:t>
+            </a:r>
+          </a:p>
+          <a:p>
+            <a:pPr lvl="2"/>
+            <a:r>
+              <a:rPr lang="en-US" sz="1800" dirty="0">
+                <a:latin typeface="Calibri" charset="0"/>
+                <a:sym typeface="Wingdings"/>
+              </a:rPr>
+              <a:t>Tension between descriptive power and ease of use/efficiency</a:t>
+            </a:r>
+          </a:p>
+          <a:p>
+            <a:pPr lvl="2"/>
+            <a:r>
+              <a:rPr lang="en-US" sz="1800" dirty="0">
+                <a:latin typeface="Calibri" charset="0"/>
+                <a:sym typeface="Wingdings"/>
+              </a:rPr>
+              <a:t>More powerful models  more data can be represented</a:t>
+            </a:r>
+          </a:p>
+          <a:p>
+            <a:pPr lvl="2"/>
+            <a:r>
+              <a:rPr lang="en-US" sz="1800" dirty="0">
+                <a:latin typeface="Calibri" charset="0"/>
+                <a:sym typeface="Wingdings"/>
+              </a:rPr>
+              <a:t>More powerful models  harder to use, to query, and less efficient</a:t>
+            </a:r>
+            <a:endParaRPr lang="en-US" sz="1800" dirty="0">
+              <a:latin typeface="Calibri" charset="0"/>
+            </a:endParaRPr>
+          </a:p>
+          <a:p>
+            <a:pPr lvl="2">
+              <a:buNone/>
+            </a:pPr>
+            <a:endParaRPr lang="en-US" sz="2400" dirty="0">
+              <a:latin typeface="Calibri" charset="0"/>
+            </a:endParaRPr>
           </a:p>
         </p:txBody>
       </p:sp>
@@ -16492,7 +17102,7 @@
             </a:pPr>
             <a:r>
               <a:rPr lang="en-US" dirty="0"/>
-              <a:t>Database Management Systems</a:t>
+              <a:t>Data Modeling</a:t>
             </a:r>
           </a:p>
         </p:txBody>
@@ -16524,7 +17134,7 @@
       </p:grpSpPr>
       <p:sp>
         <p:nvSpPr>
-          <p:cNvPr id="30722" name="Rectangle 3"/>
+          <p:cNvPr id="80898" name="Rectangle 3"/>
           <p:cNvSpPr>
             <a:spLocks noGrp="1" noChangeArrowheads="1"/>
           </p:cNvSpPr>
@@ -16532,163 +17142,117 @@
             <p:ph idx="1"/>
           </p:nvPr>
         </p:nvSpPr>
-        <p:spPr>
-          <a:xfrm>
-            <a:off x="0" y="1066800"/>
-            <a:ext cx="8915400" cy="5105400"/>
-          </a:xfrm>
-        </p:spPr>
+        <p:spPr/>
         <p:txBody>
           <a:bodyPr/>
           <a:lstStyle/>
           <a:p>
-            <a:r>
-              <a:rPr lang="en-US" sz="2400" dirty="0">
-                <a:latin typeface="Calibri" charset="0"/>
-              </a:rPr>
-              <a:t>Data modeling</a:t>
-            </a:r>
-          </a:p>
-          <a:p>
-            <a:pPr lvl="1"/>
-            <a:r>
-              <a:rPr lang="en-US" sz="2000" b="1" dirty="0">
-                <a:solidFill>
-                  <a:srgbClr val="FF0000"/>
-                </a:solidFill>
-                <a:latin typeface="Calibri" charset="0"/>
-              </a:rPr>
-              <a:t>Data model</a:t>
-            </a:r>
-            <a:r>
-              <a:rPr lang="en-US" sz="2000" dirty="0">
-                <a:latin typeface="Calibri" charset="0"/>
-              </a:rPr>
-              <a:t>: A collection of concepts that describes how data is represented and accessed</a:t>
-            </a:r>
-          </a:p>
-          <a:p>
-            <a:pPr lvl="1"/>
-            <a:r>
-              <a:rPr lang="en-US" sz="2000" b="1" dirty="0">
-                <a:solidFill>
-                  <a:srgbClr val="FF0000"/>
-                </a:solidFill>
-                <a:latin typeface="Calibri" charset="0"/>
-              </a:rPr>
-              <a:t>Schema:</a:t>
-            </a:r>
-            <a:r>
-              <a:rPr lang="en-US" sz="2000" dirty="0">
-                <a:latin typeface="Calibri" charset="0"/>
-              </a:rPr>
-              <a:t> A description of a specific collection of data, using a given data model</a:t>
-            </a:r>
-          </a:p>
-          <a:p>
-            <a:pPr lvl="3"/>
-            <a:endParaRPr lang="en-US" sz="2000" dirty="0">
+            <a:pPr eaLnBrk="1" hangingPunct="1"/>
+            <a:r>
+              <a:rPr lang="en-US" dirty="0">
+                <a:latin typeface="Calibri" charset="0"/>
+              </a:rPr>
+              <a:t>Probably </a:t>
+            </a:r>
+            <a:r>
+              <a:rPr lang="en-US" i="1" u="sng" dirty="0">
+                <a:latin typeface="Calibri" charset="0"/>
+              </a:rPr>
+              <a:t>the </a:t>
+            </a:r>
+            <a:r>
+              <a:rPr lang="en-US" dirty="0">
+                <a:latin typeface="Calibri" charset="0"/>
+              </a:rPr>
+              <a:t>most important purpose of a DBMS</a:t>
+            </a:r>
+          </a:p>
+          <a:p>
+            <a:pPr eaLnBrk="1" hangingPunct="1"/>
+            <a:r>
+              <a:rPr lang="en-US" dirty="0">
+                <a:latin typeface="Calibri" charset="0"/>
+              </a:rPr>
+              <a:t>Goal: Hiding </a:t>
+            </a:r>
+            <a:r>
+              <a:rPr lang="en-US" i="1" u="sng" dirty="0">
+                <a:latin typeface="Calibri" charset="0"/>
+              </a:rPr>
+              <a:t>low-level details</a:t>
+            </a:r>
+            <a:r>
+              <a:rPr lang="en-US" dirty="0">
+                <a:latin typeface="Calibri" charset="0"/>
+              </a:rPr>
+              <a:t> from the users of the system</a:t>
+            </a:r>
+          </a:p>
+          <a:p>
+            <a:pPr lvl="1" eaLnBrk="1" hangingPunct="1"/>
+            <a:r>
+              <a:rPr lang="en-US" dirty="0">
+                <a:latin typeface="Calibri" charset="0"/>
+              </a:rPr>
+              <a:t>Alternatively: the principle that</a:t>
+            </a:r>
+          </a:p>
+          <a:p>
+            <a:pPr lvl="2" eaLnBrk="1" hangingPunct="1"/>
+            <a:r>
+              <a:rPr lang="en-US" i="1" dirty="0">
+                <a:latin typeface="Calibri" charset="0"/>
+              </a:rPr>
+              <a:t>applications and users should be insulated from how data is structured and stored</a:t>
+            </a:r>
+          </a:p>
+          <a:p>
+            <a:pPr lvl="1" eaLnBrk="1" hangingPunct="1"/>
+            <a:r>
+              <a:rPr lang="en-US" dirty="0">
+                <a:latin typeface="Calibri" charset="0"/>
+              </a:rPr>
+              <a:t>Also called </a:t>
+            </a:r>
+            <a:r>
+              <a:rPr lang="en-US" i="1" u="sng" dirty="0">
+                <a:latin typeface="Calibri" charset="0"/>
+              </a:rPr>
+              <a:t>data independence</a:t>
+            </a:r>
+            <a:endParaRPr lang="en-US" u="sng" dirty="0">
               <a:latin typeface="Calibri" charset="0"/>
             </a:endParaRPr>
           </a:p>
           <a:p>
-            <a:pPr lvl="1"/>
-            <a:r>
-              <a:rPr lang="en-US" sz="2000" dirty="0">
-                <a:latin typeface="Calibri" charset="0"/>
-              </a:rPr>
-              <a:t>Some examples of data models that we will see</a:t>
-            </a:r>
-          </a:p>
-          <a:p>
-            <a:pPr lvl="2"/>
-            <a:r>
-              <a:rPr lang="en-US" sz="2000" dirty="0">
-                <a:latin typeface="Calibri" charset="0"/>
-              </a:rPr>
-              <a:t>Relational, </a:t>
-            </a:r>
-            <a:r>
-              <a:rPr lang="en-US" sz="2000" dirty="0">
-                <a:latin typeface="Calibri" charset="0"/>
-                <a:sym typeface="Wingdings"/>
-              </a:rPr>
-              <a:t>Entity-relationship model, XML, JSON…</a:t>
-            </a:r>
-          </a:p>
-          <a:p>
-            <a:pPr lvl="2"/>
-            <a:r>
-              <a:rPr lang="en-US" sz="2000" dirty="0">
-                <a:latin typeface="Calibri" charset="0"/>
-                <a:sym typeface="Wingdings"/>
-              </a:rPr>
-              <a:t>Object-oriented, object-relational, semantic data model, RDF…</a:t>
-            </a:r>
-          </a:p>
-          <a:p>
-            <a:pPr lvl="4"/>
+            <a:pPr eaLnBrk="1" hangingPunct="1"/>
             <a:endParaRPr lang="en-US" dirty="0">
               <a:latin typeface="Calibri" charset="0"/>
-              <a:sym typeface="Wingdings"/>
             </a:endParaRPr>
           </a:p>
           <a:p>
-            <a:pPr lvl="1"/>
-            <a:r>
-              <a:rPr lang="en-US" sz="2000" dirty="0">
-                <a:latin typeface="Calibri" charset="0"/>
-                <a:sym typeface="Wingdings"/>
-              </a:rPr>
-              <a:t>Why so many models ?</a:t>
-            </a:r>
-          </a:p>
-          <a:p>
-            <a:pPr lvl="2"/>
-            <a:r>
-              <a:rPr lang="en-US" sz="1800" dirty="0">
-                <a:latin typeface="Calibri" charset="0"/>
-                <a:sym typeface="Wingdings"/>
-              </a:rPr>
-              <a:t>Tension between descriptive power and ease of use/efficiency</a:t>
-            </a:r>
-          </a:p>
-          <a:p>
-            <a:pPr lvl="2"/>
-            <a:r>
-              <a:rPr lang="en-US" sz="1800" dirty="0">
-                <a:latin typeface="Calibri" charset="0"/>
-                <a:sym typeface="Wingdings"/>
-              </a:rPr>
-              <a:t>More powerful models  more data can be represented</a:t>
-            </a:r>
-          </a:p>
-          <a:p>
-            <a:pPr lvl="2"/>
-            <a:r>
-              <a:rPr lang="en-US" sz="1800" dirty="0">
-                <a:latin typeface="Calibri" charset="0"/>
-                <a:sym typeface="Wingdings"/>
-              </a:rPr>
-              <a:t>More powerful models  harder to use, to query, and less efficient</a:t>
-            </a:r>
-            <a:endParaRPr lang="en-US" sz="1800" dirty="0">
+            <a:pPr eaLnBrk="1" hangingPunct="1"/>
+            <a:r>
+              <a:rPr lang="en-US" dirty="0">
+                <a:latin typeface="Calibri" charset="0"/>
+              </a:rPr>
+              <a:t>Through use of </a:t>
+            </a:r>
+            <a:r>
+              <a:rPr lang="en-US" i="1" dirty="0">
+                <a:latin typeface="Calibri" charset="0"/>
+              </a:rPr>
+              <a:t>logical abstractions</a:t>
+            </a:r>
+            <a:endParaRPr lang="en-US" dirty="0">
               <a:latin typeface="Calibri" charset="0"/>
             </a:endParaRPr>
           </a:p>
-          <a:p>
-            <a:pPr lvl="2">
-              <a:buNone/>
-            </a:pPr>
-            <a:endParaRPr lang="en-US" sz="2400" dirty="0">
-              <a:latin typeface="Calibri" charset="0"/>
-            </a:endParaRPr>
-          </a:p>
         </p:txBody>
       </p:sp>
       <p:sp>
         <p:nvSpPr>
-          <p:cNvPr id="397314" name="Rectangle 2"/>
+          <p:cNvPr id="486402" name="Rectangle 2"/>
           <p:cNvSpPr>
             <a:spLocks noGrp="1" noChangeArrowheads="1"/>
           </p:cNvSpPr>
@@ -16698,15 +17262,23 @@
         </p:nvSpPr>
         <p:spPr/>
         <p:txBody>
-          <a:bodyPr/>
+          <a:bodyPr>
+            <a:normAutofit/>
+          </a:bodyPr>
           <a:lstStyle/>
           <a:p>
-            <a:pPr>
+            <a:pPr eaLnBrk="1" fontAlgn="auto" hangingPunct="1">
+              <a:spcAft>
+                <a:spcPts val="0"/>
+              </a:spcAft>
               <a:defRPr/>
             </a:pPr>
             <a:r>
-              <a:rPr lang="en-US" dirty="0"/>
-              <a:t>Data Modeling</a:t>
+              <a:rPr lang="en-US" dirty="0">
+                <a:ea typeface="+mj-ea"/>
+                <a:cs typeface="+mj-cs"/>
+              </a:rPr>
+              <a:t>Data Abstraction</a:t>
             </a:r>
           </a:p>
         </p:txBody>
@@ -16720,182 +17292,6 @@
 </file>
 
 <file path=ppt/slides/slide35.xml><?xml version="1.0" encoding="utf-8"?>
-<p:sld xmlns:a="http://schemas.openxmlformats.org/drawingml/2006/main" xmlns:r="http://schemas.openxmlformats.org/officeDocument/2006/relationships" xmlns:p="http://schemas.openxmlformats.org/presentationml/2006/main">
-  <p:cSld>
-    <p:spTree>
-      <p:nvGrpSpPr>
-        <p:cNvPr id="1" name=""/>
-        <p:cNvGrpSpPr/>
-        <p:nvPr/>
-      </p:nvGrpSpPr>
-      <p:grpSpPr>
-        <a:xfrm>
-          <a:off x="0" y="0"/>
-          <a:ext cx="0" cy="0"/>
-          <a:chOff x="0" y="0"/>
-          <a:chExt cx="0" cy="0"/>
-        </a:xfrm>
-      </p:grpSpPr>
-      <p:sp>
-        <p:nvSpPr>
-          <p:cNvPr id="80898" name="Rectangle 3"/>
-          <p:cNvSpPr>
-            <a:spLocks noGrp="1" noChangeArrowheads="1"/>
-          </p:cNvSpPr>
-          <p:nvPr>
-            <p:ph idx="1"/>
-          </p:nvPr>
-        </p:nvSpPr>
-        <p:spPr/>
-        <p:txBody>
-          <a:bodyPr/>
-          <a:lstStyle/>
-          <a:p>
-            <a:pPr eaLnBrk="1" hangingPunct="1"/>
-            <a:r>
-              <a:rPr lang="en-US" dirty="0">
-                <a:latin typeface="Calibri" charset="0"/>
-              </a:rPr>
-              <a:t>Probably </a:t>
-            </a:r>
-            <a:r>
-              <a:rPr lang="en-US" i="1" u="sng" dirty="0">
-                <a:latin typeface="Calibri" charset="0"/>
-              </a:rPr>
-              <a:t>the </a:t>
-            </a:r>
-            <a:r>
-              <a:rPr lang="en-US" dirty="0">
-                <a:latin typeface="Calibri" charset="0"/>
-              </a:rPr>
-              <a:t>most important purpose of a DBMS</a:t>
-            </a:r>
-          </a:p>
-          <a:p>
-            <a:pPr eaLnBrk="1" hangingPunct="1"/>
-            <a:r>
-              <a:rPr lang="en-US" dirty="0">
-                <a:latin typeface="Calibri" charset="0"/>
-              </a:rPr>
-              <a:t>Goal: Hiding </a:t>
-            </a:r>
-            <a:r>
-              <a:rPr lang="en-US" i="1" u="sng" dirty="0">
-                <a:latin typeface="Calibri" charset="0"/>
-              </a:rPr>
-              <a:t>low-level details</a:t>
-            </a:r>
-            <a:r>
-              <a:rPr lang="en-US" dirty="0">
-                <a:latin typeface="Calibri" charset="0"/>
-              </a:rPr>
-              <a:t> from the users of the system</a:t>
-            </a:r>
-          </a:p>
-          <a:p>
-            <a:pPr lvl="1" eaLnBrk="1" hangingPunct="1"/>
-            <a:r>
-              <a:rPr lang="en-US" dirty="0">
-                <a:latin typeface="Calibri" charset="0"/>
-              </a:rPr>
-              <a:t>Alternatively: the principle that</a:t>
-            </a:r>
-          </a:p>
-          <a:p>
-            <a:pPr lvl="2" eaLnBrk="1" hangingPunct="1"/>
-            <a:r>
-              <a:rPr lang="en-US" i="1" dirty="0">
-                <a:latin typeface="Calibri" charset="0"/>
-              </a:rPr>
-              <a:t>applications and users should be insulated from how data is structured and stored</a:t>
-            </a:r>
-          </a:p>
-          <a:p>
-            <a:pPr lvl="1" eaLnBrk="1" hangingPunct="1"/>
-            <a:r>
-              <a:rPr lang="en-US" dirty="0">
-                <a:latin typeface="Calibri" charset="0"/>
-              </a:rPr>
-              <a:t>Also called </a:t>
-            </a:r>
-            <a:r>
-              <a:rPr lang="en-US" i="1" u="sng" dirty="0">
-                <a:latin typeface="Calibri" charset="0"/>
-              </a:rPr>
-              <a:t>data independence</a:t>
-            </a:r>
-            <a:endParaRPr lang="en-US" u="sng" dirty="0">
-              <a:latin typeface="Calibri" charset="0"/>
-            </a:endParaRPr>
-          </a:p>
-          <a:p>
-            <a:pPr eaLnBrk="1" hangingPunct="1"/>
-            <a:endParaRPr lang="en-US" dirty="0">
-              <a:latin typeface="Calibri" charset="0"/>
-            </a:endParaRPr>
-          </a:p>
-          <a:p>
-            <a:pPr eaLnBrk="1" hangingPunct="1"/>
-            <a:r>
-              <a:rPr lang="en-US" dirty="0">
-                <a:latin typeface="Calibri" charset="0"/>
-              </a:rPr>
-              <a:t>Through use of </a:t>
-            </a:r>
-            <a:r>
-              <a:rPr lang="en-US" i="1" dirty="0">
-                <a:latin typeface="Calibri" charset="0"/>
-              </a:rPr>
-              <a:t>logical abstractions</a:t>
-            </a:r>
-            <a:endParaRPr lang="en-US" dirty="0">
-              <a:latin typeface="Calibri" charset="0"/>
-            </a:endParaRPr>
-          </a:p>
-        </p:txBody>
-      </p:sp>
-      <p:sp>
-        <p:nvSpPr>
-          <p:cNvPr id="486402" name="Rectangle 2"/>
-          <p:cNvSpPr>
-            <a:spLocks noGrp="1" noChangeArrowheads="1"/>
-          </p:cNvSpPr>
-          <p:nvPr>
-            <p:ph type="title"/>
-          </p:nvPr>
-        </p:nvSpPr>
-        <p:spPr/>
-        <p:txBody>
-          <a:bodyPr>
-            <a:normAutofit/>
-          </a:bodyPr>
-          <a:lstStyle/>
-          <a:p>
-            <a:pPr eaLnBrk="1" fontAlgn="auto" hangingPunct="1">
-              <a:spcAft>
-                <a:spcPts val="0"/>
-              </a:spcAft>
-              <a:defRPr/>
-            </a:pPr>
-            <a:r>
-              <a:rPr lang="en-US" dirty="0">
-                <a:ea typeface="+mj-ea"/>
-                <a:cs typeface="+mj-cs"/>
-              </a:rPr>
-              <a:t>Data Abstraction</a:t>
-            </a:r>
-          </a:p>
-        </p:txBody>
-      </p:sp>
-    </p:spTree>
-  </p:cSld>
-  <p:clrMapOvr>
-    <a:masterClrMapping/>
-  </p:clrMapOvr>
-</p:sld>
-</file>
-
-<file path=ppt/slides/slide36.xml><?xml version="1.0" encoding="utf-8"?>
 <p:sld xmlns:a="http://schemas.openxmlformats.org/drawingml/2006/main" xmlns:r="http://schemas.openxmlformats.org/officeDocument/2006/relationships" xmlns:p="http://schemas.openxmlformats.org/presentationml/2006/main">
   <p:cSld>
     <p:spTree>
@@ -17523,7 +17919,7 @@
 </p:sld>
 </file>
 
-<file path=ppt/slides/slide37.xml><?xml version="1.0" encoding="utf-8"?>
+<file path=ppt/slides/slide36.xml><?xml version="1.0" encoding="utf-8"?>
 <p:sld xmlns:a="http://schemas.openxmlformats.org/drawingml/2006/main" xmlns:r="http://schemas.openxmlformats.org/officeDocument/2006/relationships" xmlns:p="http://schemas.openxmlformats.org/presentationml/2006/main">
   <p:cSld>
     <p:spTree>
@@ -18185,7 +18581,7 @@
 </p:sld>
 </file>
 
-<file path=ppt/slides/slide38.xml><?xml version="1.0" encoding="utf-8"?>
+<file path=ppt/slides/slide37.xml><?xml version="1.0" encoding="utf-8"?>
 <p:sld xmlns:a="http://schemas.openxmlformats.org/drawingml/2006/main" xmlns:r="http://schemas.openxmlformats.org/officeDocument/2006/relationships" xmlns:p="http://schemas.openxmlformats.org/presentationml/2006/main">
   <p:cSld>
     <p:spTree>
@@ -18826,7 +19222,7 @@
 </p:sld>
 </file>
 
-<file path=ppt/slides/slide39.xml><?xml version="1.0" encoding="utf-8"?>
+<file path=ppt/slides/slide38.xml><?xml version="1.0" encoding="utf-8"?>
 <p:sld xmlns:a="http://schemas.openxmlformats.org/drawingml/2006/main" xmlns:r="http://schemas.openxmlformats.org/officeDocument/2006/relationships" xmlns:p="http://schemas.openxmlformats.org/presentationml/2006/main">
   <p:cSld>
     <p:spTree>
@@ -19225,6 +19621,158 @@
 </p:sld>
 </file>
 
+<file path=ppt/slides/slide39.xml><?xml version="1.0" encoding="utf-8"?>
+<p:sld xmlns:a="http://schemas.openxmlformats.org/drawingml/2006/main" xmlns:r="http://schemas.openxmlformats.org/officeDocument/2006/relationships" xmlns:p="http://schemas.openxmlformats.org/presentationml/2006/main">
+  <p:cSld>
+    <p:spTree>
+      <p:nvGrpSpPr>
+        <p:cNvPr id="1" name=""/>
+        <p:cNvGrpSpPr/>
+        <p:nvPr/>
+      </p:nvGrpSpPr>
+      <p:grpSpPr>
+        <a:xfrm>
+          <a:off x="0" y="0"/>
+          <a:ext cx="0" cy="0"/>
+          <a:chOff x="0" y="0"/>
+          <a:chExt cx="0" cy="0"/>
+        </a:xfrm>
+      </p:grpSpPr>
+      <p:sp>
+        <p:nvSpPr>
+          <p:cNvPr id="17410" name="Rectangle 3"/>
+          <p:cNvSpPr>
+            <a:spLocks noGrp="1" noChangeArrowheads="1"/>
+          </p:cNvSpPr>
+          <p:nvPr>
+            <p:ph idx="1"/>
+          </p:nvPr>
+        </p:nvSpPr>
+        <p:spPr>
+          <a:xfrm>
+            <a:off x="228600" y="1066800"/>
+            <a:ext cx="8763000" cy="5105400"/>
+          </a:xfrm>
+        </p:spPr>
+        <p:txBody>
+          <a:bodyPr/>
+          <a:lstStyle/>
+          <a:p>
+            <a:r>
+              <a:rPr lang="en-US" dirty="0"/>
+              <a:t>Book Chapters (6</a:t>
+            </a:r>
+            <a:r>
+              <a:rPr lang="en-US" baseline="30000" dirty="0"/>
+              <a:t>th</a:t>
+            </a:r>
+            <a:r>
+              <a:rPr lang="en-US" dirty="0"/>
+              <a:t> Edition)</a:t>
+            </a:r>
+          </a:p>
+          <a:p>
+            <a:pPr lvl="1"/>
+            <a:r>
+              <a:rPr lang="en-US" dirty="0">
+                <a:latin typeface="Calibri" charset="0"/>
+              </a:rPr>
+              <a:t>1.4, 1.9 (to some extent)</a:t>
+            </a:r>
+          </a:p>
+          <a:p>
+            <a:pPr lvl="1"/>
+            <a:endParaRPr lang="en-US" dirty="0">
+              <a:latin typeface="Calibri" charset="0"/>
+            </a:endParaRPr>
+          </a:p>
+          <a:p>
+            <a:r>
+              <a:rPr lang="en-US" dirty="0">
+                <a:latin typeface="Calibri" charset="0"/>
+              </a:rPr>
+              <a:t>Key Topics</a:t>
+            </a:r>
+          </a:p>
+          <a:p>
+            <a:pPr lvl="1">
+              <a:lnSpc>
+                <a:spcPct val="150000"/>
+              </a:lnSpc>
+            </a:pPr>
+            <a:r>
+              <a:rPr lang="en-US" dirty="0">
+                <a:latin typeface="Calibri" charset="0"/>
+              </a:rPr>
+              <a:t>Data Definition and Data Manipulation Languages</a:t>
+            </a:r>
+          </a:p>
+          <a:p>
+            <a:pPr lvl="1">
+              <a:lnSpc>
+                <a:spcPct val="150000"/>
+              </a:lnSpc>
+            </a:pPr>
+            <a:r>
+              <a:rPr lang="en-US" dirty="0">
+                <a:latin typeface="Calibri" charset="0"/>
+              </a:rPr>
+              <a:t>Typical Database Architecture</a:t>
+            </a:r>
+          </a:p>
+          <a:p>
+            <a:pPr lvl="1">
+              <a:lnSpc>
+                <a:spcPct val="150000"/>
+              </a:lnSpc>
+            </a:pPr>
+            <a:r>
+              <a:rPr lang="en-US" dirty="0">
+                <a:latin typeface="Calibri" charset="0"/>
+              </a:rPr>
+              <a:t>Current Industry Outlook</a:t>
+            </a:r>
+          </a:p>
+        </p:txBody>
+      </p:sp>
+      <p:sp>
+        <p:nvSpPr>
+          <p:cNvPr id="371714" name="Rectangle 2"/>
+          <p:cNvSpPr>
+            <a:spLocks noGrp="1" noChangeArrowheads="1"/>
+          </p:cNvSpPr>
+          <p:nvPr>
+            <p:ph type="title"/>
+          </p:nvPr>
+        </p:nvSpPr>
+        <p:spPr/>
+        <p:txBody>
+          <a:bodyPr/>
+          <a:lstStyle/>
+          <a:p>
+            <a:pPr>
+              <a:defRPr/>
+            </a:pPr>
+            <a:r>
+              <a:rPr lang="en-US" dirty="0"/>
+              <a:t>Motivation</a:t>
+            </a:r>
+          </a:p>
+        </p:txBody>
+      </p:sp>
+    </p:spTree>
+    <p:extLst>
+      <p:ext uri="{BB962C8B-B14F-4D97-AF65-F5344CB8AC3E}">
+        <p14:creationId xmlns:p14="http://schemas.microsoft.com/office/powerpoint/2010/main" val="1611589956"/>
+      </p:ext>
+    </p:extLst>
+  </p:cSld>
+  <p:clrMapOvr>
+    <a:masterClrMapping/>
+  </p:clrMapOvr>
+</p:sld>
+</file>
+
 <file path=ppt/slides/slide4.xml><?xml version="1.0" encoding="utf-8"?>
 <p:sld xmlns:a="http://schemas.openxmlformats.org/drawingml/2006/main" xmlns:r="http://schemas.openxmlformats.org/officeDocument/2006/relationships" xmlns:p="http://schemas.openxmlformats.org/presentationml/2006/main">
   <p:cSld>
@@ -19592,9 +20140,9 @@
       </p:grpSpPr>
       <p:sp>
         <p:nvSpPr>
-          <p:cNvPr id="17410" name="Rectangle 3"/>
+          <p:cNvPr id="2" name="Content Placeholder 1"/>
           <p:cNvSpPr>
-            <a:spLocks noGrp="1" noChangeArrowheads="1"/>
+            <a:spLocks noGrp="1"/>
           </p:cNvSpPr>
           <p:nvPr>
             <p:ph idx="1"/>
@@ -19602,8 +20150,8 @@
         </p:nvSpPr>
         <p:spPr>
           <a:xfrm>
-            <a:off x="228600" y="1066800"/>
-            <a:ext cx="8763000" cy="5105400"/>
+            <a:off x="228600" y="914400"/>
+            <a:ext cx="8610600" cy="5715000"/>
           </a:xfrm>
         </p:spPr>
         <p:txBody>
@@ -19611,87 +20159,133 @@
           <a:lstStyle/>
           <a:p>
             <a:r>
-              <a:rPr lang="en-US" dirty="0"/>
-              <a:t>Book Chapters (6</a:t>
-            </a:r>
-            <a:r>
-              <a:rPr lang="en-US" baseline="30000" dirty="0"/>
-              <a:t>th</a:t>
-            </a:r>
-            <a:r>
-              <a:rPr lang="en-US" dirty="0"/>
-              <a:t> Edition)</a:t>
+              <a:rPr lang="en-US" sz="2000" dirty="0"/>
+              <a:t>A DBMS is a software system designed to store, manage,	 facilitate access to databases</a:t>
             </a:r>
           </a:p>
           <a:p>
             <a:pPr lvl="1"/>
             <a:r>
-              <a:rPr lang="en-US" dirty="0">
-                <a:latin typeface="Calibri" charset="0"/>
-              </a:rPr>
-              <a:t>1.4, 1.9 (to some extent)</a:t>
+              <a:rPr lang="en-US" sz="1800" dirty="0"/>
+              <a:t>Typically uses a specific </a:t>
+            </a:r>
+            <a:r>
+              <a:rPr lang="en-US" sz="1800" i="1" u="sng" dirty="0"/>
+              <a:t>data model</a:t>
+            </a:r>
+            <a:r>
+              <a:rPr lang="en-US" sz="1800" i="1" dirty="0"/>
+              <a:t>, </a:t>
+            </a:r>
+            <a:r>
+              <a:rPr lang="en-US" sz="1800" dirty="0"/>
+              <a:t>and </a:t>
             </a:r>
           </a:p>
           <a:p>
             <a:pPr lvl="1"/>
-            <a:endParaRPr lang="en-US" dirty="0">
-              <a:latin typeface="Calibri" charset="0"/>
-            </a:endParaRPr>
-          </a:p>
-          <a:p>
-            <a:r>
-              <a:rPr lang="en-US" dirty="0">
-                <a:latin typeface="Calibri" charset="0"/>
-              </a:rPr>
-              <a:t>Key Topics</a:t>
-            </a:r>
-          </a:p>
-          <a:p>
-            <a:pPr lvl="1">
-              <a:lnSpc>
-                <a:spcPct val="150000"/>
-              </a:lnSpc>
+            <a:r>
+              <a:rPr lang="en-US" sz="1800" dirty="0"/>
+              <a:t>Supports some level of </a:t>
+            </a:r>
+            <a:r>
+              <a:rPr lang="en-US" sz="1800" i="1" u="sng" dirty="0"/>
+              <a:t>physical and logical data independence</a:t>
+            </a:r>
+          </a:p>
+          <a:p>
+            <a:pPr marL="630238" lvl="2" indent="0">
+              <a:buNone/>
             </a:pPr>
-            <a:r>
-              <a:rPr lang="en-US" dirty="0">
-                <a:latin typeface="Calibri" charset="0"/>
-              </a:rPr>
-              <a:t>Data Definition and Data Manipulation Languages</a:t>
-            </a:r>
-          </a:p>
-          <a:p>
-            <a:pPr lvl="1">
-              <a:lnSpc>
-                <a:spcPct val="150000"/>
-              </a:lnSpc>
-            </a:pPr>
-            <a:r>
-              <a:rPr lang="en-US" dirty="0">
-                <a:latin typeface="Calibri" charset="0"/>
-              </a:rPr>
-              <a:t>Typical Database Architecture</a:t>
-            </a:r>
-          </a:p>
-          <a:p>
-            <a:pPr lvl="1">
-              <a:lnSpc>
-                <a:spcPct val="150000"/>
-              </a:lnSpc>
-            </a:pPr>
-            <a:r>
-              <a:rPr lang="en-US" dirty="0">
-                <a:latin typeface="Calibri" charset="0"/>
-              </a:rPr>
-              <a:t>Current Industry Outlook</a:t>
+            <a:endParaRPr lang="en-US" sz="1600" dirty="0"/>
+          </a:p>
+          <a:p>
+            <a:r>
+              <a:rPr lang="en-US" sz="2000" dirty="0"/>
+              <a:t>Provides:</a:t>
+            </a:r>
+          </a:p>
+          <a:p>
+            <a:pPr lvl="1"/>
+            <a:r>
+              <a:rPr lang="en-US" sz="1800" dirty="0"/>
+              <a:t>Data Definition Language (DDL)</a:t>
+            </a:r>
+          </a:p>
+          <a:p>
+            <a:pPr lvl="2"/>
+            <a:r>
+              <a:rPr lang="en-US" sz="1600" dirty="0"/>
+              <a:t>For defining and modifying the schemas</a:t>
+            </a:r>
+          </a:p>
+          <a:p>
+            <a:pPr lvl="1"/>
+            <a:r>
+              <a:rPr lang="en-US" sz="1800" dirty="0"/>
+              <a:t>Data Manipulation Language (DML)</a:t>
+            </a:r>
+          </a:p>
+          <a:p>
+            <a:pPr lvl="2"/>
+            <a:r>
+              <a:rPr lang="en-US" sz="1600" dirty="0"/>
+              <a:t>For retrieving, modifying, analyzing the data itself</a:t>
+            </a:r>
+          </a:p>
+          <a:p>
+            <a:pPr lvl="1"/>
+            <a:r>
+              <a:rPr lang="en-US" sz="1800" dirty="0"/>
+              <a:t>Guarantees about correctness in presence of failures and concurrency, data semantics etc.</a:t>
+            </a:r>
+          </a:p>
+          <a:p>
+            <a:pPr lvl="2"/>
+            <a:endParaRPr lang="en-US" sz="1600" dirty="0"/>
+          </a:p>
+          <a:p>
+            <a:r>
+              <a:rPr lang="en-US" sz="2000" dirty="0"/>
+              <a:t>Common use patterns</a:t>
+            </a:r>
+          </a:p>
+          <a:p>
+            <a:pPr lvl="1"/>
+            <a:r>
+              <a:rPr lang="en-US" sz="1800" dirty="0"/>
+              <a:t>Handling transactions (e.g. ATM Transactions, flight reservations)</a:t>
+            </a:r>
+          </a:p>
+          <a:p>
+            <a:pPr lvl="1"/>
+            <a:r>
+              <a:rPr lang="en-US" sz="1800" dirty="0"/>
+              <a:t>Archival (storing historical data)</a:t>
+            </a:r>
+          </a:p>
+          <a:p>
+            <a:pPr lvl="1"/>
+            <a:r>
+              <a:rPr lang="en-US" sz="1800" dirty="0"/>
+              <a:t>Analytics (e.g. identifying trends, </a:t>
+            </a:r>
+            <a:r>
+              <a:rPr lang="en-US" sz="1800" b="1" dirty="0"/>
+              <a:t>Data Mining</a:t>
+            </a:r>
+            <a:r>
+              <a:rPr lang="en-US" sz="1800" dirty="0"/>
+              <a:t>)</a:t>
             </a:r>
           </a:p>
         </p:txBody>
       </p:sp>
       <p:sp>
         <p:nvSpPr>
-          <p:cNvPr id="371714" name="Rectangle 2"/>
+          <p:cNvPr id="3" name="Title 2"/>
           <p:cNvSpPr>
-            <a:spLocks noGrp="1" noChangeArrowheads="1"/>
+            <a:spLocks noGrp="1"/>
           </p:cNvSpPr>
           <p:nvPr>
             <p:ph type="title"/>
@@ -19702,22 +20296,19 @@
           <a:bodyPr/>
           <a:lstStyle/>
           <a:p>
-            <a:pPr>
-              <a:defRPr/>
-            </a:pPr>
             <a:r>
               <a:rPr lang="en-US" dirty="0"/>
-              <a:t>Motivation</a:t>
-            </a:r>
+              <a:t>Database </a:t>
+            </a:r>
+            <a:r>
+              <a:rPr lang="en-US" u="sng" dirty="0"/>
+              <a:t>System</a:t>
+            </a:r>
+            <a:endParaRPr lang="en-US" dirty="0"/>
           </a:p>
         </p:txBody>
       </p:sp>
     </p:spTree>
-    <p:extLst>
-      <p:ext uri="{BB962C8B-B14F-4D97-AF65-F5344CB8AC3E}">
-        <p14:creationId xmlns:p14="http://schemas.microsoft.com/office/powerpoint/2010/main" val="1611589956"/>
-      </p:ext>
-    </p:extLst>
   </p:cSld>
   <p:clrMapOvr>
     <a:masterClrMapping/>
@@ -19763,201 +20354,6 @@
           <a:lstStyle/>
           <a:p>
             <a:r>
-              <a:rPr lang="en-US" sz="2000" dirty="0"/>
-              <a:t>A DBMS is a software system designed to store, manage,	 facilitate access to databases</a:t>
-            </a:r>
-          </a:p>
-          <a:p>
-            <a:pPr lvl="1"/>
-            <a:r>
-              <a:rPr lang="en-US" sz="1800" dirty="0"/>
-              <a:t>Typically uses a specific </a:t>
-            </a:r>
-            <a:r>
-              <a:rPr lang="en-US" sz="1800" i="1" u="sng" dirty="0"/>
-              <a:t>data model</a:t>
-            </a:r>
-            <a:r>
-              <a:rPr lang="en-US" sz="1800" i="1" dirty="0"/>
-              <a:t>, </a:t>
-            </a:r>
-            <a:r>
-              <a:rPr lang="en-US" sz="1800" dirty="0"/>
-              <a:t>and </a:t>
-            </a:r>
-          </a:p>
-          <a:p>
-            <a:pPr lvl="1"/>
-            <a:r>
-              <a:rPr lang="en-US" sz="1800" dirty="0"/>
-              <a:t>Supports some level of </a:t>
-            </a:r>
-            <a:r>
-              <a:rPr lang="en-US" sz="1800" i="1" u="sng" dirty="0"/>
-              <a:t>physical and logical data independence</a:t>
-            </a:r>
-          </a:p>
-          <a:p>
-            <a:pPr marL="630238" lvl="2" indent="0">
-              <a:buNone/>
-            </a:pPr>
-            <a:endParaRPr lang="en-US" sz="1600" dirty="0"/>
-          </a:p>
-          <a:p>
-            <a:r>
-              <a:rPr lang="en-US" sz="2000" dirty="0"/>
-              <a:t>Provides:</a:t>
-            </a:r>
-          </a:p>
-          <a:p>
-            <a:pPr lvl="1"/>
-            <a:r>
-              <a:rPr lang="en-US" sz="1800" dirty="0"/>
-              <a:t>Data Definition Language (DDL)</a:t>
-            </a:r>
-          </a:p>
-          <a:p>
-            <a:pPr lvl="2"/>
-            <a:r>
-              <a:rPr lang="en-US" sz="1600" dirty="0"/>
-              <a:t>For defining and modifying the schemas</a:t>
-            </a:r>
-          </a:p>
-          <a:p>
-            <a:pPr lvl="1"/>
-            <a:r>
-              <a:rPr lang="en-US" sz="1800" dirty="0"/>
-              <a:t>Data Manipulation Language (DML)</a:t>
-            </a:r>
-          </a:p>
-          <a:p>
-            <a:pPr lvl="2"/>
-            <a:r>
-              <a:rPr lang="en-US" sz="1600" dirty="0"/>
-              <a:t>For retrieving, modifying, analyzing the data itself</a:t>
-            </a:r>
-          </a:p>
-          <a:p>
-            <a:pPr lvl="1"/>
-            <a:r>
-              <a:rPr lang="en-US" sz="1800" dirty="0"/>
-              <a:t>Guarantees about correctness in presence of failures and concurrency, data semantics etc.</a:t>
-            </a:r>
-          </a:p>
-          <a:p>
-            <a:pPr lvl="2"/>
-            <a:endParaRPr lang="en-US" sz="1600" dirty="0"/>
-          </a:p>
-          <a:p>
-            <a:r>
-              <a:rPr lang="en-US" sz="2000" dirty="0"/>
-              <a:t>Common use patterns</a:t>
-            </a:r>
-          </a:p>
-          <a:p>
-            <a:pPr lvl="1"/>
-            <a:r>
-              <a:rPr lang="en-US" sz="1800" dirty="0"/>
-              <a:t>Handling transactions (e.g. ATM Transactions, flight reservations)</a:t>
-            </a:r>
-          </a:p>
-          <a:p>
-            <a:pPr lvl="1"/>
-            <a:r>
-              <a:rPr lang="en-US" sz="1800" dirty="0"/>
-              <a:t>Archival (storing historical data)</a:t>
-            </a:r>
-          </a:p>
-          <a:p>
-            <a:pPr lvl="1"/>
-            <a:r>
-              <a:rPr lang="en-US" sz="1800" dirty="0"/>
-              <a:t>Analytics (e.g. identifying trends, </a:t>
-            </a:r>
-            <a:r>
-              <a:rPr lang="en-US" sz="1800" b="1" dirty="0"/>
-              <a:t>Data Mining</a:t>
-            </a:r>
-            <a:r>
-              <a:rPr lang="en-US" sz="1800" dirty="0"/>
-              <a:t>)</a:t>
-            </a:r>
-          </a:p>
-        </p:txBody>
-      </p:sp>
-      <p:sp>
-        <p:nvSpPr>
-          <p:cNvPr id="3" name="Title 2"/>
-          <p:cNvSpPr>
-            <a:spLocks noGrp="1"/>
-          </p:cNvSpPr>
-          <p:nvPr>
-            <p:ph type="title"/>
-          </p:nvPr>
-        </p:nvSpPr>
-        <p:spPr/>
-        <p:txBody>
-          <a:bodyPr/>
-          <a:lstStyle/>
-          <a:p>
-            <a:r>
-              <a:rPr lang="en-US" dirty="0"/>
-              <a:t>Database </a:t>
-            </a:r>
-            <a:r>
-              <a:rPr lang="en-US" u="sng" dirty="0"/>
-              <a:t>System</a:t>
-            </a:r>
-            <a:endParaRPr lang="en-US" dirty="0"/>
-          </a:p>
-        </p:txBody>
-      </p:sp>
-    </p:spTree>
-  </p:cSld>
-  <p:clrMapOvr>
-    <a:masterClrMapping/>
-  </p:clrMapOvr>
-</p:sld>
-</file>
-
-<file path=ppt/slides/slide42.xml><?xml version="1.0" encoding="utf-8"?>
-<p:sld xmlns:a="http://schemas.openxmlformats.org/drawingml/2006/main" xmlns:r="http://schemas.openxmlformats.org/officeDocument/2006/relationships" xmlns:p="http://schemas.openxmlformats.org/presentationml/2006/main">
-  <p:cSld>
-    <p:spTree>
-      <p:nvGrpSpPr>
-        <p:cNvPr id="1" name=""/>
-        <p:cNvGrpSpPr/>
-        <p:nvPr/>
-      </p:nvGrpSpPr>
-      <p:grpSpPr>
-        <a:xfrm>
-          <a:off x="0" y="0"/>
-          <a:ext cx="0" cy="0"/>
-          <a:chOff x="0" y="0"/>
-          <a:chExt cx="0" cy="0"/>
-        </a:xfrm>
-      </p:grpSpPr>
-      <p:sp>
-        <p:nvSpPr>
-          <p:cNvPr id="2" name="Content Placeholder 1"/>
-          <p:cNvSpPr>
-            <a:spLocks noGrp="1"/>
-          </p:cNvSpPr>
-          <p:nvPr>
-            <p:ph idx="1"/>
-          </p:nvPr>
-        </p:nvSpPr>
-        <p:spPr>
-          <a:xfrm>
-            <a:off x="228600" y="914400"/>
-            <a:ext cx="8610600" cy="5715000"/>
-          </a:xfrm>
-        </p:spPr>
-        <p:txBody>
-          <a:bodyPr/>
-          <a:lstStyle/>
-          <a:p>
-            <a:r>
               <a:rPr lang="en-US" sz="2400" b="1" dirty="0">
                 <a:solidFill>
                   <a:srgbClr val="FF0000"/>
@@ -20216,7 +20612,7 @@
 </p:sld>
 </file>
 
-<file path=ppt/slides/slide43.xml><?xml version="1.0" encoding="utf-8"?>
+<file path=ppt/slides/slide42.xml><?xml version="1.0" encoding="utf-8"?>
 <p:sld xmlns:a="http://schemas.openxmlformats.org/drawingml/2006/main" xmlns:r="http://schemas.openxmlformats.org/officeDocument/2006/relationships" xmlns:p="http://schemas.openxmlformats.org/presentationml/2006/main">
   <p:cSld>
     <p:spTree>
@@ -20470,7 +20866,7 @@
 </p:sld>
 </file>
 
-<file path=ppt/slides/slide44.xml><?xml version="1.0" encoding="utf-8"?>
+<file path=ppt/slides/slide43.xml><?xml version="1.0" encoding="utf-8"?>
 <p:sld xmlns:a="http://schemas.openxmlformats.org/drawingml/2006/main" xmlns:r="http://schemas.openxmlformats.org/officeDocument/2006/relationships" xmlns:p="http://schemas.openxmlformats.org/presentationml/2006/main">
   <p:cSld>
     <p:spTree>
@@ -21623,6 +22019,209 @@
 </p:sld>
 </file>
 
+<file path=ppt/slides/slide44.xml><?xml version="1.0" encoding="utf-8"?>
+<p:sld xmlns:a="http://schemas.openxmlformats.org/drawingml/2006/main" xmlns:r="http://schemas.openxmlformats.org/officeDocument/2006/relationships" xmlns:p="http://schemas.openxmlformats.org/presentationml/2006/main">
+  <p:cSld>
+    <p:spTree>
+      <p:nvGrpSpPr>
+        <p:cNvPr id="1" name=""/>
+        <p:cNvGrpSpPr/>
+        <p:nvPr/>
+      </p:nvGrpSpPr>
+      <p:grpSpPr>
+        <a:xfrm>
+          <a:off x="0" y="0"/>
+          <a:ext cx="0" cy="0"/>
+          <a:chOff x="0" y="0"/>
+          <a:chExt cx="0" cy="0"/>
+        </a:xfrm>
+      </p:grpSpPr>
+      <p:sp>
+        <p:nvSpPr>
+          <p:cNvPr id="2" name="Content Placeholder 1">
+            <a:extLst>
+              <a:ext uri="{FF2B5EF4-FFF2-40B4-BE49-F238E27FC236}">
+                <a16:creationId xmlns:a16="http://schemas.microsoft.com/office/drawing/2014/main" id="{B7B70982-D68E-4846-B0DB-A1E4900408E0}"/>
+              </a:ext>
+            </a:extLst>
+          </p:cNvPr>
+          <p:cNvSpPr>
+            <a:spLocks noGrp="1"/>
+          </p:cNvSpPr>
+          <p:nvPr>
+            <p:ph idx="1"/>
+          </p:nvPr>
+        </p:nvSpPr>
+        <p:spPr>
+          <a:xfrm>
+            <a:off x="228600" y="1066800"/>
+            <a:ext cx="8458200" cy="5105400"/>
+          </a:xfrm>
+        </p:spPr>
+        <p:txBody>
+          <a:bodyPr/>
+          <a:lstStyle/>
+          <a:p>
+            <a:r>
+              <a:rPr lang="en-US" sz="2000" dirty="0">
+                <a:solidFill>
+                  <a:srgbClr val="FF0000"/>
+                </a:solidFill>
+              </a:rPr>
+              <a:t>Much more diversity in the architectures that we see</a:t>
+            </a:r>
+          </a:p>
+          <a:p>
+            <a:pPr lvl="1"/>
+            <a:r>
+              <a:rPr lang="en-US" sz="1800" dirty="0"/>
+              <a:t>More modern hardware architectures </a:t>
+            </a:r>
+          </a:p>
+          <a:p>
+            <a:pPr lvl="2"/>
+            <a:r>
+              <a:rPr lang="en-US" sz="1600" dirty="0"/>
+              <a:t>Massively parallel computers</a:t>
+            </a:r>
+          </a:p>
+          <a:p>
+            <a:pPr lvl="2"/>
+            <a:r>
+              <a:rPr lang="en-US" sz="1600" dirty="0"/>
+              <a:t>SSDs</a:t>
+            </a:r>
+          </a:p>
+          <a:p>
+            <a:pPr lvl="2"/>
+            <a:r>
+              <a:rPr lang="en-US" sz="1600" dirty="0"/>
+              <a:t>Massive amounts of RAM – often don’t need to worry about data fitting in memory</a:t>
+            </a:r>
+          </a:p>
+          <a:p>
+            <a:pPr lvl="2"/>
+            <a:r>
+              <a:rPr lang="en-US" sz="1600" dirty="0"/>
+              <a:t>Much faster networks, even over a wide area</a:t>
+            </a:r>
+          </a:p>
+          <a:p>
+            <a:pPr lvl="2"/>
+            <a:r>
+              <a:rPr lang="en-US" sz="1600" dirty="0"/>
+              <a:t>Virtualization and Containerization</a:t>
+            </a:r>
+          </a:p>
+          <a:p>
+            <a:pPr lvl="2"/>
+            <a:r>
+              <a:rPr lang="en-US" sz="1600" dirty="0"/>
+              <a:t>Cloud Computing</a:t>
+            </a:r>
+            <a:endParaRPr lang="en-US" sz="1800" dirty="0"/>
+          </a:p>
+          <a:p>
+            <a:pPr lvl="1"/>
+            <a:r>
+              <a:rPr lang="en-US" sz="1600" dirty="0"/>
+              <a:t>As a result: Data and execution typically distributed all over the place</a:t>
+            </a:r>
+          </a:p>
+          <a:p>
+            <a:endParaRPr lang="en-US" sz="2000" dirty="0"/>
+          </a:p>
+          <a:p>
+            <a:r>
+              <a:rPr lang="en-US" sz="2000" dirty="0">
+                <a:solidFill>
+                  <a:srgbClr val="FF0000"/>
+                </a:solidFill>
+              </a:rPr>
+              <a:t>Much more diversity in data processing applications</a:t>
+            </a:r>
+          </a:p>
+          <a:p>
+            <a:pPr lvl="1"/>
+            <a:r>
+              <a:rPr lang="en-US" sz="1600" dirty="0"/>
+              <a:t>Much more non-relational data (images, text, video)</a:t>
+            </a:r>
+          </a:p>
+          <a:p>
+            <a:pPr lvl="1"/>
+            <a:r>
+              <a:rPr lang="en-US" sz="1600" dirty="0"/>
+              <a:t>Data Analytics/Machine learning more common use-cases</a:t>
+            </a:r>
+          </a:p>
+          <a:p>
+            <a:endParaRPr lang="en-US" sz="2000" dirty="0"/>
+          </a:p>
+          <a:p>
+            <a:r>
+              <a:rPr lang="en-US" sz="2000" dirty="0">
+                <a:solidFill>
+                  <a:srgbClr val="FF0000"/>
+                </a:solidFill>
+              </a:rPr>
+              <a:t>Much more diversity in “data models” </a:t>
+            </a:r>
+          </a:p>
+          <a:p>
+            <a:pPr lvl="1"/>
+            <a:r>
+              <a:rPr lang="en-US" sz="1400" dirty="0"/>
+              <a:t>Document data models (JSON, XML), Key-value data model, Graph data model, RDF</a:t>
+            </a:r>
+          </a:p>
+          <a:p>
+            <a:pPr lvl="1"/>
+            <a:endParaRPr lang="en-US" sz="1400" dirty="0"/>
+          </a:p>
+        </p:txBody>
+      </p:sp>
+      <p:sp>
+        <p:nvSpPr>
+          <p:cNvPr id="3" name="Title 2">
+            <a:extLst>
+              <a:ext uri="{FF2B5EF4-FFF2-40B4-BE49-F238E27FC236}">
+                <a16:creationId xmlns:a16="http://schemas.microsoft.com/office/drawing/2014/main" id="{67629A87-6600-2545-8FBB-EA2C7D32C936}"/>
+              </a:ext>
+            </a:extLst>
+          </p:cNvPr>
+          <p:cNvSpPr>
+            <a:spLocks noGrp="1"/>
+          </p:cNvSpPr>
+          <p:nvPr>
+            <p:ph type="title"/>
+          </p:nvPr>
+        </p:nvSpPr>
+        <p:spPr/>
+        <p:txBody>
+          <a:bodyPr/>
+          <a:lstStyle/>
+          <a:p>
+            <a:r>
+              <a:rPr lang="en-US" dirty="0"/>
+              <a:t>Database Architecture : Today</a:t>
+            </a:r>
+          </a:p>
+        </p:txBody>
+      </p:sp>
+    </p:spTree>
+    <p:extLst>
+      <p:ext uri="{BB962C8B-B14F-4D97-AF65-F5344CB8AC3E}">
+        <p14:creationId xmlns:p14="http://schemas.microsoft.com/office/powerpoint/2010/main" val="2217069098"/>
+      </p:ext>
+    </p:extLst>
+  </p:cSld>
+  <p:clrMapOvr>
+    <a:masterClrMapping/>
+  </p:clrMapOvr>
+</p:sld>
+</file>
+
 <file path=ppt/slides/slide45.xml><?xml version="1.0" encoding="utf-8"?>
 <p:sld xmlns:a="http://schemas.openxmlformats.org/drawingml/2006/main" xmlns:r="http://schemas.openxmlformats.org/officeDocument/2006/relationships" xmlns:p="http://schemas.openxmlformats.org/presentationml/2006/main">
   <p:cSld>
@@ -21642,13 +22241,7 @@
       </p:grpSpPr>
       <p:sp>
         <p:nvSpPr>
-          <p:cNvPr id="2" name="Content Placeholder 1">
-            <a:extLst>
-              <a:ext uri="{FF2B5EF4-FFF2-40B4-BE49-F238E27FC236}">
-                <a16:creationId xmlns:a16="http://schemas.microsoft.com/office/drawing/2014/main" id="{B7B70982-D68E-4846-B0DB-A1E4900408E0}"/>
-              </a:ext>
-            </a:extLst>
-          </p:cNvPr>
+          <p:cNvPr id="2" name="Content Placeholder 1"/>
           <p:cNvSpPr>
             <a:spLocks noGrp="1"/>
           </p:cNvSpPr>
@@ -21658,8 +22251,8 @@
         </p:nvSpPr>
         <p:spPr>
           <a:xfrm>
-            <a:off x="228600" y="1066800"/>
-            <a:ext cx="8458200" cy="5105400"/>
+            <a:off x="152400" y="914400"/>
+            <a:ext cx="8001000" cy="5105400"/>
           </a:xfrm>
         </p:spPr>
         <p:txBody>
@@ -21667,133 +22260,159 @@
           <a:lstStyle/>
           <a:p>
             <a:r>
-              <a:rPr lang="en-US" sz="2000" dirty="0">
+              <a:rPr lang="en-US" sz="2000" dirty="0"/>
+              <a:t>Relational </a:t>
+            </a:r>
+            <a:r>
+              <a:rPr lang="en-US" sz="2000" dirty="0" err="1"/>
+              <a:t>DBMSs</a:t>
+            </a:r>
+            <a:endParaRPr lang="en-US" sz="2000" dirty="0"/>
+          </a:p>
+          <a:p>
+            <a:pPr lvl="1"/>
+            <a:r>
+              <a:rPr lang="en-US" sz="1800" dirty="0"/>
+              <a:t>Oracle, IBM DB2, Microsoft SQL Server, Sybase, Amazon RDS/Aurora</a:t>
+            </a:r>
+          </a:p>
+          <a:p>
+            <a:pPr lvl="6"/>
+            <a:endParaRPr lang="en-US" sz="1200" dirty="0"/>
+          </a:p>
+          <a:p>
+            <a:r>
+              <a:rPr lang="en-US" sz="2000" dirty="0"/>
+              <a:t>Open source alternatives</a:t>
+            </a:r>
+          </a:p>
+          <a:p>
+            <a:pPr lvl="1"/>
+            <a:r>
+              <a:rPr lang="en-US" sz="1800" dirty="0"/>
+              <a:t>MySQL, </a:t>
+            </a:r>
+            <a:r>
+              <a:rPr lang="en-US" sz="1800" dirty="0">
                 <a:solidFill>
                   <a:srgbClr val="FF0000"/>
                 </a:solidFill>
               </a:rPr>
-              <a:t>Much more diversity in the architectures that we see</a:t>
+              <a:t>PostgreSQL</a:t>
+            </a:r>
+            <a:r>
+              <a:rPr lang="en-US" sz="1800" dirty="0"/>
+              <a:t>, </a:t>
+            </a:r>
+            <a:r>
+              <a:rPr lang="en-US" sz="1800" dirty="0" err="1"/>
+              <a:t>BerkeleyDB</a:t>
+            </a:r>
+            <a:r>
+              <a:rPr lang="en-US" sz="1800" dirty="0"/>
+              <a:t> (mainly a storage engine – no SQL) …</a:t>
+            </a:r>
+          </a:p>
+          <a:p>
+            <a:pPr lvl="3"/>
+            <a:endParaRPr lang="en-US" sz="1800" dirty="0"/>
+          </a:p>
+          <a:p>
+            <a:r>
+              <a:rPr lang="en-US" sz="2000" dirty="0"/>
+              <a:t>Other Data Models</a:t>
             </a:r>
           </a:p>
           <a:p>
             <a:pPr lvl="1"/>
             <a:r>
               <a:rPr lang="en-US" sz="1800" dirty="0"/>
-              <a:t>More modern hardware architectures </a:t>
-            </a:r>
-          </a:p>
-          <a:p>
-            <a:pPr lvl="2"/>
-            <a:r>
-              <a:rPr lang="en-US" sz="1600" dirty="0"/>
-              <a:t>Massively parallel computers</a:t>
-            </a:r>
-          </a:p>
-          <a:p>
-            <a:pPr lvl="2"/>
-            <a:r>
-              <a:rPr lang="en-US" sz="1600" dirty="0"/>
-              <a:t>SSDs</a:t>
-            </a:r>
-          </a:p>
-          <a:p>
-            <a:pPr lvl="2"/>
-            <a:r>
-              <a:rPr lang="en-US" sz="1600" dirty="0"/>
-              <a:t>Massive amounts of RAM – often don’t need to worry about data fitting in memory</a:t>
-            </a:r>
-          </a:p>
-          <a:p>
-            <a:pPr lvl="2"/>
-            <a:r>
-              <a:rPr lang="en-US" sz="1600" dirty="0"/>
-              <a:t>Much faster networks, even over a wide area</a:t>
-            </a:r>
-          </a:p>
-          <a:p>
-            <a:pPr lvl="2"/>
-            <a:r>
-              <a:rPr lang="en-US" sz="1600" dirty="0"/>
-              <a:t>Virtualization and Containerization</a:t>
-            </a:r>
-          </a:p>
-          <a:p>
-            <a:pPr lvl="2"/>
-            <a:r>
-              <a:rPr lang="en-US" sz="1600" dirty="0"/>
-              <a:t>Cloud Computing</a:t>
-            </a:r>
-            <a:endParaRPr lang="en-US" sz="1800" dirty="0"/>
+              <a:t>Neo4j (Graph), MongoDB (Document), </a:t>
+            </a:r>
+            <a:r>
+              <a:rPr lang="en-US" sz="1800" dirty="0" err="1"/>
+              <a:t>CosmosDB</a:t>
+            </a:r>
+            <a:r>
+              <a:rPr lang="en-US" sz="1800" dirty="0"/>
+              <a:t> (many)</a:t>
+            </a:r>
+          </a:p>
+          <a:p>
+            <a:pPr lvl="6"/>
+            <a:endParaRPr lang="en-US" sz="1200" dirty="0"/>
+          </a:p>
+          <a:p>
+            <a:r>
+              <a:rPr lang="en-US" sz="2000" dirty="0"/>
+              <a:t>Data Warehousing Solutions</a:t>
+            </a:r>
           </a:p>
           <a:p>
             <a:pPr lvl="1"/>
             <a:r>
-              <a:rPr lang="en-US" sz="1600" dirty="0"/>
-              <a:t>As a result: Data and execution typically distributed all over the place</a:t>
-            </a:r>
-          </a:p>
-          <a:p>
-            <a:endParaRPr lang="en-US" sz="2000" dirty="0"/>
-          </a:p>
-          <a:p>
-            <a:r>
-              <a:rPr lang="en-US" sz="2000" dirty="0">
-                <a:solidFill>
-                  <a:srgbClr val="FF0000"/>
-                </a:solidFill>
-              </a:rPr>
-              <a:t>Much more diversity in data processing applications</a:t>
+              <a:rPr lang="en-US" sz="1800" dirty="0"/>
+              <a:t>Geared towards very large volumes of data and on analyzing them</a:t>
             </a:r>
           </a:p>
           <a:p>
             <a:pPr lvl="1"/>
             <a:r>
-              <a:rPr lang="en-US" sz="1600" dirty="0"/>
-              <a:t>Much more non-relational data (images, text, video)</a:t>
+              <a:rPr lang="en-US" sz="1800" dirty="0"/>
+              <a:t>Long list: Teradata, Oracle Exadata, Netezza (based on FPGAs), Aster Data (founded 2005), Vertica (column-based), </a:t>
+            </a:r>
+            <a:r>
+              <a:rPr lang="en-US" sz="1800" dirty="0" err="1"/>
+              <a:t>Kickfire</a:t>
+            </a:r>
+            <a:r>
+              <a:rPr lang="en-US" sz="1800" dirty="0"/>
+              <a:t>, </a:t>
+            </a:r>
+            <a:r>
+              <a:rPr lang="en-US" sz="1800" dirty="0" err="1"/>
+              <a:t>Xtremedata</a:t>
+            </a:r>
+            <a:r>
+              <a:rPr lang="en-US" sz="1800" dirty="0"/>
+              <a:t>..</a:t>
             </a:r>
           </a:p>
           <a:p>
             <a:pPr lvl="1"/>
             <a:r>
-              <a:rPr lang="en-US" sz="1600" dirty="0"/>
-              <a:t>Data Analytics/Machine learning more common use-cases</a:t>
-            </a:r>
-          </a:p>
-          <a:p>
-            <a:endParaRPr lang="en-US" sz="2000" dirty="0"/>
-          </a:p>
-          <a:p>
-            <a:r>
-              <a:rPr lang="en-US" sz="2000" dirty="0">
-                <a:solidFill>
-                  <a:srgbClr val="FF0000"/>
-                </a:solidFill>
-              </a:rPr>
-              <a:t>Much more diversity in “data models” </a:t>
+              <a:rPr lang="en-US" sz="1800" dirty="0"/>
+              <a:t>Usually sell package/services and charge per TB of managed data</a:t>
             </a:r>
           </a:p>
           <a:p>
             <a:pPr lvl="1"/>
             <a:r>
-              <a:rPr lang="en-US" sz="1400" dirty="0"/>
-              <a:t>Document data models (JSON, XML), Key-value data model, Graph data model, RDF</a:t>
-            </a:r>
-          </a:p>
-          <a:p>
-            <a:pPr lvl="1"/>
-            <a:endParaRPr lang="en-US" sz="1400" dirty="0"/>
+              <a:rPr lang="en-US" sz="1800" dirty="0"/>
+              <a:t>Many (especially recent ones) start with </a:t>
+            </a:r>
+            <a:r>
+              <a:rPr lang="en-US" sz="1800" dirty="0" err="1"/>
+              <a:t>MySQL</a:t>
+            </a:r>
+            <a:r>
+              <a:rPr lang="en-US" sz="1800" dirty="0"/>
+              <a:t> or </a:t>
+            </a:r>
+            <a:r>
+              <a:rPr lang="en-US" sz="1800" dirty="0" err="1"/>
+              <a:t>PostgreSQL</a:t>
+            </a:r>
+            <a:r>
+              <a:rPr lang="en-US" sz="1800" dirty="0"/>
+              <a:t> and make them parallel/faster etc..</a:t>
+            </a:r>
           </a:p>
         </p:txBody>
       </p:sp>
       <p:sp>
         <p:nvSpPr>
-          <p:cNvPr id="3" name="Title 2">
-            <a:extLst>
-              <a:ext uri="{FF2B5EF4-FFF2-40B4-BE49-F238E27FC236}">
-                <a16:creationId xmlns:a16="http://schemas.microsoft.com/office/drawing/2014/main" id="{67629A87-6600-2545-8FBB-EA2C7D32C936}"/>
-              </a:ext>
-            </a:extLst>
-          </p:cNvPr>
+          <p:cNvPr id="3" name="Title 2"/>
           <p:cNvSpPr>
             <a:spLocks noGrp="1"/>
           </p:cNvSpPr>
@@ -21808,7 +22427,7 @@
           <a:p>
             <a:r>
               <a:rPr lang="en-US" dirty="0"/>
-              <a:t>Database Architecture : Today</a:t>
+              <a:t>Current Industry Outlook </a:t>
             </a:r>
           </a:p>
         </p:txBody>
@@ -21816,7 +22435,7 @@
     </p:spTree>
     <p:extLst>
       <p:ext uri="{BB962C8B-B14F-4D97-AF65-F5344CB8AC3E}">
-        <p14:creationId xmlns:p14="http://schemas.microsoft.com/office/powerpoint/2010/main" val="2217069098"/>
+        <p14:creationId xmlns:p14="http://schemas.microsoft.com/office/powerpoint/2010/main" val="1000577861"/>
       </p:ext>
     </p:extLst>
   </p:cSld>
@@ -21855,8 +22474,8 @@
         </p:nvSpPr>
         <p:spPr>
           <a:xfrm>
-            <a:off x="152400" y="914400"/>
-            <a:ext cx="8001000" cy="5105400"/>
+            <a:off x="114300" y="884238"/>
+            <a:ext cx="8915400" cy="5105400"/>
           </a:xfrm>
         </p:spPr>
         <p:txBody>
@@ -21864,153 +22483,158 @@
           <a:lstStyle/>
           <a:p>
             <a:r>
+              <a:rPr lang="en-US" sz="2400" dirty="0"/>
+              <a:t>Ongoing debate/issue </a:t>
+            </a:r>
+          </a:p>
+          <a:p>
+            <a:pPr lvl="1"/>
+            <a:r>
               <a:rPr lang="en-US" sz="2000" dirty="0"/>
-              <a:t>Relational </a:t>
+              <a:t>Cloud computing seems to eschew </a:t>
             </a:r>
             <a:r>
               <a:rPr lang="en-US" sz="2000" dirty="0" err="1"/>
               <a:t>DBMSs</a:t>
             </a:r>
-            <a:endParaRPr lang="en-US" sz="2000" dirty="0"/>
+            <a:r>
+              <a:rPr lang="en-US" sz="2000" dirty="0"/>
+              <a:t> in favor of homegrown solutions</a:t>
+            </a:r>
           </a:p>
           <a:p>
             <a:pPr lvl="1"/>
             <a:r>
-              <a:rPr lang="en-US" sz="1800" dirty="0"/>
-              <a:t>Oracle, IBM DB2, Microsoft SQL Server, Sybase, Amazon RDS/Aurora</a:t>
-            </a:r>
-          </a:p>
-          <a:p>
-            <a:pPr lvl="6"/>
-            <a:endParaRPr lang="en-US" sz="1200" dirty="0"/>
-          </a:p>
-          <a:p>
-            <a:r>
               <a:rPr lang="en-US" sz="2000" dirty="0"/>
-              <a:t>Open source alternatives</a:t>
+              <a:t>E.g. Google, </a:t>
+            </a:r>
+            <a:r>
+              <a:rPr lang="en-US" sz="2000" dirty="0" err="1"/>
+              <a:t>Facebook</a:t>
+            </a:r>
+            <a:r>
+              <a:rPr lang="en-US" sz="2000" dirty="0"/>
+              <a:t>, Amazon etc…</a:t>
+            </a:r>
+          </a:p>
+          <a:p>
+            <a:pPr lvl="3"/>
+            <a:endParaRPr lang="en-US" sz="1400" dirty="0"/>
+          </a:p>
+          <a:p>
+            <a:r>
+              <a:rPr lang="en-US" sz="2400" dirty="0" err="1"/>
+              <a:t>MapReduce</a:t>
+            </a:r>
+            <a:r>
+              <a:rPr lang="en-US" sz="2400" dirty="0"/>
+              <a:t>: A paradigm for large-scale data analysis</a:t>
             </a:r>
           </a:p>
           <a:p>
             <a:pPr lvl="1"/>
             <a:r>
-              <a:rPr lang="en-US" sz="1800" dirty="0"/>
-              <a:t>MySQL, </a:t>
-            </a:r>
-            <a:r>
-              <a:rPr lang="en-US" sz="1800" dirty="0">
+              <a:rPr lang="en-US" sz="2000" dirty="0" err="1"/>
+              <a:t>Hadoop</a:t>
+            </a:r>
+            <a:r>
+              <a:rPr lang="en-US" sz="2000" dirty="0"/>
+              <a:t>: An open source implementation</a:t>
+            </a:r>
+          </a:p>
+          <a:p>
+            <a:pPr lvl="1"/>
+            <a:r>
+              <a:rPr lang="en-US" sz="2000" dirty="0">
                 <a:solidFill>
                   <a:srgbClr val="FF0000"/>
                 </a:solidFill>
               </a:rPr>
-              <a:t>PostgreSQL</a:t>
-            </a:r>
+              <a:t>Apache Spark</a:t>
+            </a:r>
+            <a:r>
+              <a:rPr lang="en-US" sz="2000" dirty="0"/>
+              <a:t>: a better open source implementation</a:t>
+            </a:r>
+          </a:p>
+          <a:p>
+            <a:pPr lvl="3"/>
+            <a:endParaRPr lang="en-US" sz="1400" dirty="0"/>
+          </a:p>
+          <a:p>
+            <a:r>
+              <a:rPr lang="en-US" sz="2400" dirty="0"/>
+              <a:t>Why ? </a:t>
+            </a:r>
+          </a:p>
+          <a:p>
+            <a:pPr lvl="1"/>
+            <a:r>
+              <a:rPr lang="en-US" sz="2000" dirty="0" err="1"/>
+              <a:t>DBMSs</a:t>
+            </a:r>
+            <a:r>
+              <a:rPr lang="en-US" sz="2000" dirty="0"/>
+              <a:t> can’t scale to the needs, not fault-tolerant enough</a:t>
+            </a:r>
+          </a:p>
+          <a:p>
+            <a:pPr lvl="2"/>
             <a:r>
               <a:rPr lang="en-US" sz="1800" dirty="0"/>
-              <a:t>, </a:t>
+              <a:t>These apps don’t need things like transactions, that complicate </a:t>
             </a:r>
             <a:r>
               <a:rPr lang="en-US" sz="1800" dirty="0" err="1"/>
-              <a:t>BerkeleyDB</a:t>
+              <a:t>DBMSs</a:t>
             </a:r>
             <a:r>
               <a:rPr lang="en-US" sz="1800" dirty="0"/>
-              <a:t> (mainly a storage engine – no SQL) …</a:t>
-            </a:r>
-          </a:p>
-          <a:p>
-            <a:pPr lvl="3"/>
-            <a:endParaRPr lang="en-US" sz="1800" dirty="0"/>
-          </a:p>
-          <a:p>
+              <a:t> (???)</a:t>
+            </a:r>
+          </a:p>
+          <a:p>
+            <a:pPr lvl="1"/>
+            <a:r>
+              <a:rPr lang="en-US" sz="2000" dirty="0" err="1"/>
+              <a:t>Mapreduce</a:t>
+            </a:r>
             <a:r>
               <a:rPr lang="en-US" sz="2000" dirty="0"/>
-              <a:t>Other Data Models</a:t>
+              <a:t> favors Unix-style programming, doesn’t require SQL</a:t>
+            </a:r>
+          </a:p>
+          <a:p>
+            <a:pPr lvl="2"/>
+            <a:r>
+              <a:rPr lang="en-US" sz="2000" dirty="0"/>
+              <a:t>Try writing </a:t>
+            </a:r>
+            <a:r>
+              <a:rPr lang="en-US" sz="2000" dirty="0" err="1"/>
+              <a:t>SVMs</a:t>
+            </a:r>
+            <a:r>
+              <a:rPr lang="en-US" sz="2000" dirty="0"/>
+              <a:t> or decision trees in SQL</a:t>
             </a:r>
           </a:p>
           <a:p>
             <a:pPr lvl="1"/>
             <a:r>
-              <a:rPr lang="en-US" sz="1800" dirty="0"/>
-              <a:t>Neo4j (Graph), MongoDB (Document), </a:t>
-            </a:r>
-            <a:r>
-              <a:rPr lang="en-US" sz="1800" dirty="0" err="1"/>
-              <a:t>CosmosDB</a:t>
-            </a:r>
-            <a:r>
-              <a:rPr lang="en-US" sz="1800" dirty="0"/>
-              <a:t> (many)</a:t>
-            </a:r>
-          </a:p>
-          <a:p>
-            <a:pPr lvl="6"/>
-            <a:endParaRPr lang="en-US" sz="1200" dirty="0"/>
-          </a:p>
-          <a:p>
-            <a:r>
               <a:rPr lang="en-US" sz="2000" dirty="0"/>
-              <a:t>Data Warehousing Solutions</a:t>
-            </a:r>
-          </a:p>
-          <a:p>
-            <a:pPr lvl="1"/>
-            <a:r>
-              <a:rPr lang="en-US" sz="1800" dirty="0"/>
-              <a:t>Geared towards very large volumes of data and on analyzing them</a:t>
-            </a:r>
-          </a:p>
-          <a:p>
-            <a:pPr lvl="1"/>
-            <a:r>
-              <a:rPr lang="en-US" sz="1800" dirty="0"/>
-              <a:t>Long list: Teradata, Oracle Exadata, Netezza (based on FPGAs), Aster Data (founded 2005), Vertica (column-based), </a:t>
-            </a:r>
-            <a:r>
-              <a:rPr lang="en-US" sz="1800" dirty="0" err="1"/>
-              <a:t>Kickfire</a:t>
-            </a:r>
-            <a:r>
-              <a:rPr lang="en-US" sz="1800" dirty="0"/>
-              <a:t>, </a:t>
-            </a:r>
-            <a:r>
-              <a:rPr lang="en-US" sz="1800" dirty="0" err="1"/>
-              <a:t>Xtremedata</a:t>
-            </a:r>
-            <a:r>
-              <a:rPr lang="en-US" sz="1800" dirty="0"/>
-              <a:t>..</a:t>
-            </a:r>
-          </a:p>
-          <a:p>
-            <a:pPr lvl="1"/>
-            <a:r>
-              <a:rPr lang="en-US" sz="1800" dirty="0"/>
-              <a:t>Usually sell package/services and charge per TB of managed data</a:t>
-            </a:r>
-          </a:p>
-          <a:p>
-            <a:pPr lvl="1"/>
-            <a:r>
-              <a:rPr lang="en-US" sz="1800" dirty="0"/>
-              <a:t>Many (especially recent ones) start with </a:t>
-            </a:r>
-            <a:r>
-              <a:rPr lang="en-US" sz="1800" dirty="0" err="1"/>
-              <a:t>MySQL</a:t>
-            </a:r>
-            <a:r>
-              <a:rPr lang="en-US" sz="1800" dirty="0"/>
-              <a:t> or </a:t>
-            </a:r>
-            <a:r>
-              <a:rPr lang="en-US" sz="1800" dirty="0" err="1"/>
-              <a:t>PostgreSQL</a:t>
-            </a:r>
-            <a:r>
-              <a:rPr lang="en-US" sz="1800" dirty="0"/>
-              <a:t> and make them parallel/faster etc..</a:t>
-            </a:r>
+              <a:t>Cost</a:t>
+            </a:r>
+          </a:p>
+          <a:p>
+            <a:pPr lvl="2"/>
+            <a:r>
+              <a:rPr lang="en-US" dirty="0"/>
+              <a:t>Companies like Teradata may charge $100,000                                            per TB of data managed</a:t>
+            </a:r>
+          </a:p>
+          <a:p>
+            <a:endParaRPr lang="en-US" sz="2400" dirty="0"/>
           </a:p>
         </p:txBody>
       </p:sp>
@@ -22026,12 +22650,14 @@
         </p:nvSpPr>
         <p:spPr/>
         <p:txBody>
-          <a:bodyPr/>
+          <a:bodyPr>
+            <a:normAutofit fontScale="90000"/>
+          </a:bodyPr>
           <a:lstStyle/>
           <a:p>
             <a:r>
               <a:rPr lang="en-US" dirty="0"/>
-              <a:t>Current Industry Outlook </a:t>
+              <a:t>Web Scale Data Management, Analysis</a:t>
             </a:r>
           </a:p>
         </p:txBody>
@@ -22039,7 +22665,7 @@
     </p:spTree>
     <p:extLst>
       <p:ext uri="{BB962C8B-B14F-4D97-AF65-F5344CB8AC3E}">
-        <p14:creationId xmlns:p14="http://schemas.microsoft.com/office/powerpoint/2010/main" val="1000577861"/>
+        <p14:creationId xmlns:p14="http://schemas.microsoft.com/office/powerpoint/2010/main" val="466351235"/>
       </p:ext>
     </p:extLst>
   </p:cSld>
@@ -22078,167 +22704,143 @@
         </p:nvSpPr>
         <p:spPr>
           <a:xfrm>
-            <a:off x="114300" y="884238"/>
-            <a:ext cx="8915400" cy="5105400"/>
+            <a:off x="0" y="609600"/>
+            <a:ext cx="9144000" cy="5029200"/>
           </a:xfrm>
+          <a:solidFill>
+            <a:schemeClr val="bg1"/>
+          </a:solidFill>
         </p:spPr>
         <p:txBody>
           <a:bodyPr/>
           <a:lstStyle/>
           <a:p>
+            <a:pPr lvl="5">
+              <a:buNone/>
+            </a:pPr>
+            <a:endParaRPr lang="en-US" sz="1600" dirty="0"/>
+          </a:p>
+          <a:p>
+            <a:r>
+              <a:rPr lang="en-US" sz="2400" dirty="0" err="1"/>
+              <a:t>Bigtable</a:t>
+            </a:r>
             <a:r>
               <a:rPr lang="en-US" sz="2400" dirty="0"/>
-              <a:t>Ongoing debate/issue </a:t>
+              <a:t>-like</a:t>
             </a:r>
           </a:p>
           <a:p>
             <a:pPr lvl="1"/>
             <a:r>
               <a:rPr lang="en-US" sz="2000" dirty="0"/>
-              <a:t>Cloud computing seems to eschew </a:t>
-            </a:r>
-            <a:r>
-              <a:rPr lang="en-US" sz="2000" dirty="0" err="1"/>
-              <a:t>DBMSs</a:t>
-            </a:r>
+              <a:t>Called “key-value stores”</a:t>
+            </a:r>
+          </a:p>
+          <a:p>
+            <a:pPr lvl="1"/>
             <a:r>
               <a:rPr lang="en-US" sz="2000" dirty="0"/>
-              <a:t> in favor of homegrown solutions</a:t>
+              <a:t>Think highly distributed hash tables</a:t>
             </a:r>
           </a:p>
           <a:p>
             <a:pPr lvl="1"/>
             <a:r>
               <a:rPr lang="en-US" sz="2000" dirty="0"/>
-              <a:t>E.g. Google, </a:t>
-            </a:r>
-            <a:r>
-              <a:rPr lang="en-US" sz="2000" dirty="0" err="1"/>
-              <a:t>Facebook</a:t>
-            </a:r>
+              <a:t>Allow some transactional capabilities – still evolving area</a:t>
+            </a:r>
+          </a:p>
+          <a:p>
+            <a:pPr lvl="1"/>
             <a:r>
               <a:rPr lang="en-US" sz="2000" dirty="0"/>
-              <a:t>, Amazon etc…</a:t>
-            </a:r>
-          </a:p>
-          <a:p>
-            <a:pPr lvl="3"/>
-            <a:endParaRPr lang="en-US" sz="1400" dirty="0"/>
-          </a:p>
-          <a:p>
-            <a:r>
-              <a:rPr lang="en-US" sz="2400" dirty="0" err="1"/>
-              <a:t>MapReduce</a:t>
-            </a:r>
-            <a:r>
-              <a:rPr lang="en-US" sz="2400" dirty="0"/>
-              <a:t>: A paradigm for large-scale data analysis</a:t>
-            </a:r>
-          </a:p>
-          <a:p>
-            <a:pPr lvl="1"/>
-            <a:r>
-              <a:rPr lang="en-US" sz="2000" dirty="0" err="1"/>
-              <a:t>Hadoop</a:t>
-            </a:r>
-            <a:r>
-              <a:rPr lang="en-US" sz="2000" dirty="0"/>
-              <a:t>: An open source implementation</a:t>
-            </a:r>
-          </a:p>
-          <a:p>
-            <a:pPr lvl="1"/>
+              <a:t>PNUTS (Yahoo), </a:t>
+            </a:r>
             <a:r>
               <a:rPr lang="en-US" sz="2000" dirty="0">
                 <a:solidFill>
                   <a:srgbClr val="FF0000"/>
                 </a:solidFill>
               </a:rPr>
-              <a:t>Apache Spark</a:t>
+              <a:t>Apache Cassandra </a:t>
             </a:r>
             <a:r>
               <a:rPr lang="en-US" sz="2000" dirty="0"/>
-              <a:t>: a better open source implementation</a:t>
+              <a:t>(Facebook), Dynamo (Amazon), and many many others</a:t>
+            </a:r>
+          </a:p>
+          <a:p>
+            <a:pPr lvl="2"/>
+            <a:endParaRPr lang="en-US" sz="1800" dirty="0" err="1"/>
+          </a:p>
+          <a:p>
+            <a:r>
+              <a:rPr lang="en-US" sz="2400" dirty="0" err="1"/>
+              <a:t>Mapreduce</a:t>
+            </a:r>
+            <a:r>
+              <a:rPr lang="en-US" sz="2400" dirty="0"/>
+              <a:t>-like</a:t>
+            </a:r>
+          </a:p>
+          <a:p>
+            <a:pPr lvl="1"/>
+            <a:r>
+              <a:rPr lang="en-US" sz="2000" dirty="0" err="1"/>
+              <a:t>Hadoop</a:t>
+            </a:r>
+            <a:r>
+              <a:rPr lang="en-US" sz="2000" dirty="0"/>
+              <a:t> (open source), Pig (@Yahoo), Dryad (@Microsoft), Spark</a:t>
+            </a:r>
+          </a:p>
+          <a:p>
+            <a:pPr lvl="1"/>
+            <a:r>
+              <a:rPr lang="en-US" sz="2000" dirty="0"/>
+              <a:t>Amazon EC2 Framework</a:t>
+            </a:r>
+          </a:p>
+          <a:p>
+            <a:pPr lvl="1"/>
+            <a:r>
+              <a:rPr lang="en-US" sz="2000" dirty="0"/>
+              <a:t>Not really a database – but increasing declarative SQL-like capabilities are being added (e.g. HIVE at </a:t>
+            </a:r>
+            <a:r>
+              <a:rPr lang="en-US" sz="2000" dirty="0" err="1"/>
+              <a:t>Facebook</a:t>
+            </a:r>
+            <a:r>
+              <a:rPr lang="en-US" sz="2000" dirty="0"/>
+              <a:t>)</a:t>
             </a:r>
           </a:p>
           <a:p>
             <a:pPr lvl="3"/>
-            <a:endParaRPr lang="en-US" sz="1400" dirty="0"/>
+            <a:endParaRPr lang="en-US" sz="1600" dirty="0"/>
           </a:p>
           <a:p>
             <a:r>
               <a:rPr lang="en-US" sz="2400" dirty="0"/>
-              <a:t>Why ? </a:t>
-            </a:r>
+              <a:t>Much ongoing research in industry and academia</a:t>
+            </a:r>
+          </a:p>
+          <a:p>
+            <a:endParaRPr lang="en-US" sz="2400" dirty="0"/>
+          </a:p>
+          <a:p>
+            <a:pPr lvl="5"/>
+            <a:endParaRPr lang="en-US" sz="1600" dirty="0"/>
           </a:p>
           <a:p>
             <a:pPr lvl="1"/>
-            <a:r>
-              <a:rPr lang="en-US" sz="2000" dirty="0" err="1"/>
-              <a:t>DBMSs</a:t>
-            </a:r>
-            <a:r>
-              <a:rPr lang="en-US" sz="2000" dirty="0"/>
-              <a:t> can’t scale to the needs, not fault-tolerant enough</a:t>
-            </a:r>
-          </a:p>
-          <a:p>
-            <a:pPr lvl="2"/>
-            <a:r>
-              <a:rPr lang="en-US" sz="1800" dirty="0"/>
-              <a:t>These apps don’t need things like transactions, that complicate </a:t>
-            </a:r>
-            <a:r>
-              <a:rPr lang="en-US" sz="1800" dirty="0" err="1"/>
-              <a:t>DBMSs</a:t>
-            </a:r>
-            <a:r>
-              <a:rPr lang="en-US" sz="1800" dirty="0"/>
-              <a:t> (???)</a:t>
-            </a:r>
-          </a:p>
-          <a:p>
-            <a:pPr lvl="1"/>
-            <a:r>
-              <a:rPr lang="en-US" sz="2000" dirty="0" err="1"/>
-              <a:t>Mapreduce</a:t>
-            </a:r>
-            <a:r>
-              <a:rPr lang="en-US" sz="2000" dirty="0"/>
-              <a:t> favors Unix-style programming, doesn’t require SQL</a:t>
-            </a:r>
-          </a:p>
-          <a:p>
-            <a:pPr lvl="2"/>
-            <a:r>
-              <a:rPr lang="en-US" sz="2000" dirty="0"/>
-              <a:t>Try writing </a:t>
-            </a:r>
-            <a:r>
-              <a:rPr lang="en-US" sz="2000" dirty="0" err="1"/>
-              <a:t>SVMs</a:t>
-            </a:r>
-            <a:r>
-              <a:rPr lang="en-US" sz="2000" dirty="0"/>
-              <a:t> or decision trees in SQL</a:t>
-            </a:r>
-          </a:p>
-          <a:p>
-            <a:pPr lvl="1"/>
-            <a:r>
-              <a:rPr lang="en-US" sz="2000" dirty="0"/>
-              <a:t>Cost</a:t>
-            </a:r>
-          </a:p>
-          <a:p>
-            <a:pPr lvl="2"/>
-            <a:r>
-              <a:rPr lang="en-US" dirty="0"/>
-              <a:t>Companies like Teradata may charge $100,000                                            per TB of data managed</a:t>
-            </a:r>
-          </a:p>
-          <a:p>
-            <a:endParaRPr lang="en-US" sz="2400" dirty="0"/>
+            <a:endParaRPr lang="en-US" sz="2000" dirty="0"/>
+          </a:p>
+          <a:p>
+            <a:pPr lvl="5"/>
+            <a:endParaRPr lang="en-US" sz="1600" dirty="0"/>
           </a:p>
         </p:txBody>
       </p:sp>
@@ -22254,14 +22856,12 @@
         </p:nvSpPr>
         <p:spPr/>
         <p:txBody>
-          <a:bodyPr>
-            <a:normAutofit fontScale="90000"/>
-          </a:bodyPr>
+          <a:bodyPr/>
           <a:lstStyle/>
           <a:p>
             <a:r>
               <a:rPr lang="en-US" dirty="0"/>
-              <a:t>Web Scale Data Management, Analysis</a:t>
+              <a:t>Current Industry Outlook</a:t>
             </a:r>
           </a:p>
         </p:txBody>
@@ -22269,7 +22869,7 @@
     </p:spTree>
     <p:extLst>
       <p:ext uri="{BB962C8B-B14F-4D97-AF65-F5344CB8AC3E}">
-        <p14:creationId xmlns:p14="http://schemas.microsoft.com/office/powerpoint/2010/main" val="466351235"/>
+        <p14:creationId xmlns:p14="http://schemas.microsoft.com/office/powerpoint/2010/main" val="3581322211"/>
       </p:ext>
     </p:extLst>
   </p:cSld>
@@ -22298,210 +22898,6 @@
       </p:grpSpPr>
       <p:sp>
         <p:nvSpPr>
-          <p:cNvPr id="2" name="Content Placeholder 1"/>
-          <p:cNvSpPr>
-            <a:spLocks noGrp="1"/>
-          </p:cNvSpPr>
-          <p:nvPr>
-            <p:ph idx="1"/>
-          </p:nvPr>
-        </p:nvSpPr>
-        <p:spPr>
-          <a:xfrm>
-            <a:off x="0" y="609600"/>
-            <a:ext cx="9144000" cy="5029200"/>
-          </a:xfrm>
-          <a:solidFill>
-            <a:schemeClr val="bg1"/>
-          </a:solidFill>
-        </p:spPr>
-        <p:txBody>
-          <a:bodyPr/>
-          <a:lstStyle/>
-          <a:p>
-            <a:pPr lvl="5">
-              <a:buNone/>
-            </a:pPr>
-            <a:endParaRPr lang="en-US" sz="1600" dirty="0"/>
-          </a:p>
-          <a:p>
-            <a:r>
-              <a:rPr lang="en-US" sz="2400" dirty="0" err="1"/>
-              <a:t>Bigtable</a:t>
-            </a:r>
-            <a:r>
-              <a:rPr lang="en-US" sz="2400" dirty="0"/>
-              <a:t>-like</a:t>
-            </a:r>
-          </a:p>
-          <a:p>
-            <a:pPr lvl="1"/>
-            <a:r>
-              <a:rPr lang="en-US" sz="2000" dirty="0"/>
-              <a:t>Called “key-value stores”</a:t>
-            </a:r>
-          </a:p>
-          <a:p>
-            <a:pPr lvl="1"/>
-            <a:r>
-              <a:rPr lang="en-US" sz="2000" dirty="0"/>
-              <a:t>Think highly distributed hash tables</a:t>
-            </a:r>
-          </a:p>
-          <a:p>
-            <a:pPr lvl="1"/>
-            <a:r>
-              <a:rPr lang="en-US" sz="2000" dirty="0"/>
-              <a:t>Allow some transactional capabilities – still evolving area</a:t>
-            </a:r>
-          </a:p>
-          <a:p>
-            <a:pPr lvl="1"/>
-            <a:r>
-              <a:rPr lang="en-US" sz="2000" dirty="0"/>
-              <a:t>PNUTS (Yahoo), </a:t>
-            </a:r>
-            <a:r>
-              <a:rPr lang="en-US" sz="2000" dirty="0">
-                <a:solidFill>
-                  <a:srgbClr val="FF0000"/>
-                </a:solidFill>
-              </a:rPr>
-              <a:t>Apache Cassandra </a:t>
-            </a:r>
-            <a:r>
-              <a:rPr lang="en-US" sz="2000" dirty="0"/>
-              <a:t>(Facebook), Dynamo (Amazon), and many many others</a:t>
-            </a:r>
-          </a:p>
-          <a:p>
-            <a:pPr lvl="2"/>
-            <a:endParaRPr lang="en-US" sz="1800" dirty="0" err="1"/>
-          </a:p>
-          <a:p>
-            <a:r>
-              <a:rPr lang="en-US" sz="2400" dirty="0" err="1"/>
-              <a:t>Mapreduce</a:t>
-            </a:r>
-            <a:r>
-              <a:rPr lang="en-US" sz="2400" dirty="0"/>
-              <a:t>-like</a:t>
-            </a:r>
-          </a:p>
-          <a:p>
-            <a:pPr lvl="1"/>
-            <a:r>
-              <a:rPr lang="en-US" sz="2000" dirty="0" err="1"/>
-              <a:t>Hadoop</a:t>
-            </a:r>
-            <a:r>
-              <a:rPr lang="en-US" sz="2000" dirty="0"/>
-              <a:t> (open source), Pig (@Yahoo), Dryad (@Microsoft), Spark</a:t>
-            </a:r>
-          </a:p>
-          <a:p>
-            <a:pPr lvl="1"/>
-            <a:r>
-              <a:rPr lang="en-US" sz="2000" dirty="0"/>
-              <a:t>Amazon EC2 Framework</a:t>
-            </a:r>
-          </a:p>
-          <a:p>
-            <a:pPr lvl="1"/>
-            <a:r>
-              <a:rPr lang="en-US" sz="2000" dirty="0"/>
-              <a:t>Not really a database – but increasing declarative SQL-like capabilities are being added (e.g. HIVE at </a:t>
-            </a:r>
-            <a:r>
-              <a:rPr lang="en-US" sz="2000" dirty="0" err="1"/>
-              <a:t>Facebook</a:t>
-            </a:r>
-            <a:r>
-              <a:rPr lang="en-US" sz="2000" dirty="0"/>
-              <a:t>)</a:t>
-            </a:r>
-          </a:p>
-          <a:p>
-            <a:pPr lvl="3"/>
-            <a:endParaRPr lang="en-US" sz="1600" dirty="0"/>
-          </a:p>
-          <a:p>
-            <a:r>
-              <a:rPr lang="en-US" sz="2400" dirty="0"/>
-              <a:t>Much ongoing research in industry and academia</a:t>
-            </a:r>
-          </a:p>
-          <a:p>
-            <a:endParaRPr lang="en-US" sz="2400" dirty="0"/>
-          </a:p>
-          <a:p>
-            <a:pPr lvl="5"/>
-            <a:endParaRPr lang="en-US" sz="1600" dirty="0"/>
-          </a:p>
-          <a:p>
-            <a:pPr lvl="1"/>
-            <a:endParaRPr lang="en-US" sz="2000" dirty="0"/>
-          </a:p>
-          <a:p>
-            <a:pPr lvl="5"/>
-            <a:endParaRPr lang="en-US" sz="1600" dirty="0"/>
-          </a:p>
-        </p:txBody>
-      </p:sp>
-      <p:sp>
-        <p:nvSpPr>
-          <p:cNvPr id="3" name="Title 2"/>
-          <p:cNvSpPr>
-            <a:spLocks noGrp="1"/>
-          </p:cNvSpPr>
-          <p:nvPr>
-            <p:ph type="title"/>
-          </p:nvPr>
-        </p:nvSpPr>
-        <p:spPr/>
-        <p:txBody>
-          <a:bodyPr/>
-          <a:lstStyle/>
-          <a:p>
-            <a:r>
-              <a:rPr lang="en-US" dirty="0"/>
-              <a:t>Current Industry Outlook</a:t>
-            </a:r>
-          </a:p>
-        </p:txBody>
-      </p:sp>
-    </p:spTree>
-    <p:extLst>
-      <p:ext uri="{BB962C8B-B14F-4D97-AF65-F5344CB8AC3E}">
-        <p14:creationId xmlns:p14="http://schemas.microsoft.com/office/powerpoint/2010/main" val="3581322211"/>
-      </p:ext>
-    </p:extLst>
-  </p:cSld>
-  <p:clrMapOvr>
-    <a:masterClrMapping/>
-  </p:clrMapOvr>
-</p:sld>
-</file>
-
-<file path=ppt/slides/slide49.xml><?xml version="1.0" encoding="utf-8"?>
-<p:sld xmlns:a="http://schemas.openxmlformats.org/drawingml/2006/main" xmlns:r="http://schemas.openxmlformats.org/officeDocument/2006/relationships" xmlns:p="http://schemas.openxmlformats.org/presentationml/2006/main">
-  <p:cSld>
-    <p:spTree>
-      <p:nvGrpSpPr>
-        <p:cNvPr id="1" name=""/>
-        <p:cNvGrpSpPr/>
-        <p:nvPr/>
-      </p:nvGrpSpPr>
-      <p:grpSpPr>
-        <a:xfrm>
-          <a:off x="0" y="0"/>
-          <a:ext cx="0" cy="0"/>
-          <a:chOff x="0" y="0"/>
-          <a:chExt cx="0" cy="0"/>
-        </a:xfrm>
-      </p:grpSpPr>
-      <p:sp>
-        <p:nvSpPr>
           <p:cNvPr id="2" name="Content Placeholder 1">
             <a:extLst>
               <a:ext uri="{FF2B5EF4-FFF2-40B4-BE49-F238E27FC236}">
@@ -22643,306 +23039,7 @@
 </p:sld>
 </file>
 
-<file path=ppt/slides/slide5.xml><?xml version="1.0" encoding="utf-8"?>
-<p:sld xmlns:a="http://schemas.openxmlformats.org/drawingml/2006/main" xmlns:r="http://schemas.openxmlformats.org/officeDocument/2006/relationships" xmlns:p="http://schemas.openxmlformats.org/presentationml/2006/main">
-  <p:cSld>
-    <p:spTree>
-      <p:nvGrpSpPr>
-        <p:cNvPr id="1" name=""/>
-        <p:cNvGrpSpPr/>
-        <p:nvPr/>
-      </p:nvGrpSpPr>
-      <p:grpSpPr>
-        <a:xfrm>
-          <a:off x="0" y="0"/>
-          <a:ext cx="0" cy="0"/>
-          <a:chOff x="0" y="0"/>
-          <a:chExt cx="0" cy="0"/>
-        </a:xfrm>
-      </p:grpSpPr>
-      <p:sp>
-        <p:nvSpPr>
-          <p:cNvPr id="41986" name="Rectangle 3"/>
-          <p:cNvSpPr>
-            <a:spLocks noGrp="1" noChangeArrowheads="1"/>
-          </p:cNvSpPr>
-          <p:nvPr>
-            <p:ph idx="1"/>
-          </p:nvPr>
-        </p:nvSpPr>
-        <p:spPr/>
-        <p:txBody>
-          <a:bodyPr/>
-          <a:lstStyle/>
-          <a:p>
-            <a:pPr eaLnBrk="1" hangingPunct="1">
-              <a:lnSpc>
-                <a:spcPct val="80000"/>
-              </a:lnSpc>
-              <a:spcAft>
-                <a:spcPts val="600"/>
-              </a:spcAft>
-            </a:pPr>
-            <a:r>
-              <a:rPr lang="en-US" sz="2800" dirty="0">
-                <a:latin typeface="Calibri" charset="0"/>
-              </a:rPr>
-              <a:t>Instructor: Amol Deshpande</a:t>
-            </a:r>
-          </a:p>
-          <a:p>
-            <a:pPr lvl="1" eaLnBrk="1" hangingPunct="1">
-              <a:lnSpc>
-                <a:spcPct val="80000"/>
-              </a:lnSpc>
-              <a:spcAft>
-                <a:spcPts val="600"/>
-              </a:spcAft>
-            </a:pPr>
-            <a:r>
-              <a:rPr lang="en-US" sz="2400" dirty="0">
-                <a:latin typeface="Calibri" charset="0"/>
-              </a:rPr>
-              <a:t>5154 IRB</a:t>
-            </a:r>
-          </a:p>
-          <a:p>
-            <a:pPr lvl="1" eaLnBrk="1" hangingPunct="1">
-              <a:lnSpc>
-                <a:spcPct val="80000"/>
-              </a:lnSpc>
-              <a:spcAft>
-                <a:spcPts val="600"/>
-              </a:spcAft>
-            </a:pPr>
-            <a:r>
-              <a:rPr lang="en-US" sz="2400" dirty="0">
-                <a:latin typeface="Calibri" charset="0"/>
-                <a:hlinkClick r:id="rId3"/>
-              </a:rPr>
-              <a:t>amol@umd.edu</a:t>
-            </a:r>
-            <a:endParaRPr lang="en-US" sz="2400" dirty="0">
-              <a:latin typeface="Calibri" charset="0"/>
-            </a:endParaRPr>
-          </a:p>
-          <a:p>
-            <a:pPr lvl="1" eaLnBrk="1" hangingPunct="1">
-              <a:lnSpc>
-                <a:spcPct val="80000"/>
-              </a:lnSpc>
-              <a:spcAft>
-                <a:spcPts val="600"/>
-              </a:spcAft>
-            </a:pPr>
-            <a:r>
-              <a:rPr lang="en-US" sz="2400" dirty="0">
-                <a:latin typeface="Calibri" charset="0"/>
-              </a:rPr>
-              <a:t>Class Webpage: 	ELMS</a:t>
-            </a:r>
-          </a:p>
-          <a:p>
-            <a:pPr lvl="1" eaLnBrk="1" hangingPunct="1">
-              <a:lnSpc>
-                <a:spcPct val="80000"/>
-              </a:lnSpc>
-              <a:spcAft>
-                <a:spcPts val="600"/>
-              </a:spcAft>
-            </a:pPr>
-            <a:endParaRPr lang="en-US" sz="2800" dirty="0">
-              <a:latin typeface="Calibri" charset="0"/>
-            </a:endParaRPr>
-          </a:p>
-          <a:p>
-            <a:pPr eaLnBrk="1" hangingPunct="1">
-              <a:lnSpc>
-                <a:spcPct val="80000"/>
-              </a:lnSpc>
-              <a:spcAft>
-                <a:spcPts val="600"/>
-              </a:spcAft>
-            </a:pPr>
-            <a:r>
-              <a:rPr lang="en-US" sz="2800" dirty="0">
-                <a:latin typeface="Calibri" charset="0"/>
-              </a:rPr>
-              <a:t>Email to me: write CMSC424 in the title</a:t>
-            </a:r>
-          </a:p>
-          <a:p>
-            <a:pPr lvl="1" eaLnBrk="1" hangingPunct="1">
-              <a:lnSpc>
-                <a:spcPct val="80000"/>
-              </a:lnSpc>
-              <a:spcAft>
-                <a:spcPts val="600"/>
-              </a:spcAft>
-            </a:pPr>
-            <a:r>
-              <a:rPr lang="en-US" sz="2000" dirty="0">
-                <a:latin typeface="Calibri" charset="0"/>
-              </a:rPr>
-              <a:t>Only if </a:t>
-            </a:r>
-            <a:r>
-              <a:rPr lang="en-US" sz="2000" dirty="0" err="1">
-                <a:latin typeface="Calibri" charset="0"/>
-              </a:rPr>
-              <a:t>CampusWire</a:t>
-            </a:r>
-            <a:r>
-              <a:rPr lang="en-US" sz="2000" dirty="0">
-                <a:latin typeface="Calibri" charset="0"/>
-              </a:rPr>
-              <a:t> not suitable for some reason</a:t>
-            </a:r>
-          </a:p>
-          <a:p>
-            <a:pPr lvl="1" eaLnBrk="1" hangingPunct="1">
-              <a:lnSpc>
-                <a:spcPct val="80000"/>
-              </a:lnSpc>
-              <a:spcAft>
-                <a:spcPts val="600"/>
-              </a:spcAft>
-            </a:pPr>
-            <a:r>
-              <a:rPr lang="en-US" sz="2000" dirty="0" err="1">
-                <a:latin typeface="Calibri" charset="0"/>
-              </a:rPr>
-              <a:t>CampusWire</a:t>
-            </a:r>
-            <a:r>
-              <a:rPr lang="en-US" sz="2000" dirty="0">
-                <a:latin typeface="Calibri" charset="0"/>
-              </a:rPr>
-              <a:t> allows personal messages</a:t>
-            </a:r>
-          </a:p>
-          <a:p>
-            <a:pPr lvl="1" eaLnBrk="1" hangingPunct="1">
-              <a:lnSpc>
-                <a:spcPct val="80000"/>
-              </a:lnSpc>
-              <a:spcAft>
-                <a:spcPts val="600"/>
-              </a:spcAft>
-            </a:pPr>
-            <a:endParaRPr lang="en-US" sz="2000" dirty="0">
-              <a:latin typeface="Calibri" charset="0"/>
-            </a:endParaRPr>
-          </a:p>
-          <a:p>
-            <a:r>
-              <a:rPr lang="en-US" sz="2800" dirty="0">
-                <a:latin typeface="Calibri" charset="0"/>
-              </a:rPr>
-              <a:t>TAs: </a:t>
-            </a:r>
-            <a:r>
-              <a:rPr lang="en-US" dirty="0" err="1"/>
-              <a:t>Minghui</a:t>
-            </a:r>
-            <a:r>
-              <a:rPr lang="en-US" dirty="0"/>
-              <a:t> Liu, Nitin </a:t>
-            </a:r>
-            <a:r>
-              <a:rPr lang="en-US" dirty="0" err="1"/>
-              <a:t>Balchandran</a:t>
-            </a:r>
-            <a:r>
-              <a:rPr lang="en-US" dirty="0"/>
-              <a:t>, </a:t>
-            </a:r>
-            <a:r>
-              <a:rPr lang="en-US" dirty="0" err="1"/>
-              <a:t>Qingyang</a:t>
-            </a:r>
-            <a:r>
-              <a:rPr lang="en-US" dirty="0"/>
-              <a:t> Tan, </a:t>
-            </a:r>
-            <a:r>
-              <a:rPr lang="en-US" dirty="0" err="1"/>
-              <a:t>Saptarashmi</a:t>
-            </a:r>
-            <a:r>
-              <a:rPr lang="en-US" dirty="0"/>
-              <a:t> Bandyopadhyay, </a:t>
-            </a:r>
-            <a:r>
-              <a:rPr lang="en-US" dirty="0" err="1"/>
-              <a:t>Yixuan</a:t>
-            </a:r>
-            <a:r>
-              <a:rPr lang="en-US" dirty="0"/>
-              <a:t> Ren, </a:t>
-            </a:r>
-            <a:r>
-              <a:rPr lang="en-US" dirty="0" err="1"/>
-              <a:t>Zhenghang</a:t>
-            </a:r>
-            <a:r>
-              <a:rPr lang="en-US" dirty="0"/>
-              <a:t> Hu</a:t>
-            </a:r>
-          </a:p>
-          <a:p>
-            <a:endParaRPr lang="en-US" sz="2800" dirty="0">
-              <a:latin typeface="Calibri" charset="0"/>
-            </a:endParaRPr>
-          </a:p>
-        </p:txBody>
-      </p:sp>
-      <p:sp>
-        <p:nvSpPr>
-          <p:cNvPr id="448514" name="Rectangle 2"/>
-          <p:cNvSpPr>
-            <a:spLocks noGrp="1" noChangeArrowheads="1"/>
-          </p:cNvSpPr>
-          <p:nvPr>
-            <p:ph type="title"/>
-          </p:nvPr>
-        </p:nvSpPr>
-        <p:spPr/>
-        <p:txBody>
-          <a:bodyPr/>
-          <a:lstStyle/>
-          <a:p>
-            <a:pPr eaLnBrk="1" fontAlgn="auto" hangingPunct="1">
-              <a:spcAft>
-                <a:spcPts val="0"/>
-              </a:spcAft>
-              <a:defRPr/>
-            </a:pPr>
-            <a:r>
-              <a:rPr lang="en-US" dirty="0"/>
-              <a:t>Logistics</a:t>
-            </a:r>
-            <a:endParaRPr lang="en-US" dirty="0">
-              <a:ea typeface="+mj-ea"/>
-              <a:cs typeface="+mj-cs"/>
-            </a:endParaRPr>
-          </a:p>
-        </p:txBody>
-      </p:sp>
-    </p:spTree>
-    <p:extLst>
-      <p:ext uri="{BB962C8B-B14F-4D97-AF65-F5344CB8AC3E}">
-        <p14:creationId xmlns:p14="http://schemas.microsoft.com/office/powerpoint/2010/main" val="2193285777"/>
-      </p:ext>
-    </p:extLst>
-  </p:cSld>
-  <p:clrMapOvr>
-    <a:masterClrMapping/>
-  </p:clrMapOvr>
-</p:sld>
-</file>
-
-<file path=ppt/slides/slide50.xml><?xml version="1.0" encoding="utf-8"?>
+<file path=ppt/slides/slide49.xml><?xml version="1.0" encoding="utf-8"?>
 <p:sld xmlns:a="http://schemas.openxmlformats.org/drawingml/2006/main" xmlns:r="http://schemas.openxmlformats.org/officeDocument/2006/relationships" xmlns:p="http://schemas.openxmlformats.org/presentationml/2006/main">
   <p:cSld>
     <p:spTree>
@@ -23066,7 +23163,306 @@
 </p:sld>
 </file>
 
-<file path=ppt/slides/slide51.xml><?xml version="1.0" encoding="utf-8"?>
+<file path=ppt/slides/slide5.xml><?xml version="1.0" encoding="utf-8"?>
+<p:sld xmlns:a="http://schemas.openxmlformats.org/drawingml/2006/main" xmlns:r="http://schemas.openxmlformats.org/officeDocument/2006/relationships" xmlns:p="http://schemas.openxmlformats.org/presentationml/2006/main">
+  <p:cSld>
+    <p:spTree>
+      <p:nvGrpSpPr>
+        <p:cNvPr id="1" name=""/>
+        <p:cNvGrpSpPr/>
+        <p:nvPr/>
+      </p:nvGrpSpPr>
+      <p:grpSpPr>
+        <a:xfrm>
+          <a:off x="0" y="0"/>
+          <a:ext cx="0" cy="0"/>
+          <a:chOff x="0" y="0"/>
+          <a:chExt cx="0" cy="0"/>
+        </a:xfrm>
+      </p:grpSpPr>
+      <p:sp>
+        <p:nvSpPr>
+          <p:cNvPr id="41986" name="Rectangle 3"/>
+          <p:cNvSpPr>
+            <a:spLocks noGrp="1" noChangeArrowheads="1"/>
+          </p:cNvSpPr>
+          <p:nvPr>
+            <p:ph idx="1"/>
+          </p:nvPr>
+        </p:nvSpPr>
+        <p:spPr/>
+        <p:txBody>
+          <a:bodyPr/>
+          <a:lstStyle/>
+          <a:p>
+            <a:pPr eaLnBrk="1" hangingPunct="1">
+              <a:lnSpc>
+                <a:spcPct val="80000"/>
+              </a:lnSpc>
+              <a:spcAft>
+                <a:spcPts val="600"/>
+              </a:spcAft>
+            </a:pPr>
+            <a:r>
+              <a:rPr lang="en-US" sz="2800" dirty="0">
+                <a:latin typeface="Calibri" charset="0"/>
+              </a:rPr>
+              <a:t>Instructor: Amol Deshpande</a:t>
+            </a:r>
+          </a:p>
+          <a:p>
+            <a:pPr lvl="1" eaLnBrk="1" hangingPunct="1">
+              <a:lnSpc>
+                <a:spcPct val="80000"/>
+              </a:lnSpc>
+              <a:spcAft>
+                <a:spcPts val="600"/>
+              </a:spcAft>
+            </a:pPr>
+            <a:r>
+              <a:rPr lang="en-US" sz="2400" dirty="0">
+                <a:latin typeface="Calibri" charset="0"/>
+              </a:rPr>
+              <a:t>5154 IRB</a:t>
+            </a:r>
+          </a:p>
+          <a:p>
+            <a:pPr lvl="1" eaLnBrk="1" hangingPunct="1">
+              <a:lnSpc>
+                <a:spcPct val="80000"/>
+              </a:lnSpc>
+              <a:spcAft>
+                <a:spcPts val="600"/>
+              </a:spcAft>
+            </a:pPr>
+            <a:r>
+              <a:rPr lang="en-US" sz="2400" dirty="0">
+                <a:latin typeface="Calibri" charset="0"/>
+                <a:hlinkClick r:id="rId3"/>
+              </a:rPr>
+              <a:t>amol@umd.edu</a:t>
+            </a:r>
+            <a:endParaRPr lang="en-US" sz="2400" dirty="0">
+              <a:latin typeface="Calibri" charset="0"/>
+            </a:endParaRPr>
+          </a:p>
+          <a:p>
+            <a:pPr lvl="1" eaLnBrk="1" hangingPunct="1">
+              <a:lnSpc>
+                <a:spcPct val="80000"/>
+              </a:lnSpc>
+              <a:spcAft>
+                <a:spcPts val="600"/>
+              </a:spcAft>
+            </a:pPr>
+            <a:r>
+              <a:rPr lang="en-US" sz="2400" dirty="0">
+                <a:latin typeface="Calibri" charset="0"/>
+              </a:rPr>
+              <a:t>Class Webpage: 	ELMS</a:t>
+            </a:r>
+          </a:p>
+          <a:p>
+            <a:pPr lvl="1" eaLnBrk="1" hangingPunct="1">
+              <a:lnSpc>
+                <a:spcPct val="80000"/>
+              </a:lnSpc>
+              <a:spcAft>
+                <a:spcPts val="600"/>
+              </a:spcAft>
+            </a:pPr>
+            <a:endParaRPr lang="en-US" sz="2800" dirty="0">
+              <a:latin typeface="Calibri" charset="0"/>
+            </a:endParaRPr>
+          </a:p>
+          <a:p>
+            <a:pPr eaLnBrk="1" hangingPunct="1">
+              <a:lnSpc>
+                <a:spcPct val="80000"/>
+              </a:lnSpc>
+              <a:spcAft>
+                <a:spcPts val="600"/>
+              </a:spcAft>
+            </a:pPr>
+            <a:r>
+              <a:rPr lang="en-US" sz="2800" dirty="0">
+                <a:latin typeface="Calibri" charset="0"/>
+              </a:rPr>
+              <a:t>Email to me: write CMSC424 in the title</a:t>
+            </a:r>
+          </a:p>
+          <a:p>
+            <a:pPr lvl="1" eaLnBrk="1" hangingPunct="1">
+              <a:lnSpc>
+                <a:spcPct val="80000"/>
+              </a:lnSpc>
+              <a:spcAft>
+                <a:spcPts val="600"/>
+              </a:spcAft>
+            </a:pPr>
+            <a:r>
+              <a:rPr lang="en-US" sz="2000" dirty="0">
+                <a:latin typeface="Calibri" charset="0"/>
+              </a:rPr>
+              <a:t>Only if </a:t>
+            </a:r>
+            <a:r>
+              <a:rPr lang="en-US" sz="2000" dirty="0" err="1">
+                <a:latin typeface="Calibri" charset="0"/>
+              </a:rPr>
+              <a:t>CampusWire</a:t>
+            </a:r>
+            <a:r>
+              <a:rPr lang="en-US" sz="2000" dirty="0">
+                <a:latin typeface="Calibri" charset="0"/>
+              </a:rPr>
+              <a:t> not suitable for some reason</a:t>
+            </a:r>
+          </a:p>
+          <a:p>
+            <a:pPr lvl="1" eaLnBrk="1" hangingPunct="1">
+              <a:lnSpc>
+                <a:spcPct val="80000"/>
+              </a:lnSpc>
+              <a:spcAft>
+                <a:spcPts val="600"/>
+              </a:spcAft>
+            </a:pPr>
+            <a:r>
+              <a:rPr lang="en-US" sz="2000" dirty="0" err="1">
+                <a:latin typeface="Calibri" charset="0"/>
+              </a:rPr>
+              <a:t>CampusWire</a:t>
+            </a:r>
+            <a:r>
+              <a:rPr lang="en-US" sz="2000" dirty="0">
+                <a:latin typeface="Calibri" charset="0"/>
+              </a:rPr>
+              <a:t> allows personal messages</a:t>
+            </a:r>
+          </a:p>
+          <a:p>
+            <a:pPr lvl="1" eaLnBrk="1" hangingPunct="1">
+              <a:lnSpc>
+                <a:spcPct val="80000"/>
+              </a:lnSpc>
+              <a:spcAft>
+                <a:spcPts val="600"/>
+              </a:spcAft>
+            </a:pPr>
+            <a:endParaRPr lang="en-US" sz="2000" dirty="0">
+              <a:latin typeface="Calibri" charset="0"/>
+            </a:endParaRPr>
+          </a:p>
+          <a:p>
+            <a:r>
+              <a:rPr lang="en-US" sz="2800" dirty="0">
+                <a:latin typeface="Calibri" charset="0"/>
+              </a:rPr>
+              <a:t>TAs: </a:t>
+            </a:r>
+            <a:r>
+              <a:rPr lang="en-US" dirty="0" err="1"/>
+              <a:t>Minghui</a:t>
+            </a:r>
+            <a:r>
+              <a:rPr lang="en-US" dirty="0"/>
+              <a:t> Liu, Nitin </a:t>
+            </a:r>
+            <a:r>
+              <a:rPr lang="en-US" dirty="0" err="1"/>
+              <a:t>Balchandran</a:t>
+            </a:r>
+            <a:r>
+              <a:rPr lang="en-US" dirty="0"/>
+              <a:t>, </a:t>
+            </a:r>
+            <a:r>
+              <a:rPr lang="en-US" dirty="0" err="1"/>
+              <a:t>Qingyang</a:t>
+            </a:r>
+            <a:r>
+              <a:rPr lang="en-US" dirty="0"/>
+              <a:t> Tan, </a:t>
+            </a:r>
+            <a:r>
+              <a:rPr lang="en-US" dirty="0" err="1"/>
+              <a:t>Saptarashmi</a:t>
+            </a:r>
+            <a:r>
+              <a:rPr lang="en-US" dirty="0"/>
+              <a:t> Bandyopadhyay, </a:t>
+            </a:r>
+            <a:r>
+              <a:rPr lang="en-US" dirty="0" err="1"/>
+              <a:t>Yixuan</a:t>
+            </a:r>
+            <a:r>
+              <a:rPr lang="en-US" dirty="0"/>
+              <a:t> Ren, </a:t>
+            </a:r>
+            <a:r>
+              <a:rPr lang="en-US" dirty="0" err="1"/>
+              <a:t>Zhenghang</a:t>
+            </a:r>
+            <a:r>
+              <a:rPr lang="en-US" dirty="0"/>
+              <a:t> Hu</a:t>
+            </a:r>
+          </a:p>
+          <a:p>
+            <a:endParaRPr lang="en-US" sz="2800" dirty="0">
+              <a:latin typeface="Calibri" charset="0"/>
+            </a:endParaRPr>
+          </a:p>
+        </p:txBody>
+      </p:sp>
+      <p:sp>
+        <p:nvSpPr>
+          <p:cNvPr id="448514" name="Rectangle 2"/>
+          <p:cNvSpPr>
+            <a:spLocks noGrp="1" noChangeArrowheads="1"/>
+          </p:cNvSpPr>
+          <p:nvPr>
+            <p:ph type="title"/>
+          </p:nvPr>
+        </p:nvSpPr>
+        <p:spPr/>
+        <p:txBody>
+          <a:bodyPr/>
+          <a:lstStyle/>
+          <a:p>
+            <a:pPr eaLnBrk="1" fontAlgn="auto" hangingPunct="1">
+              <a:spcAft>
+                <a:spcPts val="0"/>
+              </a:spcAft>
+              <a:defRPr/>
+            </a:pPr>
+            <a:r>
+              <a:rPr lang="en-US" dirty="0"/>
+              <a:t>Logistics</a:t>
+            </a:r>
+            <a:endParaRPr lang="en-US" dirty="0">
+              <a:ea typeface="+mj-ea"/>
+              <a:cs typeface="+mj-cs"/>
+            </a:endParaRPr>
+          </a:p>
+        </p:txBody>
+      </p:sp>
+    </p:spTree>
+    <p:extLst>
+      <p:ext uri="{BB962C8B-B14F-4D97-AF65-F5344CB8AC3E}">
+        <p14:creationId xmlns:p14="http://schemas.microsoft.com/office/powerpoint/2010/main" val="2193285777"/>
+      </p:ext>
+    </p:extLst>
+  </p:cSld>
+  <p:clrMapOvr>
+    <a:masterClrMapping/>
+  </p:clrMapOvr>
+</p:sld>
+</file>
+
+<file path=ppt/slides/slide50.xml><?xml version="1.0" encoding="utf-8"?>
 <p:sld xmlns:a="http://schemas.openxmlformats.org/drawingml/2006/main" xmlns:r="http://schemas.openxmlformats.org/officeDocument/2006/relationships" xmlns:p="http://schemas.openxmlformats.org/presentationml/2006/main">
   <p:cSld>
     <p:spTree>
@@ -23681,7 +24077,7 @@
 </p:sld>
 </file>
 
-<file path=ppt/slides/slide52.xml><?xml version="1.0" encoding="utf-8"?>
+<file path=ppt/slides/slide51.xml><?xml version="1.0" encoding="utf-8"?>
 <p:sld xmlns:a="http://schemas.openxmlformats.org/drawingml/2006/main" xmlns:r="http://schemas.openxmlformats.org/officeDocument/2006/relationships" xmlns:p="http://schemas.openxmlformats.org/presentationml/2006/main">
   <p:cSld>
     <p:spTree>
@@ -24063,7 +24459,7 @@
 </p:sld>
 </file>
 
-<file path=ppt/slides/slide53.xml><?xml version="1.0" encoding="utf-8"?>
+<file path=ppt/slides/slide52.xml><?xml version="1.0" encoding="utf-8"?>
 <p:sld xmlns:a="http://schemas.openxmlformats.org/drawingml/2006/main" xmlns:r="http://schemas.openxmlformats.org/officeDocument/2006/relationships" xmlns:p="http://schemas.openxmlformats.org/presentationml/2006/main">
   <p:cSld>
     <p:spTree>
@@ -24262,7 +24658,7 @@
 </p:sld>
 </file>
 
-<file path=ppt/slides/slide54.xml><?xml version="1.0" encoding="utf-8"?>
+<file path=ppt/slides/slide53.xml><?xml version="1.0" encoding="utf-8"?>
 <p:sld xmlns:a="http://schemas.openxmlformats.org/drawingml/2006/main" xmlns:r="http://schemas.openxmlformats.org/officeDocument/2006/relationships" xmlns:p="http://schemas.openxmlformats.org/presentationml/2006/main">
   <p:cSld>
     <p:spTree>
@@ -24510,7 +24906,7 @@
 </p:sld>
 </file>
 
-<file path=ppt/slides/slide55.xml><?xml version="1.0" encoding="utf-8"?>
+<file path=ppt/slides/slide54.xml><?xml version="1.0" encoding="utf-8"?>
 <p:sld xmlns:a="http://schemas.openxmlformats.org/drawingml/2006/main" xmlns:r="http://schemas.openxmlformats.org/officeDocument/2006/relationships" xmlns:p="http://schemas.openxmlformats.org/presentationml/2006/main">
   <p:cSld>
     <p:spTree>
@@ -24763,7 +25159,7 @@
 </p:sld>
 </file>
 
-<file path=ppt/slides/slide56.xml><?xml version="1.0" encoding="utf-8"?>
+<file path=ppt/slides/slide55.xml><?xml version="1.0" encoding="utf-8"?>
 <p:sld xmlns:a="http://schemas.openxmlformats.org/drawingml/2006/main" xmlns:r="http://schemas.openxmlformats.org/officeDocument/2006/relationships" xmlns:p="http://schemas.openxmlformats.org/presentationml/2006/main">
   <p:cSld>
     <p:spTree>
@@ -26367,7 +26763,7 @@
 </p:sld>
 </file>
 
-<file path=ppt/slides/slide57.xml><?xml version="1.0" encoding="utf-8"?>
+<file path=ppt/slides/slide56.xml><?xml version="1.0" encoding="utf-8"?>
 <p:sld xmlns:a="http://schemas.openxmlformats.org/drawingml/2006/main" xmlns:r="http://schemas.openxmlformats.org/officeDocument/2006/relationships" xmlns:p="http://schemas.openxmlformats.org/presentationml/2006/main">
   <p:cSld>
     <p:spTree>
@@ -26559,7 +26955,7 @@
 </p:sld>
 </file>
 
-<file path=ppt/slides/slide58.xml><?xml version="1.0" encoding="utf-8"?>
+<file path=ppt/slides/slide57.xml><?xml version="1.0" encoding="utf-8"?>
 <p:sld xmlns:a="http://schemas.openxmlformats.org/drawingml/2006/main" xmlns:r="http://schemas.openxmlformats.org/officeDocument/2006/relationships" xmlns:p="http://schemas.openxmlformats.org/presentationml/2006/main">
   <p:cSld>
     <p:spTree>

--- a/Slides/01-Introduction.pptx
+++ b/Slides/01-Introduction.pptx
@@ -23204,7 +23204,7 @@
               </a:spcAft>
             </a:pPr>
             <a:r>
-              <a:rPr lang="en-US" sz="2800" dirty="0">
+              <a:rPr lang="en-US" sz="2400" dirty="0">
                 <a:latin typeface="Calibri" charset="0"/>
               </a:rPr>
               <a:t>Instructor: Amol Deshpande</a:t>
@@ -23220,11 +23220,21 @@
               </a:spcAft>
             </a:pPr>
             <a:r>
-              <a:rPr lang="en-US" sz="2400" dirty="0">
-                <a:latin typeface="Calibri" charset="0"/>
-              </a:rPr>
-              <a:t>5154 IRB</a:t>
-            </a:r>
+              <a:rPr lang="en-US" sz="2000" dirty="0">
+                <a:latin typeface="Calibri" charset="0"/>
+              </a:rPr>
+              <a:t>5154 IRB, </a:t>
+            </a:r>
+            <a:r>
+              <a:rPr lang="en-US" sz="2000" dirty="0">
+                <a:latin typeface="Calibri" charset="0"/>
+                <a:hlinkClick r:id="rId3"/>
+              </a:rPr>
+              <a:t>amol@umd.edu</a:t>
+            </a:r>
+            <a:endParaRPr lang="en-US" sz="2000" dirty="0">
+              <a:latin typeface="Calibri" charset="0"/>
+            </a:endParaRPr>
           </a:p>
           <a:p>
             <a:pPr lvl="1" eaLnBrk="1" hangingPunct="1">
@@ -23236,113 +23246,14 @@
               </a:spcAft>
             </a:pPr>
             <a:r>
-              <a:rPr lang="en-US" sz="2400" dirty="0">
-                <a:latin typeface="Calibri" charset="0"/>
-                <a:hlinkClick r:id="rId3"/>
-              </a:rPr>
-              <a:t>amol@umd.edu</a:t>
-            </a:r>
-            <a:endParaRPr lang="en-US" sz="2400" dirty="0">
-              <a:latin typeface="Calibri" charset="0"/>
-            </a:endParaRPr>
-          </a:p>
-          <a:p>
-            <a:pPr lvl="1" eaLnBrk="1" hangingPunct="1">
-              <a:lnSpc>
-                <a:spcPct val="80000"/>
-              </a:lnSpc>
-              <a:spcAft>
-                <a:spcPts val="600"/>
-              </a:spcAft>
-            </a:pPr>
-            <a:r>
-              <a:rPr lang="en-US" sz="2400" dirty="0">
-                <a:latin typeface="Calibri" charset="0"/>
-              </a:rPr>
-              <a:t>Class Webpage: 	ELMS</a:t>
-            </a:r>
-          </a:p>
-          <a:p>
-            <a:pPr lvl="1" eaLnBrk="1" hangingPunct="1">
-              <a:lnSpc>
-                <a:spcPct val="80000"/>
-              </a:lnSpc>
-              <a:spcAft>
-                <a:spcPts val="600"/>
-              </a:spcAft>
-            </a:pPr>
-            <a:endParaRPr lang="en-US" sz="2800" dirty="0">
-              <a:latin typeface="Calibri" charset="0"/>
-            </a:endParaRPr>
-          </a:p>
-          <a:p>
-            <a:pPr eaLnBrk="1" hangingPunct="1">
-              <a:lnSpc>
-                <a:spcPct val="80000"/>
-              </a:lnSpc>
-              <a:spcAft>
-                <a:spcPts val="600"/>
-              </a:spcAft>
-            </a:pPr>
-            <a:r>
-              <a:rPr lang="en-US" sz="2800" dirty="0">
-                <a:latin typeface="Calibri" charset="0"/>
-              </a:rPr>
-              <a:t>Email to me: write CMSC424 in the title</a:t>
-            </a:r>
-          </a:p>
-          <a:p>
-            <a:pPr lvl="1" eaLnBrk="1" hangingPunct="1">
-              <a:lnSpc>
-                <a:spcPct val="80000"/>
-              </a:lnSpc>
-              <a:spcAft>
-                <a:spcPts val="600"/>
-              </a:spcAft>
-            </a:pPr>
-            <a:r>
               <a:rPr lang="en-US" sz="2000" dirty="0">
                 <a:latin typeface="Calibri" charset="0"/>
               </a:rPr>
-              <a:t>Only if </a:t>
-            </a:r>
-            <a:r>
-              <a:rPr lang="en-US" sz="2000" dirty="0" err="1">
-                <a:latin typeface="Calibri" charset="0"/>
-              </a:rPr>
-              <a:t>CampusWire</a:t>
-            </a:r>
-            <a:r>
-              <a:rPr lang="en-US" sz="2000" dirty="0">
-                <a:latin typeface="Calibri" charset="0"/>
-              </a:rPr>
-              <a:t> not suitable for some reason</a:t>
-            </a:r>
-          </a:p>
-          <a:p>
-            <a:pPr lvl="1" eaLnBrk="1" hangingPunct="1">
-              <a:lnSpc>
-                <a:spcPct val="80000"/>
-              </a:lnSpc>
-              <a:spcAft>
-                <a:spcPts val="600"/>
-              </a:spcAft>
-            </a:pPr>
-            <a:r>
-              <a:rPr lang="en-US" sz="2000" dirty="0" err="1">
-                <a:latin typeface="Calibri" charset="0"/>
-              </a:rPr>
-              <a:t>CampusWire</a:t>
-            </a:r>
-            <a:r>
-              <a:rPr lang="en-US" sz="2000" dirty="0">
-                <a:latin typeface="Calibri" charset="0"/>
-              </a:rPr>
-              <a:t> allows personal messages</a:t>
-            </a:r>
-          </a:p>
-          <a:p>
-            <a:pPr lvl="1" eaLnBrk="1" hangingPunct="1">
+              <a:t>Class Webpage: ELMS</a:t>
+            </a:r>
+          </a:p>
+          <a:p>
+            <a:pPr lvl="3" eaLnBrk="1" hangingPunct="1">
               <a:lnSpc>
                 <a:spcPct val="80000"/>
               </a:lnSpc>
@@ -23355,63 +23266,206 @@
             </a:endParaRPr>
           </a:p>
           <a:p>
-            <a:r>
-              <a:rPr lang="en-US" sz="2800" dirty="0">
+            <a:pPr eaLnBrk="1" hangingPunct="1">
+              <a:lnSpc>
+                <a:spcPct val="80000"/>
+              </a:lnSpc>
+              <a:spcAft>
+                <a:spcPts val="600"/>
+              </a:spcAft>
+            </a:pPr>
+            <a:r>
+              <a:rPr lang="en-US" sz="2400" dirty="0">
+                <a:latin typeface="Calibri" charset="0"/>
+              </a:rPr>
+              <a:t>Email to me: write CMSC424 in the title</a:t>
+            </a:r>
+          </a:p>
+          <a:p>
+            <a:pPr lvl="1" eaLnBrk="1" hangingPunct="1">
+              <a:lnSpc>
+                <a:spcPct val="80000"/>
+              </a:lnSpc>
+              <a:spcAft>
+                <a:spcPts val="600"/>
+              </a:spcAft>
+            </a:pPr>
+            <a:r>
+              <a:rPr lang="en-US" sz="1800" dirty="0">
+                <a:latin typeface="Calibri" charset="0"/>
+              </a:rPr>
+              <a:t>Only if </a:t>
+            </a:r>
+            <a:r>
+              <a:rPr lang="en-US" sz="1800" dirty="0" err="1">
+                <a:latin typeface="Calibri" charset="0"/>
+              </a:rPr>
+              <a:t>CampusWire</a:t>
+            </a:r>
+            <a:r>
+              <a:rPr lang="en-US" sz="1800" dirty="0">
+                <a:latin typeface="Calibri" charset="0"/>
+              </a:rPr>
+              <a:t> not suitable for some reason</a:t>
+            </a:r>
+          </a:p>
+          <a:p>
+            <a:pPr lvl="1" eaLnBrk="1" hangingPunct="1">
+              <a:lnSpc>
+                <a:spcPct val="80000"/>
+              </a:lnSpc>
+              <a:spcAft>
+                <a:spcPts val="600"/>
+              </a:spcAft>
+            </a:pPr>
+            <a:r>
+              <a:rPr lang="en-US" sz="1800" dirty="0" err="1">
+                <a:latin typeface="Calibri" charset="0"/>
+              </a:rPr>
+              <a:t>CampusWire</a:t>
+            </a:r>
+            <a:r>
+              <a:rPr lang="en-US" sz="1800" dirty="0">
+                <a:latin typeface="Calibri" charset="0"/>
+              </a:rPr>
+              <a:t> allows personal messages</a:t>
+            </a:r>
+          </a:p>
+          <a:p>
+            <a:pPr lvl="3" eaLnBrk="1" hangingPunct="1">
+              <a:lnSpc>
+                <a:spcPct val="80000"/>
+              </a:lnSpc>
+              <a:spcAft>
+                <a:spcPts val="600"/>
+              </a:spcAft>
+            </a:pPr>
+            <a:endParaRPr lang="en-US" sz="1400" dirty="0">
+              <a:latin typeface="Calibri" charset="0"/>
+            </a:endParaRPr>
+          </a:p>
+          <a:p>
+            <a:pPr eaLnBrk="1" hangingPunct="1">
+              <a:lnSpc>
+                <a:spcPct val="80000"/>
+              </a:lnSpc>
+              <a:spcAft>
+                <a:spcPts val="600"/>
+              </a:spcAft>
+            </a:pPr>
+            <a:r>
+              <a:rPr lang="en-US" sz="2000" b="1" dirty="0">
+                <a:solidFill>
+                  <a:srgbClr val="C00000"/>
+                </a:solidFill>
+                <a:latin typeface="Calibri" charset="0"/>
+              </a:rPr>
+              <a:t>Won’t be able to stick around after class for long (for first few classes)</a:t>
+            </a:r>
+          </a:p>
+          <a:p>
+            <a:pPr lvl="1" eaLnBrk="1" hangingPunct="1">
+              <a:lnSpc>
+                <a:spcPct val="80000"/>
+              </a:lnSpc>
+              <a:spcAft>
+                <a:spcPts val="600"/>
+              </a:spcAft>
+            </a:pPr>
+            <a:r>
+              <a:rPr lang="en-US" sz="1800" dirty="0">
+                <a:latin typeface="Calibri" charset="0"/>
+              </a:rPr>
+              <a:t>Stop by (virtual) office hours tomorrow or Wednesday, or schedule separately</a:t>
+            </a:r>
+          </a:p>
+          <a:p>
+            <a:pPr lvl="1" eaLnBrk="1" hangingPunct="1">
+              <a:lnSpc>
+                <a:spcPct val="80000"/>
+              </a:lnSpc>
+              <a:spcAft>
+                <a:spcPts val="600"/>
+              </a:spcAft>
+            </a:pPr>
+            <a:r>
+              <a:rPr lang="en-US" sz="1800" dirty="0">
+                <a:latin typeface="Calibri" charset="0"/>
+              </a:rPr>
+              <a:t>Will post final office hours later today</a:t>
+            </a:r>
+          </a:p>
+          <a:p>
+            <a:pPr lvl="2" eaLnBrk="1" hangingPunct="1">
+              <a:lnSpc>
+                <a:spcPct val="80000"/>
+              </a:lnSpc>
+              <a:spcAft>
+                <a:spcPts val="600"/>
+              </a:spcAft>
+            </a:pPr>
+            <a:endParaRPr lang="en-US" sz="1600" dirty="0">
+              <a:latin typeface="Calibri" charset="0"/>
+            </a:endParaRPr>
+          </a:p>
+          <a:p>
+            <a:r>
+              <a:rPr lang="en-US" sz="2400" dirty="0">
                 <a:latin typeface="Calibri" charset="0"/>
               </a:rPr>
               <a:t>TAs: </a:t>
             </a:r>
             <a:r>
-              <a:rPr lang="en-US" dirty="0" err="1"/>
+              <a:rPr lang="en-US" sz="2400" dirty="0" err="1"/>
               <a:t>Minghui</a:t>
             </a:r>
             <a:r>
-              <a:rPr lang="en-US" dirty="0"/>
+              <a:rPr lang="en-US" sz="2400" dirty="0"/>
               <a:t> Liu, Nitin </a:t>
             </a:r>
             <a:r>
-              <a:rPr lang="en-US" dirty="0" err="1"/>
+              <a:rPr lang="en-US" sz="2400" dirty="0" err="1"/>
               <a:t>Balchandran</a:t>
             </a:r>
             <a:r>
-              <a:rPr lang="en-US" dirty="0"/>
+              <a:rPr lang="en-US" sz="2400" dirty="0"/>
               <a:t>, </a:t>
             </a:r>
             <a:r>
-              <a:rPr lang="en-US" dirty="0" err="1"/>
+              <a:rPr lang="en-US" sz="2400" dirty="0" err="1"/>
               <a:t>Qingyang</a:t>
             </a:r>
             <a:r>
-              <a:rPr lang="en-US" dirty="0"/>
+              <a:rPr lang="en-US" sz="2400" dirty="0"/>
               <a:t> Tan, </a:t>
             </a:r>
             <a:r>
-              <a:rPr lang="en-US" dirty="0" err="1"/>
+              <a:rPr lang="en-US" sz="2400" dirty="0" err="1"/>
               <a:t>Saptarashmi</a:t>
             </a:r>
             <a:r>
-              <a:rPr lang="en-US" dirty="0"/>
+              <a:rPr lang="en-US" sz="2400" dirty="0"/>
               <a:t> Bandyopadhyay, </a:t>
             </a:r>
             <a:r>
-              <a:rPr lang="en-US" dirty="0" err="1"/>
+              <a:rPr lang="en-US" sz="2400" dirty="0" err="1"/>
               <a:t>Yixuan</a:t>
             </a:r>
             <a:r>
-              <a:rPr lang="en-US" dirty="0"/>
+              <a:rPr lang="en-US" sz="2400" dirty="0"/>
               <a:t> Ren, </a:t>
             </a:r>
             <a:r>
-              <a:rPr lang="en-US" dirty="0" err="1"/>
+              <a:rPr lang="en-US" sz="2400" dirty="0" err="1"/>
               <a:t>Zhenghang</a:t>
             </a:r>
             <a:r>
-              <a:rPr lang="en-US" dirty="0"/>
+              <a:rPr lang="en-US" sz="2400" dirty="0"/>
               <a:t> Hu</a:t>
             </a:r>
           </a:p>
           <a:p>
-            <a:endParaRPr lang="en-US" sz="2800" dirty="0">
+            <a:endParaRPr lang="en-US" sz="2400" dirty="0">
               <a:latin typeface="Calibri" charset="0"/>
             </a:endParaRPr>
           </a:p>
